--- a/docs/diagrams.pptx
+++ b/docs/diagrams.pptx
@@ -276,7 +276,7 @@
               <a:pPr>
                 <a:defRPr/>
               </a:pPr>
-              <a:t>8/22/19</a:t>
+              <a:t>8/23/19</a:t>
             </a:fld>
             <a:endParaRPr lang="en-US" dirty="0"/>
           </a:p>
@@ -8989,7 +8989,7 @@
             <a:effectLst/>
             <a:extLst>
               <a:ext uri="{C572A759-6A51-4108-AA02-DFA0A04FC94B}">
-                <ma14:wrappingTextBoxFlag xmlns:ma14="http://schemas.microsoft.com/office/mac/drawingml/2011/main" xmlns="" val="1"/>
+                <ma14:wrappingTextBoxFlag xmlns="" xmlns:ma14="http://schemas.microsoft.com/office/mac/drawingml/2011/main" val="1"/>
               </a:ext>
             </a:extLst>
           </p:spPr>
@@ -11119,7 +11119,7 @@
             <a:effectLst/>
             <a:extLst>
               <a:ext uri="{C572A759-6A51-4108-AA02-DFA0A04FC94B}">
-                <ma14:wrappingTextBoxFlag xmlns:ma14="http://schemas.microsoft.com/office/mac/drawingml/2011/main" xmlns="" val="1"/>
+                <ma14:wrappingTextBoxFlag xmlns="" xmlns:ma14="http://schemas.microsoft.com/office/mac/drawingml/2011/main" val="1"/>
               </a:ext>
             </a:extLst>
           </p:spPr>
@@ -12764,6 +12764,87 @@
       </p:grpSpPr>
       <p:sp>
         <p:nvSpPr>
+          <p:cNvPr id="55" name="Rounded Rectangle 54">
+            <a:extLst>
+              <a:ext uri="{FF2B5EF4-FFF2-40B4-BE49-F238E27FC236}">
+                <a16:creationId xmlns:a16="http://schemas.microsoft.com/office/drawing/2014/main" id="{BCDB838F-03AA-0041-B23E-D4E797C3F296}"/>
+              </a:ext>
+            </a:extLst>
+          </p:cNvPr>
+          <p:cNvSpPr/>
+          <p:nvPr/>
+        </p:nvSpPr>
+        <p:spPr>
+          <a:xfrm>
+            <a:off x="6631706" y="1596898"/>
+            <a:ext cx="2478145" cy="2045537"/>
+          </a:xfrm>
+          <a:prstGeom prst="roundRect">
+            <a:avLst>
+              <a:gd name="adj" fmla="val 3460"/>
+            </a:avLst>
+          </a:prstGeom>
+          <a:ln>
+            <a:noFill/>
+          </a:ln>
+        </p:spPr>
+        <p:style>
+          <a:lnRef idx="2">
+            <a:schemeClr val="accent1">
+              <a:shade val="50000"/>
+            </a:schemeClr>
+          </a:lnRef>
+          <a:fillRef idx="1">
+            <a:schemeClr val="accent1"/>
+          </a:fillRef>
+          <a:effectRef idx="0">
+            <a:schemeClr val="accent1"/>
+          </a:effectRef>
+          <a:fontRef idx="minor">
+            <a:schemeClr val="lt1"/>
+          </a:fontRef>
+        </p:style>
+        <p:txBody>
+          <a:bodyPr rtlCol="0" anchor="ctr"/>
+          <a:lstStyle/>
+          <a:p>
+            <a:pPr algn="ctr"/>
+            <a:endParaRPr lang="en-US"/>
+          </a:p>
+        </p:txBody>
+      </p:sp>
+      <p:pic>
+        <p:nvPicPr>
+          <p:cNvPr id="57" name="Picture 56">
+            <a:extLst>
+              <a:ext uri="{FF2B5EF4-FFF2-40B4-BE49-F238E27FC236}">
+                <a16:creationId xmlns:a16="http://schemas.microsoft.com/office/drawing/2014/main" id="{8E1A8EFC-A075-DB4B-B16F-8A2770920E88}"/>
+              </a:ext>
+            </a:extLst>
+          </p:cNvPr>
+          <p:cNvPicPr>
+            <a:picLocks noChangeAspect="1"/>
+          </p:cNvPicPr>
+          <p:nvPr/>
+        </p:nvPicPr>
+        <p:blipFill>
+          <a:blip r:embed="rId3"/>
+          <a:stretch>
+            <a:fillRect/>
+          </a:stretch>
+        </p:blipFill>
+        <p:spPr>
+          <a:xfrm>
+            <a:off x="7779916" y="2940407"/>
+            <a:ext cx="1302236" cy="544571"/>
+          </a:xfrm>
+          <a:prstGeom prst="rect">
+            <a:avLst/>
+          </a:prstGeom>
+        </p:spPr>
+      </p:pic>
+      <p:sp>
+        <p:nvSpPr>
           <p:cNvPr id="40" name="Rounded Rectangle 39">
             <a:extLst>
               <a:ext uri="{FF2B5EF4-FFF2-40B4-BE49-F238E27FC236}">
@@ -13602,12 +13683,12 @@
           <p:nvPr/>
         </p:nvPicPr>
         <p:blipFill>
-          <a:blip r:embed="rId3">
+          <a:blip r:embed="rId4">
             <a:biLevel thresh="75000"/>
             <a:extLst>
               <a:ext uri="{BEBA8EAE-BF5A-486C-A8C5-ECC9F3942E4B}">
                 <a14:imgProps xmlns:a14="http://schemas.microsoft.com/office/drawing/2010/main">
-                  <a14:imgLayer r:embed="rId4">
+                  <a14:imgLayer r:embed="rId5">
                     <a14:imgEffect>
                       <a14:artisticPhotocopy/>
                     </a14:imgEffect>
@@ -14506,7 +14587,7 @@
           <p:nvPr/>
         </p:nvPicPr>
         <p:blipFill>
-          <a:blip r:embed="rId5">
+          <a:blip r:embed="rId6">
             <a:extLst>
               <a:ext uri="{28A0092B-C50C-407E-A947-70E740481C1C}">
                 <a14:useLocalDpi xmlns:a14="http://schemas.microsoft.com/office/drawing/2010/main" val="0"/>
@@ -14566,7 +14647,7 @@
           <p:nvPr/>
         </p:nvPicPr>
         <p:blipFill>
-          <a:blip r:embed="rId6"/>
+          <a:blip r:embed="rId7"/>
           <a:stretch>
             <a:fillRect/>
           </a:stretch>
@@ -14596,7 +14677,7 @@
           <p:nvPr/>
         </p:nvPicPr>
         <p:blipFill>
-          <a:blip r:embed="rId7">
+          <a:blip r:embed="rId8">
             <a:extLst>
               <a:ext uri="{28A0092B-C50C-407E-A947-70E740481C1C}">
                 <a14:useLocalDpi xmlns:a14="http://schemas.microsoft.com/office/drawing/2010/main" val="0"/>
@@ -14746,7 +14827,7 @@
           <p:nvPr/>
         </p:nvPicPr>
         <p:blipFill>
-          <a:blip r:embed="rId8"/>
+          <a:blip r:embed="rId3"/>
           <a:stretch>
             <a:fillRect/>
           </a:stretch>
@@ -15756,6 +15837,66 @@
           </a:fontRef>
         </p:style>
       </p:cxnSp>
+      <p:pic>
+        <p:nvPicPr>
+          <p:cNvPr id="56" name="Picture 40">
+            <a:extLst>
+              <a:ext uri="{FF2B5EF4-FFF2-40B4-BE49-F238E27FC236}">
+                <a16:creationId xmlns:a16="http://schemas.microsoft.com/office/drawing/2014/main" id="{1A1BFCF5-E8F6-6A42-B2B8-BFD66819149B}"/>
+              </a:ext>
+            </a:extLst>
+          </p:cNvPr>
+          <p:cNvPicPr>
+            <a:picLocks noChangeAspect="1"/>
+          </p:cNvPicPr>
+          <p:nvPr/>
+        </p:nvPicPr>
+        <p:blipFill>
+          <a:blip r:embed="rId6">
+            <a:extLst>
+              <a:ext uri="{28A0092B-C50C-407E-A947-70E740481C1C}">
+                <a14:useLocalDpi xmlns:a14="http://schemas.microsoft.com/office/drawing/2010/main" val="0"/>
+              </a:ext>
+            </a:extLst>
+          </a:blip>
+          <a:srcRect/>
+          <a:stretch>
+            <a:fillRect/>
+          </a:stretch>
+        </p:blipFill>
+        <p:spPr bwMode="auto">
+          <a:xfrm>
+            <a:off x="6185507" y="2436123"/>
+            <a:ext cx="1414200" cy="524101"/>
+          </a:xfrm>
+          <a:prstGeom prst="rect">
+            <a:avLst/>
+          </a:prstGeom>
+          <a:noFill/>
+          <a:ln>
+            <a:noFill/>
+          </a:ln>
+          <a:extLst>
+            <a:ext uri="{909E8E84-426E-40DD-AFC4-6F175D3DCCD1}">
+              <a14:hiddenFill xmlns:a14="http://schemas.microsoft.com/office/drawing/2010/main">
+                <a:solidFill>
+                  <a:srgbClr val="FFFFFF"/>
+                </a:solidFill>
+              </a14:hiddenFill>
+            </a:ext>
+            <a:ext uri="{91240B29-F687-4F45-9708-019B960494DF}">
+              <a14:hiddenLine xmlns:a14="http://schemas.microsoft.com/office/drawing/2010/main" w="9525">
+                <a:solidFill>
+                  <a:srgbClr val="000000"/>
+                </a:solidFill>
+                <a:miter lim="800000"/>
+                <a:headEnd/>
+                <a:tailEnd/>
+              </a14:hiddenLine>
+            </a:ext>
+          </a:extLst>
+        </p:spPr>
+      </p:pic>
     </p:spTree>
     <p:extLst>
       <p:ext uri="{BB962C8B-B14F-4D97-AF65-F5344CB8AC3E}">

--- a/docs/diagrams.pptx
+++ b/docs/diagrams.pptx
@@ -276,7 +276,7 @@
               <a:pPr>
                 <a:defRPr/>
               </a:pPr>
-              <a:t>8/23/19</a:t>
+              <a:t>8/26/19</a:t>
             </a:fld>
             <a:endParaRPr lang="en-US" dirty="0"/>
           </a:p>
@@ -8989,7 +8989,7 @@
             <a:effectLst/>
             <a:extLst>
               <a:ext uri="{C572A759-6A51-4108-AA02-DFA0A04FC94B}">
-                <ma14:wrappingTextBoxFlag xmlns="" xmlns:ma14="http://schemas.microsoft.com/office/mac/drawingml/2011/main" val="1"/>
+                <ma14:wrappingTextBoxFlag xmlns:ma14="http://schemas.microsoft.com/office/mac/drawingml/2011/main" xmlns="" val="1"/>
               </a:ext>
             </a:extLst>
           </p:spPr>
@@ -11119,7 +11119,7 @@
             <a:effectLst/>
             <a:extLst>
               <a:ext uri="{C572A759-6A51-4108-AA02-DFA0A04FC94B}">
-                <ma14:wrappingTextBoxFlag xmlns="" xmlns:ma14="http://schemas.microsoft.com/office/mac/drawingml/2011/main" val="1"/>
+                <ma14:wrappingTextBoxFlag xmlns:ma14="http://schemas.microsoft.com/office/mac/drawingml/2011/main" xmlns="" val="1"/>
               </a:ext>
             </a:extLst>
           </p:spPr>
@@ -16443,6 +16443,36 @@
           </a:p>
         </p:txBody>
       </p:sp>
+      <p:pic>
+        <p:nvPicPr>
+          <p:cNvPr id="12" name="Picture 11">
+            <a:extLst>
+              <a:ext uri="{FF2B5EF4-FFF2-40B4-BE49-F238E27FC236}">
+                <a16:creationId xmlns:a16="http://schemas.microsoft.com/office/drawing/2014/main" id="{78143322-85CF-C948-BB84-C013BE625A7D}"/>
+              </a:ext>
+            </a:extLst>
+          </p:cNvPr>
+          <p:cNvPicPr>
+            <a:picLocks noChangeAspect="1"/>
+          </p:cNvPicPr>
+          <p:nvPr/>
+        </p:nvPicPr>
+        <p:blipFill>
+          <a:blip r:embed="rId3"/>
+          <a:stretch>
+            <a:fillRect/>
+          </a:stretch>
+        </p:blipFill>
+        <p:spPr>
+          <a:xfrm>
+            <a:off x="2304341" y="4137249"/>
+            <a:ext cx="1010735" cy="680699"/>
+          </a:xfrm>
+          <a:prstGeom prst="rect">
+            <a:avLst/>
+          </a:prstGeom>
+        </p:spPr>
+      </p:pic>
     </p:spTree>
     <p:extLst>
       <p:ext uri="{BB962C8B-B14F-4D97-AF65-F5344CB8AC3E}">

--- a/docs/diagrams.pptx
+++ b/docs/diagrams.pptx
@@ -6923,8 +6923,8 @@
         </p:nvSpPr>
         <p:spPr>
           <a:xfrm>
-            <a:off x="930245" y="2834579"/>
-            <a:ext cx="630301" cy="912814"/>
+            <a:off x="920954" y="2929836"/>
+            <a:ext cx="668773" cy="707694"/>
           </a:xfrm>
           <a:prstGeom prst="rect">
             <a:avLst/>
@@ -6938,13 +6938,9 @@
           <a:lstStyle/>
           <a:p>
             <a:r>
-              <a:rPr lang="en-US" sz="1333" dirty="0" err="1"/>
-              <a:t>mqtt</a:t>
-            </a:r>
-            <a:endParaRPr lang="en-US" sz="1333" dirty="0"/>
-          </a:p>
-          <a:p>
-            <a:endParaRPr lang="en-US" sz="1333" dirty="0"/>
+              <a:rPr lang="en-US" sz="1333" dirty="0"/>
+              <a:t>MQTT</a:t>
+            </a:r>
           </a:p>
           <a:p>
             <a:endParaRPr lang="en-US" sz="1333" dirty="0"/>
@@ -8471,45 +8467,7 @@
                 <a:ea typeface="+mn-ea"/>
                 <a:cs typeface="+mn-cs"/>
               </a:rPr>
-              <a:t>Order </a:t>
-            </a:r>
-            <a:r>
-              <a:rPr kumimoji="0" lang="en-US" sz="1200" b="0" i="0" u="none" strike="noStrike" kern="1200" cap="none" spc="0" normalizeH="0" baseline="0" noProof="0" dirty="0" err="1">
-                <a:ln>
-                  <a:noFill/>
-                </a:ln>
-                <a:solidFill>
-                  <a:srgbClr val="5596E6">
-                    <a:lumMod val="50000"/>
-                  </a:srgbClr>
-                </a:solidFill>
-                <a:effectLst/>
-                <a:uLnTx/>
-                <a:uFillTx/>
-                <a:latin typeface="Arial"/>
-                <a:ea typeface="+mn-ea"/>
-                <a:cs typeface="+mn-cs"/>
-              </a:rPr>
-              <a:t>Mgt</a:t>
-            </a:r>
-            <a:r>
-              <a:rPr kumimoji="0" lang="en-US" sz="1200" b="0" i="0" u="none" strike="noStrike" kern="1200" cap="none" spc="0" normalizeH="0" baseline="0" noProof="0" dirty="0">
-                <a:ln>
-                  <a:noFill/>
-                </a:ln>
-                <a:solidFill>
-                  <a:srgbClr val="5596E6">
-                    <a:lumMod val="50000"/>
-                  </a:srgbClr>
-                </a:solidFill>
-                <a:effectLst/>
-                <a:uLnTx/>
-                <a:uFillTx/>
-                <a:latin typeface="Arial"/>
-                <a:ea typeface="+mn-ea"/>
-                <a:cs typeface="+mn-cs"/>
-              </a:rPr>
-              <a:t> MS</a:t>
+              <a:t>Order Mgt MS</a:t>
             </a:r>
           </a:p>
         </p:txBody>
@@ -8641,45 +8599,7 @@
                 <a:ea typeface="+mn-ea"/>
                 <a:cs typeface="+mn-cs"/>
               </a:rPr>
-              <a:t> </a:t>
-            </a:r>
-            <a:r>
-              <a:rPr kumimoji="0" lang="en-US" sz="1200" b="0" i="0" u="none" strike="noStrike" kern="1200" cap="none" spc="0" normalizeH="0" baseline="0" noProof="0" dirty="0" err="1">
-                <a:ln>
-                  <a:noFill/>
-                </a:ln>
-                <a:solidFill>
-                  <a:srgbClr val="5596E6">
-                    <a:lumMod val="50000"/>
-                  </a:srgbClr>
-                </a:solidFill>
-                <a:effectLst/>
-                <a:uLnTx/>
-                <a:uFillTx/>
-                <a:latin typeface="Arial"/>
-                <a:ea typeface="+mn-ea"/>
-                <a:cs typeface="+mn-cs"/>
-              </a:rPr>
-              <a:t>Mgt</a:t>
-            </a:r>
-            <a:r>
-              <a:rPr kumimoji="0" lang="en-US" sz="1200" b="0" i="0" u="none" strike="noStrike" kern="1200" cap="none" spc="0" normalizeH="0" baseline="0" noProof="0" dirty="0">
-                <a:ln>
-                  <a:noFill/>
-                </a:ln>
-                <a:solidFill>
-                  <a:srgbClr val="5596E6">
-                    <a:lumMod val="50000"/>
-                  </a:srgbClr>
-                </a:solidFill>
-                <a:effectLst/>
-                <a:uLnTx/>
-                <a:uFillTx/>
-                <a:latin typeface="Arial"/>
-                <a:ea typeface="+mn-ea"/>
-                <a:cs typeface="+mn-cs"/>
-              </a:rPr>
-              <a:t> MS</a:t>
+              <a:t> Mgt MS</a:t>
             </a:r>
           </a:p>
         </p:txBody>
@@ -11638,7 +11558,7 @@
           <a:lstStyle/>
           <a:p>
             <a:r>
-              <a:rPr lang="en-US" sz="1050" dirty="0" err="1">
+              <a:rPr lang="en-US" sz="1050" dirty="0">
                 <a:solidFill>
                   <a:schemeClr val="tx1">
                     <a:lumMod val="50000"/>
@@ -11647,13 +11567,6 @@
               </a:rPr>
               <a:t>voyageEvt</a:t>
             </a:r>
-            <a:endParaRPr lang="en-US" sz="1050" dirty="0">
-              <a:solidFill>
-                <a:schemeClr val="tx1">
-                  <a:lumMod val="50000"/>
-                </a:schemeClr>
-              </a:solidFill>
-            </a:endParaRPr>
           </a:p>
         </p:txBody>
       </p:sp>
@@ -13752,7 +13665,7 @@
               <a:defRPr/>
             </a:pPr>
             <a:r>
-              <a:rPr lang="en-US" sz="1351" kern="0" dirty="0" err="1">
+              <a:rPr lang="en-US" sz="1351" kern="0" dirty="0">
                 <a:solidFill>
                   <a:srgbClr val="C8D2D2">
                     <a:lumMod val="25000"/>
@@ -13761,13 +13674,6 @@
               </a:rPr>
               <a:t>containerMetrics</a:t>
             </a:r>
-            <a:endParaRPr lang="en-US" sz="1351" kern="0" dirty="0">
-              <a:solidFill>
-                <a:srgbClr val="C8D2D2">
-                  <a:lumMod val="25000"/>
-                </a:srgbClr>
-              </a:solidFill>
-            </a:endParaRPr>
           </a:p>
         </p:txBody>
       </p:sp>
@@ -14261,22 +14167,13 @@
               </a:spcAft>
             </a:pPr>
             <a:r>
-              <a:rPr lang="en-US" sz="1333" dirty="0" err="1">
-                <a:solidFill>
-                  <a:prstClr val="white"/>
-                </a:solidFill>
-                <a:latin typeface="Arial"/>
-              </a:rPr>
-              <a:t>Reefeer</a:t>
-            </a:r>
-            <a:r>
               <a:rPr lang="en-US" sz="1333" dirty="0">
                 <a:solidFill>
                   <a:prstClr val="white"/>
                 </a:solidFill>
                 <a:latin typeface="Arial"/>
               </a:rPr>
-              <a:t> Simulator</a:t>
+              <a:t>Reefer Simulator</a:t>
             </a:r>
           </a:p>
         </p:txBody>
@@ -17309,7 +17206,7 @@
           <a:lstStyle/>
           <a:p>
             <a:r>
-              <a:rPr lang="en-US" dirty="0" err="1">
+              <a:rPr lang="en-US" dirty="0">
                 <a:solidFill>
                   <a:schemeClr val="accent1">
                     <a:lumMod val="25000"/>
@@ -17318,13 +17215,6 @@
               </a:rPr>
               <a:t>containerMetrics</a:t>
             </a:r>
-            <a:endParaRPr lang="en-US" dirty="0">
-              <a:solidFill>
-                <a:schemeClr val="accent1">
-                  <a:lumMod val="25000"/>
-                </a:schemeClr>
-              </a:solidFill>
-            </a:endParaRPr>
           </a:p>
         </p:txBody>
       </p:sp>

--- a/docs/diagrams.pptx
+++ b/docs/diagrams.pptx
@@ -9,7 +9,7 @@
     <p:notesMasterId r:id="rId8"/>
   </p:notesMasterIdLst>
   <p:sldIdLst>
-    <p:sldId id="141168469" r:id="rId3"/>
+    <p:sldId id="141168470" r:id="rId3"/>
     <p:sldId id="2783" r:id="rId4"/>
     <p:sldId id="2801" r:id="rId5"/>
     <p:sldId id="2799" r:id="rId6"/>
@@ -276,7 +276,7 @@
               <a:pPr>
                 <a:defRPr/>
               </a:pPr>
-              <a:t>8/26/19</a:t>
+              <a:t>9/25/19</a:t>
             </a:fld>
             <a:endParaRPr lang="en-US" dirty="0"/>
           </a:p>
@@ -6464,8 +6464,8 @@
         </p:nvSpPr>
         <p:spPr bwMode="auto">
           <a:xfrm>
-            <a:off x="1970534" y="2200620"/>
-            <a:ext cx="1802485" cy="1528080"/>
+            <a:off x="1970534" y="1339793"/>
+            <a:ext cx="1802485" cy="2388908"/>
           </a:xfrm>
           <a:prstGeom prst="roundRect">
             <a:avLst>
@@ -6531,7 +6531,7 @@
         </p:blipFill>
         <p:spPr>
           <a:xfrm>
-            <a:off x="2199177" y="2294358"/>
+            <a:off x="2110019" y="1516994"/>
             <a:ext cx="972008" cy="414951"/>
           </a:xfrm>
           <a:prstGeom prst="rect">
@@ -6622,7 +6622,7 @@
         </p:blipFill>
         <p:spPr>
           <a:xfrm>
-            <a:off x="2905058" y="4525789"/>
+            <a:off x="2722139" y="4525789"/>
             <a:ext cx="1010735" cy="680699"/>
           </a:xfrm>
           <a:prstGeom prst="rect">
@@ -6713,7 +6713,7 @@
         </p:blipFill>
         <p:spPr>
           <a:xfrm>
-            <a:off x="4270529" y="4525789"/>
+            <a:off x="3781001" y="4525789"/>
             <a:ext cx="638156" cy="680700"/>
           </a:xfrm>
           <a:prstGeom prst="rect">
@@ -6923,8 +6923,8 @@
         </p:nvSpPr>
         <p:spPr>
           <a:xfrm>
-            <a:off x="920954" y="2929836"/>
-            <a:ext cx="668773" cy="707694"/>
+            <a:off x="930245" y="2834579"/>
+            <a:ext cx="630301" cy="912814"/>
           </a:xfrm>
           <a:prstGeom prst="rect">
             <a:avLst/>
@@ -6938,9 +6938,13 @@
           <a:lstStyle/>
           <a:p>
             <a:r>
-              <a:rPr lang="en-US" sz="1333" dirty="0"/>
-              <a:t>MQTT</a:t>
-            </a:r>
+              <a:rPr lang="en-US" sz="1333" dirty="0" err="1"/>
+              <a:t>mqtt</a:t>
+            </a:r>
+            <a:endParaRPr lang="en-US" sz="1333" dirty="0"/>
+          </a:p>
+          <a:p>
+            <a:endParaRPr lang="en-US" sz="1333" dirty="0"/>
           </a:p>
           <a:p>
             <a:endParaRPr lang="en-US" sz="1333" dirty="0"/>
@@ -7463,12 +7467,15 @@
           <p:nvPr/>
         </p:nvCxnSpPr>
         <p:spPr>
-          <a:xfrm rot="16200000" flipH="1">
-            <a:off x="1330181" y="2324305"/>
-            <a:ext cx="130081" cy="1150627"/>
-          </a:xfrm>
-          <a:prstGeom prst="bentConnector2">
-            <a:avLst/>
+          <a:xfrm rot="5400000" flipH="1" flipV="1">
+            <a:off x="1245054" y="2109100"/>
+            <a:ext cx="300332" cy="1150627"/>
+          </a:xfrm>
+          <a:prstGeom prst="bentConnector4">
+            <a:avLst>
+              <a:gd name="adj1" fmla="val -101488"/>
+              <a:gd name="adj2" fmla="val 79216"/>
+            </a:avLst>
           </a:prstGeom>
           <a:ln>
             <a:solidFill>
@@ -7510,9 +7517,9 @@
           <p:nvPr/>
         </p:nvCxnSpPr>
         <p:spPr>
-          <a:xfrm flipV="1">
-            <a:off x="3773019" y="2852153"/>
-            <a:ext cx="837687" cy="112507"/>
+          <a:xfrm>
+            <a:off x="3773019" y="2534247"/>
+            <a:ext cx="837687" cy="317907"/>
           </a:xfrm>
           <a:prstGeom prst="bentConnector3">
             <a:avLst>
@@ -7719,10 +7726,162 @@
           </a:prstGeom>
         </p:spPr>
       </p:pic>
+      <p:grpSp>
+        <p:nvGrpSpPr>
+          <p:cNvPr id="10" name="Group 9">
+            <a:extLst>
+              <a:ext uri="{FF2B5EF4-FFF2-40B4-BE49-F238E27FC236}">
+                <a16:creationId xmlns:a16="http://schemas.microsoft.com/office/drawing/2014/main" id="{3E8790C2-9FA5-C941-8C31-35920D782CC8}"/>
+              </a:ext>
+            </a:extLst>
+          </p:cNvPr>
+          <p:cNvGrpSpPr/>
+          <p:nvPr/>
+        </p:nvGrpSpPr>
+        <p:grpSpPr>
+          <a:xfrm>
+            <a:off x="2012425" y="2046458"/>
+            <a:ext cx="1588959" cy="550604"/>
+            <a:chOff x="1509318" y="2144439"/>
+            <a:chExt cx="1191719" cy="412953"/>
+          </a:xfrm>
+        </p:grpSpPr>
+        <p:pic>
+          <p:nvPicPr>
+            <p:cNvPr id="2" name="Picture 1">
+              <a:extLst>
+                <a:ext uri="{FF2B5EF4-FFF2-40B4-BE49-F238E27FC236}">
+                  <a16:creationId xmlns:a16="http://schemas.microsoft.com/office/drawing/2014/main" id="{D877B827-CA50-6643-A381-C0E8C368D177}"/>
+                </a:ext>
+              </a:extLst>
+            </p:cNvPr>
+            <p:cNvPicPr>
+              <a:picLocks noChangeAspect="1"/>
+            </p:cNvPicPr>
+            <p:nvPr/>
+          </p:nvPicPr>
+          <p:blipFill>
+            <a:blip r:embed="rId14"/>
+            <a:stretch>
+              <a:fillRect/>
+            </a:stretch>
+          </p:blipFill>
+          <p:spPr>
+            <a:xfrm>
+              <a:off x="1509318" y="2144439"/>
+              <a:ext cx="412953" cy="412953"/>
+            </a:xfrm>
+            <a:prstGeom prst="rect">
+              <a:avLst/>
+            </a:prstGeom>
+          </p:spPr>
+        </p:pic>
+        <p:sp>
+          <p:nvSpPr>
+            <p:cNvPr id="6" name="TextBox 5">
+              <a:extLst>
+                <a:ext uri="{FF2B5EF4-FFF2-40B4-BE49-F238E27FC236}">
+                  <a16:creationId xmlns:a16="http://schemas.microsoft.com/office/drawing/2014/main" id="{ADB6BAC3-C8C7-EB48-9B63-9D364DAE8C34}"/>
+                </a:ext>
+              </a:extLst>
+            </p:cNvPr>
+            <p:cNvSpPr txBox="1"/>
+            <p:nvPr/>
+          </p:nvSpPr>
+          <p:spPr>
+            <a:xfrm>
+              <a:off x="1814810" y="2170487"/>
+              <a:ext cx="886227" cy="346249"/>
+            </a:xfrm>
+            <a:prstGeom prst="rect">
+              <a:avLst/>
+            </a:prstGeom>
+            <a:noFill/>
+          </p:spPr>
+          <p:txBody>
+            <a:bodyPr wrap="square" rtlCol="0">
+              <a:spAutoFit/>
+            </a:bodyPr>
+            <a:lstStyle/>
+            <a:p>
+              <a:r>
+                <a:rPr lang="en-US" sz="1200" b="1" dirty="0">
+                  <a:solidFill>
+                    <a:schemeClr val="bg1">
+                      <a:lumMod val="50000"/>
+                    </a:schemeClr>
+                  </a:solidFill>
+                </a:rPr>
+                <a:t>Change Data Capture</a:t>
+              </a:r>
+            </a:p>
+          </p:txBody>
+        </p:sp>
+      </p:grpSp>
+      <p:pic>
+        <p:nvPicPr>
+          <p:cNvPr id="41" name="Picture 40">
+            <a:extLst>
+              <a:ext uri="{FF2B5EF4-FFF2-40B4-BE49-F238E27FC236}">
+                <a16:creationId xmlns:a16="http://schemas.microsoft.com/office/drawing/2014/main" id="{F2B7912A-BE94-7D4D-9BC3-0D9CBED29976}"/>
+              </a:ext>
+            </a:extLst>
+          </p:cNvPr>
+          <p:cNvPicPr>
+            <a:picLocks noChangeAspect="1"/>
+          </p:cNvPicPr>
+          <p:nvPr/>
+        </p:nvPicPr>
+        <p:blipFill>
+          <a:blip r:embed="rId8"/>
+          <a:stretch>
+            <a:fillRect/>
+          </a:stretch>
+        </p:blipFill>
+        <p:spPr>
+          <a:xfrm>
+            <a:off x="8900391" y="5122552"/>
+            <a:ext cx="400307" cy="365995"/>
+          </a:xfrm>
+          <a:prstGeom prst="rect">
+            <a:avLst/>
+          </a:prstGeom>
+        </p:spPr>
+      </p:pic>
+      <p:pic>
+        <p:nvPicPr>
+          <p:cNvPr id="8" name="Picture 7">
+            <a:extLst>
+              <a:ext uri="{FF2B5EF4-FFF2-40B4-BE49-F238E27FC236}">
+                <a16:creationId xmlns:a16="http://schemas.microsoft.com/office/drawing/2014/main" id="{35BF0026-00B6-DB46-918F-E5AC2DBB4634}"/>
+              </a:ext>
+            </a:extLst>
+          </p:cNvPr>
+          <p:cNvPicPr>
+            <a:picLocks noChangeAspect="1"/>
+          </p:cNvPicPr>
+          <p:nvPr/>
+        </p:nvPicPr>
+        <p:blipFill>
+          <a:blip r:embed="rId15"/>
+          <a:stretch>
+            <a:fillRect/>
+          </a:stretch>
+        </p:blipFill>
+        <p:spPr>
+          <a:xfrm flipH="1">
+            <a:off x="4563035" y="4525788"/>
+            <a:ext cx="781653" cy="639821"/>
+          </a:xfrm>
+          <a:prstGeom prst="rect">
+            <a:avLst/>
+          </a:prstGeom>
+        </p:spPr>
+      </p:pic>
     </p:spTree>
     <p:extLst>
       <p:ext uri="{BB962C8B-B14F-4D97-AF65-F5344CB8AC3E}">
-        <p14:creationId xmlns:p14="http://schemas.microsoft.com/office/powerpoint/2010/main" val="158977373"/>
+        <p14:creationId xmlns:p14="http://schemas.microsoft.com/office/powerpoint/2010/main" val="661409003"/>
       </p:ext>
     </p:extLst>
   </p:cSld>
@@ -8909,7 +9068,7 @@
             <a:effectLst/>
             <a:extLst>
               <a:ext uri="{C572A759-6A51-4108-AA02-DFA0A04FC94B}">
-                <ma14:wrappingTextBoxFlag xmlns:ma14="http://schemas.microsoft.com/office/mac/drawingml/2011/main" xmlns="" val="1"/>
+                <ma14:wrappingTextBoxFlag xmlns="" xmlns:ma14="http://schemas.microsoft.com/office/mac/drawingml/2011/main" val="1"/>
               </a:ext>
             </a:extLst>
           </p:spPr>
@@ -11039,7 +11198,7 @@
             <a:effectLst/>
             <a:extLst>
               <a:ext uri="{C572A759-6A51-4108-AA02-DFA0A04FC94B}">
-                <ma14:wrappingTextBoxFlag xmlns:ma14="http://schemas.microsoft.com/office/mac/drawingml/2011/main" xmlns="" val="1"/>
+                <ma14:wrappingTextBoxFlag xmlns="" xmlns:ma14="http://schemas.microsoft.com/office/mac/drawingml/2011/main" val="1"/>
               </a:ext>
             </a:extLst>
           </p:spPr>
@@ -15902,8 +16061,8 @@
         </p:nvSpPr>
         <p:spPr>
           <a:xfrm>
-            <a:off x="6118016" y="1168380"/>
-            <a:ext cx="3190876" cy="2757182"/>
+            <a:off x="6118016" y="1616526"/>
+            <a:ext cx="3066325" cy="1525409"/>
           </a:xfrm>
           <a:prstGeom prst="rect">
             <a:avLst/>
@@ -16053,7 +16212,7 @@
           <a:p>
             <a:pPr algn="ctr"/>
             <a:r>
-              <a:rPr lang="en-US" dirty="0"/>
+              <a:rPr lang="en-US" sz="1400" dirty="0"/>
               <a:t>Simulator</a:t>
             </a:r>
           </a:p>
@@ -16138,7 +16297,7 @@
         <p:spPr>
           <a:xfrm>
             <a:off x="2465614" y="2073727"/>
-            <a:ext cx="1645256" cy="1983112"/>
+            <a:ext cx="2093194" cy="516747"/>
           </a:xfrm>
           <a:prstGeom prst="bentConnector2">
             <a:avLst/>
@@ -16166,63 +16325,6 @@
           </a:fontRef>
         </p:style>
       </p:cxnSp>
-      <p:sp>
-        <p:nvSpPr>
-          <p:cNvPr id="59" name="Can 58">
-            <a:extLst>
-              <a:ext uri="{FF2B5EF4-FFF2-40B4-BE49-F238E27FC236}">
-                <a16:creationId xmlns:a16="http://schemas.microsoft.com/office/drawing/2014/main" id="{BF8D5F17-7886-6A49-A326-AB3283F367DA}"/>
-              </a:ext>
-            </a:extLst>
-          </p:cNvPr>
-          <p:cNvSpPr/>
-          <p:nvPr/>
-        </p:nvSpPr>
-        <p:spPr>
-          <a:xfrm>
-            <a:off x="3662932" y="4056839"/>
-            <a:ext cx="895875" cy="695584"/>
-          </a:xfrm>
-          <a:prstGeom prst="can">
-            <a:avLst/>
-          </a:prstGeom>
-          <a:solidFill>
-            <a:schemeClr val="accent5">
-              <a:lumMod val="75000"/>
-            </a:schemeClr>
-          </a:solidFill>
-          <a:ln>
-            <a:noFill/>
-          </a:ln>
-        </p:spPr>
-        <p:style>
-          <a:lnRef idx="2">
-            <a:schemeClr val="accent1">
-              <a:shade val="50000"/>
-            </a:schemeClr>
-          </a:lnRef>
-          <a:fillRef idx="1">
-            <a:schemeClr val="accent1"/>
-          </a:fillRef>
-          <a:effectRef idx="0">
-            <a:schemeClr val="accent1"/>
-          </a:effectRef>
-          <a:fontRef idx="minor">
-            <a:schemeClr val="lt1"/>
-          </a:fontRef>
-        </p:style>
-        <p:txBody>
-          <a:bodyPr rtlCol="0" anchor="ctr"/>
-          <a:lstStyle/>
-          <a:p>
-            <a:pPr algn="ctr"/>
-            <a:r>
-              <a:rPr lang="en-US" sz="1000" dirty="0"/>
-              <a:t>Container metrics</a:t>
-            </a:r>
-          </a:p>
-        </p:txBody>
-      </p:sp>
       <p:cxnSp>
         <p:nvCxnSpPr>
           <p:cNvPr id="71" name="Elbow Connector 70">
@@ -16241,8 +16343,8 @@
         </p:nvCxnSpPr>
         <p:spPr>
           <a:xfrm rot="10800000" flipV="1">
-            <a:off x="4558807" y="2100403"/>
-            <a:ext cx="1919392" cy="2304227"/>
+            <a:off x="5157329" y="2100404"/>
+            <a:ext cx="1320870" cy="837862"/>
           </a:xfrm>
           <a:prstGeom prst="bentConnector3">
             <a:avLst>
@@ -16342,10 +16444,10 @@
       </p:sp>
       <p:pic>
         <p:nvPicPr>
-          <p:cNvPr id="12" name="Picture 11">
+          <p:cNvPr id="13" name="Picture 12">
             <a:extLst>
               <a:ext uri="{FF2B5EF4-FFF2-40B4-BE49-F238E27FC236}">
-                <a16:creationId xmlns:a16="http://schemas.microsoft.com/office/drawing/2014/main" id="{78143322-85CF-C948-BB84-C013BE625A7D}"/>
+                <a16:creationId xmlns:a16="http://schemas.microsoft.com/office/drawing/2014/main" id="{B81AAF60-BF23-E149-AC44-3DFB94494F2F}"/>
               </a:ext>
             </a:extLst>
           </p:cNvPr>
@@ -16362,14 +16464,71 @@
         </p:blipFill>
         <p:spPr>
           <a:xfrm>
-            <a:off x="2304341" y="4137249"/>
-            <a:ext cx="1010735" cy="680699"/>
+            <a:off x="3492393" y="3041219"/>
+            <a:ext cx="638156" cy="680700"/>
           </a:xfrm>
           <a:prstGeom prst="rect">
             <a:avLst/>
           </a:prstGeom>
         </p:spPr>
       </p:pic>
+      <p:sp>
+        <p:nvSpPr>
+          <p:cNvPr id="59" name="Can 58">
+            <a:extLst>
+              <a:ext uri="{FF2B5EF4-FFF2-40B4-BE49-F238E27FC236}">
+                <a16:creationId xmlns:a16="http://schemas.microsoft.com/office/drawing/2014/main" id="{BF8D5F17-7886-6A49-A326-AB3283F367DA}"/>
+              </a:ext>
+            </a:extLst>
+          </p:cNvPr>
+          <p:cNvSpPr/>
+          <p:nvPr/>
+        </p:nvSpPr>
+        <p:spPr>
+          <a:xfrm>
+            <a:off x="3960287" y="2590474"/>
+            <a:ext cx="1197042" cy="695584"/>
+          </a:xfrm>
+          <a:prstGeom prst="can">
+            <a:avLst/>
+          </a:prstGeom>
+          <a:solidFill>
+            <a:schemeClr val="accent5">
+              <a:lumMod val="75000"/>
+            </a:schemeClr>
+          </a:solidFill>
+          <a:ln>
+            <a:noFill/>
+          </a:ln>
+        </p:spPr>
+        <p:style>
+          <a:lnRef idx="2">
+            <a:schemeClr val="accent1">
+              <a:shade val="50000"/>
+            </a:schemeClr>
+          </a:lnRef>
+          <a:fillRef idx="1">
+            <a:schemeClr val="accent1"/>
+          </a:fillRef>
+          <a:effectRef idx="0">
+            <a:schemeClr val="accent1"/>
+          </a:effectRef>
+          <a:fontRef idx="minor">
+            <a:schemeClr val="lt1"/>
+          </a:fontRef>
+        </p:style>
+        <p:txBody>
+          <a:bodyPr rtlCol="0" anchor="ctr"/>
+          <a:lstStyle/>
+          <a:p>
+            <a:pPr algn="ctr"/>
+            <a:r>
+              <a:rPr lang="en-US" sz="1000" dirty="0"/>
+              <a:t>Reefer telemetries</a:t>
+            </a:r>
+          </a:p>
+        </p:txBody>
+      </p:sp>
     </p:spTree>
     <p:extLst>
       <p:ext uri="{BB962C8B-B14F-4D97-AF65-F5344CB8AC3E}">
@@ -16479,7 +16638,7 @@
         <p:spPr>
           <a:xfrm>
             <a:off x="6118016" y="1168380"/>
-            <a:ext cx="4172556" cy="2757182"/>
+            <a:ext cx="3362160" cy="1973555"/>
           </a:xfrm>
           <a:prstGeom prst="rect">
             <a:avLst/>
@@ -16629,7 +16788,7 @@
           <a:p>
             <a:pPr algn="ctr"/>
             <a:r>
-              <a:rPr lang="en-US" dirty="0"/>
+              <a:rPr lang="en-US" sz="1400" dirty="0"/>
               <a:t>Simulator</a:t>
             </a:r>
           </a:p>
@@ -17192,7 +17351,7 @@
         <p:spPr>
           <a:xfrm>
             <a:off x="2700397" y="4904710"/>
-            <a:ext cx="1877437" cy="369332"/>
+            <a:ext cx="1967270" cy="369332"/>
           </a:xfrm>
           <a:prstGeom prst="rect">
             <a:avLst/>
@@ -17206,15 +17365,22 @@
           <a:lstStyle/>
           <a:p>
             <a:r>
-              <a:rPr lang="en-US" dirty="0">
+              <a:rPr lang="en-US" dirty="0" err="1">
                 <a:solidFill>
                   <a:schemeClr val="accent1">
                     <a:lumMod val="25000"/>
                   </a:schemeClr>
                 </a:solidFill>
               </a:rPr>
-              <a:t>containerMetrics</a:t>
-            </a:r>
+              <a:t>reeferTelemetries</a:t>
+            </a:r>
+            <a:endParaRPr lang="en-US" dirty="0">
+              <a:solidFill>
+                <a:schemeClr val="accent1">
+                  <a:lumMod val="25000"/>
+                </a:schemeClr>
+              </a:solidFill>
+            </a:endParaRPr>
           </a:p>
         </p:txBody>
       </p:sp>
@@ -17502,7 +17668,7 @@
         </p:nvSpPr>
         <p:spPr>
           <a:xfrm>
-            <a:off x="9228164" y="4329784"/>
+            <a:off x="6215189" y="3898535"/>
             <a:ext cx="895875" cy="695584"/>
           </a:xfrm>
           <a:prstGeom prst="can">
@@ -17540,7 +17706,7 @@
             <a:pPr algn="ctr"/>
             <a:r>
               <a:rPr lang="en-US" sz="1000" dirty="0"/>
-              <a:t>Container Inventory</a:t>
+              <a:t>Reefers Inventory</a:t>
             </a:r>
           </a:p>
         </p:txBody>
@@ -17656,6 +17822,63 @@
                 <a:cs typeface="Arial"/>
               </a:rPr>
               <a:t>Pandas DF</a:t>
+            </a:r>
+          </a:p>
+        </p:txBody>
+      </p:sp>
+      <p:sp>
+        <p:nvSpPr>
+          <p:cNvPr id="23" name="Can 22">
+            <a:extLst>
+              <a:ext uri="{FF2B5EF4-FFF2-40B4-BE49-F238E27FC236}">
+                <a16:creationId xmlns:a16="http://schemas.microsoft.com/office/drawing/2014/main" id="{E1EF536B-5978-0D45-B1D4-059E49B20183}"/>
+              </a:ext>
+            </a:extLst>
+          </p:cNvPr>
+          <p:cNvSpPr/>
+          <p:nvPr/>
+        </p:nvSpPr>
+        <p:spPr>
+          <a:xfrm>
+            <a:off x="7223460" y="3898535"/>
+            <a:ext cx="895875" cy="695584"/>
+          </a:xfrm>
+          <a:prstGeom prst="can">
+            <a:avLst/>
+          </a:prstGeom>
+          <a:solidFill>
+            <a:schemeClr val="accent5">
+              <a:lumMod val="75000"/>
+            </a:schemeClr>
+          </a:solidFill>
+          <a:ln>
+            <a:noFill/>
+          </a:ln>
+        </p:spPr>
+        <p:style>
+          <a:lnRef idx="2">
+            <a:schemeClr val="accent1">
+              <a:shade val="50000"/>
+            </a:schemeClr>
+          </a:lnRef>
+          <a:fillRef idx="1">
+            <a:schemeClr val="accent1"/>
+          </a:fillRef>
+          <a:effectRef idx="0">
+            <a:schemeClr val="accent1"/>
+          </a:effectRef>
+          <a:fontRef idx="minor">
+            <a:schemeClr val="lt1"/>
+          </a:fontRef>
+        </p:style>
+        <p:txBody>
+          <a:bodyPr rtlCol="0" anchor="ctr"/>
+          <a:lstStyle/>
+          <a:p>
+            <a:pPr algn="ctr"/>
+            <a:r>
+              <a:rPr lang="en-US" sz="1000" dirty="0"/>
+              <a:t>Products</a:t>
             </a:r>
           </a:p>
         </p:txBody>

--- a/docs/diagrams.pptx
+++ b/docs/diagrams.pptx
@@ -276,7 +276,7 @@
               <a:pPr>
                 <a:defRPr/>
               </a:pPr>
-              <a:t>9/25/19</a:t>
+              <a:t>11/5/19</a:t>
             </a:fld>
             <a:endParaRPr lang="en-US" dirty="0"/>
           </a:p>
@@ -5925,7 +5925,12 @@
             <p:ph type="title"/>
           </p:nvPr>
         </p:nvSpPr>
-        <p:spPr/>
+        <p:spPr>
+          <a:xfrm>
+            <a:off x="390788" y="60120"/>
+            <a:ext cx="10886813" cy="611466"/>
+          </a:xfrm>
+        </p:spPr>
         <p:txBody>
           <a:bodyPr/>
           <a:lstStyle/>
@@ -6410,7 +6415,7 @@
         </p:blipFill>
         <p:spPr>
           <a:xfrm>
-            <a:off x="4272409" y="3217910"/>
+            <a:off x="4365173" y="3217910"/>
             <a:ext cx="959343" cy="504271"/>
           </a:xfrm>
           <a:prstGeom prst="rect">
@@ -6556,7 +6561,7 @@
         <p:spPr bwMode="auto">
           <a:xfrm>
             <a:off x="4293515" y="1002437"/>
-            <a:ext cx="3797333" cy="1029112"/>
+            <a:ext cx="5708237" cy="1029112"/>
           </a:xfrm>
           <a:prstGeom prst="roundRect">
             <a:avLst>
@@ -6743,8 +6748,8 @@
         </p:blipFill>
         <p:spPr>
           <a:xfrm>
-            <a:off x="7707113" y="1718513"/>
-            <a:ext cx="400307" cy="365995"/>
+            <a:off x="9785928" y="1851441"/>
+            <a:ext cx="280628" cy="256574"/>
           </a:xfrm>
           <a:prstGeom prst="rect">
             <a:avLst/>
@@ -6938,10 +6943,9 @@
           <a:lstStyle/>
           <a:p>
             <a:r>
-              <a:rPr lang="en-US" sz="1333" dirty="0" err="1"/>
+              <a:rPr lang="en-US" sz="1333" dirty="0"/>
               <a:t>mqtt</a:t>
             </a:r>
-            <a:endParaRPr lang="en-US" sz="1333" dirty="0"/>
           </a:p>
           <a:p>
             <a:endParaRPr lang="en-US" sz="1333" dirty="0"/>
@@ -6957,53 +6961,6 @@
           </a:p>
         </p:txBody>
       </p:sp>
-      <p:pic>
-        <p:nvPicPr>
-          <p:cNvPr id="114" name="Picture 2" descr="object Object]">
-            <a:extLst>
-              <a:ext uri="{FF2B5EF4-FFF2-40B4-BE49-F238E27FC236}">
-                <a16:creationId xmlns:a16="http://schemas.microsoft.com/office/drawing/2014/main" id="{D854718E-B027-A54C-812F-F6BA85452DFC}"/>
-              </a:ext>
-            </a:extLst>
-          </p:cNvPr>
-          <p:cNvPicPr>
-            <a:picLocks noChangeAspect="1" noChangeArrowheads="1"/>
-          </p:cNvPicPr>
-          <p:nvPr/>
-        </p:nvPicPr>
-        <p:blipFill>
-          <a:blip r:embed="rId9">
-            <a:extLst>
-              <a:ext uri="{28A0092B-C50C-407E-A947-70E740481C1C}">
-                <a14:useLocalDpi xmlns:a14="http://schemas.microsoft.com/office/drawing/2010/main"/>
-              </a:ext>
-            </a:extLst>
-          </a:blip>
-          <a:srcRect/>
-          <a:stretch>
-            <a:fillRect/>
-          </a:stretch>
-        </p:blipFill>
-        <p:spPr bwMode="auto">
-          <a:xfrm>
-            <a:off x="5982702" y="4699961"/>
-            <a:ext cx="400305" cy="426955"/>
-          </a:xfrm>
-          <a:prstGeom prst="rect">
-            <a:avLst/>
-          </a:prstGeom>
-          <a:noFill/>
-          <a:extLst>
-            <a:ext uri="{909E8E84-426E-40DD-AFC4-6F175D3DCCD1}">
-              <a14:hiddenFill xmlns:a14="http://schemas.microsoft.com/office/drawing/2010/main">
-                <a:solidFill>
-                  <a:srgbClr val="FFFFFF"/>
-                </a:solidFill>
-              </a14:hiddenFill>
-            </a:ext>
-          </a:extLst>
-        </p:spPr>
-      </p:pic>
       <p:sp>
         <p:nvSpPr>
           <p:cNvPr id="115" name="AutoShape 4">
@@ -7021,7 +6978,7 @@
         <p:spPr bwMode="auto">
           <a:xfrm>
             <a:off x="5903641" y="4122171"/>
-            <a:ext cx="3383303" cy="1359856"/>
+            <a:ext cx="3147083" cy="1054855"/>
           </a:xfrm>
           <a:prstGeom prst="roundRect">
             <a:avLst>
@@ -7079,8 +7036,8 @@
         </p:nvSpPr>
         <p:spPr>
           <a:xfrm>
-            <a:off x="6017049" y="4206046"/>
-            <a:ext cx="838284" cy="493916"/>
+            <a:off x="6017049" y="4206045"/>
+            <a:ext cx="838284" cy="590019"/>
           </a:xfrm>
           <a:prstGeom prst="rect">
             <a:avLst/>
@@ -7159,7 +7116,7 @@
           <p:nvPr/>
         </p:nvPicPr>
         <p:blipFill>
-          <a:blip r:embed="rId10"/>
+          <a:blip r:embed="rId9"/>
           <a:stretch>
             <a:fillRect/>
           </a:stretch>
@@ -7168,52 +7125,6 @@
           <a:xfrm>
             <a:off x="7625738" y="3267985"/>
             <a:ext cx="406593" cy="406593"/>
-          </a:xfrm>
-          <a:prstGeom prst="rect">
-            <a:avLst/>
-          </a:prstGeom>
-        </p:spPr>
-      </p:pic>
-      <p:pic>
-        <p:nvPicPr>
-          <p:cNvPr id="120" name="Picture 119">
-            <a:extLst>
-              <a:ext uri="{FF2B5EF4-FFF2-40B4-BE49-F238E27FC236}">
-                <a16:creationId xmlns:a16="http://schemas.microsoft.com/office/drawing/2014/main" id="{2E2538D4-234B-3345-A51E-D3398ED6ED9A}"/>
-              </a:ext>
-            </a:extLst>
-          </p:cNvPr>
-          <p:cNvPicPr>
-            <a:picLocks noChangeAspect="1"/>
-          </p:cNvPicPr>
-          <p:nvPr/>
-        </p:nvPicPr>
-        <p:blipFill>
-          <a:blip r:embed="rId2">
-            <a:biLevel thresh="75000"/>
-            <a:extLst>
-              <a:ext uri="{BEBA8EAE-BF5A-486C-A8C5-ECC9F3942E4B}">
-                <a14:imgProps xmlns:a14="http://schemas.microsoft.com/office/drawing/2010/main">
-                  <a14:imgLayer r:embed="rId3">
-                    <a14:imgEffect>
-                      <a14:artisticPhotocopy/>
-                    </a14:imgEffect>
-                  </a14:imgLayer>
-                </a14:imgProps>
-              </a:ext>
-              <a:ext uri="{28A0092B-C50C-407E-A947-70E740481C1C}">
-                <a14:useLocalDpi xmlns:a14="http://schemas.microsoft.com/office/drawing/2010/main" val="0"/>
-              </a:ext>
-            </a:extLst>
-          </a:blip>
-          <a:stretch>
-            <a:fillRect/>
-          </a:stretch>
-        </p:blipFill>
-        <p:spPr>
-          <a:xfrm>
-            <a:off x="6988143" y="4739623"/>
-            <a:ext cx="959343" cy="504271"/>
           </a:xfrm>
           <a:prstGeom prst="rect">
             <a:avLst/>
@@ -7235,7 +7146,7 @@
         <p:spPr>
           <a:xfrm>
             <a:off x="7020727" y="4218047"/>
-            <a:ext cx="838284" cy="493916"/>
+            <a:ext cx="838284" cy="578018"/>
           </a:xfrm>
           <a:prstGeom prst="rect">
             <a:avLst/>
@@ -7314,15 +7225,15 @@
           <p:nvPr/>
         </p:nvPicPr>
         <p:blipFill>
-          <a:blip r:embed="rId11"/>
+          <a:blip r:embed="rId10"/>
           <a:stretch>
             <a:fillRect/>
           </a:stretch>
         </p:blipFill>
         <p:spPr>
           <a:xfrm>
-            <a:off x="5730176" y="5695221"/>
-            <a:ext cx="731649" cy="876903"/>
+            <a:off x="5916439" y="5779886"/>
+            <a:ext cx="652831" cy="782437"/>
           </a:xfrm>
           <a:prstGeom prst="rect">
             <a:avLst/>
@@ -7412,8 +7323,8 @@
         </p:blipFill>
         <p:spPr>
           <a:xfrm>
-            <a:off x="8572499" y="6180117"/>
-            <a:ext cx="400307" cy="365995"/>
+            <a:off x="5432394" y="6463966"/>
+            <a:ext cx="306393" cy="280131"/>
           </a:xfrm>
           <a:prstGeom prst="rect">
             <a:avLst/>
@@ -7435,7 +7346,7 @@
           <p:nvPr/>
         </p:nvPicPr>
         <p:blipFill>
-          <a:blip r:embed="rId12"/>
+          <a:blip r:embed="rId11"/>
           <a:stretch>
             <a:fillRect/>
           </a:stretch>
@@ -7477,9 +7388,9 @@
               <a:gd name="adj2" fmla="val 79216"/>
             </a:avLst>
           </a:prstGeom>
-          <a:ln>
+          <a:ln w="12700">
             <a:solidFill>
-              <a:schemeClr val="accent6"/>
+              <a:srgbClr val="7030A0"/>
             </a:solidFill>
             <a:tailEnd type="triangle"/>
           </a:ln>
@@ -7526,9 +7437,9 @@
               <a:gd name="adj1" fmla="val 50000"/>
             </a:avLst>
           </a:prstGeom>
-          <a:ln>
+          <a:ln w="12700">
             <a:solidFill>
-              <a:schemeClr val="accent6"/>
+              <a:srgbClr val="7030A0"/>
             </a:solidFill>
             <a:tailEnd type="triangle"/>
           </a:ln>
@@ -7575,9 +7486,9 @@
               <a:gd name="adj1" fmla="val 50000"/>
             </a:avLst>
           </a:prstGeom>
-          <a:ln>
+          <a:ln w="12700">
             <a:solidFill>
-              <a:schemeClr val="accent6"/>
+              <a:srgbClr val="7030A0"/>
             </a:solidFill>
             <a:tailEnd type="triangle"/>
           </a:ln>
@@ -7616,17 +7527,17 @@
         </p:nvCxnSpPr>
         <p:spPr>
           <a:xfrm rot="16200000" flipH="1">
-            <a:off x="6078876" y="2605756"/>
-            <a:ext cx="904261" cy="2128569"/>
+            <a:off x="6019822" y="2664810"/>
+            <a:ext cx="904262" cy="2010460"/>
           </a:xfrm>
           <a:prstGeom prst="bentConnector3">
             <a:avLst>
               <a:gd name="adj1" fmla="val 50000"/>
             </a:avLst>
           </a:prstGeom>
-          <a:ln>
+          <a:ln w="12700">
             <a:solidFill>
-              <a:schemeClr val="accent6"/>
+              <a:srgbClr val="7030A0"/>
             </a:solidFill>
             <a:tailEnd type="triangle"/>
           </a:ln>
@@ -7665,17 +7576,17 @@
         </p:nvCxnSpPr>
         <p:spPr>
           <a:xfrm rot="5400000" flipH="1" flipV="1">
-            <a:off x="5724808" y="2019026"/>
-            <a:ext cx="454848" cy="479897"/>
+            <a:off x="6202535" y="1541299"/>
+            <a:ext cx="454848" cy="1435349"/>
           </a:xfrm>
           <a:prstGeom prst="bentConnector3">
             <a:avLst>
               <a:gd name="adj1" fmla="val 50000"/>
             </a:avLst>
           </a:prstGeom>
-          <a:ln>
+          <a:ln w="12700">
             <a:solidFill>
-              <a:schemeClr val="accent6"/>
+              <a:srgbClr val="7030A0"/>
             </a:solidFill>
             <a:tailEnd type="triangle"/>
           </a:ln>
@@ -7711,14 +7622,14 @@
           <p:nvPr/>
         </p:nvPicPr>
         <p:blipFill>
-          <a:blip r:embed="rId13"/>
+          <a:blip r:embed="rId12"/>
           <a:stretch>
             <a:fillRect/>
           </a:stretch>
         </p:blipFill>
         <p:spPr>
           <a:xfrm>
-            <a:off x="8274372" y="4732223"/>
+            <a:off x="9384302" y="4330437"/>
             <a:ext cx="747725" cy="397229"/>
           </a:xfrm>
           <a:prstGeom prst="rect">
@@ -7761,7 +7672,7 @@
             <p:nvPr/>
           </p:nvPicPr>
           <p:blipFill>
-            <a:blip r:embed="rId14"/>
+            <a:blip r:embed="rId13"/>
             <a:stretch>
               <a:fillRect/>
             </a:stretch>
@@ -7840,8 +7751,8 @@
         </p:blipFill>
         <p:spPr>
           <a:xfrm>
-            <a:off x="8900391" y="5122552"/>
-            <a:ext cx="400307" cy="365995"/>
+            <a:off x="5747482" y="5051980"/>
+            <a:ext cx="244478" cy="223523"/>
           </a:xfrm>
           <a:prstGeom prst="rect">
             <a:avLst/>
@@ -7863,7 +7774,7 @@
           <p:nvPr/>
         </p:nvPicPr>
         <p:blipFill>
-          <a:blip r:embed="rId15"/>
+          <a:blip r:embed="rId14"/>
           <a:stretch>
             <a:fillRect/>
           </a:stretch>
@@ -7872,6 +7783,693 @@
           <a:xfrm flipH="1">
             <a:off x="4563035" y="4525788"/>
             <a:ext cx="781653" cy="639821"/>
+          </a:xfrm>
+          <a:prstGeom prst="rect">
+            <a:avLst/>
+          </a:prstGeom>
+        </p:spPr>
+      </p:pic>
+      <p:cxnSp>
+        <p:nvCxnSpPr>
+          <p:cNvPr id="43" name="Elbow Connector 42">
+            <a:extLst>
+              <a:ext uri="{FF2B5EF4-FFF2-40B4-BE49-F238E27FC236}">
+                <a16:creationId xmlns:a16="http://schemas.microsoft.com/office/drawing/2014/main" id="{D9195E4F-646A-A446-B310-3D0002AC4F1F}"/>
+              </a:ext>
+            </a:extLst>
+          </p:cNvPr>
+          <p:cNvCxnSpPr>
+            <a:cxnSpLocks/>
+            <a:stCxn id="54" idx="2"/>
+            <a:endCxn id="122" idx="0"/>
+          </p:cNvCxnSpPr>
+          <p:nvPr/>
+        </p:nvCxnSpPr>
+        <p:spPr>
+          <a:xfrm rot="16200000" flipH="1">
+            <a:off x="4573801" y="4110831"/>
+            <a:ext cx="2561977" cy="776132"/>
+          </a:xfrm>
+          <a:prstGeom prst="bentConnector3">
+            <a:avLst>
+              <a:gd name="adj1" fmla="val 90318"/>
+            </a:avLst>
+          </a:prstGeom>
+          <a:ln w="12700">
+            <a:solidFill>
+              <a:srgbClr val="7030A0"/>
+            </a:solidFill>
+            <a:tailEnd type="triangle"/>
+          </a:ln>
+          <a:effectLst/>
+        </p:spPr>
+        <p:style>
+          <a:lnRef idx="2">
+            <a:schemeClr val="accent1"/>
+          </a:lnRef>
+          <a:fillRef idx="0">
+            <a:schemeClr val="accent1"/>
+          </a:fillRef>
+          <a:effectRef idx="1">
+            <a:schemeClr val="accent1"/>
+          </a:effectRef>
+          <a:fontRef idx="minor">
+            <a:schemeClr val="tx1"/>
+          </a:fontRef>
+        </p:style>
+      </p:cxnSp>
+      <p:cxnSp>
+        <p:nvCxnSpPr>
+          <p:cNvPr id="47" name="Elbow Connector 46">
+            <a:extLst>
+              <a:ext uri="{FF2B5EF4-FFF2-40B4-BE49-F238E27FC236}">
+                <a16:creationId xmlns:a16="http://schemas.microsoft.com/office/drawing/2014/main" id="{31F0B669-2FBD-EA4E-B732-8BC3258D4F17}"/>
+              </a:ext>
+            </a:extLst>
+          </p:cNvPr>
+          <p:cNvCxnSpPr>
+            <a:cxnSpLocks/>
+            <a:stCxn id="139" idx="2"/>
+            <a:endCxn id="122" idx="3"/>
+          </p:cNvCxnSpPr>
+          <p:nvPr/>
+        </p:nvCxnSpPr>
+        <p:spPr>
+          <a:xfrm rot="5400000">
+            <a:off x="7441999" y="3854938"/>
+            <a:ext cx="1443439" cy="3188895"/>
+          </a:xfrm>
+          <a:prstGeom prst="bentConnector2">
+            <a:avLst/>
+          </a:prstGeom>
+          <a:ln w="12700">
+            <a:solidFill>
+              <a:srgbClr val="7030A0"/>
+            </a:solidFill>
+            <a:headEnd type="triangle"/>
+            <a:tailEnd type="triangle"/>
+          </a:ln>
+          <a:effectLst/>
+        </p:spPr>
+        <p:style>
+          <a:lnRef idx="2">
+            <a:schemeClr val="accent1"/>
+          </a:lnRef>
+          <a:fillRef idx="0">
+            <a:schemeClr val="accent1"/>
+          </a:fillRef>
+          <a:effectRef idx="1">
+            <a:schemeClr val="accent1"/>
+          </a:effectRef>
+          <a:fontRef idx="minor">
+            <a:schemeClr val="tx1"/>
+          </a:fontRef>
+        </p:style>
+      </p:cxnSp>
+      <p:grpSp>
+        <p:nvGrpSpPr>
+          <p:cNvPr id="17" name="Group 16">
+            <a:extLst>
+              <a:ext uri="{FF2B5EF4-FFF2-40B4-BE49-F238E27FC236}">
+                <a16:creationId xmlns:a16="http://schemas.microsoft.com/office/drawing/2014/main" id="{D3421A89-9A2B-3A45-88A8-5E6ABA6AE205}"/>
+              </a:ext>
+            </a:extLst>
+          </p:cNvPr>
+          <p:cNvGrpSpPr/>
+          <p:nvPr/>
+        </p:nvGrpSpPr>
+        <p:grpSpPr>
+          <a:xfrm>
+            <a:off x="2069154" y="2653495"/>
+            <a:ext cx="1238565" cy="337037"/>
+            <a:chOff x="2020283" y="2942844"/>
+            <a:chExt cx="1238565" cy="337037"/>
+          </a:xfrm>
+        </p:grpSpPr>
+        <p:pic>
+          <p:nvPicPr>
+            <p:cNvPr id="56" name="Picture 55">
+              <a:extLst>
+                <a:ext uri="{FF2B5EF4-FFF2-40B4-BE49-F238E27FC236}">
+                  <a16:creationId xmlns:a16="http://schemas.microsoft.com/office/drawing/2014/main" id="{688C8AA4-DBF6-204A-B409-D9EF9FCC3675}"/>
+                </a:ext>
+              </a:extLst>
+            </p:cNvPr>
+            <p:cNvPicPr>
+              <a:picLocks noChangeAspect="1"/>
+            </p:cNvPicPr>
+            <p:nvPr/>
+          </p:nvPicPr>
+          <p:blipFill>
+            <a:blip r:embed="rId2">
+              <a:biLevel thresh="75000"/>
+              <a:extLst>
+                <a:ext uri="{BEBA8EAE-BF5A-486C-A8C5-ECC9F3942E4B}">
+                  <a14:imgProps xmlns:a14="http://schemas.microsoft.com/office/drawing/2010/main">
+                    <a14:imgLayer r:embed="rId3">
+                      <a14:imgEffect>
+                        <a14:artisticPhotocopy/>
+                      </a14:imgEffect>
+                    </a14:imgLayer>
+                  </a14:imgProps>
+                </a:ext>
+                <a:ext uri="{28A0092B-C50C-407E-A947-70E740481C1C}">
+                  <a14:useLocalDpi xmlns:a14="http://schemas.microsoft.com/office/drawing/2010/main" val="0"/>
+                </a:ext>
+              </a:extLst>
+            </a:blip>
+            <a:stretch>
+              <a:fillRect/>
+            </a:stretch>
+          </p:blipFill>
+          <p:spPr>
+            <a:xfrm>
+              <a:off x="2020283" y="2942844"/>
+              <a:ext cx="641191" cy="337037"/>
+            </a:xfrm>
+            <a:prstGeom prst="rect">
+              <a:avLst/>
+            </a:prstGeom>
+          </p:spPr>
+        </p:pic>
+        <p:sp>
+          <p:nvSpPr>
+            <p:cNvPr id="16" name="TextBox 15">
+              <a:extLst>
+                <a:ext uri="{FF2B5EF4-FFF2-40B4-BE49-F238E27FC236}">
+                  <a16:creationId xmlns:a16="http://schemas.microsoft.com/office/drawing/2014/main" id="{2176F3C7-C119-B54B-B0AF-87DA246FF40B}"/>
+                </a:ext>
+              </a:extLst>
+            </p:cNvPr>
+            <p:cNvSpPr txBox="1"/>
+            <p:nvPr/>
+          </p:nvSpPr>
+          <p:spPr>
+            <a:xfrm>
+              <a:off x="2548397" y="2995434"/>
+              <a:ext cx="710451" cy="261610"/>
+            </a:xfrm>
+            <a:prstGeom prst="rect">
+              <a:avLst/>
+            </a:prstGeom>
+            <a:noFill/>
+          </p:spPr>
+          <p:txBody>
+            <a:bodyPr wrap="none" rtlCol="0">
+              <a:spAutoFit/>
+            </a:bodyPr>
+            <a:lstStyle/>
+            <a:p>
+              <a:r>
+                <a:rPr lang="en-US" sz="1100" dirty="0">
+                  <a:solidFill>
+                    <a:schemeClr val="tx1">
+                      <a:lumMod val="50000"/>
+                    </a:schemeClr>
+                  </a:solidFill>
+                </a:rPr>
+                <a:t>Connect</a:t>
+              </a:r>
+            </a:p>
+          </p:txBody>
+        </p:sp>
+      </p:grpSp>
+      <p:pic>
+        <p:nvPicPr>
+          <p:cNvPr id="114" name="Picture 2" descr="object Object]">
+            <a:extLst>
+              <a:ext uri="{FF2B5EF4-FFF2-40B4-BE49-F238E27FC236}">
+                <a16:creationId xmlns:a16="http://schemas.microsoft.com/office/drawing/2014/main" id="{D854718E-B027-A54C-812F-F6BA85452DFC}"/>
+              </a:ext>
+            </a:extLst>
+          </p:cNvPr>
+          <p:cNvPicPr>
+            <a:picLocks noChangeAspect="1" noChangeArrowheads="1"/>
+          </p:cNvPicPr>
+          <p:nvPr/>
+        </p:nvPicPr>
+        <p:blipFill>
+          <a:blip r:embed="rId15">
+            <a:extLst>
+              <a:ext uri="{28A0092B-C50C-407E-A947-70E740481C1C}">
+                <a14:useLocalDpi xmlns:a14="http://schemas.microsoft.com/office/drawing/2010/main"/>
+              </a:ext>
+            </a:extLst>
+          </a:blip>
+          <a:srcRect/>
+          <a:stretch>
+            <a:fillRect/>
+          </a:stretch>
+        </p:blipFill>
+        <p:spPr bwMode="auto">
+          <a:xfrm>
+            <a:off x="5982702" y="4699961"/>
+            <a:ext cx="400305" cy="426955"/>
+          </a:xfrm>
+          <a:prstGeom prst="rect">
+            <a:avLst/>
+          </a:prstGeom>
+          <a:noFill/>
+          <a:extLst>
+            <a:ext uri="{909E8E84-426E-40DD-AFC4-6F175D3DCCD1}">
+              <a14:hiddenFill xmlns:a14="http://schemas.microsoft.com/office/drawing/2010/main">
+                <a:solidFill>
+                  <a:srgbClr val="FFFFFF"/>
+                </a:solidFill>
+              </a14:hiddenFill>
+            </a:ext>
+          </a:extLst>
+        </p:spPr>
+      </p:pic>
+      <p:pic>
+        <p:nvPicPr>
+          <p:cNvPr id="18" name="Picture 17">
+            <a:extLst>
+              <a:ext uri="{FF2B5EF4-FFF2-40B4-BE49-F238E27FC236}">
+                <a16:creationId xmlns:a16="http://schemas.microsoft.com/office/drawing/2014/main" id="{D0803C71-8E69-A04D-9D50-1C7F1DEDC78D}"/>
+              </a:ext>
+            </a:extLst>
+          </p:cNvPr>
+          <p:cNvPicPr>
+            <a:picLocks noChangeAspect="1"/>
+          </p:cNvPicPr>
+          <p:nvPr/>
+        </p:nvPicPr>
+        <p:blipFill>
+          <a:blip r:embed="rId16"/>
+          <a:stretch>
+            <a:fillRect/>
+          </a:stretch>
+        </p:blipFill>
+        <p:spPr>
+          <a:xfrm>
+            <a:off x="7057286" y="5844899"/>
+            <a:ext cx="546100" cy="508000"/>
+          </a:xfrm>
+          <a:prstGeom prst="rect">
+            <a:avLst/>
+          </a:prstGeom>
+        </p:spPr>
+      </p:pic>
+      <p:cxnSp>
+        <p:nvCxnSpPr>
+          <p:cNvPr id="58" name="Elbow Connector 57">
+            <a:extLst>
+              <a:ext uri="{FF2B5EF4-FFF2-40B4-BE49-F238E27FC236}">
+                <a16:creationId xmlns:a16="http://schemas.microsoft.com/office/drawing/2014/main" id="{E2F17501-2C71-6D4C-A9EF-805C71B474E2}"/>
+              </a:ext>
+            </a:extLst>
+          </p:cNvPr>
+          <p:cNvCxnSpPr>
+            <a:cxnSpLocks/>
+            <a:stCxn id="57" idx="2"/>
+            <a:endCxn id="18" idx="3"/>
+          </p:cNvCxnSpPr>
+          <p:nvPr/>
+        </p:nvCxnSpPr>
+        <p:spPr>
+          <a:xfrm rot="5400000">
+            <a:off x="7333331" y="5066121"/>
+            <a:ext cx="1302834" cy="762723"/>
+          </a:xfrm>
+          <a:prstGeom prst="bentConnector2">
+            <a:avLst/>
+          </a:prstGeom>
+          <a:ln w="12700">
+            <a:solidFill>
+              <a:srgbClr val="7030A0"/>
+            </a:solidFill>
+            <a:headEnd type="triangle"/>
+            <a:tailEnd type="none"/>
+          </a:ln>
+          <a:effectLst/>
+        </p:spPr>
+        <p:style>
+          <a:lnRef idx="2">
+            <a:schemeClr val="accent1"/>
+          </a:lnRef>
+          <a:fillRef idx="0">
+            <a:schemeClr val="accent1"/>
+          </a:fillRef>
+          <a:effectRef idx="1">
+            <a:schemeClr val="accent1"/>
+          </a:effectRef>
+          <a:fontRef idx="minor">
+            <a:schemeClr val="tx1"/>
+          </a:fontRef>
+        </p:style>
+      </p:cxnSp>
+      <p:sp>
+        <p:nvSpPr>
+          <p:cNvPr id="71" name="Rectangle 70">
+            <a:extLst>
+              <a:ext uri="{FF2B5EF4-FFF2-40B4-BE49-F238E27FC236}">
+                <a16:creationId xmlns:a16="http://schemas.microsoft.com/office/drawing/2014/main" id="{31D7AA3F-988C-D849-A930-9FF95198BFE5}"/>
+              </a:ext>
+            </a:extLst>
+          </p:cNvPr>
+          <p:cNvSpPr/>
+          <p:nvPr/>
+        </p:nvSpPr>
+        <p:spPr>
+          <a:xfrm>
+            <a:off x="8212440" y="1273423"/>
+            <a:ext cx="838284" cy="578018"/>
+          </a:xfrm>
+          <a:prstGeom prst="rect">
+            <a:avLst/>
+          </a:prstGeom>
+          <a:solidFill>
+            <a:schemeClr val="accent2">
+              <a:lumMod val="60000"/>
+              <a:lumOff val="40000"/>
+            </a:schemeClr>
+          </a:solidFill>
+          <a:ln>
+            <a:noFill/>
+          </a:ln>
+          <a:effectLst>
+            <a:outerShdw blurRad="50800" dist="38100" dir="5400000" algn="t" rotWithShape="0">
+              <a:prstClr val="black">
+                <a:alpha val="40000"/>
+              </a:prstClr>
+            </a:outerShdw>
+          </a:effectLst>
+        </p:spPr>
+        <p:style>
+          <a:lnRef idx="2">
+            <a:schemeClr val="accent1">
+              <a:shade val="50000"/>
+            </a:schemeClr>
+          </a:lnRef>
+          <a:fillRef idx="1">
+            <a:schemeClr val="accent1"/>
+          </a:fillRef>
+          <a:effectRef idx="0">
+            <a:schemeClr val="accent1"/>
+          </a:effectRef>
+          <a:fontRef idx="minor">
+            <a:schemeClr val="lt1"/>
+          </a:fontRef>
+        </p:style>
+        <p:txBody>
+          <a:bodyPr rtlCol="0" anchor="t"/>
+          <a:lstStyle/>
+          <a:p>
+            <a:pPr defTabSz="914377" eaLnBrk="1" fontAlgn="auto" hangingPunct="1">
+              <a:spcBef>
+                <a:spcPts val="0"/>
+              </a:spcBef>
+              <a:spcAft>
+                <a:spcPts val="0"/>
+              </a:spcAft>
+            </a:pPr>
+            <a:r>
+              <a:rPr lang="en-US" sz="1067" dirty="0">
+                <a:solidFill>
+                  <a:schemeClr val="accent1">
+                    <a:lumMod val="50000"/>
+                  </a:schemeClr>
+                </a:solidFill>
+                <a:latin typeface="Arial"/>
+              </a:rPr>
+              <a:t>scoring model </a:t>
+            </a:r>
+          </a:p>
+        </p:txBody>
+      </p:sp>
+      <p:cxnSp>
+        <p:nvCxnSpPr>
+          <p:cNvPr id="73" name="Elbow Connector 72">
+            <a:extLst>
+              <a:ext uri="{FF2B5EF4-FFF2-40B4-BE49-F238E27FC236}">
+                <a16:creationId xmlns:a16="http://schemas.microsoft.com/office/drawing/2014/main" id="{7046057F-1BFF-6D49-9C79-7EC7E0810717}"/>
+              </a:ext>
+            </a:extLst>
+          </p:cNvPr>
+          <p:cNvCxnSpPr>
+            <a:cxnSpLocks/>
+            <a:stCxn id="71" idx="2"/>
+            <a:endCxn id="18" idx="3"/>
+          </p:cNvCxnSpPr>
+          <p:nvPr/>
+        </p:nvCxnSpPr>
+        <p:spPr>
+          <a:xfrm rot="5400000">
+            <a:off x="5993755" y="3461072"/>
+            <a:ext cx="4247458" cy="1028196"/>
+          </a:xfrm>
+          <a:prstGeom prst="curvedConnector2">
+            <a:avLst/>
+          </a:prstGeom>
+          <a:ln w="12700">
+            <a:solidFill>
+              <a:srgbClr val="7030A0"/>
+            </a:solidFill>
+            <a:headEnd type="triangle"/>
+            <a:tailEnd type="none"/>
+          </a:ln>
+          <a:effectLst/>
+        </p:spPr>
+        <p:style>
+          <a:lnRef idx="2">
+            <a:schemeClr val="accent1"/>
+          </a:lnRef>
+          <a:fillRef idx="0">
+            <a:schemeClr val="accent1"/>
+          </a:fillRef>
+          <a:effectRef idx="1">
+            <a:schemeClr val="accent1"/>
+          </a:effectRef>
+          <a:fontRef idx="minor">
+            <a:schemeClr val="tx1"/>
+          </a:fontRef>
+        </p:style>
+      </p:cxnSp>
+      <p:sp>
+        <p:nvSpPr>
+          <p:cNvPr id="57" name="Rectangle 56">
+            <a:extLst>
+              <a:ext uri="{FF2B5EF4-FFF2-40B4-BE49-F238E27FC236}">
+                <a16:creationId xmlns:a16="http://schemas.microsoft.com/office/drawing/2014/main" id="{D32931CF-A6BD-AA49-A6BF-5A16FEB15BE6}"/>
+              </a:ext>
+            </a:extLst>
+          </p:cNvPr>
+          <p:cNvSpPr/>
+          <p:nvPr/>
+        </p:nvSpPr>
+        <p:spPr>
+          <a:xfrm>
+            <a:off x="7946967" y="4218047"/>
+            <a:ext cx="838284" cy="578018"/>
+          </a:xfrm>
+          <a:prstGeom prst="rect">
+            <a:avLst/>
+          </a:prstGeom>
+          <a:solidFill>
+            <a:schemeClr val="accent2">
+              <a:lumMod val="60000"/>
+              <a:lumOff val="40000"/>
+            </a:schemeClr>
+          </a:solidFill>
+          <a:ln>
+            <a:noFill/>
+          </a:ln>
+          <a:effectLst>
+            <a:outerShdw blurRad="50800" dist="38100" dir="5400000" algn="t" rotWithShape="0">
+              <a:prstClr val="black">
+                <a:alpha val="40000"/>
+              </a:prstClr>
+            </a:outerShdw>
+          </a:effectLst>
+        </p:spPr>
+        <p:style>
+          <a:lnRef idx="2">
+            <a:schemeClr val="accent1">
+              <a:shade val="50000"/>
+            </a:schemeClr>
+          </a:lnRef>
+          <a:fillRef idx="1">
+            <a:schemeClr val="accent1"/>
+          </a:fillRef>
+          <a:effectRef idx="0">
+            <a:schemeClr val="accent1"/>
+          </a:effectRef>
+          <a:fontRef idx="minor">
+            <a:schemeClr val="lt1"/>
+          </a:fontRef>
+        </p:style>
+        <p:txBody>
+          <a:bodyPr rtlCol="0" anchor="t"/>
+          <a:lstStyle/>
+          <a:p>
+            <a:pPr defTabSz="914377" eaLnBrk="1" fontAlgn="auto" hangingPunct="1">
+              <a:spcBef>
+                <a:spcPts val="0"/>
+              </a:spcBef>
+              <a:spcAft>
+                <a:spcPts val="0"/>
+              </a:spcAft>
+            </a:pPr>
+            <a:r>
+              <a:rPr lang="en-US" sz="1067" dirty="0">
+                <a:solidFill>
+                  <a:schemeClr val="accent1">
+                    <a:lumMod val="50000"/>
+                  </a:schemeClr>
+                </a:solidFill>
+                <a:latin typeface="Arial"/>
+              </a:rPr>
+              <a:t>Python pickle model </a:t>
+            </a:r>
+          </a:p>
+        </p:txBody>
+      </p:sp>
+      <p:sp>
+        <p:nvSpPr>
+          <p:cNvPr id="74" name="AutoShape 4">
+            <a:extLst>
+              <a:ext uri="{FF2B5EF4-FFF2-40B4-BE49-F238E27FC236}">
+                <a16:creationId xmlns:a16="http://schemas.microsoft.com/office/drawing/2014/main" id="{E9F53470-66FA-A94D-950C-369F2AFFF3E8}"/>
+              </a:ext>
+            </a:extLst>
+          </p:cNvPr>
+          <p:cNvSpPr>
+            <a:spLocks noChangeArrowheads="1"/>
+          </p:cNvSpPr>
+          <p:nvPr/>
+        </p:nvSpPr>
+        <p:spPr bwMode="auto">
+          <a:xfrm>
+            <a:off x="9086209" y="4126507"/>
+            <a:ext cx="2082674" cy="1054855"/>
+          </a:xfrm>
+          <a:prstGeom prst="roundRect">
+            <a:avLst>
+              <a:gd name="adj" fmla="val 7117"/>
+            </a:avLst>
+          </a:prstGeom>
+          <a:noFill/>
+          <a:ln w="12700">
+            <a:solidFill>
+              <a:srgbClr val="5596E6">
+                <a:lumMod val="50000"/>
+              </a:srgbClr>
+            </a:solidFill>
+            <a:prstDash val="dash"/>
+            <a:round/>
+            <a:headEnd/>
+            <a:tailEnd/>
+          </a:ln>
+        </p:spPr>
+        <p:txBody>
+          <a:bodyPr lIns="0" tIns="0" rIns="0" bIns="0" anchor="b" anchorCtr="1"/>
+          <a:lstStyle/>
+          <a:p>
+            <a:pPr algn="ctr" defTabSz="1219170" eaLnBrk="1" fontAlgn="auto" hangingPunct="1">
+              <a:spcBef>
+                <a:spcPts val="0"/>
+              </a:spcBef>
+              <a:spcAft>
+                <a:spcPts val="0"/>
+              </a:spcAft>
+              <a:defRPr/>
+            </a:pPr>
+            <a:r>
+              <a:rPr lang="en-US" sz="1333" kern="0" dirty="0">
+                <a:solidFill>
+                  <a:srgbClr val="6D7777"/>
+                </a:solidFill>
+              </a:rPr>
+              <a:t>Big Data Cluster</a:t>
+            </a:r>
+          </a:p>
+        </p:txBody>
+      </p:sp>
+      <p:pic>
+        <p:nvPicPr>
+          <p:cNvPr id="75" name="Picture 74">
+            <a:extLst>
+              <a:ext uri="{FF2B5EF4-FFF2-40B4-BE49-F238E27FC236}">
+                <a16:creationId xmlns:a16="http://schemas.microsoft.com/office/drawing/2014/main" id="{4B643FF7-B957-8B47-A996-E31C144079EF}"/>
+              </a:ext>
+            </a:extLst>
+          </p:cNvPr>
+          <p:cNvPicPr>
+            <a:picLocks noChangeAspect="1"/>
+          </p:cNvPicPr>
+          <p:nvPr/>
+        </p:nvPicPr>
+        <p:blipFill>
+          <a:blip r:embed="rId8"/>
+          <a:stretch>
+            <a:fillRect/>
+          </a:stretch>
+        </p:blipFill>
+        <p:spPr>
+          <a:xfrm>
+            <a:off x="4161621" y="3607197"/>
+            <a:ext cx="280628" cy="256574"/>
+          </a:xfrm>
+          <a:prstGeom prst="rect">
+            <a:avLst/>
+          </a:prstGeom>
+        </p:spPr>
+      </p:pic>
+      <p:pic>
+        <p:nvPicPr>
+          <p:cNvPr id="76" name="Picture 75">
+            <a:extLst>
+              <a:ext uri="{FF2B5EF4-FFF2-40B4-BE49-F238E27FC236}">
+                <a16:creationId xmlns:a16="http://schemas.microsoft.com/office/drawing/2014/main" id="{73833B77-E00B-9946-8E53-54FCBFFE7CBF}"/>
+              </a:ext>
+            </a:extLst>
+          </p:cNvPr>
+          <p:cNvPicPr>
+            <a:picLocks noChangeAspect="1"/>
+          </p:cNvPicPr>
+          <p:nvPr/>
+        </p:nvPicPr>
+        <p:blipFill>
+          <a:blip r:embed="rId8"/>
+          <a:stretch>
+            <a:fillRect/>
+          </a:stretch>
+        </p:blipFill>
+        <p:spPr>
+          <a:xfrm>
+            <a:off x="1351938" y="5466926"/>
+            <a:ext cx="280628" cy="256574"/>
+          </a:xfrm>
+          <a:prstGeom prst="rect">
+            <a:avLst/>
+          </a:prstGeom>
+        </p:spPr>
+      </p:pic>
+      <p:pic>
+        <p:nvPicPr>
+          <p:cNvPr id="77" name="Picture 76">
+            <a:extLst>
+              <a:ext uri="{FF2B5EF4-FFF2-40B4-BE49-F238E27FC236}">
+                <a16:creationId xmlns:a16="http://schemas.microsoft.com/office/drawing/2014/main" id="{3BCDB0FE-C413-9144-8B46-ACA19356BB10}"/>
+              </a:ext>
+            </a:extLst>
+          </p:cNvPr>
+          <p:cNvPicPr>
+            <a:picLocks noChangeAspect="1"/>
+          </p:cNvPicPr>
+          <p:nvPr/>
+        </p:nvPicPr>
+        <p:blipFill>
+          <a:blip r:embed="rId8"/>
+          <a:stretch>
+            <a:fillRect/>
+          </a:stretch>
+        </p:blipFill>
+        <p:spPr>
+          <a:xfrm>
+            <a:off x="9050724" y="5035454"/>
+            <a:ext cx="280628" cy="256574"/>
           </a:xfrm>
           <a:prstGeom prst="rect">
             <a:avLst/>
@@ -9068,7 +9666,7 @@
             <a:effectLst/>
             <a:extLst>
               <a:ext uri="{C572A759-6A51-4108-AA02-DFA0A04FC94B}">
-                <ma14:wrappingTextBoxFlag xmlns="" xmlns:ma14="http://schemas.microsoft.com/office/mac/drawingml/2011/main" val="1"/>
+                <ma14:wrappingTextBoxFlag xmlns:ma14="http://schemas.microsoft.com/office/mac/drawingml/2011/main" xmlns="" val="1"/>
               </a:ext>
             </a:extLst>
           </p:spPr>
@@ -11198,7 +11796,7 @@
             <a:effectLst/>
             <a:extLst>
               <a:ext uri="{C572A759-6A51-4108-AA02-DFA0A04FC94B}">
-                <ma14:wrappingTextBoxFlag xmlns="" xmlns:ma14="http://schemas.microsoft.com/office/mac/drawingml/2011/main" val="1"/>
+                <ma14:wrappingTextBoxFlag xmlns:ma14="http://schemas.microsoft.com/office/mac/drawingml/2011/main" xmlns="" val="1"/>
               </a:ext>
             </a:extLst>
           </p:spPr>

--- a/docs/diagrams.pptx
+++ b/docs/diagrams.pptx
@@ -6,14 +6,15 @@
     <p:sldMasterId id="2147484308" r:id="rId2"/>
   </p:sldMasterIdLst>
   <p:notesMasterIdLst>
-    <p:notesMasterId r:id="rId8"/>
+    <p:notesMasterId r:id="rId9"/>
   </p:notesMasterIdLst>
   <p:sldIdLst>
     <p:sldId id="141168470" r:id="rId3"/>
-    <p:sldId id="2783" r:id="rId4"/>
-    <p:sldId id="2801" r:id="rId5"/>
-    <p:sldId id="2799" r:id="rId6"/>
-    <p:sldId id="2800" r:id="rId7"/>
+    <p:sldId id="141168471" r:id="rId4"/>
+    <p:sldId id="2783" r:id="rId5"/>
+    <p:sldId id="2801" r:id="rId6"/>
+    <p:sldId id="2799" r:id="rId7"/>
+    <p:sldId id="2800" r:id="rId8"/>
   </p:sldIdLst>
   <p:sldSz cx="12192000" cy="6858000"/>
   <p:notesSz cx="7086600" cy="9372600"/>
@@ -276,7 +277,7 @@
               <a:pPr>
                 <a:defRPr/>
               </a:pPr>
-              <a:t>11/5/19</a:t>
+              <a:t>11/13/19</a:t>
             </a:fld>
             <a:endParaRPr lang="en-US" dirty="0"/>
           </a:p>
@@ -725,7 +726,7 @@
                 <a:tabLst/>
                 <a:defRPr/>
               </a:pPr>
-              <a:t>2</a:t>
+              <a:t>3</a:t>
             </a:fld>
             <a:endParaRPr kumimoji="0" lang="en-US" sz="1200" b="0" i="0" u="none" strike="noStrike" kern="1200" cap="none" spc="0" normalizeH="0" baseline="0" noProof="0">
               <a:ln>
@@ -837,7 +838,7 @@
               <a:pPr>
                 <a:defRPr/>
               </a:pPr>
-              <a:t>3</a:t>
+              <a:t>4</a:t>
             </a:fld>
             <a:endParaRPr lang="en-US" altLang="en-US" dirty="0"/>
           </a:p>
@@ -8512,6 +8513,792 @@
           <p:cNvPr id="2" name="Title 1">
             <a:extLst>
               <a:ext uri="{FF2B5EF4-FFF2-40B4-BE49-F238E27FC236}">
+                <a16:creationId xmlns:a16="http://schemas.microsoft.com/office/drawing/2014/main" id="{D315EF5C-228B-5845-84E6-0CFA2693B2CE}"/>
+              </a:ext>
+            </a:extLst>
+          </p:cNvPr>
+          <p:cNvSpPr>
+            <a:spLocks noGrp="1"/>
+          </p:cNvSpPr>
+          <p:nvPr>
+            <p:ph type="title"/>
+          </p:nvPr>
+        </p:nvSpPr>
+        <p:spPr/>
+        <p:txBody>
+          <a:bodyPr/>
+          <a:lstStyle/>
+          <a:p>
+            <a:r>
+              <a:rPr lang="en-US" dirty="0"/>
+              <a:t>Cloud Pak Solution</a:t>
+            </a:r>
+          </a:p>
+        </p:txBody>
+      </p:sp>
+      <p:sp>
+        <p:nvSpPr>
+          <p:cNvPr id="4" name="Slide Number Placeholder 3">
+            <a:extLst>
+              <a:ext uri="{FF2B5EF4-FFF2-40B4-BE49-F238E27FC236}">
+                <a16:creationId xmlns:a16="http://schemas.microsoft.com/office/drawing/2014/main" id="{FB3FF1DE-439B-5D41-A9C1-2BC36D573C38}"/>
+              </a:ext>
+            </a:extLst>
+          </p:cNvPr>
+          <p:cNvSpPr>
+            <a:spLocks noGrp="1"/>
+          </p:cNvSpPr>
+          <p:nvPr>
+            <p:ph type="sldNum" sz="quarter" idx="2"/>
+          </p:nvPr>
+        </p:nvSpPr>
+        <p:spPr/>
+        <p:txBody>
+          <a:bodyPr/>
+          <a:lstStyle/>
+          <a:p>
+            <a:fld id="{86CB4B4D-7CA3-9044-876B-883B54F8677D}" type="slidenum">
+              <a:rPr lang="en-US" smtClean="0"/>
+              <a:pPr/>
+              <a:t>2</a:t>
+            </a:fld>
+            <a:endParaRPr lang="en-US"/>
+          </a:p>
+        </p:txBody>
+      </p:sp>
+      <p:sp>
+        <p:nvSpPr>
+          <p:cNvPr id="5" name="AutoShape 4">
+            <a:extLst>
+              <a:ext uri="{FF2B5EF4-FFF2-40B4-BE49-F238E27FC236}">
+                <a16:creationId xmlns:a16="http://schemas.microsoft.com/office/drawing/2014/main" id="{684E09B8-BBC1-064E-8FF3-CD8302D16690}"/>
+              </a:ext>
+            </a:extLst>
+          </p:cNvPr>
+          <p:cNvSpPr>
+            <a:spLocks noChangeArrowheads="1"/>
+          </p:cNvSpPr>
+          <p:nvPr/>
+        </p:nvSpPr>
+        <p:spPr bwMode="auto">
+          <a:xfrm>
+            <a:off x="2871371" y="5150367"/>
+            <a:ext cx="4545428" cy="680686"/>
+          </a:xfrm>
+          <a:prstGeom prst="roundRect">
+            <a:avLst>
+              <a:gd name="adj" fmla="val 7117"/>
+            </a:avLst>
+          </a:prstGeom>
+          <a:noFill/>
+          <a:ln w="12700">
+            <a:solidFill>
+              <a:srgbClr val="5596E6">
+                <a:lumMod val="50000"/>
+              </a:srgbClr>
+            </a:solidFill>
+            <a:prstDash val="dash"/>
+            <a:round/>
+            <a:headEnd/>
+            <a:tailEnd/>
+          </a:ln>
+        </p:spPr>
+        <p:txBody>
+          <a:bodyPr lIns="0" tIns="0" rIns="0" bIns="0" anchor="b" anchorCtr="1"/>
+          <a:lstStyle/>
+          <a:p>
+            <a:pPr algn="ctr" defTabSz="1219170" eaLnBrk="1" fontAlgn="auto" hangingPunct="1">
+              <a:spcBef>
+                <a:spcPts val="0"/>
+              </a:spcBef>
+              <a:spcAft>
+                <a:spcPts val="0"/>
+              </a:spcAft>
+              <a:defRPr/>
+            </a:pPr>
+            <a:r>
+              <a:rPr lang="en-US" sz="1333" kern="0" dirty="0">
+                <a:solidFill>
+                  <a:srgbClr val="6D7777"/>
+                </a:solidFill>
+              </a:rPr>
+              <a:t>Infrastructure</a:t>
+            </a:r>
+          </a:p>
+        </p:txBody>
+      </p:sp>
+      <p:pic>
+        <p:nvPicPr>
+          <p:cNvPr id="6" name="Picture 5">
+            <a:extLst>
+              <a:ext uri="{FF2B5EF4-FFF2-40B4-BE49-F238E27FC236}">
+                <a16:creationId xmlns:a16="http://schemas.microsoft.com/office/drawing/2014/main" id="{07AC0BFF-594E-D943-9423-6F5BB0B092D4}"/>
+              </a:ext>
+            </a:extLst>
+          </p:cNvPr>
+          <p:cNvPicPr>
+            <a:picLocks noChangeAspect="1"/>
+          </p:cNvPicPr>
+          <p:nvPr/>
+        </p:nvPicPr>
+        <p:blipFill>
+          <a:blip r:embed="rId2"/>
+          <a:stretch>
+            <a:fillRect/>
+          </a:stretch>
+        </p:blipFill>
+        <p:spPr>
+          <a:xfrm>
+            <a:off x="4030042" y="5259975"/>
+            <a:ext cx="388273" cy="354992"/>
+          </a:xfrm>
+          <a:prstGeom prst="rect">
+            <a:avLst/>
+          </a:prstGeom>
+        </p:spPr>
+      </p:pic>
+      <p:pic>
+        <p:nvPicPr>
+          <p:cNvPr id="7" name="Picture 6">
+            <a:extLst>
+              <a:ext uri="{FF2B5EF4-FFF2-40B4-BE49-F238E27FC236}">
+                <a16:creationId xmlns:a16="http://schemas.microsoft.com/office/drawing/2014/main" id="{34E902ED-15BC-414A-8ABD-63DB888CC4B7}"/>
+              </a:ext>
+            </a:extLst>
+          </p:cNvPr>
+          <p:cNvPicPr>
+            <a:picLocks noChangeAspect="1"/>
+          </p:cNvPicPr>
+          <p:nvPr/>
+        </p:nvPicPr>
+        <p:blipFill>
+          <a:blip r:embed="rId3"/>
+          <a:stretch>
+            <a:fillRect/>
+          </a:stretch>
+        </p:blipFill>
+        <p:spPr>
+          <a:xfrm>
+            <a:off x="5688009" y="5259975"/>
+            <a:ext cx="459096" cy="393976"/>
+          </a:xfrm>
+          <a:prstGeom prst="rect">
+            <a:avLst/>
+          </a:prstGeom>
+        </p:spPr>
+      </p:pic>
+      <p:sp>
+        <p:nvSpPr>
+          <p:cNvPr id="11" name="AutoShape 4">
+            <a:extLst>
+              <a:ext uri="{FF2B5EF4-FFF2-40B4-BE49-F238E27FC236}">
+                <a16:creationId xmlns:a16="http://schemas.microsoft.com/office/drawing/2014/main" id="{C64ABD7E-5043-7340-8CC0-841277EF50A1}"/>
+              </a:ext>
+            </a:extLst>
+          </p:cNvPr>
+          <p:cNvSpPr>
+            <a:spLocks noChangeArrowheads="1"/>
+          </p:cNvSpPr>
+          <p:nvPr/>
+        </p:nvSpPr>
+        <p:spPr bwMode="auto">
+          <a:xfrm>
+            <a:off x="2871370" y="3448935"/>
+            <a:ext cx="4545429" cy="1396809"/>
+          </a:xfrm>
+          <a:prstGeom prst="roundRect">
+            <a:avLst>
+              <a:gd name="adj" fmla="val 7117"/>
+            </a:avLst>
+          </a:prstGeom>
+          <a:noFill/>
+          <a:ln w="12700">
+            <a:solidFill>
+              <a:srgbClr val="5596E6">
+                <a:lumMod val="50000"/>
+              </a:srgbClr>
+            </a:solidFill>
+            <a:prstDash val="dash"/>
+            <a:round/>
+            <a:headEnd/>
+            <a:tailEnd/>
+          </a:ln>
+        </p:spPr>
+        <p:txBody>
+          <a:bodyPr lIns="0" tIns="0" rIns="0" bIns="0" anchor="b" anchorCtr="1"/>
+          <a:lstStyle/>
+          <a:p>
+            <a:pPr algn="ctr" defTabSz="1219170" eaLnBrk="1" fontAlgn="auto" hangingPunct="1">
+              <a:spcBef>
+                <a:spcPts val="0"/>
+              </a:spcBef>
+              <a:spcAft>
+                <a:spcPts val="0"/>
+              </a:spcAft>
+              <a:defRPr/>
+            </a:pPr>
+            <a:r>
+              <a:rPr lang="en-US" sz="1333" kern="0" dirty="0">
+                <a:solidFill>
+                  <a:srgbClr val="6D7777"/>
+                </a:solidFill>
+              </a:rPr>
+              <a:t>Cloud Pak</a:t>
+            </a:r>
+          </a:p>
+        </p:txBody>
+      </p:sp>
+      <p:pic>
+        <p:nvPicPr>
+          <p:cNvPr id="12" name="Picture 11">
+            <a:extLst>
+              <a:ext uri="{FF2B5EF4-FFF2-40B4-BE49-F238E27FC236}">
+                <a16:creationId xmlns:a16="http://schemas.microsoft.com/office/drawing/2014/main" id="{284F2826-9DD2-6844-A9BB-E8BD4E975704}"/>
+              </a:ext>
+            </a:extLst>
+          </p:cNvPr>
+          <p:cNvPicPr>
+            <a:picLocks noChangeAspect="1"/>
+          </p:cNvPicPr>
+          <p:nvPr/>
+        </p:nvPicPr>
+        <p:blipFill>
+          <a:blip r:embed="rId4"/>
+          <a:stretch>
+            <a:fillRect/>
+          </a:stretch>
+        </p:blipFill>
+        <p:spPr>
+          <a:xfrm>
+            <a:off x="4081744" y="3679244"/>
+            <a:ext cx="673143" cy="879207"/>
+          </a:xfrm>
+          <a:prstGeom prst="rect">
+            <a:avLst/>
+          </a:prstGeom>
+        </p:spPr>
+      </p:pic>
+      <p:pic>
+        <p:nvPicPr>
+          <p:cNvPr id="13" name="Picture 12">
+            <a:extLst>
+              <a:ext uri="{FF2B5EF4-FFF2-40B4-BE49-F238E27FC236}">
+                <a16:creationId xmlns:a16="http://schemas.microsoft.com/office/drawing/2014/main" id="{2A7B4D3D-90CA-AA4F-8F1C-0D90C3E86276}"/>
+              </a:ext>
+            </a:extLst>
+          </p:cNvPr>
+          <p:cNvPicPr>
+            <a:picLocks noChangeAspect="1"/>
+          </p:cNvPicPr>
+          <p:nvPr/>
+        </p:nvPicPr>
+        <p:blipFill>
+          <a:blip r:embed="rId5"/>
+          <a:stretch>
+            <a:fillRect/>
+          </a:stretch>
+        </p:blipFill>
+        <p:spPr>
+          <a:xfrm>
+            <a:off x="3088358" y="3679245"/>
+            <a:ext cx="790605" cy="879207"/>
+          </a:xfrm>
+          <a:prstGeom prst="rect">
+            <a:avLst/>
+          </a:prstGeom>
+        </p:spPr>
+      </p:pic>
+      <p:sp>
+        <p:nvSpPr>
+          <p:cNvPr id="14" name="Rectangle 13">
+            <a:extLst>
+              <a:ext uri="{FF2B5EF4-FFF2-40B4-BE49-F238E27FC236}">
+                <a16:creationId xmlns:a16="http://schemas.microsoft.com/office/drawing/2014/main" id="{283526CE-4AF1-0D4C-AFB2-25875AF70D6E}"/>
+              </a:ext>
+            </a:extLst>
+          </p:cNvPr>
+          <p:cNvSpPr/>
+          <p:nvPr/>
+        </p:nvSpPr>
+        <p:spPr>
+          <a:xfrm>
+            <a:off x="4803212" y="2189569"/>
+            <a:ext cx="1176988" cy="493916"/>
+          </a:xfrm>
+          <a:prstGeom prst="rect">
+            <a:avLst/>
+          </a:prstGeom>
+          <a:solidFill>
+            <a:schemeClr val="bg1">
+              <a:lumMod val="65000"/>
+            </a:schemeClr>
+          </a:solidFill>
+          <a:ln>
+            <a:noFill/>
+          </a:ln>
+          <a:effectLst>
+            <a:outerShdw blurRad="50800" dist="38100" dir="5400000" algn="t" rotWithShape="0">
+              <a:prstClr val="black">
+                <a:alpha val="40000"/>
+              </a:prstClr>
+            </a:outerShdw>
+          </a:effectLst>
+        </p:spPr>
+        <p:style>
+          <a:lnRef idx="2">
+            <a:schemeClr val="accent1">
+              <a:shade val="50000"/>
+            </a:schemeClr>
+          </a:lnRef>
+          <a:fillRef idx="1">
+            <a:schemeClr val="accent1"/>
+          </a:fillRef>
+          <a:effectRef idx="0">
+            <a:schemeClr val="accent1"/>
+          </a:effectRef>
+          <a:fontRef idx="minor">
+            <a:schemeClr val="lt1"/>
+          </a:fontRef>
+        </p:style>
+        <p:txBody>
+          <a:bodyPr rtlCol="0" anchor="ctr"/>
+          <a:lstStyle/>
+          <a:p>
+            <a:pPr algn="ctr" defTabSz="914377" eaLnBrk="1" fontAlgn="auto" hangingPunct="1">
+              <a:spcBef>
+                <a:spcPts val="0"/>
+              </a:spcBef>
+              <a:spcAft>
+                <a:spcPts val="0"/>
+              </a:spcAft>
+            </a:pPr>
+            <a:r>
+              <a:rPr lang="en-US" sz="1100" dirty="0">
+                <a:solidFill>
+                  <a:schemeClr val="bg1"/>
+                </a:solidFill>
+                <a:latin typeface="Arial"/>
+              </a:rPr>
+              <a:t>BPM app</a:t>
+            </a:r>
+          </a:p>
+        </p:txBody>
+      </p:sp>
+      <p:sp>
+        <p:nvSpPr>
+          <p:cNvPr id="15" name="AutoShape 4">
+            <a:extLst>
+              <a:ext uri="{FF2B5EF4-FFF2-40B4-BE49-F238E27FC236}">
+                <a16:creationId xmlns:a16="http://schemas.microsoft.com/office/drawing/2014/main" id="{A74B6BBF-B7A7-804F-AA37-AA6548F50D71}"/>
+              </a:ext>
+            </a:extLst>
+          </p:cNvPr>
+          <p:cNvSpPr>
+            <a:spLocks noChangeArrowheads="1"/>
+          </p:cNvSpPr>
+          <p:nvPr/>
+        </p:nvSpPr>
+        <p:spPr bwMode="auto">
+          <a:xfrm>
+            <a:off x="2590800" y="1738123"/>
+            <a:ext cx="4825999" cy="1396809"/>
+          </a:xfrm>
+          <a:prstGeom prst="roundRect">
+            <a:avLst>
+              <a:gd name="adj" fmla="val 7117"/>
+            </a:avLst>
+          </a:prstGeom>
+          <a:noFill/>
+          <a:ln w="12700">
+            <a:solidFill>
+              <a:srgbClr val="5596E6">
+                <a:lumMod val="50000"/>
+              </a:srgbClr>
+            </a:solidFill>
+            <a:prstDash val="dash"/>
+            <a:round/>
+            <a:headEnd/>
+            <a:tailEnd/>
+          </a:ln>
+        </p:spPr>
+        <p:txBody>
+          <a:bodyPr lIns="0" tIns="0" rIns="0" bIns="0" anchor="b" anchorCtr="1"/>
+          <a:lstStyle/>
+          <a:p>
+            <a:pPr algn="ctr" defTabSz="1219170" eaLnBrk="1" fontAlgn="auto" hangingPunct="1">
+              <a:spcBef>
+                <a:spcPts val="0"/>
+              </a:spcBef>
+              <a:spcAft>
+                <a:spcPts val="0"/>
+              </a:spcAft>
+              <a:defRPr/>
+            </a:pPr>
+            <a:r>
+              <a:rPr lang="en-US" sz="1333" kern="0" dirty="0">
+                <a:solidFill>
+                  <a:srgbClr val="6D7777"/>
+                </a:solidFill>
+              </a:rPr>
+              <a:t>Application</a:t>
+            </a:r>
+          </a:p>
+        </p:txBody>
+      </p:sp>
+      <p:pic>
+        <p:nvPicPr>
+          <p:cNvPr id="16" name="Picture 15">
+            <a:extLst>
+              <a:ext uri="{FF2B5EF4-FFF2-40B4-BE49-F238E27FC236}">
+                <a16:creationId xmlns:a16="http://schemas.microsoft.com/office/drawing/2014/main" id="{E69F41A8-F3D6-584C-82B4-CB399C23B4A1}"/>
+              </a:ext>
+            </a:extLst>
+          </p:cNvPr>
+          <p:cNvPicPr>
+            <a:picLocks noChangeAspect="1"/>
+          </p:cNvPicPr>
+          <p:nvPr/>
+        </p:nvPicPr>
+        <p:blipFill>
+          <a:blip r:embed="rId6"/>
+          <a:stretch>
+            <a:fillRect/>
+          </a:stretch>
+        </p:blipFill>
+        <p:spPr>
+          <a:xfrm flipV="1">
+            <a:off x="988010" y="1886314"/>
+            <a:ext cx="1344689" cy="880532"/>
+          </a:xfrm>
+          <a:prstGeom prst="rect">
+            <a:avLst/>
+          </a:prstGeom>
+        </p:spPr>
+      </p:pic>
+      <p:pic>
+        <p:nvPicPr>
+          <p:cNvPr id="17" name="Picture 16">
+            <a:extLst>
+              <a:ext uri="{FF2B5EF4-FFF2-40B4-BE49-F238E27FC236}">
+                <a16:creationId xmlns:a16="http://schemas.microsoft.com/office/drawing/2014/main" id="{9DDF994C-5DE9-2A45-B3A5-92F9C720F89A}"/>
+              </a:ext>
+            </a:extLst>
+          </p:cNvPr>
+          <p:cNvPicPr>
+            <a:picLocks noChangeAspect="1"/>
+          </p:cNvPicPr>
+          <p:nvPr/>
+        </p:nvPicPr>
+        <p:blipFill>
+          <a:blip r:embed="rId7"/>
+          <a:stretch>
+            <a:fillRect/>
+          </a:stretch>
+        </p:blipFill>
+        <p:spPr>
+          <a:xfrm>
+            <a:off x="4955677" y="3679244"/>
+            <a:ext cx="872059" cy="879207"/>
+          </a:xfrm>
+          <a:prstGeom prst="rect">
+            <a:avLst/>
+          </a:prstGeom>
+        </p:spPr>
+      </p:pic>
+      <p:sp>
+        <p:nvSpPr>
+          <p:cNvPr id="19" name="Rectangle 18">
+            <a:extLst>
+              <a:ext uri="{FF2B5EF4-FFF2-40B4-BE49-F238E27FC236}">
+                <a16:creationId xmlns:a16="http://schemas.microsoft.com/office/drawing/2014/main" id="{D4819155-2316-6B42-9EA8-E0B6095A1869}"/>
+              </a:ext>
+            </a:extLst>
+          </p:cNvPr>
+          <p:cNvSpPr/>
+          <p:nvPr/>
+        </p:nvSpPr>
+        <p:spPr>
+          <a:xfrm>
+            <a:off x="6096000" y="2179222"/>
+            <a:ext cx="1176988" cy="493916"/>
+          </a:xfrm>
+          <a:prstGeom prst="rect">
+            <a:avLst/>
+          </a:prstGeom>
+          <a:solidFill>
+            <a:schemeClr val="bg1">
+              <a:lumMod val="65000"/>
+            </a:schemeClr>
+          </a:solidFill>
+          <a:ln>
+            <a:noFill/>
+          </a:ln>
+          <a:effectLst>
+            <a:outerShdw blurRad="50800" dist="38100" dir="5400000" algn="t" rotWithShape="0">
+              <a:prstClr val="black">
+                <a:alpha val="40000"/>
+              </a:prstClr>
+            </a:outerShdw>
+          </a:effectLst>
+        </p:spPr>
+        <p:style>
+          <a:lnRef idx="2">
+            <a:schemeClr val="accent1">
+              <a:shade val="50000"/>
+            </a:schemeClr>
+          </a:lnRef>
+          <a:fillRef idx="1">
+            <a:schemeClr val="accent1"/>
+          </a:fillRef>
+          <a:effectRef idx="0">
+            <a:schemeClr val="accent1"/>
+          </a:effectRef>
+          <a:fontRef idx="minor">
+            <a:schemeClr val="lt1"/>
+          </a:fontRef>
+        </p:style>
+        <p:txBody>
+          <a:bodyPr rtlCol="0" anchor="ctr"/>
+          <a:lstStyle/>
+          <a:p>
+            <a:pPr algn="ctr" defTabSz="914377" eaLnBrk="1" fontAlgn="auto" hangingPunct="1">
+              <a:spcBef>
+                <a:spcPts val="0"/>
+              </a:spcBef>
+              <a:spcAft>
+                <a:spcPts val="0"/>
+              </a:spcAft>
+            </a:pPr>
+            <a:r>
+              <a:rPr lang="en-US" sz="1100" dirty="0">
+                <a:solidFill>
+                  <a:schemeClr val="bg1"/>
+                </a:solidFill>
+                <a:latin typeface="Arial"/>
+              </a:rPr>
+              <a:t>Container MS</a:t>
+            </a:r>
+          </a:p>
+        </p:txBody>
+      </p:sp>
+      <p:sp>
+        <p:nvSpPr>
+          <p:cNvPr id="20" name="Rectangle 19">
+            <a:extLst>
+              <a:ext uri="{FF2B5EF4-FFF2-40B4-BE49-F238E27FC236}">
+                <a16:creationId xmlns:a16="http://schemas.microsoft.com/office/drawing/2014/main" id="{0548C9A6-D4D7-3B41-A314-52FC7BECD26B}"/>
+              </a:ext>
+            </a:extLst>
+          </p:cNvPr>
+          <p:cNvSpPr/>
+          <p:nvPr/>
+        </p:nvSpPr>
+        <p:spPr>
+          <a:xfrm>
+            <a:off x="3483660" y="2179222"/>
+            <a:ext cx="1176988" cy="493916"/>
+          </a:xfrm>
+          <a:prstGeom prst="rect">
+            <a:avLst/>
+          </a:prstGeom>
+          <a:solidFill>
+            <a:schemeClr val="bg1">
+              <a:lumMod val="65000"/>
+            </a:schemeClr>
+          </a:solidFill>
+          <a:ln>
+            <a:noFill/>
+          </a:ln>
+          <a:effectLst>
+            <a:outerShdw blurRad="50800" dist="38100" dir="5400000" algn="t" rotWithShape="0">
+              <a:prstClr val="black">
+                <a:alpha val="40000"/>
+              </a:prstClr>
+            </a:outerShdw>
+          </a:effectLst>
+        </p:spPr>
+        <p:style>
+          <a:lnRef idx="2">
+            <a:schemeClr val="accent1">
+              <a:shade val="50000"/>
+            </a:schemeClr>
+          </a:lnRef>
+          <a:fillRef idx="1">
+            <a:schemeClr val="accent1"/>
+          </a:fillRef>
+          <a:effectRef idx="0">
+            <a:schemeClr val="accent1"/>
+          </a:effectRef>
+          <a:fontRef idx="minor">
+            <a:schemeClr val="lt1"/>
+          </a:fontRef>
+        </p:style>
+        <p:txBody>
+          <a:bodyPr rtlCol="0" anchor="ctr"/>
+          <a:lstStyle/>
+          <a:p>
+            <a:pPr algn="ctr" defTabSz="914377" eaLnBrk="1" fontAlgn="auto" hangingPunct="1">
+              <a:spcBef>
+                <a:spcPts val="0"/>
+              </a:spcBef>
+              <a:spcAft>
+                <a:spcPts val="0"/>
+              </a:spcAft>
+            </a:pPr>
+            <a:r>
+              <a:rPr lang="en-US" sz="1100" dirty="0">
+                <a:solidFill>
+                  <a:schemeClr val="bg1"/>
+                </a:solidFill>
+                <a:latin typeface="Arial"/>
+              </a:rPr>
+              <a:t>Scoring MS</a:t>
+            </a:r>
+          </a:p>
+        </p:txBody>
+      </p:sp>
+      <p:sp>
+        <p:nvSpPr>
+          <p:cNvPr id="21" name="Rectangle 20">
+            <a:extLst>
+              <a:ext uri="{FF2B5EF4-FFF2-40B4-BE49-F238E27FC236}">
+                <a16:creationId xmlns:a16="http://schemas.microsoft.com/office/drawing/2014/main" id="{B6B125CD-26F1-0C46-A1C6-964C84F02100}"/>
+              </a:ext>
+            </a:extLst>
+          </p:cNvPr>
+          <p:cNvSpPr/>
+          <p:nvPr/>
+        </p:nvSpPr>
+        <p:spPr>
+          <a:xfrm>
+            <a:off x="2645950" y="1818852"/>
+            <a:ext cx="789271" cy="1214657"/>
+          </a:xfrm>
+          <a:prstGeom prst="rect">
+            <a:avLst/>
+          </a:prstGeom>
+          <a:solidFill>
+            <a:schemeClr val="bg1">
+              <a:lumMod val="65000"/>
+            </a:schemeClr>
+          </a:solidFill>
+          <a:ln>
+            <a:noFill/>
+          </a:ln>
+          <a:effectLst>
+            <a:outerShdw blurRad="50800" dist="38100" dir="5400000" algn="t" rotWithShape="0">
+              <a:prstClr val="black">
+                <a:alpha val="40000"/>
+              </a:prstClr>
+            </a:outerShdw>
+          </a:effectLst>
+        </p:spPr>
+        <p:style>
+          <a:lnRef idx="2">
+            <a:schemeClr val="accent1">
+              <a:shade val="50000"/>
+            </a:schemeClr>
+          </a:lnRef>
+          <a:fillRef idx="1">
+            <a:schemeClr val="accent1"/>
+          </a:fillRef>
+          <a:effectRef idx="0">
+            <a:schemeClr val="accent1"/>
+          </a:effectRef>
+          <a:fontRef idx="minor">
+            <a:schemeClr val="lt1"/>
+          </a:fontRef>
+        </p:style>
+        <p:txBody>
+          <a:bodyPr rtlCol="0" anchor="ctr"/>
+          <a:lstStyle/>
+          <a:p>
+            <a:pPr algn="ctr" defTabSz="914377" eaLnBrk="1" fontAlgn="auto" hangingPunct="1">
+              <a:spcBef>
+                <a:spcPts val="0"/>
+              </a:spcBef>
+              <a:spcAft>
+                <a:spcPts val="0"/>
+              </a:spcAft>
+            </a:pPr>
+            <a:r>
+              <a:rPr lang="en-US" sz="1100" dirty="0">
+                <a:solidFill>
+                  <a:schemeClr val="bg1"/>
+                </a:solidFill>
+                <a:latin typeface="Arial"/>
+              </a:rPr>
+              <a:t>Reefer Simulator</a:t>
+            </a:r>
+          </a:p>
+        </p:txBody>
+      </p:sp>
+      <p:pic>
+        <p:nvPicPr>
+          <p:cNvPr id="22" name="Picture 21">
+            <a:extLst>
+              <a:ext uri="{FF2B5EF4-FFF2-40B4-BE49-F238E27FC236}">
+                <a16:creationId xmlns:a16="http://schemas.microsoft.com/office/drawing/2014/main" id="{6180B364-6A99-BB4D-AF7A-6B99AED8C89F}"/>
+              </a:ext>
+            </a:extLst>
+          </p:cNvPr>
+          <p:cNvPicPr>
+            <a:picLocks noChangeAspect="1"/>
+          </p:cNvPicPr>
+          <p:nvPr/>
+        </p:nvPicPr>
+        <p:blipFill>
+          <a:blip r:embed="rId8"/>
+          <a:stretch>
+            <a:fillRect/>
+          </a:stretch>
+        </p:blipFill>
+        <p:spPr>
+          <a:xfrm>
+            <a:off x="5973911" y="3679244"/>
+            <a:ext cx="940075" cy="879207"/>
+          </a:xfrm>
+          <a:prstGeom prst="rect">
+            <a:avLst/>
+          </a:prstGeom>
+        </p:spPr>
+      </p:pic>
+    </p:spTree>
+    <p:extLst>
+      <p:ext uri="{BB962C8B-B14F-4D97-AF65-F5344CB8AC3E}">
+        <p14:creationId xmlns:p14="http://schemas.microsoft.com/office/powerpoint/2010/main" val="2821260101"/>
+      </p:ext>
+    </p:extLst>
+  </p:cSld>
+  <p:clrMapOvr>
+    <a:masterClrMapping/>
+  </p:clrMapOvr>
+  <p:transition spd="med"/>
+</p:sld>
+</file>
+
+<file path=ppt/slides/slide3.xml><?xml version="1.0" encoding="utf-8"?>
+<p:sld xmlns:a="http://schemas.openxmlformats.org/drawingml/2006/main" xmlns:r="http://schemas.openxmlformats.org/officeDocument/2006/relationships" xmlns:p="http://schemas.openxmlformats.org/presentationml/2006/main">
+  <p:cSld>
+    <p:spTree>
+      <p:nvGrpSpPr>
+        <p:cNvPr id="1" name=""/>
+        <p:cNvGrpSpPr/>
+        <p:nvPr/>
+      </p:nvGrpSpPr>
+      <p:grpSpPr>
+        <a:xfrm>
+          <a:off x="0" y="0"/>
+          <a:ext cx="0" cy="0"/>
+          <a:chOff x="0" y="0"/>
+          <a:chExt cx="0" cy="0"/>
+        </a:xfrm>
+      </p:grpSpPr>
+      <p:sp>
+        <p:nvSpPr>
+          <p:cNvPr id="2" name="Title 1">
+            <a:extLst>
+              <a:ext uri="{FF2B5EF4-FFF2-40B4-BE49-F238E27FC236}">
                 <a16:creationId xmlns:a16="http://schemas.microsoft.com/office/drawing/2014/main" id="{4F4FC843-CBA3-204A-9087-239C7E4B548E}"/>
               </a:ext>
             </a:extLst>
@@ -13397,7 +14184,7 @@
                 <a:ea typeface="+mn-ea"/>
                 <a:cs typeface="+mn-cs"/>
               </a:rPr>
-              <a:t>Predictive scoring</a:t>
+              <a:t>Anomaly detection scoring</a:t>
             </a:r>
           </a:p>
         </p:txBody>
@@ -13415,7 +14202,7 @@
 </p:sld>
 </file>
 
-<file path=ppt/slides/slide3.xml><?xml version="1.0" encoding="utf-8"?>
+<file path=ppt/slides/slide4.xml><?xml version="1.0" encoding="utf-8"?>
 <p:sld xmlns:a="http://schemas.openxmlformats.org/drawingml/2006/main" xmlns:r="http://schemas.openxmlformats.org/officeDocument/2006/relationships" xmlns:p="http://schemas.openxmlformats.org/presentationml/2006/main">
   <p:cSld>
     <p:spTree>
@@ -13434,10 +14221,10 @@
       </p:grpSpPr>
       <p:sp>
         <p:nvSpPr>
-          <p:cNvPr id="55" name="Rounded Rectangle 54">
+          <p:cNvPr id="40" name="Rounded Rectangle 39">
             <a:extLst>
               <a:ext uri="{FF2B5EF4-FFF2-40B4-BE49-F238E27FC236}">
-                <a16:creationId xmlns:a16="http://schemas.microsoft.com/office/drawing/2014/main" id="{BCDB838F-03AA-0041-B23E-D4E797C3F296}"/>
+                <a16:creationId xmlns:a16="http://schemas.microsoft.com/office/drawing/2014/main" id="{16369D00-A072-DB43-B943-B71BA51E5E95}"/>
               </a:ext>
             </a:extLst>
           </p:cNvPr>
@@ -13446,89 +14233,8 @@
         </p:nvSpPr>
         <p:spPr>
           <a:xfrm>
-            <a:off x="6631706" y="1596898"/>
-            <a:ext cx="2478145" cy="2045537"/>
-          </a:xfrm>
-          <a:prstGeom prst="roundRect">
-            <a:avLst>
-              <a:gd name="adj" fmla="val 3460"/>
-            </a:avLst>
-          </a:prstGeom>
-          <a:ln>
-            <a:noFill/>
-          </a:ln>
-        </p:spPr>
-        <p:style>
-          <a:lnRef idx="2">
-            <a:schemeClr val="accent1">
-              <a:shade val="50000"/>
-            </a:schemeClr>
-          </a:lnRef>
-          <a:fillRef idx="1">
-            <a:schemeClr val="accent1"/>
-          </a:fillRef>
-          <a:effectRef idx="0">
-            <a:schemeClr val="accent1"/>
-          </a:effectRef>
-          <a:fontRef idx="minor">
-            <a:schemeClr val="lt1"/>
-          </a:fontRef>
-        </p:style>
-        <p:txBody>
-          <a:bodyPr rtlCol="0" anchor="ctr"/>
-          <a:lstStyle/>
-          <a:p>
-            <a:pPr algn="ctr"/>
-            <a:endParaRPr lang="en-US"/>
-          </a:p>
-        </p:txBody>
-      </p:sp>
-      <p:pic>
-        <p:nvPicPr>
-          <p:cNvPr id="57" name="Picture 56">
-            <a:extLst>
-              <a:ext uri="{FF2B5EF4-FFF2-40B4-BE49-F238E27FC236}">
-                <a16:creationId xmlns:a16="http://schemas.microsoft.com/office/drawing/2014/main" id="{8E1A8EFC-A075-DB4B-B16F-8A2770920E88}"/>
-              </a:ext>
-            </a:extLst>
-          </p:cNvPr>
-          <p:cNvPicPr>
-            <a:picLocks noChangeAspect="1"/>
-          </p:cNvPicPr>
-          <p:nvPr/>
-        </p:nvPicPr>
-        <p:blipFill>
-          <a:blip r:embed="rId3"/>
-          <a:stretch>
-            <a:fillRect/>
-          </a:stretch>
-        </p:blipFill>
-        <p:spPr>
-          <a:xfrm>
-            <a:off x="7779916" y="2940407"/>
-            <a:ext cx="1302236" cy="544571"/>
-          </a:xfrm>
-          <a:prstGeom prst="rect">
-            <a:avLst/>
-          </a:prstGeom>
-        </p:spPr>
-      </p:pic>
-      <p:sp>
-        <p:nvSpPr>
-          <p:cNvPr id="40" name="Rounded Rectangle 39">
-            <a:extLst>
-              <a:ext uri="{FF2B5EF4-FFF2-40B4-BE49-F238E27FC236}">
-                <a16:creationId xmlns:a16="http://schemas.microsoft.com/office/drawing/2014/main" id="{16369D00-A072-DB43-B943-B71BA51E5E95}"/>
-              </a:ext>
-            </a:extLst>
-          </p:cNvPr>
-          <p:cNvSpPr/>
-          <p:nvPr/>
-        </p:nvSpPr>
-        <p:spPr>
-          <a:xfrm>
-            <a:off x="176981" y="1959428"/>
-            <a:ext cx="2889651" cy="3360513"/>
+            <a:off x="176981" y="1959429"/>
+            <a:ext cx="2889651" cy="2055360"/>
           </a:xfrm>
           <a:prstGeom prst="roundRect">
             <a:avLst>
@@ -13726,7 +14432,7 @@
                 </a:solidFill>
               </a:rPr>
               <a:pPr/>
-              <a:t>3</a:t>
+              <a:t>4</a:t>
             </a:fld>
             <a:endParaRPr lang="en-US">
               <a:solidFill>
@@ -14353,12 +15059,12 @@
           <p:nvPr/>
         </p:nvPicPr>
         <p:blipFill>
-          <a:blip r:embed="rId4">
+          <a:blip r:embed="rId3">
             <a:biLevel thresh="75000"/>
             <a:extLst>
               <a:ext uri="{BEBA8EAE-BF5A-486C-A8C5-ECC9F3942E4B}">
                 <a14:imgProps xmlns:a14="http://schemas.microsoft.com/office/drawing/2010/main">
-                  <a14:imgLayer r:embed="rId5">
+                  <a14:imgLayer r:embed="rId4">
                     <a14:imgEffect>
                       <a14:artisticPhotocopy/>
                     </a14:imgEffect>
@@ -14376,8 +15082,8 @@
         </p:blipFill>
         <p:spPr>
           <a:xfrm>
-            <a:off x="5492103" y="4910005"/>
-            <a:ext cx="959343" cy="504271"/>
+            <a:off x="5687974" y="5310617"/>
+            <a:ext cx="676845" cy="355778"/>
           </a:xfrm>
           <a:prstGeom prst="rect">
             <a:avLst/>
@@ -14399,7 +15105,7 @@
         <p:spPr>
           <a:xfrm>
             <a:off x="3539874" y="3260390"/>
-            <a:ext cx="1454244" cy="300210"/>
+            <a:ext cx="1540806" cy="300210"/>
           </a:xfrm>
           <a:prstGeom prst="rect">
             <a:avLst/>
@@ -14429,7 +15135,7 @@
                   </a:srgbClr>
                 </a:solidFill>
               </a:rPr>
-              <a:t>containerMetrics</a:t>
+              <a:t>reeferTelemetries</a:t>
             </a:r>
           </a:p>
         </p:txBody>
@@ -15157,75 +15863,6 @@
           </a:fontRef>
         </p:style>
       </p:cxnSp>
-      <p:sp>
-        <p:nvSpPr>
-          <p:cNvPr id="36" name="Rectangle 35">
-            <a:extLst>
-              <a:ext uri="{FF2B5EF4-FFF2-40B4-BE49-F238E27FC236}">
-                <a16:creationId xmlns:a16="http://schemas.microsoft.com/office/drawing/2014/main" id="{1BCD2DAC-822C-EE4B-B97A-7FDAC9C7D1AD}"/>
-              </a:ext>
-            </a:extLst>
-          </p:cNvPr>
-          <p:cNvSpPr/>
-          <p:nvPr/>
-        </p:nvSpPr>
-        <p:spPr>
-          <a:xfrm>
-            <a:off x="609600" y="3688831"/>
-            <a:ext cx="2338282" cy="615667"/>
-          </a:xfrm>
-          <a:prstGeom prst="rect">
-            <a:avLst/>
-          </a:prstGeom>
-          <a:solidFill>
-            <a:schemeClr val="accent5">
-              <a:lumMod val="75000"/>
-            </a:schemeClr>
-          </a:solidFill>
-          <a:ln>
-            <a:noFill/>
-          </a:ln>
-        </p:spPr>
-        <p:style>
-          <a:lnRef idx="2">
-            <a:schemeClr val="accent1">
-              <a:shade val="50000"/>
-            </a:schemeClr>
-          </a:lnRef>
-          <a:fillRef idx="1">
-            <a:schemeClr val="accent1"/>
-          </a:fillRef>
-          <a:effectRef idx="0">
-            <a:schemeClr val="accent1"/>
-          </a:effectRef>
-          <a:fontRef idx="minor">
-            <a:schemeClr val="lt1"/>
-          </a:fontRef>
-        </p:style>
-        <p:txBody>
-          <a:bodyPr rtlCol="0" anchor="t"/>
-          <a:lstStyle/>
-          <a:p>
-            <a:pPr defTabSz="914377" eaLnBrk="1" fontAlgn="auto" hangingPunct="1">
-              <a:spcBef>
-                <a:spcPts val="0"/>
-              </a:spcBef>
-              <a:spcAft>
-                <a:spcPts val="0"/>
-              </a:spcAft>
-            </a:pPr>
-            <a:r>
-              <a:rPr lang="en-US" sz="1333" dirty="0">
-                <a:solidFill>
-                  <a:prstClr val="white"/>
-                </a:solidFill>
-                <a:latin typeface="Arial"/>
-              </a:rPr>
-              <a:t>Python Flask</a:t>
-            </a:r>
-          </a:p>
-        </p:txBody>
-      </p:sp>
       <p:pic>
         <p:nvPicPr>
           <p:cNvPr id="27" name="Picture 40">
@@ -15241,7 +15878,7 @@
           <p:nvPr/>
         </p:nvPicPr>
         <p:blipFill>
-          <a:blip r:embed="rId6">
+          <a:blip r:embed="rId5">
             <a:extLst>
               <a:ext uri="{28A0092B-C50C-407E-A947-70E740481C1C}">
                 <a14:useLocalDpi xmlns:a14="http://schemas.microsoft.com/office/drawing/2010/main" val="0"/>
@@ -15255,8 +15892,8 @@
         </p:blipFill>
         <p:spPr bwMode="auto">
           <a:xfrm>
-            <a:off x="-99239" y="4067225"/>
-            <a:ext cx="1414200" cy="524101"/>
+            <a:off x="128519" y="3483208"/>
+            <a:ext cx="1032463" cy="382630"/>
           </a:xfrm>
           <a:prstGeom prst="rect">
             <a:avLst/>
@@ -15301,15 +15938,15 @@
           <p:nvPr/>
         </p:nvPicPr>
         <p:blipFill>
-          <a:blip r:embed="rId7"/>
+          <a:blip r:embed="rId6"/>
           <a:stretch>
             <a:fillRect/>
           </a:stretch>
         </p:blipFill>
         <p:spPr>
           <a:xfrm>
-            <a:off x="1784980" y="3749132"/>
-            <a:ext cx="1162902" cy="465643"/>
+            <a:off x="2083809" y="3470687"/>
+            <a:ext cx="806955" cy="323116"/>
           </a:xfrm>
           <a:prstGeom prst="rect">
             <a:avLst/>
@@ -15331,7 +15968,7 @@
           <p:nvPr/>
         </p:nvPicPr>
         <p:blipFill>
-          <a:blip r:embed="rId8">
+          <a:blip r:embed="rId7">
             <a:extLst>
               <a:ext uri="{28A0092B-C50C-407E-A947-70E740481C1C}">
                 <a14:useLocalDpi xmlns:a14="http://schemas.microsoft.com/office/drawing/2010/main" val="0"/>
@@ -15374,8 +16011,8 @@
         </p:nvSpPr>
         <p:spPr>
           <a:xfrm>
-            <a:off x="7706436" y="5457620"/>
-            <a:ext cx="2519724" cy="914400"/>
+            <a:off x="7706436" y="5398962"/>
+            <a:ext cx="1688865" cy="973058"/>
           </a:xfrm>
           <a:prstGeom prst="rect">
             <a:avLst/>
@@ -15411,7 +16048,7 @@
           <a:p>
             <a:pPr algn="ctr"/>
             <a:r>
-              <a:rPr lang="en-US" dirty="0"/>
+              <a:rPr lang="en-US" sz="1600" dirty="0"/>
               <a:t>Container Consumer</a:t>
             </a:r>
           </a:p>
@@ -15435,8 +16072,8 @@
         </p:nvCxnSpPr>
         <p:spPr>
           <a:xfrm rot="16200000" flipH="1">
-            <a:off x="6563419" y="3054740"/>
-            <a:ext cx="305389" cy="4500370"/>
+            <a:off x="6452765" y="3300857"/>
+            <a:ext cx="111267" cy="4084941"/>
           </a:xfrm>
           <a:prstGeom prst="bentConnector3">
             <a:avLst>
@@ -15466,36 +16103,6 @@
           </a:fontRef>
         </p:style>
       </p:cxnSp>
-      <p:pic>
-        <p:nvPicPr>
-          <p:cNvPr id="45" name="Picture 44">
-            <a:extLst>
-              <a:ext uri="{FF2B5EF4-FFF2-40B4-BE49-F238E27FC236}">
-                <a16:creationId xmlns:a16="http://schemas.microsoft.com/office/drawing/2014/main" id="{84C29AEF-3CB4-4343-8D50-C59B663B2F81}"/>
-              </a:ext>
-            </a:extLst>
-          </p:cNvPr>
-          <p:cNvPicPr>
-            <a:picLocks noChangeAspect="1"/>
-          </p:cNvPicPr>
-          <p:nvPr/>
-        </p:nvPicPr>
-        <p:blipFill>
-          <a:blip r:embed="rId3"/>
-          <a:stretch>
-            <a:fillRect/>
-          </a:stretch>
-        </p:blipFill>
-        <p:spPr>
-          <a:xfrm>
-            <a:off x="857261" y="4715074"/>
-            <a:ext cx="1302236" cy="544571"/>
-          </a:xfrm>
-          <a:prstGeom prst="rect">
-            <a:avLst/>
-          </a:prstGeom>
-        </p:spPr>
-      </p:pic>
       <p:sp>
         <p:nvSpPr>
           <p:cNvPr id="31" name="Oval 30">
@@ -15742,7 +16349,7 @@
         </p:nvSpPr>
         <p:spPr bwMode="auto">
           <a:xfrm>
-            <a:off x="3609911" y="4420719"/>
+            <a:off x="3609911" y="4556183"/>
             <a:ext cx="245561" cy="731512"/>
           </a:xfrm>
           <a:prstGeom prst="roundRect">
@@ -15810,7 +16417,7 @@
         </p:nvSpPr>
         <p:spPr bwMode="auto">
           <a:xfrm>
-            <a:off x="3853748" y="4420719"/>
+            <a:off x="3853748" y="4556183"/>
             <a:ext cx="245561" cy="731512"/>
           </a:xfrm>
           <a:prstGeom prst="roundRect">
@@ -15878,7 +16485,7 @@
         </p:nvSpPr>
         <p:spPr bwMode="auto">
           <a:xfrm>
-            <a:off x="4099310" y="4420719"/>
+            <a:off x="4099310" y="4556183"/>
             <a:ext cx="245561" cy="731512"/>
           </a:xfrm>
           <a:prstGeom prst="roundRect">
@@ -15946,7 +16553,7 @@
         </p:nvSpPr>
         <p:spPr bwMode="auto">
           <a:xfrm>
-            <a:off x="4343147" y="4420719"/>
+            <a:off x="4343147" y="4556183"/>
             <a:ext cx="245561" cy="731512"/>
           </a:xfrm>
           <a:prstGeom prst="roundRect">
@@ -16014,7 +16621,7 @@
         </p:nvSpPr>
         <p:spPr bwMode="auto">
           <a:xfrm>
-            <a:off x="4588708" y="4420719"/>
+            <a:off x="4588708" y="4556183"/>
             <a:ext cx="245561" cy="731512"/>
           </a:xfrm>
           <a:prstGeom prst="roundRect">
@@ -16082,8 +16689,8 @@
         </p:nvSpPr>
         <p:spPr>
           <a:xfrm>
-            <a:off x="6864192" y="1772888"/>
-            <a:ext cx="2037645" cy="877732"/>
+            <a:off x="6864192" y="1605896"/>
+            <a:ext cx="2037645" cy="1044724"/>
           </a:xfrm>
           <a:prstGeom prst="rect">
             <a:avLst/>
@@ -16119,8 +16726,8 @@
           <a:p>
             <a:pPr algn="ctr"/>
             <a:r>
-              <a:rPr lang="en-US" dirty="0"/>
-              <a:t>Predictive Scoring</a:t>
+              <a:rPr lang="en-US" sz="1600" dirty="0"/>
+              <a:t>Anomaly Detection Scoring</a:t>
             </a:r>
           </a:p>
         </p:txBody>
@@ -16143,8 +16750,8 @@
         </p:nvCxnSpPr>
         <p:spPr>
           <a:xfrm rot="5400000" flipH="1" flipV="1">
-            <a:off x="5232964" y="1944672"/>
-            <a:ext cx="1364145" cy="1898311"/>
+            <a:off x="5191216" y="1902924"/>
+            <a:ext cx="1447641" cy="1898311"/>
           </a:xfrm>
           <a:prstGeom prst="bentConnector2">
             <a:avLst/>
@@ -16190,12 +16797,12 @@
         </p:nvCxnSpPr>
         <p:spPr>
           <a:xfrm rot="5400000">
-            <a:off x="5412203" y="1949906"/>
-            <a:ext cx="1770099" cy="3171526"/>
+            <a:off x="5344471" y="2017638"/>
+            <a:ext cx="1905563" cy="3171526"/>
           </a:xfrm>
           <a:prstGeom prst="bentConnector3">
             <a:avLst>
-              <a:gd name="adj1" fmla="val 95918"/>
+              <a:gd name="adj1" fmla="val 89988"/>
             </a:avLst>
           </a:prstGeom>
           <a:ln w="25400">
@@ -16292,7 +16899,7 @@
         </p:nvSpPr>
         <p:spPr>
           <a:xfrm>
-            <a:off x="4836868" y="4763387"/>
+            <a:off x="4836868" y="4898851"/>
             <a:ext cx="493464" cy="493464"/>
           </a:xfrm>
           <a:prstGeom prst="ellipse">
@@ -16349,7 +16956,7 @@
         </p:nvSpPr>
         <p:spPr>
           <a:xfrm>
-            <a:off x="9248572" y="4905498"/>
+            <a:off x="8863119" y="4905497"/>
             <a:ext cx="493464" cy="493464"/>
           </a:xfrm>
           <a:prstGeom prst="ellipse">
@@ -16406,7 +17013,7 @@
         </p:nvSpPr>
         <p:spPr>
           <a:xfrm>
-            <a:off x="3353609" y="5139992"/>
+            <a:off x="3353609" y="5275456"/>
             <a:ext cx="982961" cy="300210"/>
           </a:xfrm>
           <a:prstGeom prst="rect">
@@ -16506,7 +17113,7 @@
           <p:nvPr/>
         </p:nvPicPr>
         <p:blipFill>
-          <a:blip r:embed="rId6">
+          <a:blip r:embed="rId5">
             <a:extLst>
               <a:ext uri="{28A0092B-C50C-407E-A947-70E740481C1C}">
                 <a14:useLocalDpi xmlns:a14="http://schemas.microsoft.com/office/drawing/2010/main" val="0"/>
@@ -16520,8 +17127,8 @@
         </p:blipFill>
         <p:spPr bwMode="auto">
           <a:xfrm>
-            <a:off x="6185507" y="2436123"/>
-            <a:ext cx="1414200" cy="524101"/>
+            <a:off x="6453135" y="2436124"/>
+            <a:ext cx="904093" cy="335056"/>
           </a:xfrm>
           <a:prstGeom prst="rect">
             <a:avLst/>
@@ -16551,106 +17158,12 @@
           </a:extLst>
         </p:spPr>
       </p:pic>
-    </p:spTree>
-    <p:extLst>
-      <p:ext uri="{BB962C8B-B14F-4D97-AF65-F5344CB8AC3E}">
-        <p14:creationId xmlns:p14="http://schemas.microsoft.com/office/powerpoint/2010/main" val="2217531431"/>
-      </p:ext>
-    </p:extLst>
-  </p:cSld>
-  <p:clrMapOvr>
-    <a:masterClrMapping/>
-  </p:clrMapOvr>
-</p:sld>
-</file>
-
-<file path=ppt/slides/slide4.xml><?xml version="1.0" encoding="utf-8"?>
-<p:sld xmlns:a="http://schemas.openxmlformats.org/drawingml/2006/main" xmlns:r="http://schemas.openxmlformats.org/officeDocument/2006/relationships" xmlns:p="http://schemas.openxmlformats.org/presentationml/2006/main">
-  <p:cSld>
-    <p:spTree>
-      <p:nvGrpSpPr>
-        <p:cNvPr id="1" name=""/>
-        <p:cNvGrpSpPr/>
-        <p:nvPr/>
-      </p:nvGrpSpPr>
-      <p:grpSpPr>
-        <a:xfrm>
-          <a:off x="0" y="0"/>
-          <a:ext cx="0" cy="0"/>
-          <a:chOff x="0" y="0"/>
-          <a:chExt cx="0" cy="0"/>
-        </a:xfrm>
-      </p:grpSpPr>
       <p:sp>
         <p:nvSpPr>
-          <p:cNvPr id="2" name="Title 1">
+          <p:cNvPr id="61" name="Rectangle 60">
             <a:extLst>
               <a:ext uri="{FF2B5EF4-FFF2-40B4-BE49-F238E27FC236}">
-                <a16:creationId xmlns:a16="http://schemas.microsoft.com/office/drawing/2014/main" id="{83D72B5A-D2BF-0F41-AB02-0E3504265F76}"/>
-              </a:ext>
-            </a:extLst>
-          </p:cNvPr>
-          <p:cNvSpPr>
-            <a:spLocks noGrp="1"/>
-          </p:cNvSpPr>
-          <p:nvPr>
-            <p:ph type="title"/>
-          </p:nvPr>
-        </p:nvSpPr>
-        <p:spPr>
-          <a:xfrm>
-            <a:off x="288633" y="208582"/>
-            <a:ext cx="10515600" cy="521140"/>
-          </a:xfrm>
-        </p:spPr>
-        <p:txBody>
-          <a:bodyPr>
-            <a:normAutofit/>
-          </a:bodyPr>
-          <a:lstStyle/>
-          <a:p>
-            <a:r>
-              <a:rPr lang="en-US" sz="2400" dirty="0"/>
-              <a:t>Event Stream As Event Store for ML</a:t>
-            </a:r>
-          </a:p>
-        </p:txBody>
-      </p:sp>
-      <p:sp>
-        <p:nvSpPr>
-          <p:cNvPr id="4" name="Slide Number Placeholder 3">
-            <a:extLst>
-              <a:ext uri="{FF2B5EF4-FFF2-40B4-BE49-F238E27FC236}">
-                <a16:creationId xmlns:a16="http://schemas.microsoft.com/office/drawing/2014/main" id="{B1D66A27-027F-EA4A-B9BD-D02849496229}"/>
-              </a:ext>
-            </a:extLst>
-          </p:cNvPr>
-          <p:cNvSpPr>
-            <a:spLocks noGrp="1"/>
-          </p:cNvSpPr>
-          <p:nvPr>
-            <p:ph type="sldNum" sz="quarter" idx="12"/>
-          </p:nvPr>
-        </p:nvSpPr>
-        <p:spPr/>
-        <p:txBody>
-          <a:bodyPr/>
-          <a:lstStyle/>
-          <a:p>
-            <a:fld id="{C565C23E-6D76-459C-BC14-A9049E4EE889}" type="slidenum">
-              <a:rPr lang="en-US" smtClean="0"/>
-              <a:t>4</a:t>
-            </a:fld>
-            <a:endParaRPr lang="en-US"/>
-          </a:p>
-        </p:txBody>
-      </p:sp>
-      <p:sp>
-        <p:nvSpPr>
-          <p:cNvPr id="6" name="Rectangle 5">
-            <a:extLst>
-              <a:ext uri="{FF2B5EF4-FFF2-40B4-BE49-F238E27FC236}">
-                <a16:creationId xmlns:a16="http://schemas.microsoft.com/office/drawing/2014/main" id="{B53C0033-8D9E-604C-9B28-5FDD36C6C800}"/>
+                <a16:creationId xmlns:a16="http://schemas.microsoft.com/office/drawing/2014/main" id="{D5050CA6-AE2F-FD4D-9A51-EACC6C5B2016}"/>
               </a:ext>
             </a:extLst>
           </p:cNvPr>
@@ -16659,134 +17172,20 @@
         </p:nvSpPr>
         <p:spPr>
           <a:xfrm>
-            <a:off x="6118016" y="1616526"/>
-            <a:ext cx="3066325" cy="1525409"/>
-          </a:xfrm>
-          <a:prstGeom prst="rect">
-            <a:avLst/>
-          </a:prstGeom>
-          <a:noFill/>
-          <a:ln>
-            <a:prstDash val="dash"/>
-          </a:ln>
-        </p:spPr>
-        <p:style>
-          <a:lnRef idx="2">
-            <a:schemeClr val="accent1">
-              <a:shade val="50000"/>
-            </a:schemeClr>
-          </a:lnRef>
-          <a:fillRef idx="1">
-            <a:schemeClr val="accent1"/>
-          </a:fillRef>
-          <a:effectRef idx="0">
-            <a:schemeClr val="accent1"/>
-          </a:effectRef>
-          <a:fontRef idx="minor">
-            <a:schemeClr val="lt1"/>
-          </a:fontRef>
-        </p:style>
-        <p:txBody>
-          <a:bodyPr rtlCol="0" anchor="b"/>
-          <a:lstStyle/>
-          <a:p>
-            <a:pPr algn="ctr"/>
-            <a:r>
-              <a:rPr lang="en-US" sz="1200" dirty="0">
-                <a:solidFill>
-                  <a:schemeClr val="tx1"/>
-                </a:solidFill>
-              </a:rPr>
-              <a:t>ML Environment</a:t>
-            </a:r>
-          </a:p>
-        </p:txBody>
-      </p:sp>
-      <p:sp>
-        <p:nvSpPr>
-          <p:cNvPr id="8" name="Rectangle 7">
-            <a:extLst>
-              <a:ext uri="{FF2B5EF4-FFF2-40B4-BE49-F238E27FC236}">
-                <a16:creationId xmlns:a16="http://schemas.microsoft.com/office/drawing/2014/main" id="{FB63688E-FF28-D746-AC3D-3D2EFBDE0655}"/>
-              </a:ext>
-            </a:extLst>
-          </p:cNvPr>
-          <p:cNvSpPr/>
-          <p:nvPr/>
-        </p:nvSpPr>
-        <p:spPr>
-          <a:xfrm>
-            <a:off x="642258" y="1282632"/>
-            <a:ext cx="2008413" cy="1655634"/>
-          </a:xfrm>
-          <a:prstGeom prst="rect">
-            <a:avLst/>
-          </a:prstGeom>
-          <a:noFill/>
-          <a:ln>
-            <a:solidFill>
-              <a:schemeClr val="accent3"/>
-            </a:solidFill>
-            <a:prstDash val="dash"/>
-          </a:ln>
-        </p:spPr>
-        <p:style>
-          <a:lnRef idx="2">
-            <a:schemeClr val="accent1">
-              <a:shade val="50000"/>
-            </a:schemeClr>
-          </a:lnRef>
-          <a:fillRef idx="1">
-            <a:schemeClr val="accent1"/>
-          </a:fillRef>
-          <a:effectRef idx="0">
-            <a:schemeClr val="accent1"/>
-          </a:effectRef>
-          <a:fontRef idx="minor">
-            <a:schemeClr val="lt1"/>
-          </a:fontRef>
-        </p:style>
-        <p:txBody>
-          <a:bodyPr rtlCol="0" anchor="b"/>
-          <a:lstStyle/>
-          <a:p>
-            <a:pPr algn="ctr"/>
-            <a:r>
-              <a:rPr lang="en-US" sz="1200" dirty="0">
-                <a:solidFill>
-                  <a:schemeClr val="tx1"/>
-                </a:solidFill>
-              </a:rPr>
-              <a:t>Python</a:t>
-            </a:r>
-          </a:p>
-        </p:txBody>
-      </p:sp>
-      <p:sp>
-        <p:nvSpPr>
-          <p:cNvPr id="9" name="Rectangle 8">
-            <a:extLst>
-              <a:ext uri="{FF2B5EF4-FFF2-40B4-BE49-F238E27FC236}">
-                <a16:creationId xmlns:a16="http://schemas.microsoft.com/office/drawing/2014/main" id="{F1EEF6CD-0322-394A-87BF-5379FE8EE999}"/>
-              </a:ext>
-            </a:extLst>
-          </p:cNvPr>
-          <p:cNvSpPr/>
-          <p:nvPr/>
-        </p:nvSpPr>
-        <p:spPr>
-          <a:xfrm>
-            <a:off x="762000" y="1616527"/>
-            <a:ext cx="1703614" cy="914400"/>
+            <a:off x="10118109" y="5328548"/>
+            <a:ext cx="1688865" cy="1047432"/>
           </a:xfrm>
           <a:prstGeom prst="rect">
             <a:avLst/>
           </a:prstGeom>
           <a:solidFill>
-            <a:schemeClr val="accent5">
+            <a:schemeClr val="bg2">
               <a:lumMod val="75000"/>
             </a:schemeClr>
           </a:solidFill>
+          <a:ln>
+            <a:noFill/>
+          </a:ln>
         </p:spPr>
         <p:style>
           <a:lnRef idx="2">
@@ -16810,161 +17209,54 @@
           <a:p>
             <a:pPr algn="ctr"/>
             <a:r>
-              <a:rPr lang="en-US" sz="1400" dirty="0"/>
-              <a:t>Simulator</a:t>
+              <a:rPr lang="en-US" sz="1600" dirty="0"/>
+              <a:t>Reefer Maintenance Business Process</a:t>
             </a:r>
           </a:p>
         </p:txBody>
       </p:sp>
-      <p:pic>
-        <p:nvPicPr>
-          <p:cNvPr id="25" name="Picture 40">
-            <a:extLst>
-              <a:ext uri="{FF2B5EF4-FFF2-40B4-BE49-F238E27FC236}">
-                <a16:creationId xmlns:a16="http://schemas.microsoft.com/office/drawing/2014/main" id="{6CF0C2DA-CD62-0F4A-B6D7-15B98EF785FA}"/>
-              </a:ext>
-            </a:extLst>
-          </p:cNvPr>
-          <p:cNvPicPr>
-            <a:picLocks noChangeAspect="1"/>
-          </p:cNvPicPr>
-          <p:nvPr/>
-        </p:nvPicPr>
-        <p:blipFill>
-          <a:blip r:embed="rId2">
-            <a:extLst>
-              <a:ext uri="{28A0092B-C50C-407E-A947-70E740481C1C}">
-                <a14:useLocalDpi xmlns:a14="http://schemas.microsoft.com/office/drawing/2010/main" val="0"/>
-              </a:ext>
-            </a:extLst>
-          </a:blip>
-          <a:srcRect/>
-          <a:stretch>
-            <a:fillRect/>
-          </a:stretch>
-        </p:blipFill>
-        <p:spPr bwMode="auto">
-          <a:xfrm>
-            <a:off x="116601" y="2734597"/>
-            <a:ext cx="1099134" cy="407338"/>
-          </a:xfrm>
-          <a:prstGeom prst="rect">
-            <a:avLst/>
-          </a:prstGeom>
-          <a:noFill/>
-          <a:ln>
-            <a:noFill/>
-          </a:ln>
-          <a:extLst>
-            <a:ext uri="{909E8E84-426E-40DD-AFC4-6F175D3DCCD1}">
-              <a14:hiddenFill xmlns:a14="http://schemas.microsoft.com/office/drawing/2010/main">
-                <a:solidFill>
-                  <a:srgbClr val="FFFFFF"/>
-                </a:solidFill>
-              </a14:hiddenFill>
-            </a:ext>
-            <a:ext uri="{91240B29-F687-4F45-9708-019B960494DF}">
-              <a14:hiddenLine xmlns:a14="http://schemas.microsoft.com/office/drawing/2010/main" w="9525">
-                <a:solidFill>
-                  <a:srgbClr val="000000"/>
-                </a:solidFill>
-                <a:miter lim="800000"/>
-                <a:headEnd/>
-                <a:tailEnd/>
-              </a14:hiddenLine>
-            </a:ext>
-          </a:extLst>
-        </p:spPr>
-      </p:pic>
       <p:cxnSp>
         <p:nvCxnSpPr>
-          <p:cNvPr id="46" name="Elbow Connector 45">
+          <p:cNvPr id="62" name="Elbow Connector 61">
             <a:extLst>
               <a:ext uri="{FF2B5EF4-FFF2-40B4-BE49-F238E27FC236}">
-                <a16:creationId xmlns:a16="http://schemas.microsoft.com/office/drawing/2014/main" id="{B815F1F6-8EC9-A547-951A-6A6BA26A1B3E}"/>
+                <a16:creationId xmlns:a16="http://schemas.microsoft.com/office/drawing/2014/main" id="{36EFE182-9BB6-A145-A214-232557BE7242}"/>
               </a:ext>
             </a:extLst>
           </p:cNvPr>
           <p:cNvCxnSpPr>
             <a:cxnSpLocks/>
-            <a:stCxn id="9" idx="3"/>
-            <a:endCxn id="59" idx="1"/>
+            <a:stCxn id="41" idx="3"/>
+            <a:endCxn id="61" idx="1"/>
           </p:cNvCxnSpPr>
           <p:nvPr/>
         </p:nvCxnSpPr>
         <p:spPr>
-          <a:xfrm>
-            <a:off x="2465614" y="2073727"/>
-            <a:ext cx="2093194" cy="516747"/>
-          </a:xfrm>
-          <a:prstGeom prst="bentConnector2">
-            <a:avLst/>
+          <a:xfrm flipV="1">
+            <a:off x="9395301" y="5852264"/>
+            <a:ext cx="722808" cy="33227"/>
+          </a:xfrm>
+          <a:prstGeom prst="bentConnector3">
+            <a:avLst>
+              <a:gd name="adj1" fmla="val 50000"/>
+            </a:avLst>
           </a:prstGeom>
-          <a:ln>
+          <a:ln w="25400">
             <a:solidFill>
-              <a:schemeClr val="accent6"/>
+              <a:srgbClr val="7030A0"/>
             </a:solidFill>
+            <a:prstDash val="solid"/>
             <a:tailEnd type="triangle"/>
           </a:ln>
-          <a:effectLst/>
         </p:spPr>
         <p:style>
-          <a:lnRef idx="2">
+          <a:lnRef idx="1">
             <a:schemeClr val="accent1"/>
           </a:lnRef>
           <a:fillRef idx="0">
             <a:schemeClr val="accent1"/>
           </a:fillRef>
-          <a:effectRef idx="1">
-            <a:schemeClr val="accent1"/>
-          </a:effectRef>
-          <a:fontRef idx="minor">
-            <a:schemeClr val="tx1"/>
-          </a:fontRef>
-        </p:style>
-      </p:cxnSp>
-      <p:cxnSp>
-        <p:nvCxnSpPr>
-          <p:cNvPr id="71" name="Elbow Connector 70">
-            <a:extLst>
-              <a:ext uri="{FF2B5EF4-FFF2-40B4-BE49-F238E27FC236}">
-                <a16:creationId xmlns:a16="http://schemas.microsoft.com/office/drawing/2014/main" id="{9B3950A4-1025-DB48-B886-5945ADD35206}"/>
-              </a:ext>
-            </a:extLst>
-          </p:cNvPr>
-          <p:cNvCxnSpPr>
-            <a:cxnSpLocks/>
-            <a:stCxn id="45" idx="1"/>
-            <a:endCxn id="59" idx="4"/>
-          </p:cNvCxnSpPr>
-          <p:nvPr/>
-        </p:nvCxnSpPr>
-        <p:spPr>
-          <a:xfrm rot="10800000" flipV="1">
-            <a:off x="5157329" y="2100404"/>
-            <a:ext cx="1320870" cy="837862"/>
-          </a:xfrm>
-          <a:prstGeom prst="bentConnector3">
-            <a:avLst>
-              <a:gd name="adj1" fmla="val 50000"/>
-            </a:avLst>
-          </a:prstGeom>
-          <a:ln>
-            <a:solidFill>
-              <a:srgbClr val="7030A0"/>
-            </a:solidFill>
-            <a:tailEnd type="triangle"/>
-          </a:ln>
-          <a:effectLst/>
-        </p:spPr>
-        <p:style>
-          <a:lnRef idx="2">
-            <a:schemeClr val="accent1"/>
-          </a:lnRef>
-          <a:fillRef idx="0">
-            <a:schemeClr val="accent1"/>
-          </a:fillRef>
-          <a:effectRef idx="1">
+          <a:effectRef idx="0">
             <a:schemeClr val="accent1"/>
           </a:effectRef>
           <a:fontRef idx="minor">
@@ -16974,10 +17266,10 @@
       </p:cxnSp>
       <p:sp>
         <p:nvSpPr>
-          <p:cNvPr id="45" name="Rounded Rectangle 44">
+          <p:cNvPr id="64" name="Oval 63">
             <a:extLst>
               <a:ext uri="{FF2B5EF4-FFF2-40B4-BE49-F238E27FC236}">
-                <a16:creationId xmlns:a16="http://schemas.microsoft.com/office/drawing/2014/main" id="{F495E1A9-5EC6-5446-ACF5-3911A287BB83}"/>
+                <a16:creationId xmlns:a16="http://schemas.microsoft.com/office/drawing/2014/main" id="{B9A41D53-F4C6-064E-94AF-30C02D9F7034}"/>
               </a:ext>
             </a:extLst>
           </p:cNvPr>
@@ -16986,112 +17278,14 @@
         </p:nvSpPr>
         <p:spPr>
           <a:xfrm>
-            <a:off x="6478199" y="1913633"/>
-            <a:ext cx="1749097" cy="373542"/>
-          </a:xfrm>
-          <a:prstGeom prst="roundRect">
-            <a:avLst>
-              <a:gd name="adj" fmla="val 9717"/>
-            </a:avLst>
-          </a:prstGeom>
-          <a:noFill/>
-          <a:ln w="12700">
-            <a:solidFill>
-              <a:schemeClr val="tx2">
-                <a:lumMod val="50000"/>
-              </a:schemeClr>
-            </a:solidFill>
-          </a:ln>
-          <a:effectLst/>
-        </p:spPr>
-        <p:style>
-          <a:lnRef idx="1">
-            <a:schemeClr val="dk1"/>
-          </a:lnRef>
-          <a:fillRef idx="2">
-            <a:schemeClr val="dk1"/>
-          </a:fillRef>
-          <a:effectRef idx="1">
-            <a:schemeClr val="dk1"/>
-          </a:effectRef>
-          <a:fontRef idx="minor">
-            <a:schemeClr val="dk1"/>
-          </a:fontRef>
-        </p:style>
-        <p:txBody>
-          <a:bodyPr rot="0" spcFirstLastPara="0" vertOverflow="overflow" horzOverflow="overflow" vert="horz" wrap="square" lIns="0" tIns="0" rIns="0" bIns="0" numCol="1" spcCol="0" rtlCol="0" fromWordArt="0" anchor="t" anchorCtr="0" forceAA="0" compatLnSpc="1">
-            <a:prstTxWarp prst="textNoShape">
-              <a:avLst/>
-            </a:prstTxWarp>
-            <a:noAutofit/>
-          </a:bodyPr>
-          <a:lstStyle/>
-          <a:p>
-            <a:r>
-              <a:rPr lang="en-US" sz="1200" baseline="0" dirty="0">
-                <a:solidFill>
-                  <a:schemeClr val="tx1"/>
-                </a:solidFill>
-                <a:latin typeface="IBM Plex Sans" panose="020B0503050203000203" pitchFamily="34" charset="77"/>
-                <a:cs typeface="Arial"/>
-              </a:rPr>
-              <a:t>Pandas DF</a:t>
-            </a:r>
-          </a:p>
-        </p:txBody>
-      </p:sp>
-      <p:pic>
-        <p:nvPicPr>
-          <p:cNvPr id="13" name="Picture 12">
-            <a:extLst>
-              <a:ext uri="{FF2B5EF4-FFF2-40B4-BE49-F238E27FC236}">
-                <a16:creationId xmlns:a16="http://schemas.microsoft.com/office/drawing/2014/main" id="{B81AAF60-BF23-E149-AC44-3DFB94494F2F}"/>
-              </a:ext>
-            </a:extLst>
-          </p:cNvPr>
-          <p:cNvPicPr>
-            <a:picLocks noChangeAspect="1"/>
-          </p:cNvPicPr>
-          <p:nvPr/>
-        </p:nvPicPr>
-        <p:blipFill>
-          <a:blip r:embed="rId3"/>
-          <a:stretch>
-            <a:fillRect/>
-          </a:stretch>
-        </p:blipFill>
-        <p:spPr>
-          <a:xfrm>
-            <a:off x="3492393" y="3041219"/>
-            <a:ext cx="638156" cy="680700"/>
-          </a:xfrm>
-          <a:prstGeom prst="rect">
-            <a:avLst/>
-          </a:prstGeom>
-        </p:spPr>
-      </p:pic>
-      <p:sp>
-        <p:nvSpPr>
-          <p:cNvPr id="59" name="Can 58">
-            <a:extLst>
-              <a:ext uri="{FF2B5EF4-FFF2-40B4-BE49-F238E27FC236}">
-                <a16:creationId xmlns:a16="http://schemas.microsoft.com/office/drawing/2014/main" id="{BF8D5F17-7886-6A49-A326-AB3283F367DA}"/>
-              </a:ext>
-            </a:extLst>
-          </p:cNvPr>
-          <p:cNvSpPr/>
-          <p:nvPr/>
-        </p:nvSpPr>
-        <p:spPr>
-          <a:xfrm>
-            <a:off x="3960287" y="2590474"/>
-            <a:ext cx="1197042" cy="695584"/>
-          </a:xfrm>
-          <a:prstGeom prst="can">
+            <a:off x="11446485" y="4901783"/>
+            <a:ext cx="493464" cy="493464"/>
+          </a:xfrm>
+          <a:prstGeom prst="ellipse">
             <a:avLst/>
           </a:prstGeom>
           <a:solidFill>
-            <a:schemeClr val="accent5">
+            <a:schemeClr val="tx2">
               <a:lumMod val="75000"/>
             </a:schemeClr>
           </a:solidFill>
@@ -17121,16 +17315,196 @@
           <a:p>
             <a:pPr algn="ctr"/>
             <a:r>
-              <a:rPr lang="en-US" sz="1000" dirty="0"/>
-              <a:t>Reefer telemetries</a:t>
+              <a:rPr lang="en-US" sz="1400" dirty="0"/>
+              <a:t>7</a:t>
             </a:r>
           </a:p>
         </p:txBody>
       </p:sp>
+      <p:pic>
+        <p:nvPicPr>
+          <p:cNvPr id="65" name="Picture 64">
+            <a:extLst>
+              <a:ext uri="{FF2B5EF4-FFF2-40B4-BE49-F238E27FC236}">
+                <a16:creationId xmlns:a16="http://schemas.microsoft.com/office/drawing/2014/main" id="{FDDB9C6D-D2CF-384E-997C-471676C2C05F}"/>
+              </a:ext>
+            </a:extLst>
+          </p:cNvPr>
+          <p:cNvPicPr>
+            <a:picLocks noChangeAspect="1"/>
+          </p:cNvPicPr>
+          <p:nvPr/>
+        </p:nvPicPr>
+        <p:blipFill>
+          <a:blip r:embed="rId8"/>
+          <a:stretch>
+            <a:fillRect/>
+          </a:stretch>
+        </p:blipFill>
+        <p:spPr>
+          <a:xfrm>
+            <a:off x="83518" y="3848118"/>
+            <a:ext cx="280628" cy="256574"/>
+          </a:xfrm>
+          <a:prstGeom prst="rect">
+            <a:avLst/>
+          </a:prstGeom>
+        </p:spPr>
+      </p:pic>
+      <p:pic>
+        <p:nvPicPr>
+          <p:cNvPr id="66" name="Picture 65">
+            <a:extLst>
+              <a:ext uri="{FF2B5EF4-FFF2-40B4-BE49-F238E27FC236}">
+                <a16:creationId xmlns:a16="http://schemas.microsoft.com/office/drawing/2014/main" id="{C1A7F551-9939-0B40-AA4F-AC94036B5EA2}"/>
+              </a:ext>
+            </a:extLst>
+          </p:cNvPr>
+          <p:cNvPicPr>
+            <a:picLocks noChangeAspect="1"/>
+          </p:cNvPicPr>
+          <p:nvPr/>
+        </p:nvPicPr>
+        <p:blipFill>
+          <a:blip r:embed="rId8"/>
+          <a:stretch>
+            <a:fillRect/>
+          </a:stretch>
+        </p:blipFill>
+        <p:spPr>
+          <a:xfrm>
+            <a:off x="8704168" y="2450668"/>
+            <a:ext cx="280628" cy="256574"/>
+          </a:xfrm>
+          <a:prstGeom prst="rect">
+            <a:avLst/>
+          </a:prstGeom>
+        </p:spPr>
+      </p:pic>
+      <p:pic>
+        <p:nvPicPr>
+          <p:cNvPr id="70" name="Picture 69">
+            <a:extLst>
+              <a:ext uri="{FF2B5EF4-FFF2-40B4-BE49-F238E27FC236}">
+                <a16:creationId xmlns:a16="http://schemas.microsoft.com/office/drawing/2014/main" id="{2372E1AB-BAD1-F640-9665-3226BECA96C6}"/>
+              </a:ext>
+            </a:extLst>
+          </p:cNvPr>
+          <p:cNvPicPr>
+            <a:picLocks noChangeAspect="1"/>
+          </p:cNvPicPr>
+          <p:nvPr/>
+        </p:nvPicPr>
+        <p:blipFill>
+          <a:blip r:embed="rId8"/>
+          <a:stretch>
+            <a:fillRect/>
+          </a:stretch>
+        </p:blipFill>
+        <p:spPr>
+          <a:xfrm>
+            <a:off x="7591730" y="6243733"/>
+            <a:ext cx="280628" cy="256574"/>
+          </a:xfrm>
+          <a:prstGeom prst="rect">
+            <a:avLst/>
+          </a:prstGeom>
+        </p:spPr>
+      </p:pic>
+      <p:pic>
+        <p:nvPicPr>
+          <p:cNvPr id="71" name="Picture 70">
+            <a:extLst>
+              <a:ext uri="{FF2B5EF4-FFF2-40B4-BE49-F238E27FC236}">
+                <a16:creationId xmlns:a16="http://schemas.microsoft.com/office/drawing/2014/main" id="{BCB3DBEB-364D-124D-BB12-D4D28D96D356}"/>
+              </a:ext>
+            </a:extLst>
+          </p:cNvPr>
+          <p:cNvPicPr>
+            <a:picLocks noChangeAspect="1"/>
+          </p:cNvPicPr>
+          <p:nvPr/>
+        </p:nvPicPr>
+        <p:blipFill>
+          <a:blip r:embed="rId9"/>
+          <a:stretch>
+            <a:fillRect/>
+          </a:stretch>
+        </p:blipFill>
+        <p:spPr>
+          <a:xfrm>
+            <a:off x="9067394" y="6117486"/>
+            <a:ext cx="442613" cy="442613"/>
+          </a:xfrm>
+          <a:prstGeom prst="rect">
+            <a:avLst/>
+          </a:prstGeom>
+        </p:spPr>
+      </p:pic>
+      <p:pic>
+        <p:nvPicPr>
+          <p:cNvPr id="37" name="Picture 36">
+            <a:extLst>
+              <a:ext uri="{FF2B5EF4-FFF2-40B4-BE49-F238E27FC236}">
+                <a16:creationId xmlns:a16="http://schemas.microsoft.com/office/drawing/2014/main" id="{FEF2F464-669F-F441-9649-9249CE160C59}"/>
+              </a:ext>
+            </a:extLst>
+          </p:cNvPr>
+          <p:cNvPicPr>
+            <a:picLocks noChangeAspect="1"/>
+          </p:cNvPicPr>
+          <p:nvPr/>
+        </p:nvPicPr>
+        <p:blipFill>
+          <a:blip r:embed="rId10"/>
+          <a:stretch>
+            <a:fillRect/>
+          </a:stretch>
+        </p:blipFill>
+        <p:spPr>
+          <a:xfrm>
+            <a:off x="11446485" y="6121893"/>
+            <a:ext cx="539648" cy="539648"/>
+          </a:xfrm>
+          <a:prstGeom prst="rect">
+            <a:avLst/>
+          </a:prstGeom>
+        </p:spPr>
+      </p:pic>
+      <p:pic>
+        <p:nvPicPr>
+          <p:cNvPr id="74" name="Picture 73">
+            <a:extLst>
+              <a:ext uri="{FF2B5EF4-FFF2-40B4-BE49-F238E27FC236}">
+                <a16:creationId xmlns:a16="http://schemas.microsoft.com/office/drawing/2014/main" id="{858EDC7C-8111-2E41-8EF6-139882BC04DE}"/>
+              </a:ext>
+            </a:extLst>
+          </p:cNvPr>
+          <p:cNvPicPr>
+            <a:picLocks noChangeAspect="1"/>
+          </p:cNvPicPr>
+          <p:nvPr/>
+        </p:nvPicPr>
+        <p:blipFill>
+          <a:blip r:embed="rId6"/>
+          <a:stretch>
+            <a:fillRect/>
+          </a:stretch>
+        </p:blipFill>
+        <p:spPr>
+          <a:xfrm>
+            <a:off x="7899573" y="2450782"/>
+            <a:ext cx="806955" cy="323116"/>
+          </a:xfrm>
+          <a:prstGeom prst="rect">
+            <a:avLst/>
+          </a:prstGeom>
+        </p:spPr>
+      </p:pic>
     </p:spTree>
     <p:extLst>
       <p:ext uri="{BB962C8B-B14F-4D97-AF65-F5344CB8AC3E}">
-        <p14:creationId xmlns:p14="http://schemas.microsoft.com/office/powerpoint/2010/main" val="3696044975"/>
+        <p14:creationId xmlns:p14="http://schemas.microsoft.com/office/powerpoint/2010/main" val="2217531431"/>
       </p:ext>
     </p:extLst>
   </p:cSld>
@@ -17235,6 +17609,582 @@
         </p:nvSpPr>
         <p:spPr>
           <a:xfrm>
+            <a:off x="6118016" y="1616526"/>
+            <a:ext cx="3066325" cy="1525409"/>
+          </a:xfrm>
+          <a:prstGeom prst="rect">
+            <a:avLst/>
+          </a:prstGeom>
+          <a:noFill/>
+          <a:ln>
+            <a:prstDash val="dash"/>
+          </a:ln>
+        </p:spPr>
+        <p:style>
+          <a:lnRef idx="2">
+            <a:schemeClr val="accent1">
+              <a:shade val="50000"/>
+            </a:schemeClr>
+          </a:lnRef>
+          <a:fillRef idx="1">
+            <a:schemeClr val="accent1"/>
+          </a:fillRef>
+          <a:effectRef idx="0">
+            <a:schemeClr val="accent1"/>
+          </a:effectRef>
+          <a:fontRef idx="minor">
+            <a:schemeClr val="lt1"/>
+          </a:fontRef>
+        </p:style>
+        <p:txBody>
+          <a:bodyPr rtlCol="0" anchor="b"/>
+          <a:lstStyle/>
+          <a:p>
+            <a:pPr algn="ctr"/>
+            <a:r>
+              <a:rPr lang="en-US" sz="1200" dirty="0">
+                <a:solidFill>
+                  <a:schemeClr val="tx1"/>
+                </a:solidFill>
+              </a:rPr>
+              <a:t>ML Environment</a:t>
+            </a:r>
+          </a:p>
+        </p:txBody>
+      </p:sp>
+      <p:sp>
+        <p:nvSpPr>
+          <p:cNvPr id="8" name="Rectangle 7">
+            <a:extLst>
+              <a:ext uri="{FF2B5EF4-FFF2-40B4-BE49-F238E27FC236}">
+                <a16:creationId xmlns:a16="http://schemas.microsoft.com/office/drawing/2014/main" id="{FB63688E-FF28-D746-AC3D-3D2EFBDE0655}"/>
+              </a:ext>
+            </a:extLst>
+          </p:cNvPr>
+          <p:cNvSpPr/>
+          <p:nvPr/>
+        </p:nvSpPr>
+        <p:spPr>
+          <a:xfrm>
+            <a:off x="642258" y="1282632"/>
+            <a:ext cx="2008413" cy="1655634"/>
+          </a:xfrm>
+          <a:prstGeom prst="rect">
+            <a:avLst/>
+          </a:prstGeom>
+          <a:noFill/>
+          <a:ln>
+            <a:solidFill>
+              <a:schemeClr val="accent3"/>
+            </a:solidFill>
+            <a:prstDash val="dash"/>
+          </a:ln>
+        </p:spPr>
+        <p:style>
+          <a:lnRef idx="2">
+            <a:schemeClr val="accent1">
+              <a:shade val="50000"/>
+            </a:schemeClr>
+          </a:lnRef>
+          <a:fillRef idx="1">
+            <a:schemeClr val="accent1"/>
+          </a:fillRef>
+          <a:effectRef idx="0">
+            <a:schemeClr val="accent1"/>
+          </a:effectRef>
+          <a:fontRef idx="minor">
+            <a:schemeClr val="lt1"/>
+          </a:fontRef>
+        </p:style>
+        <p:txBody>
+          <a:bodyPr rtlCol="0" anchor="b"/>
+          <a:lstStyle/>
+          <a:p>
+            <a:pPr algn="ctr"/>
+            <a:r>
+              <a:rPr lang="en-US" sz="1200" dirty="0">
+                <a:solidFill>
+                  <a:schemeClr val="tx1"/>
+                </a:solidFill>
+              </a:rPr>
+              <a:t>Python</a:t>
+            </a:r>
+          </a:p>
+        </p:txBody>
+      </p:sp>
+      <p:sp>
+        <p:nvSpPr>
+          <p:cNvPr id="9" name="Rectangle 8">
+            <a:extLst>
+              <a:ext uri="{FF2B5EF4-FFF2-40B4-BE49-F238E27FC236}">
+                <a16:creationId xmlns:a16="http://schemas.microsoft.com/office/drawing/2014/main" id="{F1EEF6CD-0322-394A-87BF-5379FE8EE999}"/>
+              </a:ext>
+            </a:extLst>
+          </p:cNvPr>
+          <p:cNvSpPr/>
+          <p:nvPr/>
+        </p:nvSpPr>
+        <p:spPr>
+          <a:xfrm>
+            <a:off x="762000" y="1616527"/>
+            <a:ext cx="1703614" cy="914400"/>
+          </a:xfrm>
+          <a:prstGeom prst="rect">
+            <a:avLst/>
+          </a:prstGeom>
+          <a:solidFill>
+            <a:schemeClr val="accent5">
+              <a:lumMod val="75000"/>
+            </a:schemeClr>
+          </a:solidFill>
+        </p:spPr>
+        <p:style>
+          <a:lnRef idx="2">
+            <a:schemeClr val="accent1">
+              <a:shade val="50000"/>
+            </a:schemeClr>
+          </a:lnRef>
+          <a:fillRef idx="1">
+            <a:schemeClr val="accent1"/>
+          </a:fillRef>
+          <a:effectRef idx="0">
+            <a:schemeClr val="accent1"/>
+          </a:effectRef>
+          <a:fontRef idx="minor">
+            <a:schemeClr val="lt1"/>
+          </a:fontRef>
+        </p:style>
+        <p:txBody>
+          <a:bodyPr rtlCol="0" anchor="ctr"/>
+          <a:lstStyle/>
+          <a:p>
+            <a:pPr algn="ctr"/>
+            <a:r>
+              <a:rPr lang="en-US" sz="1400" dirty="0"/>
+              <a:t>Simulator</a:t>
+            </a:r>
+          </a:p>
+        </p:txBody>
+      </p:sp>
+      <p:pic>
+        <p:nvPicPr>
+          <p:cNvPr id="25" name="Picture 40">
+            <a:extLst>
+              <a:ext uri="{FF2B5EF4-FFF2-40B4-BE49-F238E27FC236}">
+                <a16:creationId xmlns:a16="http://schemas.microsoft.com/office/drawing/2014/main" id="{6CF0C2DA-CD62-0F4A-B6D7-15B98EF785FA}"/>
+              </a:ext>
+            </a:extLst>
+          </p:cNvPr>
+          <p:cNvPicPr>
+            <a:picLocks noChangeAspect="1"/>
+          </p:cNvPicPr>
+          <p:nvPr/>
+        </p:nvPicPr>
+        <p:blipFill>
+          <a:blip r:embed="rId2">
+            <a:extLst>
+              <a:ext uri="{28A0092B-C50C-407E-A947-70E740481C1C}">
+                <a14:useLocalDpi xmlns:a14="http://schemas.microsoft.com/office/drawing/2010/main" val="0"/>
+              </a:ext>
+            </a:extLst>
+          </a:blip>
+          <a:srcRect/>
+          <a:stretch>
+            <a:fillRect/>
+          </a:stretch>
+        </p:blipFill>
+        <p:spPr bwMode="auto">
+          <a:xfrm>
+            <a:off x="116601" y="2734597"/>
+            <a:ext cx="1099134" cy="407338"/>
+          </a:xfrm>
+          <a:prstGeom prst="rect">
+            <a:avLst/>
+          </a:prstGeom>
+          <a:noFill/>
+          <a:ln>
+            <a:noFill/>
+          </a:ln>
+          <a:extLst>
+            <a:ext uri="{909E8E84-426E-40DD-AFC4-6F175D3DCCD1}">
+              <a14:hiddenFill xmlns:a14="http://schemas.microsoft.com/office/drawing/2010/main">
+                <a:solidFill>
+                  <a:srgbClr val="FFFFFF"/>
+                </a:solidFill>
+              </a14:hiddenFill>
+            </a:ext>
+            <a:ext uri="{91240B29-F687-4F45-9708-019B960494DF}">
+              <a14:hiddenLine xmlns:a14="http://schemas.microsoft.com/office/drawing/2010/main" w="9525">
+                <a:solidFill>
+                  <a:srgbClr val="000000"/>
+                </a:solidFill>
+                <a:miter lim="800000"/>
+                <a:headEnd/>
+                <a:tailEnd/>
+              </a14:hiddenLine>
+            </a:ext>
+          </a:extLst>
+        </p:spPr>
+      </p:pic>
+      <p:cxnSp>
+        <p:nvCxnSpPr>
+          <p:cNvPr id="46" name="Elbow Connector 45">
+            <a:extLst>
+              <a:ext uri="{FF2B5EF4-FFF2-40B4-BE49-F238E27FC236}">
+                <a16:creationId xmlns:a16="http://schemas.microsoft.com/office/drawing/2014/main" id="{B815F1F6-8EC9-A547-951A-6A6BA26A1B3E}"/>
+              </a:ext>
+            </a:extLst>
+          </p:cNvPr>
+          <p:cNvCxnSpPr>
+            <a:cxnSpLocks/>
+            <a:stCxn id="9" idx="3"/>
+            <a:endCxn id="59" idx="1"/>
+          </p:cNvCxnSpPr>
+          <p:nvPr/>
+        </p:nvCxnSpPr>
+        <p:spPr>
+          <a:xfrm>
+            <a:off x="2465614" y="2073727"/>
+            <a:ext cx="2093194" cy="516747"/>
+          </a:xfrm>
+          <a:prstGeom prst="bentConnector2">
+            <a:avLst/>
+          </a:prstGeom>
+          <a:ln>
+            <a:solidFill>
+              <a:schemeClr val="accent6"/>
+            </a:solidFill>
+            <a:tailEnd type="triangle"/>
+          </a:ln>
+          <a:effectLst/>
+        </p:spPr>
+        <p:style>
+          <a:lnRef idx="2">
+            <a:schemeClr val="accent1"/>
+          </a:lnRef>
+          <a:fillRef idx="0">
+            <a:schemeClr val="accent1"/>
+          </a:fillRef>
+          <a:effectRef idx="1">
+            <a:schemeClr val="accent1"/>
+          </a:effectRef>
+          <a:fontRef idx="minor">
+            <a:schemeClr val="tx1"/>
+          </a:fontRef>
+        </p:style>
+      </p:cxnSp>
+      <p:cxnSp>
+        <p:nvCxnSpPr>
+          <p:cNvPr id="71" name="Elbow Connector 70">
+            <a:extLst>
+              <a:ext uri="{FF2B5EF4-FFF2-40B4-BE49-F238E27FC236}">
+                <a16:creationId xmlns:a16="http://schemas.microsoft.com/office/drawing/2014/main" id="{9B3950A4-1025-DB48-B886-5945ADD35206}"/>
+              </a:ext>
+            </a:extLst>
+          </p:cNvPr>
+          <p:cNvCxnSpPr>
+            <a:cxnSpLocks/>
+            <a:stCxn id="45" idx="1"/>
+            <a:endCxn id="59" idx="4"/>
+          </p:cNvCxnSpPr>
+          <p:nvPr/>
+        </p:nvCxnSpPr>
+        <p:spPr>
+          <a:xfrm rot="10800000" flipV="1">
+            <a:off x="5157329" y="2100404"/>
+            <a:ext cx="1320870" cy="837862"/>
+          </a:xfrm>
+          <a:prstGeom prst="bentConnector3">
+            <a:avLst>
+              <a:gd name="adj1" fmla="val 50000"/>
+            </a:avLst>
+          </a:prstGeom>
+          <a:ln>
+            <a:solidFill>
+              <a:srgbClr val="7030A0"/>
+            </a:solidFill>
+            <a:tailEnd type="triangle"/>
+          </a:ln>
+          <a:effectLst/>
+        </p:spPr>
+        <p:style>
+          <a:lnRef idx="2">
+            <a:schemeClr val="accent1"/>
+          </a:lnRef>
+          <a:fillRef idx="0">
+            <a:schemeClr val="accent1"/>
+          </a:fillRef>
+          <a:effectRef idx="1">
+            <a:schemeClr val="accent1"/>
+          </a:effectRef>
+          <a:fontRef idx="minor">
+            <a:schemeClr val="tx1"/>
+          </a:fontRef>
+        </p:style>
+      </p:cxnSp>
+      <p:sp>
+        <p:nvSpPr>
+          <p:cNvPr id="45" name="Rounded Rectangle 44">
+            <a:extLst>
+              <a:ext uri="{FF2B5EF4-FFF2-40B4-BE49-F238E27FC236}">
+                <a16:creationId xmlns:a16="http://schemas.microsoft.com/office/drawing/2014/main" id="{F495E1A9-5EC6-5446-ACF5-3911A287BB83}"/>
+              </a:ext>
+            </a:extLst>
+          </p:cNvPr>
+          <p:cNvSpPr/>
+          <p:nvPr/>
+        </p:nvSpPr>
+        <p:spPr>
+          <a:xfrm>
+            <a:off x="6478199" y="1913633"/>
+            <a:ext cx="1749097" cy="373542"/>
+          </a:xfrm>
+          <a:prstGeom prst="roundRect">
+            <a:avLst>
+              <a:gd name="adj" fmla="val 9717"/>
+            </a:avLst>
+          </a:prstGeom>
+          <a:noFill/>
+          <a:ln w="12700">
+            <a:solidFill>
+              <a:schemeClr val="tx2">
+                <a:lumMod val="50000"/>
+              </a:schemeClr>
+            </a:solidFill>
+          </a:ln>
+          <a:effectLst/>
+        </p:spPr>
+        <p:style>
+          <a:lnRef idx="1">
+            <a:schemeClr val="dk1"/>
+          </a:lnRef>
+          <a:fillRef idx="2">
+            <a:schemeClr val="dk1"/>
+          </a:fillRef>
+          <a:effectRef idx="1">
+            <a:schemeClr val="dk1"/>
+          </a:effectRef>
+          <a:fontRef idx="minor">
+            <a:schemeClr val="dk1"/>
+          </a:fontRef>
+        </p:style>
+        <p:txBody>
+          <a:bodyPr rot="0" spcFirstLastPara="0" vertOverflow="overflow" horzOverflow="overflow" vert="horz" wrap="square" lIns="0" tIns="0" rIns="0" bIns="0" numCol="1" spcCol="0" rtlCol="0" fromWordArt="0" anchor="t" anchorCtr="0" forceAA="0" compatLnSpc="1">
+            <a:prstTxWarp prst="textNoShape">
+              <a:avLst/>
+            </a:prstTxWarp>
+            <a:noAutofit/>
+          </a:bodyPr>
+          <a:lstStyle/>
+          <a:p>
+            <a:r>
+              <a:rPr lang="en-US" sz="1200" baseline="0" dirty="0">
+                <a:solidFill>
+                  <a:schemeClr val="tx1"/>
+                </a:solidFill>
+                <a:latin typeface="IBM Plex Sans" panose="020B0503050203000203" pitchFamily="34" charset="77"/>
+                <a:cs typeface="Arial"/>
+              </a:rPr>
+              <a:t>Pandas DF</a:t>
+            </a:r>
+          </a:p>
+        </p:txBody>
+      </p:sp>
+      <p:pic>
+        <p:nvPicPr>
+          <p:cNvPr id="13" name="Picture 12">
+            <a:extLst>
+              <a:ext uri="{FF2B5EF4-FFF2-40B4-BE49-F238E27FC236}">
+                <a16:creationId xmlns:a16="http://schemas.microsoft.com/office/drawing/2014/main" id="{B81AAF60-BF23-E149-AC44-3DFB94494F2F}"/>
+              </a:ext>
+            </a:extLst>
+          </p:cNvPr>
+          <p:cNvPicPr>
+            <a:picLocks noChangeAspect="1"/>
+          </p:cNvPicPr>
+          <p:nvPr/>
+        </p:nvPicPr>
+        <p:blipFill>
+          <a:blip r:embed="rId3"/>
+          <a:stretch>
+            <a:fillRect/>
+          </a:stretch>
+        </p:blipFill>
+        <p:spPr>
+          <a:xfrm>
+            <a:off x="3492393" y="3041219"/>
+            <a:ext cx="638156" cy="680700"/>
+          </a:xfrm>
+          <a:prstGeom prst="rect">
+            <a:avLst/>
+          </a:prstGeom>
+        </p:spPr>
+      </p:pic>
+      <p:sp>
+        <p:nvSpPr>
+          <p:cNvPr id="59" name="Can 58">
+            <a:extLst>
+              <a:ext uri="{FF2B5EF4-FFF2-40B4-BE49-F238E27FC236}">
+                <a16:creationId xmlns:a16="http://schemas.microsoft.com/office/drawing/2014/main" id="{BF8D5F17-7886-6A49-A326-AB3283F367DA}"/>
+              </a:ext>
+            </a:extLst>
+          </p:cNvPr>
+          <p:cNvSpPr/>
+          <p:nvPr/>
+        </p:nvSpPr>
+        <p:spPr>
+          <a:xfrm>
+            <a:off x="3960287" y="2590474"/>
+            <a:ext cx="1197042" cy="695584"/>
+          </a:xfrm>
+          <a:prstGeom prst="can">
+            <a:avLst/>
+          </a:prstGeom>
+          <a:solidFill>
+            <a:schemeClr val="accent5">
+              <a:lumMod val="75000"/>
+            </a:schemeClr>
+          </a:solidFill>
+          <a:ln>
+            <a:noFill/>
+          </a:ln>
+        </p:spPr>
+        <p:style>
+          <a:lnRef idx="2">
+            <a:schemeClr val="accent1">
+              <a:shade val="50000"/>
+            </a:schemeClr>
+          </a:lnRef>
+          <a:fillRef idx="1">
+            <a:schemeClr val="accent1"/>
+          </a:fillRef>
+          <a:effectRef idx="0">
+            <a:schemeClr val="accent1"/>
+          </a:effectRef>
+          <a:fontRef idx="minor">
+            <a:schemeClr val="lt1"/>
+          </a:fontRef>
+        </p:style>
+        <p:txBody>
+          <a:bodyPr rtlCol="0" anchor="ctr"/>
+          <a:lstStyle/>
+          <a:p>
+            <a:pPr algn="ctr"/>
+            <a:r>
+              <a:rPr lang="en-US" sz="1000" dirty="0"/>
+              <a:t>Reefer telemetries</a:t>
+            </a:r>
+          </a:p>
+        </p:txBody>
+      </p:sp>
+    </p:spTree>
+    <p:extLst>
+      <p:ext uri="{BB962C8B-B14F-4D97-AF65-F5344CB8AC3E}">
+        <p14:creationId xmlns:p14="http://schemas.microsoft.com/office/powerpoint/2010/main" val="3696044975"/>
+      </p:ext>
+    </p:extLst>
+  </p:cSld>
+  <p:clrMapOvr>
+    <a:masterClrMapping/>
+  </p:clrMapOvr>
+</p:sld>
+</file>
+
+<file path=ppt/slides/slide6.xml><?xml version="1.0" encoding="utf-8"?>
+<p:sld xmlns:a="http://schemas.openxmlformats.org/drawingml/2006/main" xmlns:r="http://schemas.openxmlformats.org/officeDocument/2006/relationships" xmlns:p="http://schemas.openxmlformats.org/presentationml/2006/main">
+  <p:cSld>
+    <p:spTree>
+      <p:nvGrpSpPr>
+        <p:cNvPr id="1" name=""/>
+        <p:cNvGrpSpPr/>
+        <p:nvPr/>
+      </p:nvGrpSpPr>
+      <p:grpSpPr>
+        <a:xfrm>
+          <a:off x="0" y="0"/>
+          <a:ext cx="0" cy="0"/>
+          <a:chOff x="0" y="0"/>
+          <a:chExt cx="0" cy="0"/>
+        </a:xfrm>
+      </p:grpSpPr>
+      <p:sp>
+        <p:nvSpPr>
+          <p:cNvPr id="2" name="Title 1">
+            <a:extLst>
+              <a:ext uri="{FF2B5EF4-FFF2-40B4-BE49-F238E27FC236}">
+                <a16:creationId xmlns:a16="http://schemas.microsoft.com/office/drawing/2014/main" id="{83D72B5A-D2BF-0F41-AB02-0E3504265F76}"/>
+              </a:ext>
+            </a:extLst>
+          </p:cNvPr>
+          <p:cNvSpPr>
+            <a:spLocks noGrp="1"/>
+          </p:cNvSpPr>
+          <p:nvPr>
+            <p:ph type="title"/>
+          </p:nvPr>
+        </p:nvSpPr>
+        <p:spPr>
+          <a:xfrm>
+            <a:off x="288633" y="208582"/>
+            <a:ext cx="10515600" cy="521140"/>
+          </a:xfrm>
+        </p:spPr>
+        <p:txBody>
+          <a:bodyPr>
+            <a:normAutofit/>
+          </a:bodyPr>
+          <a:lstStyle/>
+          <a:p>
+            <a:r>
+              <a:rPr lang="en-US" sz="2400" dirty="0"/>
+              <a:t>Event Stream As Event Store for ML</a:t>
+            </a:r>
+          </a:p>
+        </p:txBody>
+      </p:sp>
+      <p:sp>
+        <p:nvSpPr>
+          <p:cNvPr id="4" name="Slide Number Placeholder 3">
+            <a:extLst>
+              <a:ext uri="{FF2B5EF4-FFF2-40B4-BE49-F238E27FC236}">
+                <a16:creationId xmlns:a16="http://schemas.microsoft.com/office/drawing/2014/main" id="{B1D66A27-027F-EA4A-B9BD-D02849496229}"/>
+              </a:ext>
+            </a:extLst>
+          </p:cNvPr>
+          <p:cNvSpPr>
+            <a:spLocks noGrp="1"/>
+          </p:cNvSpPr>
+          <p:nvPr>
+            <p:ph type="sldNum" sz="quarter" idx="12"/>
+          </p:nvPr>
+        </p:nvSpPr>
+        <p:spPr/>
+        <p:txBody>
+          <a:bodyPr/>
+          <a:lstStyle/>
+          <a:p>
+            <a:fld id="{C565C23E-6D76-459C-BC14-A9049E4EE889}" type="slidenum">
+              <a:rPr lang="en-US" smtClean="0"/>
+              <a:t>6</a:t>
+            </a:fld>
+            <a:endParaRPr lang="en-US"/>
+          </a:p>
+        </p:txBody>
+      </p:sp>
+      <p:sp>
+        <p:nvSpPr>
+          <p:cNvPr id="6" name="Rectangle 5">
+            <a:extLst>
+              <a:ext uri="{FF2B5EF4-FFF2-40B4-BE49-F238E27FC236}">
+                <a16:creationId xmlns:a16="http://schemas.microsoft.com/office/drawing/2014/main" id="{B53C0033-8D9E-604C-9B28-5FDD36C6C800}"/>
+              </a:ext>
+            </a:extLst>
+          </p:cNvPr>
+          <p:cNvSpPr/>
+          <p:nvPr/>
+        </p:nvSpPr>
+        <p:spPr>
+          <a:xfrm>
             <a:off x="6118016" y="1168380"/>
             <a:ext cx="3362160" cy="1973555"/>
           </a:xfrm>
@@ -17963,7 +18913,7 @@
           <a:lstStyle/>
           <a:p>
             <a:r>
-              <a:rPr lang="en-US" dirty="0" err="1">
+              <a:rPr lang="en-US" dirty="0">
                 <a:solidFill>
                   <a:schemeClr val="accent1">
                     <a:lumMod val="25000"/>
@@ -17972,13 +18922,6 @@
               </a:rPr>
               <a:t>reeferTelemetries</a:t>
             </a:r>
-            <a:endParaRPr lang="en-US" dirty="0">
-              <a:solidFill>
-                <a:schemeClr val="accent1">
-                  <a:lumMod val="25000"/>
-                </a:schemeClr>
-              </a:solidFill>
-            </a:endParaRPr>
           </a:p>
         </p:txBody>
       </p:sp>

--- a/docs/diagrams.pptx
+++ b/docs/diagrams.pptx
@@ -277,7 +277,7 @@
               <a:pPr>
                 <a:defRPr/>
               </a:pPr>
-              <a:t>11/13/19</a:t>
+              <a:t>11/26/19</a:t>
             </a:fld>
             <a:endParaRPr lang="en-US" dirty="0"/>
           </a:p>
@@ -10453,7 +10453,7 @@
             <a:effectLst/>
             <a:extLst>
               <a:ext uri="{C572A759-6A51-4108-AA02-DFA0A04FC94B}">
-                <ma14:wrappingTextBoxFlag xmlns:ma14="http://schemas.microsoft.com/office/mac/drawingml/2011/main" xmlns="" val="1"/>
+                <ma14:wrappingTextBoxFlag xmlns="" xmlns:ma14="http://schemas.microsoft.com/office/mac/drawingml/2011/main" val="1"/>
               </a:ext>
             </a:extLst>
           </p:spPr>
@@ -12583,7 +12583,7 @@
             <a:effectLst/>
             <a:extLst>
               <a:ext uri="{C572A759-6A51-4108-AA02-DFA0A04FC94B}">
-                <ma14:wrappingTextBoxFlag xmlns:ma14="http://schemas.microsoft.com/office/mac/drawingml/2011/main" xmlns="" val="1"/>
+                <ma14:wrappingTextBoxFlag xmlns="" xmlns:ma14="http://schemas.microsoft.com/office/mac/drawingml/2011/main" val="1"/>
               </a:ext>
             </a:extLst>
           </p:spPr>
@@ -17561,7 +17561,7 @@
           <a:p>
             <a:r>
               <a:rPr lang="en-US" sz="2400" dirty="0"/>
-              <a:t>Event Stream As Event Store for ML</a:t>
+              <a:t>Event Stream to long term Event Store for ML</a:t>
             </a:r>
           </a:p>
         </p:txBody>
@@ -17647,7 +17647,7 @@
                   <a:schemeClr val="tx1"/>
                 </a:solidFill>
               </a:rPr>
-              <a:t>ML Environment</a:t>
+              <a:t>Machine Learning Environment</a:t>
             </a:r>
           </a:p>
         </p:txBody>
@@ -17737,6 +17737,16 @@
               <a:lumMod val="75000"/>
             </a:schemeClr>
           </a:solidFill>
+          <a:ln>
+            <a:noFill/>
+          </a:ln>
+          <a:effectLst>
+            <a:outerShdw blurRad="50800" dist="38100" dir="5400000" algn="t" rotWithShape="0">
+              <a:prstClr val="black">
+                <a:alpha val="40000"/>
+              </a:prstClr>
+            </a:outerShdw>
+          </a:effectLst>
         </p:spPr>
         <p:style>
           <a:lnRef idx="2">
@@ -17761,17 +17771,237 @@
             <a:pPr algn="ctr"/>
             <a:r>
               <a:rPr lang="en-US" sz="1400" dirty="0"/>
-              <a:t>Simulator</a:t>
+              <a:t>SimulatorTool</a:t>
+            </a:r>
+          </a:p>
+        </p:txBody>
+      </p:sp>
+      <p:cxnSp>
+        <p:nvCxnSpPr>
+          <p:cNvPr id="46" name="Elbow Connector 45">
+            <a:extLst>
+              <a:ext uri="{FF2B5EF4-FFF2-40B4-BE49-F238E27FC236}">
+                <a16:creationId xmlns:a16="http://schemas.microsoft.com/office/drawing/2014/main" id="{B815F1F6-8EC9-A547-951A-6A6BA26A1B3E}"/>
+              </a:ext>
+            </a:extLst>
+          </p:cNvPr>
+          <p:cNvCxnSpPr>
+            <a:cxnSpLocks/>
+            <a:stCxn id="9" idx="3"/>
+            <a:endCxn id="59" idx="1"/>
+          </p:cNvCxnSpPr>
+          <p:nvPr/>
+        </p:nvCxnSpPr>
+        <p:spPr>
+          <a:xfrm>
+            <a:off x="2465614" y="2073727"/>
+            <a:ext cx="2093194" cy="516747"/>
+          </a:xfrm>
+          <a:prstGeom prst="bentConnector2">
+            <a:avLst/>
+          </a:prstGeom>
+          <a:ln w="12700">
+            <a:solidFill>
+              <a:schemeClr val="accent6"/>
+            </a:solidFill>
+            <a:tailEnd type="triangle"/>
+          </a:ln>
+          <a:effectLst/>
+        </p:spPr>
+        <p:style>
+          <a:lnRef idx="2">
+            <a:schemeClr val="accent1"/>
+          </a:lnRef>
+          <a:fillRef idx="0">
+            <a:schemeClr val="accent1"/>
+          </a:fillRef>
+          <a:effectRef idx="1">
+            <a:schemeClr val="accent1"/>
+          </a:effectRef>
+          <a:fontRef idx="minor">
+            <a:schemeClr val="tx1"/>
+          </a:fontRef>
+        </p:style>
+      </p:cxnSp>
+      <p:cxnSp>
+        <p:nvCxnSpPr>
+          <p:cNvPr id="71" name="Elbow Connector 70">
+            <a:extLst>
+              <a:ext uri="{FF2B5EF4-FFF2-40B4-BE49-F238E27FC236}">
+                <a16:creationId xmlns:a16="http://schemas.microsoft.com/office/drawing/2014/main" id="{9B3950A4-1025-DB48-B886-5945ADD35206}"/>
+              </a:ext>
+            </a:extLst>
+          </p:cNvPr>
+          <p:cNvCxnSpPr>
+            <a:cxnSpLocks/>
+            <a:stCxn id="45" idx="1"/>
+            <a:endCxn id="59" idx="4"/>
+          </p:cNvCxnSpPr>
+          <p:nvPr/>
+        </p:nvCxnSpPr>
+        <p:spPr>
+          <a:xfrm rot="10800000" flipV="1">
+            <a:off x="5157329" y="2100404"/>
+            <a:ext cx="1320870" cy="837862"/>
+          </a:xfrm>
+          <a:prstGeom prst="bentConnector3">
+            <a:avLst>
+              <a:gd name="adj1" fmla="val 50000"/>
+            </a:avLst>
+          </a:prstGeom>
+          <a:ln w="12700">
+            <a:solidFill>
+              <a:srgbClr val="7030A0"/>
+            </a:solidFill>
+            <a:headEnd type="triangle"/>
+            <a:tailEnd type="none"/>
+          </a:ln>
+          <a:effectLst/>
+        </p:spPr>
+        <p:style>
+          <a:lnRef idx="2">
+            <a:schemeClr val="accent1"/>
+          </a:lnRef>
+          <a:fillRef idx="0">
+            <a:schemeClr val="accent1"/>
+          </a:fillRef>
+          <a:effectRef idx="1">
+            <a:schemeClr val="accent1"/>
+          </a:effectRef>
+          <a:fontRef idx="minor">
+            <a:schemeClr val="tx1"/>
+          </a:fontRef>
+        </p:style>
+      </p:cxnSp>
+      <p:sp>
+        <p:nvSpPr>
+          <p:cNvPr id="45" name="Rounded Rectangle 44">
+            <a:extLst>
+              <a:ext uri="{FF2B5EF4-FFF2-40B4-BE49-F238E27FC236}">
+                <a16:creationId xmlns:a16="http://schemas.microsoft.com/office/drawing/2014/main" id="{F495E1A9-5EC6-5446-ACF5-3911A287BB83}"/>
+              </a:ext>
+            </a:extLst>
+          </p:cNvPr>
+          <p:cNvSpPr/>
+          <p:nvPr/>
+        </p:nvSpPr>
+        <p:spPr>
+          <a:xfrm>
+            <a:off x="6478199" y="1913633"/>
+            <a:ext cx="1749097" cy="373542"/>
+          </a:xfrm>
+          <a:prstGeom prst="roundRect">
+            <a:avLst>
+              <a:gd name="adj" fmla="val 9717"/>
+            </a:avLst>
+          </a:prstGeom>
+          <a:noFill/>
+          <a:ln w="12700">
+            <a:solidFill>
+              <a:schemeClr val="tx2">
+                <a:lumMod val="50000"/>
+              </a:schemeClr>
+            </a:solidFill>
+          </a:ln>
+          <a:effectLst/>
+        </p:spPr>
+        <p:style>
+          <a:lnRef idx="1">
+            <a:schemeClr val="dk1"/>
+          </a:lnRef>
+          <a:fillRef idx="2">
+            <a:schemeClr val="dk1"/>
+          </a:fillRef>
+          <a:effectRef idx="1">
+            <a:schemeClr val="dk1"/>
+          </a:effectRef>
+          <a:fontRef idx="minor">
+            <a:schemeClr val="dk1"/>
+          </a:fontRef>
+        </p:style>
+        <p:txBody>
+          <a:bodyPr rot="0" spcFirstLastPara="0" vertOverflow="overflow" horzOverflow="overflow" vert="horz" wrap="square" lIns="0" tIns="0" rIns="0" bIns="0" numCol="1" spcCol="0" rtlCol="0" fromWordArt="0" anchor="t" anchorCtr="0" forceAA="0" compatLnSpc="1">
+            <a:prstTxWarp prst="textNoShape">
+              <a:avLst/>
+            </a:prstTxWarp>
+            <a:noAutofit/>
+          </a:bodyPr>
+          <a:lstStyle/>
+          <a:p>
+            <a:r>
+              <a:rPr lang="en-US" sz="1200" baseline="0" dirty="0">
+                <a:solidFill>
+                  <a:schemeClr val="tx1"/>
+                </a:solidFill>
+                <a:latin typeface="IBM Plex Sans" panose="020B0503050203000203" pitchFamily="34" charset="77"/>
+                <a:cs typeface="Arial"/>
+              </a:rPr>
+              <a:t>Pandas DF</a:t>
+            </a:r>
+          </a:p>
+        </p:txBody>
+      </p:sp>
+      <p:sp>
+        <p:nvSpPr>
+          <p:cNvPr id="59" name="Can 58">
+            <a:extLst>
+              <a:ext uri="{FF2B5EF4-FFF2-40B4-BE49-F238E27FC236}">
+                <a16:creationId xmlns:a16="http://schemas.microsoft.com/office/drawing/2014/main" id="{BF8D5F17-7886-6A49-A326-AB3283F367DA}"/>
+              </a:ext>
+            </a:extLst>
+          </p:cNvPr>
+          <p:cNvSpPr/>
+          <p:nvPr/>
+        </p:nvSpPr>
+        <p:spPr>
+          <a:xfrm>
+            <a:off x="3960287" y="2590474"/>
+            <a:ext cx="1197042" cy="695584"/>
+          </a:xfrm>
+          <a:prstGeom prst="can">
+            <a:avLst/>
+          </a:prstGeom>
+          <a:solidFill>
+            <a:srgbClr val="009643"/>
+          </a:solidFill>
+          <a:ln>
+            <a:noFill/>
+          </a:ln>
+        </p:spPr>
+        <p:style>
+          <a:lnRef idx="2">
+            <a:schemeClr val="accent1">
+              <a:shade val="50000"/>
+            </a:schemeClr>
+          </a:lnRef>
+          <a:fillRef idx="1">
+            <a:schemeClr val="accent1"/>
+          </a:fillRef>
+          <a:effectRef idx="0">
+            <a:schemeClr val="accent1"/>
+          </a:effectRef>
+          <a:fontRef idx="minor">
+            <a:schemeClr val="lt1"/>
+          </a:fontRef>
+        </p:style>
+        <p:txBody>
+          <a:bodyPr rtlCol="0" anchor="ctr"/>
+          <a:lstStyle/>
+          <a:p>
+            <a:pPr algn="ctr"/>
+            <a:r>
+              <a:rPr lang="en-US" sz="1000" dirty="0"/>
+              <a:t>Reefer telemetries</a:t>
             </a:r>
           </a:p>
         </p:txBody>
       </p:sp>
       <p:pic>
         <p:nvPicPr>
-          <p:cNvPr id="25" name="Picture 40">
+          <p:cNvPr id="3" name="Picture 2">
             <a:extLst>
               <a:ext uri="{FF2B5EF4-FFF2-40B4-BE49-F238E27FC236}">
-                <a16:creationId xmlns:a16="http://schemas.microsoft.com/office/drawing/2014/main" id="{6CF0C2DA-CD62-0F4A-B6D7-15B98EF785FA}"/>
+                <a16:creationId xmlns:a16="http://schemas.microsoft.com/office/drawing/2014/main" id="{528193D1-A620-354F-B6D2-B217C3C404BA}"/>
               </a:ext>
             </a:extLst>
           </p:cNvPr>
@@ -17781,7 +18011,780 @@
           <p:nvPr/>
         </p:nvPicPr>
         <p:blipFill>
-          <a:blip r:embed="rId2">
+          <a:blip r:embed="rId2"/>
+          <a:stretch>
+            <a:fillRect/>
+          </a:stretch>
+        </p:blipFill>
+        <p:spPr>
+          <a:xfrm>
+            <a:off x="3707408" y="2785869"/>
+            <a:ext cx="296333" cy="643355"/>
+          </a:xfrm>
+          <a:prstGeom prst="rect">
+            <a:avLst/>
+          </a:prstGeom>
+        </p:spPr>
+      </p:pic>
+      <p:sp>
+        <p:nvSpPr>
+          <p:cNvPr id="14" name="Rectangle 13">
+            <a:extLst>
+              <a:ext uri="{FF2B5EF4-FFF2-40B4-BE49-F238E27FC236}">
+                <a16:creationId xmlns:a16="http://schemas.microsoft.com/office/drawing/2014/main" id="{FF73E72E-4933-814D-B024-C5BBC14F304D}"/>
+              </a:ext>
+            </a:extLst>
+          </p:cNvPr>
+          <p:cNvSpPr/>
+          <p:nvPr/>
+        </p:nvSpPr>
+        <p:spPr>
+          <a:xfrm>
+            <a:off x="523723" y="3653298"/>
+            <a:ext cx="2008413" cy="1655634"/>
+          </a:xfrm>
+          <a:prstGeom prst="rect">
+            <a:avLst/>
+          </a:prstGeom>
+          <a:noFill/>
+          <a:ln>
+            <a:solidFill>
+              <a:schemeClr val="accent3"/>
+            </a:solidFill>
+            <a:prstDash val="dash"/>
+          </a:ln>
+        </p:spPr>
+        <p:style>
+          <a:lnRef idx="2">
+            <a:schemeClr val="accent1">
+              <a:shade val="50000"/>
+            </a:schemeClr>
+          </a:lnRef>
+          <a:fillRef idx="1">
+            <a:schemeClr val="accent1"/>
+          </a:fillRef>
+          <a:effectRef idx="0">
+            <a:schemeClr val="accent1"/>
+          </a:effectRef>
+          <a:fontRef idx="minor">
+            <a:schemeClr val="lt1"/>
+          </a:fontRef>
+        </p:style>
+        <p:txBody>
+          <a:bodyPr rtlCol="0" anchor="b"/>
+          <a:lstStyle/>
+          <a:p>
+            <a:pPr algn="ctr"/>
+            <a:r>
+              <a:rPr lang="en-US" sz="1200" dirty="0">
+                <a:solidFill>
+                  <a:schemeClr val="tx1"/>
+                </a:solidFill>
+              </a:rPr>
+              <a:t>Python</a:t>
+            </a:r>
+          </a:p>
+        </p:txBody>
+      </p:sp>
+      <p:sp>
+        <p:nvSpPr>
+          <p:cNvPr id="15" name="Rectangle 14">
+            <a:extLst>
+              <a:ext uri="{FF2B5EF4-FFF2-40B4-BE49-F238E27FC236}">
+                <a16:creationId xmlns:a16="http://schemas.microsoft.com/office/drawing/2014/main" id="{8990AB5A-91EB-9947-B9EF-04353E549FFC}"/>
+              </a:ext>
+            </a:extLst>
+          </p:cNvPr>
+          <p:cNvSpPr/>
+          <p:nvPr/>
+        </p:nvSpPr>
+        <p:spPr>
+          <a:xfrm>
+            <a:off x="643465" y="3987193"/>
+            <a:ext cx="1703614" cy="914400"/>
+          </a:xfrm>
+          <a:prstGeom prst="rect">
+            <a:avLst/>
+          </a:prstGeom>
+          <a:solidFill>
+            <a:schemeClr val="accent5">
+              <a:lumMod val="75000"/>
+            </a:schemeClr>
+          </a:solidFill>
+          <a:ln>
+            <a:noFill/>
+          </a:ln>
+          <a:effectLst>
+            <a:outerShdw blurRad="50800" dist="38100" dir="5400000" algn="t" rotWithShape="0">
+              <a:prstClr val="black">
+                <a:alpha val="40000"/>
+              </a:prstClr>
+            </a:outerShdw>
+          </a:effectLst>
+        </p:spPr>
+        <p:style>
+          <a:lnRef idx="2">
+            <a:schemeClr val="accent1">
+              <a:shade val="50000"/>
+            </a:schemeClr>
+          </a:lnRef>
+          <a:fillRef idx="1">
+            <a:schemeClr val="accent1"/>
+          </a:fillRef>
+          <a:effectRef idx="0">
+            <a:schemeClr val="accent1"/>
+          </a:effectRef>
+          <a:fontRef idx="minor">
+            <a:schemeClr val="lt1"/>
+          </a:fontRef>
+        </p:style>
+        <p:txBody>
+          <a:bodyPr rtlCol="0" anchor="ctr"/>
+          <a:lstStyle/>
+          <a:p>
+            <a:pPr algn="ctr"/>
+            <a:r>
+              <a:rPr lang="en-US" sz="1400" dirty="0"/>
+              <a:t>SimulatorApp</a:t>
+            </a:r>
+          </a:p>
+        </p:txBody>
+      </p:sp>
+      <p:sp>
+        <p:nvSpPr>
+          <p:cNvPr id="16" name="Rounded Rectangle 15">
+            <a:extLst>
+              <a:ext uri="{FF2B5EF4-FFF2-40B4-BE49-F238E27FC236}">
+                <a16:creationId xmlns:a16="http://schemas.microsoft.com/office/drawing/2014/main" id="{604B1EAE-7B06-B644-84B2-A465850BFF11}"/>
+              </a:ext>
+            </a:extLst>
+          </p:cNvPr>
+          <p:cNvSpPr/>
+          <p:nvPr/>
+        </p:nvSpPr>
+        <p:spPr bwMode="auto">
+          <a:xfrm>
+            <a:off x="3749127" y="4437992"/>
+            <a:ext cx="245561" cy="731512"/>
+          </a:xfrm>
+          <a:prstGeom prst="roundRect">
+            <a:avLst/>
+          </a:prstGeom>
+          <a:solidFill>
+            <a:schemeClr val="bg2"/>
+          </a:solidFill>
+          <a:ln>
+            <a:solidFill>
+              <a:schemeClr val="bg1"/>
+            </a:solidFill>
+            <a:prstDash val="solid"/>
+            <a:headEnd type="none" w="med" len="med"/>
+            <a:tailEnd type="none" w="med" len="med"/>
+          </a:ln>
+          <a:effectLst/>
+        </p:spPr>
+        <p:style>
+          <a:lnRef idx="1">
+            <a:schemeClr val="accent5"/>
+          </a:lnRef>
+          <a:fillRef idx="3">
+            <a:schemeClr val="accent5"/>
+          </a:fillRef>
+          <a:effectRef idx="2">
+            <a:schemeClr val="accent5"/>
+          </a:effectRef>
+          <a:fontRef idx="minor">
+            <a:schemeClr val="lt1"/>
+          </a:fontRef>
+        </p:style>
+        <p:txBody>
+          <a:bodyPr vert="horz" wrap="square" lIns="0" tIns="0" rIns="0" bIns="0" numCol="1" rtlCol="0" anchor="ctr" anchorCtr="0" compatLnSpc="1">
+            <a:prstTxWarp prst="textNoShape">
+              <a:avLst/>
+            </a:prstTxWarp>
+            <a:noAutofit/>
+          </a:bodyPr>
+          <a:lstStyle/>
+          <a:p>
+            <a:pPr algn="ctr" defTabSz="1219170" fontAlgn="base">
+              <a:lnSpc>
+                <a:spcPct val="90000"/>
+              </a:lnSpc>
+              <a:spcBef>
+                <a:spcPct val="0"/>
+              </a:spcBef>
+              <a:spcAft>
+                <a:spcPct val="0"/>
+              </a:spcAft>
+            </a:pPr>
+            <a:r>
+              <a:rPr lang="en-US" sz="1200" dirty="0">
+                <a:solidFill>
+                  <a:schemeClr val="bg1"/>
+                </a:solidFill>
+              </a:rPr>
+              <a:t>0</a:t>
+            </a:r>
+            <a:endParaRPr lang="en-US" sz="667" dirty="0">
+              <a:solidFill>
+                <a:schemeClr val="bg1"/>
+              </a:solidFill>
+            </a:endParaRPr>
+          </a:p>
+        </p:txBody>
+      </p:sp>
+      <p:sp>
+        <p:nvSpPr>
+          <p:cNvPr id="17" name="Rounded Rectangle 16">
+            <a:extLst>
+              <a:ext uri="{FF2B5EF4-FFF2-40B4-BE49-F238E27FC236}">
+                <a16:creationId xmlns:a16="http://schemas.microsoft.com/office/drawing/2014/main" id="{BF94AF6A-6ED9-F648-AF73-AD2F2BF0087D}"/>
+              </a:ext>
+            </a:extLst>
+          </p:cNvPr>
+          <p:cNvSpPr/>
+          <p:nvPr/>
+        </p:nvSpPr>
+        <p:spPr bwMode="auto">
+          <a:xfrm>
+            <a:off x="3992964" y="4437992"/>
+            <a:ext cx="245561" cy="731512"/>
+          </a:xfrm>
+          <a:prstGeom prst="roundRect">
+            <a:avLst/>
+          </a:prstGeom>
+          <a:solidFill>
+            <a:schemeClr val="bg2"/>
+          </a:solidFill>
+          <a:ln>
+            <a:solidFill>
+              <a:schemeClr val="bg1"/>
+            </a:solidFill>
+            <a:prstDash val="solid"/>
+            <a:headEnd type="none" w="med" len="med"/>
+            <a:tailEnd type="none" w="med" len="med"/>
+          </a:ln>
+          <a:effectLst/>
+        </p:spPr>
+        <p:style>
+          <a:lnRef idx="1">
+            <a:schemeClr val="accent5"/>
+          </a:lnRef>
+          <a:fillRef idx="3">
+            <a:schemeClr val="accent5"/>
+          </a:fillRef>
+          <a:effectRef idx="2">
+            <a:schemeClr val="accent5"/>
+          </a:effectRef>
+          <a:fontRef idx="minor">
+            <a:schemeClr val="lt1"/>
+          </a:fontRef>
+        </p:style>
+        <p:txBody>
+          <a:bodyPr vert="horz" wrap="square" lIns="0" tIns="0" rIns="0" bIns="0" numCol="1" rtlCol="0" anchor="ctr" anchorCtr="0" compatLnSpc="1">
+            <a:prstTxWarp prst="textNoShape">
+              <a:avLst/>
+            </a:prstTxWarp>
+            <a:noAutofit/>
+          </a:bodyPr>
+          <a:lstStyle/>
+          <a:p>
+            <a:pPr algn="ctr" defTabSz="1219170" fontAlgn="base">
+              <a:lnSpc>
+                <a:spcPct val="90000"/>
+              </a:lnSpc>
+              <a:spcBef>
+                <a:spcPct val="0"/>
+              </a:spcBef>
+              <a:spcAft>
+                <a:spcPct val="0"/>
+              </a:spcAft>
+            </a:pPr>
+            <a:r>
+              <a:rPr lang="en-US" sz="1200" dirty="0">
+                <a:solidFill>
+                  <a:schemeClr val="bg1"/>
+                </a:solidFill>
+              </a:rPr>
+              <a:t>1</a:t>
+            </a:r>
+            <a:endParaRPr lang="en-US" sz="667" dirty="0">
+              <a:solidFill>
+                <a:schemeClr val="bg1"/>
+              </a:solidFill>
+            </a:endParaRPr>
+          </a:p>
+        </p:txBody>
+      </p:sp>
+      <p:sp>
+        <p:nvSpPr>
+          <p:cNvPr id="18" name="Rounded Rectangle 17">
+            <a:extLst>
+              <a:ext uri="{FF2B5EF4-FFF2-40B4-BE49-F238E27FC236}">
+                <a16:creationId xmlns:a16="http://schemas.microsoft.com/office/drawing/2014/main" id="{574D615E-85EA-C844-A2A9-FE6056949B8A}"/>
+              </a:ext>
+            </a:extLst>
+          </p:cNvPr>
+          <p:cNvSpPr/>
+          <p:nvPr/>
+        </p:nvSpPr>
+        <p:spPr bwMode="auto">
+          <a:xfrm>
+            <a:off x="4238526" y="4437992"/>
+            <a:ext cx="245561" cy="731512"/>
+          </a:xfrm>
+          <a:prstGeom prst="roundRect">
+            <a:avLst/>
+          </a:prstGeom>
+          <a:solidFill>
+            <a:schemeClr val="bg2"/>
+          </a:solidFill>
+          <a:ln>
+            <a:solidFill>
+              <a:schemeClr val="bg1"/>
+            </a:solidFill>
+            <a:prstDash val="solid"/>
+            <a:headEnd type="none" w="med" len="med"/>
+            <a:tailEnd type="none" w="med" len="med"/>
+          </a:ln>
+          <a:effectLst/>
+        </p:spPr>
+        <p:style>
+          <a:lnRef idx="1">
+            <a:schemeClr val="accent5"/>
+          </a:lnRef>
+          <a:fillRef idx="3">
+            <a:schemeClr val="accent5"/>
+          </a:fillRef>
+          <a:effectRef idx="2">
+            <a:schemeClr val="accent5"/>
+          </a:effectRef>
+          <a:fontRef idx="minor">
+            <a:schemeClr val="lt1"/>
+          </a:fontRef>
+        </p:style>
+        <p:txBody>
+          <a:bodyPr vert="horz" wrap="square" lIns="0" tIns="0" rIns="0" bIns="0" numCol="1" rtlCol="0" anchor="ctr" anchorCtr="0" compatLnSpc="1">
+            <a:prstTxWarp prst="textNoShape">
+              <a:avLst/>
+            </a:prstTxWarp>
+            <a:noAutofit/>
+          </a:bodyPr>
+          <a:lstStyle/>
+          <a:p>
+            <a:pPr algn="ctr" defTabSz="1219170" fontAlgn="base">
+              <a:lnSpc>
+                <a:spcPct val="90000"/>
+              </a:lnSpc>
+              <a:spcBef>
+                <a:spcPct val="0"/>
+              </a:spcBef>
+              <a:spcAft>
+                <a:spcPct val="0"/>
+              </a:spcAft>
+            </a:pPr>
+            <a:r>
+              <a:rPr lang="en-US" sz="1200" dirty="0">
+                <a:solidFill>
+                  <a:schemeClr val="bg1"/>
+                </a:solidFill>
+              </a:rPr>
+              <a:t>2</a:t>
+            </a:r>
+            <a:endParaRPr lang="en-US" sz="667" dirty="0">
+              <a:solidFill>
+                <a:schemeClr val="bg1"/>
+              </a:solidFill>
+            </a:endParaRPr>
+          </a:p>
+        </p:txBody>
+      </p:sp>
+      <p:sp>
+        <p:nvSpPr>
+          <p:cNvPr id="19" name="Rounded Rectangle 18">
+            <a:extLst>
+              <a:ext uri="{FF2B5EF4-FFF2-40B4-BE49-F238E27FC236}">
+                <a16:creationId xmlns:a16="http://schemas.microsoft.com/office/drawing/2014/main" id="{C7A32DE1-AA62-0542-95A5-93C4C6EFD0D3}"/>
+              </a:ext>
+            </a:extLst>
+          </p:cNvPr>
+          <p:cNvSpPr/>
+          <p:nvPr/>
+        </p:nvSpPr>
+        <p:spPr bwMode="auto">
+          <a:xfrm>
+            <a:off x="4482363" y="4437992"/>
+            <a:ext cx="245561" cy="731512"/>
+          </a:xfrm>
+          <a:prstGeom prst="roundRect">
+            <a:avLst/>
+          </a:prstGeom>
+          <a:solidFill>
+            <a:schemeClr val="bg2"/>
+          </a:solidFill>
+          <a:ln>
+            <a:solidFill>
+              <a:schemeClr val="bg1"/>
+            </a:solidFill>
+            <a:prstDash val="solid"/>
+            <a:headEnd type="none" w="med" len="med"/>
+            <a:tailEnd type="none" w="med" len="med"/>
+          </a:ln>
+          <a:effectLst/>
+        </p:spPr>
+        <p:style>
+          <a:lnRef idx="1">
+            <a:schemeClr val="accent5"/>
+          </a:lnRef>
+          <a:fillRef idx="3">
+            <a:schemeClr val="accent5"/>
+          </a:fillRef>
+          <a:effectRef idx="2">
+            <a:schemeClr val="accent5"/>
+          </a:effectRef>
+          <a:fontRef idx="minor">
+            <a:schemeClr val="lt1"/>
+          </a:fontRef>
+        </p:style>
+        <p:txBody>
+          <a:bodyPr vert="horz" wrap="square" lIns="0" tIns="0" rIns="0" bIns="0" numCol="1" rtlCol="0" anchor="ctr" anchorCtr="0" compatLnSpc="1">
+            <a:prstTxWarp prst="textNoShape">
+              <a:avLst/>
+            </a:prstTxWarp>
+            <a:noAutofit/>
+          </a:bodyPr>
+          <a:lstStyle/>
+          <a:p>
+            <a:pPr algn="ctr" defTabSz="1219170" fontAlgn="base">
+              <a:lnSpc>
+                <a:spcPct val="90000"/>
+              </a:lnSpc>
+              <a:spcBef>
+                <a:spcPct val="0"/>
+              </a:spcBef>
+              <a:spcAft>
+                <a:spcPct val="0"/>
+              </a:spcAft>
+            </a:pPr>
+            <a:r>
+              <a:rPr lang="en-US" sz="1200" dirty="0">
+                <a:solidFill>
+                  <a:schemeClr val="bg1"/>
+                </a:solidFill>
+              </a:rPr>
+              <a:t>3</a:t>
+            </a:r>
+            <a:endParaRPr lang="en-US" sz="667" dirty="0">
+              <a:solidFill>
+                <a:schemeClr val="bg1"/>
+              </a:solidFill>
+            </a:endParaRPr>
+          </a:p>
+        </p:txBody>
+      </p:sp>
+      <p:sp>
+        <p:nvSpPr>
+          <p:cNvPr id="20" name="Rounded Rectangle 19">
+            <a:extLst>
+              <a:ext uri="{FF2B5EF4-FFF2-40B4-BE49-F238E27FC236}">
+                <a16:creationId xmlns:a16="http://schemas.microsoft.com/office/drawing/2014/main" id="{65250C98-3EF7-D84C-9241-0ACC98F9DB15}"/>
+              </a:ext>
+            </a:extLst>
+          </p:cNvPr>
+          <p:cNvSpPr/>
+          <p:nvPr/>
+        </p:nvSpPr>
+        <p:spPr bwMode="auto">
+          <a:xfrm>
+            <a:off x="4727924" y="4437992"/>
+            <a:ext cx="245561" cy="731512"/>
+          </a:xfrm>
+          <a:prstGeom prst="roundRect">
+            <a:avLst/>
+          </a:prstGeom>
+          <a:solidFill>
+            <a:schemeClr val="bg2"/>
+          </a:solidFill>
+          <a:ln>
+            <a:solidFill>
+              <a:schemeClr val="bg1"/>
+            </a:solidFill>
+            <a:prstDash val="solid"/>
+            <a:headEnd type="none" w="med" len="med"/>
+            <a:tailEnd type="none" w="med" len="med"/>
+          </a:ln>
+          <a:effectLst/>
+        </p:spPr>
+        <p:style>
+          <a:lnRef idx="1">
+            <a:schemeClr val="accent5"/>
+          </a:lnRef>
+          <a:fillRef idx="3">
+            <a:schemeClr val="accent5"/>
+          </a:fillRef>
+          <a:effectRef idx="2">
+            <a:schemeClr val="accent5"/>
+          </a:effectRef>
+          <a:fontRef idx="minor">
+            <a:schemeClr val="lt1"/>
+          </a:fontRef>
+        </p:style>
+        <p:txBody>
+          <a:bodyPr vert="horz" wrap="square" lIns="0" tIns="0" rIns="0" bIns="0" numCol="1" rtlCol="0" anchor="ctr" anchorCtr="0" compatLnSpc="1">
+            <a:prstTxWarp prst="textNoShape">
+              <a:avLst/>
+            </a:prstTxWarp>
+            <a:noAutofit/>
+          </a:bodyPr>
+          <a:lstStyle/>
+          <a:p>
+            <a:pPr algn="ctr" defTabSz="1219170" fontAlgn="base">
+              <a:lnSpc>
+                <a:spcPct val="90000"/>
+              </a:lnSpc>
+              <a:spcBef>
+                <a:spcPct val="0"/>
+              </a:spcBef>
+              <a:spcAft>
+                <a:spcPct val="0"/>
+              </a:spcAft>
+            </a:pPr>
+            <a:r>
+              <a:rPr lang="en-US" sz="1200" dirty="0">
+                <a:solidFill>
+                  <a:schemeClr val="bg1"/>
+                </a:solidFill>
+              </a:rPr>
+              <a:t>4</a:t>
+            </a:r>
+            <a:endParaRPr lang="en-US" sz="667" dirty="0">
+              <a:solidFill>
+                <a:schemeClr val="bg1"/>
+              </a:solidFill>
+            </a:endParaRPr>
+          </a:p>
+        </p:txBody>
+      </p:sp>
+      <p:sp>
+        <p:nvSpPr>
+          <p:cNvPr id="21" name="Rounded Rectangle 20">
+            <a:extLst>
+              <a:ext uri="{FF2B5EF4-FFF2-40B4-BE49-F238E27FC236}">
+                <a16:creationId xmlns:a16="http://schemas.microsoft.com/office/drawing/2014/main" id="{349815D9-A544-C740-A98E-A4307CE7F984}"/>
+              </a:ext>
+            </a:extLst>
+          </p:cNvPr>
+          <p:cNvSpPr/>
+          <p:nvPr/>
+        </p:nvSpPr>
+        <p:spPr bwMode="auto">
+          <a:xfrm>
+            <a:off x="4958720" y="4437992"/>
+            <a:ext cx="245561" cy="731512"/>
+          </a:xfrm>
+          <a:prstGeom prst="roundRect">
+            <a:avLst/>
+          </a:prstGeom>
+          <a:solidFill>
+            <a:schemeClr val="bg2"/>
+          </a:solidFill>
+          <a:ln>
+            <a:solidFill>
+              <a:schemeClr val="bg1"/>
+            </a:solidFill>
+            <a:prstDash val="solid"/>
+            <a:headEnd type="none" w="med" len="med"/>
+            <a:tailEnd type="none" w="med" len="med"/>
+          </a:ln>
+          <a:effectLst/>
+        </p:spPr>
+        <p:style>
+          <a:lnRef idx="1">
+            <a:schemeClr val="accent5"/>
+          </a:lnRef>
+          <a:fillRef idx="3">
+            <a:schemeClr val="accent5"/>
+          </a:fillRef>
+          <a:effectRef idx="2">
+            <a:schemeClr val="accent5"/>
+          </a:effectRef>
+          <a:fontRef idx="minor">
+            <a:schemeClr val="lt1"/>
+          </a:fontRef>
+        </p:style>
+        <p:txBody>
+          <a:bodyPr vert="horz" wrap="square" lIns="0" tIns="0" rIns="0" bIns="0" numCol="1" rtlCol="0" anchor="ctr" anchorCtr="0" compatLnSpc="1">
+            <a:prstTxWarp prst="textNoShape">
+              <a:avLst/>
+            </a:prstTxWarp>
+            <a:noAutofit/>
+          </a:bodyPr>
+          <a:lstStyle/>
+          <a:p>
+            <a:pPr algn="ctr" defTabSz="1219170" fontAlgn="base">
+              <a:lnSpc>
+                <a:spcPct val="90000"/>
+              </a:lnSpc>
+              <a:spcBef>
+                <a:spcPct val="0"/>
+              </a:spcBef>
+              <a:spcAft>
+                <a:spcPct val="0"/>
+              </a:spcAft>
+            </a:pPr>
+            <a:r>
+              <a:rPr lang="en-US" sz="1200" dirty="0">
+                <a:solidFill>
+                  <a:schemeClr val="bg1"/>
+                </a:solidFill>
+              </a:rPr>
+              <a:t>5</a:t>
+            </a:r>
+            <a:endParaRPr lang="en-US" sz="667" dirty="0">
+              <a:solidFill>
+                <a:schemeClr val="bg1"/>
+              </a:solidFill>
+            </a:endParaRPr>
+          </a:p>
+        </p:txBody>
+      </p:sp>
+      <p:sp>
+        <p:nvSpPr>
+          <p:cNvPr id="22" name="AutoShape 4">
+            <a:extLst>
+              <a:ext uri="{FF2B5EF4-FFF2-40B4-BE49-F238E27FC236}">
+                <a16:creationId xmlns:a16="http://schemas.microsoft.com/office/drawing/2014/main" id="{D20B6BF8-2A57-924F-AB42-129B1DC6DBE6}"/>
+              </a:ext>
+            </a:extLst>
+          </p:cNvPr>
+          <p:cNvSpPr>
+            <a:spLocks noChangeArrowheads="1"/>
+          </p:cNvSpPr>
+          <p:nvPr/>
+        </p:nvSpPr>
+        <p:spPr bwMode="auto">
+          <a:xfrm>
+            <a:off x="2881464" y="4145695"/>
+            <a:ext cx="3513917" cy="1348479"/>
+          </a:xfrm>
+          <a:prstGeom prst="roundRect">
+            <a:avLst>
+              <a:gd name="adj" fmla="val 7117"/>
+            </a:avLst>
+          </a:prstGeom>
+          <a:noFill/>
+          <a:ln w="12700">
+            <a:solidFill>
+              <a:schemeClr val="accent3"/>
+            </a:solidFill>
+            <a:prstDash val="dash"/>
+            <a:round/>
+            <a:headEnd/>
+            <a:tailEnd/>
+          </a:ln>
+        </p:spPr>
+        <p:txBody>
+          <a:bodyPr lIns="0" tIns="0" rIns="0" bIns="0" anchor="b" anchorCtr="1"/>
+          <a:lstStyle/>
+          <a:p>
+            <a:pPr algn="ctr"/>
+            <a:endParaRPr lang="en-US" sz="1333" dirty="0"/>
+          </a:p>
+        </p:txBody>
+      </p:sp>
+      <p:sp>
+        <p:nvSpPr>
+          <p:cNvPr id="23" name="TextBox 22">
+            <a:extLst>
+              <a:ext uri="{FF2B5EF4-FFF2-40B4-BE49-F238E27FC236}">
+                <a16:creationId xmlns:a16="http://schemas.microsoft.com/office/drawing/2014/main" id="{87606592-A07A-924B-B639-76FB8A14520F}"/>
+              </a:ext>
+            </a:extLst>
+          </p:cNvPr>
+          <p:cNvSpPr txBox="1"/>
+          <p:nvPr/>
+        </p:nvSpPr>
+        <p:spPr>
+          <a:xfrm>
+            <a:off x="3682530" y="5209508"/>
+            <a:ext cx="1369862" cy="276999"/>
+          </a:xfrm>
+          <a:prstGeom prst="rect">
+            <a:avLst/>
+          </a:prstGeom>
+          <a:noFill/>
+        </p:spPr>
+        <p:txBody>
+          <a:bodyPr wrap="none" rtlCol="0">
+            <a:spAutoFit/>
+          </a:bodyPr>
+          <a:lstStyle/>
+          <a:p>
+            <a:r>
+              <a:rPr lang="en-US" sz="1200" dirty="0">
+                <a:solidFill>
+                  <a:schemeClr val="accent1">
+                    <a:lumMod val="25000"/>
+                  </a:schemeClr>
+                </a:solidFill>
+              </a:rPr>
+              <a:t>reeferTelemetries</a:t>
+            </a:r>
+          </a:p>
+        </p:txBody>
+      </p:sp>
+      <p:pic>
+        <p:nvPicPr>
+          <p:cNvPr id="24" name="Picture 23">
+            <a:extLst>
+              <a:ext uri="{FF2B5EF4-FFF2-40B4-BE49-F238E27FC236}">
+                <a16:creationId xmlns:a16="http://schemas.microsoft.com/office/drawing/2014/main" id="{B400E287-8B40-BE4C-B680-D40ED448B4E5}"/>
+              </a:ext>
+            </a:extLst>
+          </p:cNvPr>
+          <p:cNvPicPr>
+            <a:picLocks noChangeAspect="1"/>
+          </p:cNvPicPr>
+          <p:nvPr/>
+        </p:nvPicPr>
+        <p:blipFill>
+          <a:blip r:embed="rId3">
+            <a:extLst>
+              <a:ext uri="{28A0092B-C50C-407E-A947-70E740481C1C}">
+                <a14:useLocalDpi xmlns:a14="http://schemas.microsoft.com/office/drawing/2010/main" val="0"/>
+              </a:ext>
+            </a:extLst>
+          </a:blip>
+          <a:stretch>
+            <a:fillRect/>
+          </a:stretch>
+        </p:blipFill>
+        <p:spPr>
+          <a:xfrm>
+            <a:off x="2713993" y="5032053"/>
+            <a:ext cx="523018" cy="690721"/>
+          </a:xfrm>
+          <a:prstGeom prst="rect">
+            <a:avLst/>
+          </a:prstGeom>
+        </p:spPr>
+      </p:pic>
+      <p:pic>
+        <p:nvPicPr>
+          <p:cNvPr id="27" name="Picture 40">
+            <a:extLst>
+              <a:ext uri="{FF2B5EF4-FFF2-40B4-BE49-F238E27FC236}">
+                <a16:creationId xmlns:a16="http://schemas.microsoft.com/office/drawing/2014/main" id="{82D37B93-A674-6248-A0F6-C3053BF17E01}"/>
+              </a:ext>
+            </a:extLst>
+          </p:cNvPr>
+          <p:cNvPicPr>
+            <a:picLocks noChangeAspect="1"/>
+          </p:cNvPicPr>
+          <p:nvPr/>
+        </p:nvPicPr>
+        <p:blipFill>
+          <a:blip r:embed="rId4">
             <a:extLst>
               <a:ext uri="{28A0092B-C50C-407E-A947-70E740481C1C}">
                 <a14:useLocalDpi xmlns:a14="http://schemas.microsoft.com/office/drawing/2010/main" val="0"/>
@@ -17795,7 +18798,7 @@
         </p:blipFill>
         <p:spPr bwMode="auto">
           <a:xfrm>
-            <a:off x="116601" y="2734597"/>
+            <a:off x="-13004" y="5016111"/>
             <a:ext cx="1099134" cy="407338"/>
           </a:xfrm>
           <a:prstGeom prst="rect">
@@ -17828,29 +18831,32 @@
       </p:pic>
       <p:cxnSp>
         <p:nvCxnSpPr>
-          <p:cNvPr id="46" name="Elbow Connector 45">
+          <p:cNvPr id="28" name="Elbow Connector 27">
             <a:extLst>
               <a:ext uri="{FF2B5EF4-FFF2-40B4-BE49-F238E27FC236}">
-                <a16:creationId xmlns:a16="http://schemas.microsoft.com/office/drawing/2014/main" id="{B815F1F6-8EC9-A547-951A-6A6BA26A1B3E}"/>
+                <a16:creationId xmlns:a16="http://schemas.microsoft.com/office/drawing/2014/main" id="{C8FBC103-4DDC-FD42-8D32-2C65F09E2B19}"/>
               </a:ext>
             </a:extLst>
           </p:cNvPr>
           <p:cNvCxnSpPr>
             <a:cxnSpLocks/>
-            <a:stCxn id="9" idx="3"/>
-            <a:endCxn id="59" idx="1"/>
+            <a:stCxn id="15" idx="3"/>
+            <a:endCxn id="21" idx="2"/>
           </p:cNvCxnSpPr>
           <p:nvPr/>
         </p:nvCxnSpPr>
         <p:spPr>
           <a:xfrm>
-            <a:off x="2465614" y="2073727"/>
-            <a:ext cx="2093194" cy="516747"/>
-          </a:xfrm>
-          <a:prstGeom prst="bentConnector2">
-            <a:avLst/>
-          </a:prstGeom>
-          <a:ln>
+            <a:off x="2347079" y="4444393"/>
+            <a:ext cx="2734422" cy="725111"/>
+          </a:xfrm>
+          <a:prstGeom prst="bentConnector4">
+            <a:avLst>
+              <a:gd name="adj1" fmla="val 37228"/>
+              <a:gd name="adj2" fmla="val 243619"/>
+            </a:avLst>
+          </a:prstGeom>
+          <a:ln w="12700">
             <a:solidFill>
               <a:schemeClr val="accent6"/>
             </a:solidFill>
@@ -17875,33 +18881,33 @@
       </p:cxnSp>
       <p:cxnSp>
         <p:nvCxnSpPr>
-          <p:cNvPr id="71" name="Elbow Connector 70">
+          <p:cNvPr id="33" name="Elbow Connector 32">
             <a:extLst>
               <a:ext uri="{FF2B5EF4-FFF2-40B4-BE49-F238E27FC236}">
-                <a16:creationId xmlns:a16="http://schemas.microsoft.com/office/drawing/2014/main" id="{9B3950A4-1025-DB48-B886-5945ADD35206}"/>
+                <a16:creationId xmlns:a16="http://schemas.microsoft.com/office/drawing/2014/main" id="{A018039D-49E7-3C49-94D4-1BE530DE331F}"/>
               </a:ext>
             </a:extLst>
           </p:cNvPr>
           <p:cNvCxnSpPr>
             <a:cxnSpLocks/>
-            <a:stCxn id="45" idx="1"/>
-            <a:endCxn id="59" idx="4"/>
+            <a:stCxn id="20" idx="0"/>
+            <a:endCxn id="59" idx="3"/>
           </p:cNvCxnSpPr>
           <p:nvPr/>
         </p:nvCxnSpPr>
         <p:spPr>
-          <a:xfrm rot="10800000" flipV="1">
-            <a:off x="5157329" y="2100404"/>
-            <a:ext cx="1320870" cy="837862"/>
+          <a:xfrm rot="16200000" flipV="1">
+            <a:off x="4128790" y="3716076"/>
+            <a:ext cx="1151934" cy="291897"/>
           </a:xfrm>
           <a:prstGeom prst="bentConnector3">
             <a:avLst>
               <a:gd name="adj1" fmla="val 50000"/>
             </a:avLst>
           </a:prstGeom>
-          <a:ln>
+          <a:ln w="12700">
             <a:solidFill>
-              <a:srgbClr val="7030A0"/>
+              <a:srgbClr val="009643"/>
             </a:solidFill>
             <a:tailEnd type="triangle"/>
           </a:ln>
@@ -17924,10 +18930,10 @@
       </p:cxnSp>
       <p:sp>
         <p:nvSpPr>
-          <p:cNvPr id="45" name="Rounded Rectangle 44">
+          <p:cNvPr id="32" name="Rectangle 31">
             <a:extLst>
               <a:ext uri="{FF2B5EF4-FFF2-40B4-BE49-F238E27FC236}">
-                <a16:creationId xmlns:a16="http://schemas.microsoft.com/office/drawing/2014/main" id="{F495E1A9-5EC6-5446-ACF5-3911A287BB83}"/>
+                <a16:creationId xmlns:a16="http://schemas.microsoft.com/office/drawing/2014/main" id="{80B1BE04-8E41-6B41-9861-E9BB4FE73060}"/>
               </a:ext>
             </a:extLst>
           </p:cNvPr>
@@ -17936,108 +18942,10 @@
         </p:nvSpPr>
         <p:spPr>
           <a:xfrm>
-            <a:off x="6478199" y="1913633"/>
-            <a:ext cx="1749097" cy="373542"/>
-          </a:xfrm>
-          <a:prstGeom prst="roundRect">
-            <a:avLst>
-              <a:gd name="adj" fmla="val 9717"/>
-            </a:avLst>
-          </a:prstGeom>
-          <a:noFill/>
-          <a:ln w="12700">
-            <a:solidFill>
-              <a:schemeClr val="tx2">
-                <a:lumMod val="50000"/>
-              </a:schemeClr>
-            </a:solidFill>
-          </a:ln>
-          <a:effectLst/>
-        </p:spPr>
-        <p:style>
-          <a:lnRef idx="1">
-            <a:schemeClr val="dk1"/>
-          </a:lnRef>
-          <a:fillRef idx="2">
-            <a:schemeClr val="dk1"/>
-          </a:fillRef>
-          <a:effectRef idx="1">
-            <a:schemeClr val="dk1"/>
-          </a:effectRef>
-          <a:fontRef idx="minor">
-            <a:schemeClr val="dk1"/>
-          </a:fontRef>
-        </p:style>
-        <p:txBody>
-          <a:bodyPr rot="0" spcFirstLastPara="0" vertOverflow="overflow" horzOverflow="overflow" vert="horz" wrap="square" lIns="0" tIns="0" rIns="0" bIns="0" numCol="1" spcCol="0" rtlCol="0" fromWordArt="0" anchor="t" anchorCtr="0" forceAA="0" compatLnSpc="1">
-            <a:prstTxWarp prst="textNoShape">
-              <a:avLst/>
-            </a:prstTxWarp>
-            <a:noAutofit/>
-          </a:bodyPr>
-          <a:lstStyle/>
-          <a:p>
-            <a:r>
-              <a:rPr lang="en-US" sz="1200" baseline="0" dirty="0">
-                <a:solidFill>
-                  <a:schemeClr val="tx1"/>
-                </a:solidFill>
-                <a:latin typeface="IBM Plex Sans" panose="020B0503050203000203" pitchFamily="34" charset="77"/>
-                <a:cs typeface="Arial"/>
-              </a:rPr>
-              <a:t>Pandas DF</a:t>
-            </a:r>
-          </a:p>
-        </p:txBody>
-      </p:sp>
-      <p:pic>
-        <p:nvPicPr>
-          <p:cNvPr id="13" name="Picture 12">
-            <a:extLst>
-              <a:ext uri="{FF2B5EF4-FFF2-40B4-BE49-F238E27FC236}">
-                <a16:creationId xmlns:a16="http://schemas.microsoft.com/office/drawing/2014/main" id="{B81AAF60-BF23-E149-AC44-3DFB94494F2F}"/>
-              </a:ext>
-            </a:extLst>
-          </p:cNvPr>
-          <p:cNvPicPr>
-            <a:picLocks noChangeAspect="1"/>
-          </p:cNvPicPr>
-          <p:nvPr/>
-        </p:nvPicPr>
-        <p:blipFill>
-          <a:blip r:embed="rId3"/>
-          <a:stretch>
-            <a:fillRect/>
-          </a:stretch>
-        </p:blipFill>
-        <p:spPr>
-          <a:xfrm>
-            <a:off x="3492393" y="3041219"/>
-            <a:ext cx="638156" cy="680700"/>
+            <a:off x="3779270" y="3571943"/>
+            <a:ext cx="1651745" cy="415825"/>
           </a:xfrm>
           <a:prstGeom prst="rect">
-            <a:avLst/>
-          </a:prstGeom>
-        </p:spPr>
-      </p:pic>
-      <p:sp>
-        <p:nvSpPr>
-          <p:cNvPr id="59" name="Can 58">
-            <a:extLst>
-              <a:ext uri="{FF2B5EF4-FFF2-40B4-BE49-F238E27FC236}">
-                <a16:creationId xmlns:a16="http://schemas.microsoft.com/office/drawing/2014/main" id="{BF8D5F17-7886-6A49-A326-AB3283F367DA}"/>
-              </a:ext>
-            </a:extLst>
-          </p:cNvPr>
-          <p:cNvSpPr/>
-          <p:nvPr/>
-        </p:nvSpPr>
-        <p:spPr>
-          <a:xfrm>
-            <a:off x="3960287" y="2590474"/>
-            <a:ext cx="1197042" cy="695584"/>
-          </a:xfrm>
-          <a:prstGeom prst="can">
             <a:avLst/>
           </a:prstGeom>
           <a:solidFill>
@@ -18048,6 +18956,13 @@
           <a:ln>
             <a:noFill/>
           </a:ln>
+          <a:effectLst>
+            <a:outerShdw blurRad="50800" dist="38100" dir="5400000" algn="t" rotWithShape="0">
+              <a:prstClr val="black">
+                <a:alpha val="40000"/>
+              </a:prstClr>
+            </a:outerShdw>
+          </a:effectLst>
         </p:spPr>
         <p:style>
           <a:lnRef idx="2">
@@ -18071,8 +18986,315 @@
           <a:p>
             <a:pPr algn="ctr"/>
             <a:r>
+              <a:rPr lang="en-US" sz="1200" dirty="0"/>
+              <a:t>Long term persist stream</a:t>
+            </a:r>
+          </a:p>
+        </p:txBody>
+      </p:sp>
+      <p:sp>
+        <p:nvSpPr>
+          <p:cNvPr id="36" name="Can 35">
+            <a:extLst>
+              <a:ext uri="{FF2B5EF4-FFF2-40B4-BE49-F238E27FC236}">
+                <a16:creationId xmlns:a16="http://schemas.microsoft.com/office/drawing/2014/main" id="{838848AC-1D94-3D4E-9D79-D790EC064067}"/>
+              </a:ext>
+            </a:extLst>
+          </p:cNvPr>
+          <p:cNvSpPr/>
+          <p:nvPr/>
+        </p:nvSpPr>
+        <p:spPr>
+          <a:xfrm>
+            <a:off x="7108359" y="3489256"/>
+            <a:ext cx="895875" cy="695584"/>
+          </a:xfrm>
+          <a:prstGeom prst="can">
+            <a:avLst/>
+          </a:prstGeom>
+          <a:solidFill>
+            <a:schemeClr val="accent5">
+              <a:lumMod val="75000"/>
+            </a:schemeClr>
+          </a:solidFill>
+          <a:ln>
+            <a:noFill/>
+          </a:ln>
+        </p:spPr>
+        <p:style>
+          <a:lnRef idx="2">
+            <a:schemeClr val="accent1">
+              <a:shade val="50000"/>
+            </a:schemeClr>
+          </a:lnRef>
+          <a:fillRef idx="1">
+            <a:schemeClr val="accent1"/>
+          </a:fillRef>
+          <a:effectRef idx="0">
+            <a:schemeClr val="accent1"/>
+          </a:effectRef>
+          <a:fontRef idx="minor">
+            <a:schemeClr val="lt1"/>
+          </a:fontRef>
+        </p:style>
+        <p:txBody>
+          <a:bodyPr rtlCol="0" anchor="ctr"/>
+          <a:lstStyle/>
+          <a:p>
+            <a:pPr algn="ctr"/>
+            <a:r>
               <a:rPr lang="en-US" sz="1000" dirty="0"/>
-              <a:t>Reefer telemetries</a:t>
+              <a:t>Reefers Inventory</a:t>
+            </a:r>
+          </a:p>
+        </p:txBody>
+      </p:sp>
+      <p:sp>
+        <p:nvSpPr>
+          <p:cNvPr id="37" name="Can 36">
+            <a:extLst>
+              <a:ext uri="{FF2B5EF4-FFF2-40B4-BE49-F238E27FC236}">
+                <a16:creationId xmlns:a16="http://schemas.microsoft.com/office/drawing/2014/main" id="{8940F223-93A3-4947-A9E2-589C2FC0914F}"/>
+              </a:ext>
+            </a:extLst>
+          </p:cNvPr>
+          <p:cNvSpPr/>
+          <p:nvPr/>
+        </p:nvSpPr>
+        <p:spPr>
+          <a:xfrm>
+            <a:off x="8116630" y="3489256"/>
+            <a:ext cx="895875" cy="695584"/>
+          </a:xfrm>
+          <a:prstGeom prst="can">
+            <a:avLst/>
+          </a:prstGeom>
+          <a:solidFill>
+            <a:schemeClr val="accent5">
+              <a:lumMod val="75000"/>
+            </a:schemeClr>
+          </a:solidFill>
+          <a:ln>
+            <a:noFill/>
+          </a:ln>
+        </p:spPr>
+        <p:style>
+          <a:lnRef idx="2">
+            <a:schemeClr val="accent1">
+              <a:shade val="50000"/>
+            </a:schemeClr>
+          </a:lnRef>
+          <a:fillRef idx="1">
+            <a:schemeClr val="accent1"/>
+          </a:fillRef>
+          <a:effectRef idx="0">
+            <a:schemeClr val="accent1"/>
+          </a:effectRef>
+          <a:fontRef idx="minor">
+            <a:schemeClr val="lt1"/>
+          </a:fontRef>
+        </p:style>
+        <p:txBody>
+          <a:bodyPr rtlCol="0" anchor="ctr"/>
+          <a:lstStyle/>
+          <a:p>
+            <a:pPr algn="ctr"/>
+            <a:r>
+              <a:rPr lang="en-US" sz="1000" dirty="0"/>
+              <a:t>Products</a:t>
+            </a:r>
+          </a:p>
+        </p:txBody>
+      </p:sp>
+      <p:pic>
+        <p:nvPicPr>
+          <p:cNvPr id="38" name="Picture 37">
+            <a:extLst>
+              <a:ext uri="{FF2B5EF4-FFF2-40B4-BE49-F238E27FC236}">
+                <a16:creationId xmlns:a16="http://schemas.microsoft.com/office/drawing/2014/main" id="{3E12A240-C94D-F342-A515-AC9667796B7B}"/>
+              </a:ext>
+            </a:extLst>
+          </p:cNvPr>
+          <p:cNvPicPr>
+            <a:picLocks noChangeAspect="1"/>
+          </p:cNvPicPr>
+          <p:nvPr/>
+        </p:nvPicPr>
+        <p:blipFill>
+          <a:blip r:embed="rId5"/>
+          <a:stretch>
+            <a:fillRect/>
+          </a:stretch>
+        </p:blipFill>
+        <p:spPr>
+          <a:xfrm>
+            <a:off x="8941639" y="3913511"/>
+            <a:ext cx="638156" cy="680700"/>
+          </a:xfrm>
+          <a:prstGeom prst="rect">
+            <a:avLst/>
+          </a:prstGeom>
+        </p:spPr>
+      </p:pic>
+      <p:cxnSp>
+        <p:nvCxnSpPr>
+          <p:cNvPr id="39" name="Elbow Connector 38">
+            <a:extLst>
+              <a:ext uri="{FF2B5EF4-FFF2-40B4-BE49-F238E27FC236}">
+                <a16:creationId xmlns:a16="http://schemas.microsoft.com/office/drawing/2014/main" id="{2ADAE8E9-E8A0-C04F-AD33-82E1C5F42DB8}"/>
+              </a:ext>
+            </a:extLst>
+          </p:cNvPr>
+          <p:cNvCxnSpPr>
+            <a:cxnSpLocks/>
+            <a:stCxn id="45" idx="2"/>
+          </p:cNvCxnSpPr>
+          <p:nvPr/>
+        </p:nvCxnSpPr>
+        <p:spPr>
+          <a:xfrm rot="16200000" flipH="1">
+            <a:off x="7119144" y="2520778"/>
+            <a:ext cx="1151867" cy="684659"/>
+          </a:xfrm>
+          <a:prstGeom prst="bentConnector3">
+            <a:avLst>
+              <a:gd name="adj1" fmla="val 50000"/>
+            </a:avLst>
+          </a:prstGeom>
+          <a:ln w="12700">
+            <a:solidFill>
+              <a:srgbClr val="7030A0"/>
+            </a:solidFill>
+            <a:headEnd type="triangle"/>
+            <a:tailEnd type="none"/>
+          </a:ln>
+          <a:effectLst/>
+        </p:spPr>
+        <p:style>
+          <a:lnRef idx="2">
+            <a:schemeClr val="accent1"/>
+          </a:lnRef>
+          <a:fillRef idx="0">
+            <a:schemeClr val="accent1"/>
+          </a:fillRef>
+          <a:effectRef idx="1">
+            <a:schemeClr val="accent1"/>
+          </a:effectRef>
+          <a:fontRef idx="minor">
+            <a:schemeClr val="tx1"/>
+          </a:fontRef>
+        </p:style>
+      </p:cxnSp>
+      <p:sp>
+        <p:nvSpPr>
+          <p:cNvPr id="42" name="Oval 41">
+            <a:extLst>
+              <a:ext uri="{FF2B5EF4-FFF2-40B4-BE49-F238E27FC236}">
+                <a16:creationId xmlns:a16="http://schemas.microsoft.com/office/drawing/2014/main" id="{EF41234A-880A-8244-AA87-8EE3CA4327BE}"/>
+              </a:ext>
+            </a:extLst>
+          </p:cNvPr>
+          <p:cNvSpPr/>
+          <p:nvPr/>
+        </p:nvSpPr>
+        <p:spPr>
+          <a:xfrm>
+            <a:off x="246098" y="1544377"/>
+            <a:ext cx="290465" cy="369256"/>
+          </a:xfrm>
+          <a:prstGeom prst="ellipse">
+            <a:avLst/>
+          </a:prstGeom>
+          <a:solidFill>
+            <a:schemeClr val="tx2">
+              <a:lumMod val="75000"/>
+            </a:schemeClr>
+          </a:solidFill>
+          <a:ln>
+            <a:noFill/>
+          </a:ln>
+        </p:spPr>
+        <p:style>
+          <a:lnRef idx="2">
+            <a:schemeClr val="accent1">
+              <a:shade val="50000"/>
+            </a:schemeClr>
+          </a:lnRef>
+          <a:fillRef idx="1">
+            <a:schemeClr val="accent1"/>
+          </a:fillRef>
+          <a:effectRef idx="0">
+            <a:schemeClr val="accent1"/>
+          </a:effectRef>
+          <a:fontRef idx="minor">
+            <a:schemeClr val="lt1"/>
+          </a:fontRef>
+        </p:style>
+        <p:txBody>
+          <a:bodyPr rtlCol="0" anchor="ctr"/>
+          <a:lstStyle/>
+          <a:p>
+            <a:pPr algn="ctr"/>
+            <a:r>
+              <a:rPr lang="en-US" sz="1400" dirty="0"/>
+              <a:t>1</a:t>
+            </a:r>
+          </a:p>
+        </p:txBody>
+      </p:sp>
+      <p:sp>
+        <p:nvSpPr>
+          <p:cNvPr id="43" name="Oval 42">
+            <a:extLst>
+              <a:ext uri="{FF2B5EF4-FFF2-40B4-BE49-F238E27FC236}">
+                <a16:creationId xmlns:a16="http://schemas.microsoft.com/office/drawing/2014/main" id="{18795C1C-9E4F-AA4C-9D51-61F797DA92E3}"/>
+              </a:ext>
+            </a:extLst>
+          </p:cNvPr>
+          <p:cNvSpPr/>
+          <p:nvPr/>
+        </p:nvSpPr>
+        <p:spPr>
+          <a:xfrm>
+            <a:off x="795665" y="5454503"/>
+            <a:ext cx="290465" cy="369256"/>
+          </a:xfrm>
+          <a:prstGeom prst="ellipse">
+            <a:avLst/>
+          </a:prstGeom>
+          <a:solidFill>
+            <a:schemeClr val="tx2">
+              <a:lumMod val="75000"/>
+            </a:schemeClr>
+          </a:solidFill>
+          <a:ln>
+            <a:noFill/>
+          </a:ln>
+        </p:spPr>
+        <p:style>
+          <a:lnRef idx="2">
+            <a:schemeClr val="accent1">
+              <a:shade val="50000"/>
+            </a:schemeClr>
+          </a:lnRef>
+          <a:fillRef idx="1">
+            <a:schemeClr val="accent1"/>
+          </a:fillRef>
+          <a:effectRef idx="0">
+            <a:schemeClr val="accent1"/>
+          </a:effectRef>
+          <a:fontRef idx="minor">
+            <a:schemeClr val="lt1"/>
+          </a:fontRef>
+        </p:style>
+        <p:txBody>
+          <a:bodyPr rtlCol="0" anchor="ctr"/>
+          <a:lstStyle/>
+          <a:p>
+            <a:pPr algn="ctr"/>
+            <a:r>
+              <a:rPr lang="en-US" sz="1400" dirty="0"/>
+              <a:t>2</a:t>
             </a:r>
           </a:p>
         </p:txBody>
@@ -19424,6 +20646,36 @@
           </a:p>
         </p:txBody>
       </p:sp>
+      <p:pic>
+        <p:nvPicPr>
+          <p:cNvPr id="26" name="Picture 25">
+            <a:extLst>
+              <a:ext uri="{FF2B5EF4-FFF2-40B4-BE49-F238E27FC236}">
+                <a16:creationId xmlns:a16="http://schemas.microsoft.com/office/drawing/2014/main" id="{509913A5-E445-C54D-8C8A-64EA88153B4B}"/>
+              </a:ext>
+            </a:extLst>
+          </p:cNvPr>
+          <p:cNvPicPr>
+            <a:picLocks noChangeAspect="1"/>
+          </p:cNvPicPr>
+          <p:nvPr/>
+        </p:nvPicPr>
+        <p:blipFill>
+          <a:blip r:embed="rId4"/>
+          <a:stretch>
+            <a:fillRect/>
+          </a:stretch>
+        </p:blipFill>
+        <p:spPr>
+          <a:xfrm>
+            <a:off x="8048469" y="4322790"/>
+            <a:ext cx="638156" cy="680700"/>
+          </a:xfrm>
+          <a:prstGeom prst="rect">
+            <a:avLst/>
+          </a:prstGeom>
+        </p:spPr>
+      </p:pic>
     </p:spTree>
     <p:extLst>
       <p:ext uri="{BB962C8B-B14F-4D97-AF65-F5344CB8AC3E}">

--- a/docs/diagrams.pptx
+++ b/docs/diagrams.pptx
@@ -6,18 +6,19 @@
     <p:sldMasterId id="2147484308" r:id="rId2"/>
   </p:sldMasterIdLst>
   <p:notesMasterIdLst>
-    <p:notesMasterId r:id="rId12"/>
+    <p:notesMasterId r:id="rId13"/>
   </p:notesMasterIdLst>
   <p:sldIdLst>
     <p:sldId id="141168470" r:id="rId3"/>
     <p:sldId id="141168471" r:id="rId4"/>
     <p:sldId id="141168473" r:id="rId5"/>
     <p:sldId id="141168474" r:id="rId6"/>
-    <p:sldId id="2783" r:id="rId7"/>
-    <p:sldId id="2801" r:id="rId8"/>
-    <p:sldId id="141168472" r:id="rId9"/>
-    <p:sldId id="2799" r:id="rId10"/>
-    <p:sldId id="2800" r:id="rId11"/>
+    <p:sldId id="141168475" r:id="rId7"/>
+    <p:sldId id="2783" r:id="rId8"/>
+    <p:sldId id="2801" r:id="rId9"/>
+    <p:sldId id="141168472" r:id="rId10"/>
+    <p:sldId id="2799" r:id="rId11"/>
+    <p:sldId id="2800" r:id="rId12"/>
   </p:sldIdLst>
   <p:sldSz cx="12192000" cy="6858000"/>
   <p:notesSz cx="7086600" cy="9372600"/>
@@ -280,7 +281,7 @@
               <a:pPr>
                 <a:defRPr/>
               </a:pPr>
-              <a:t>12/11/19</a:t>
+              <a:t>12/17/19</a:t>
             </a:fld>
             <a:endParaRPr lang="en-US" dirty="0"/>
           </a:p>
@@ -647,20 +648,12 @@
           <a:lstStyle/>
           <a:p>
             <a:r>
+              <a:rPr lang="en-US" dirty="0" err="1"/>
+              <a:t>Appsody</a:t>
+            </a:r>
+            <a:r>
               <a:rPr lang="en-US" dirty="0"/>
-              <a:t>Map geographic</a:t>
-            </a:r>
-          </a:p>
-          <a:p>
-            <a:r>
-              <a:rPr lang="en-US" dirty="0"/>
-              <a:t>Multiple ships </a:t>
-            </a:r>
-          </a:p>
-          <a:p>
-            <a:r>
-              <a:rPr lang="en-US" dirty="0"/>
-              <a:t>Ship</a:t>
+              <a:t> has different components working together to simplify developing cloud native app deployable on Kubernetes.</a:t>
             </a:r>
           </a:p>
         </p:txBody>
@@ -680,78 +673,24 @@
           <a:bodyPr/>
           <a:lstStyle/>
           <a:p>
-            <a:pPr marL="0" marR="0" lvl="0" indent="0" algn="r" defTabSz="914400" rtl="0" eaLnBrk="1" fontAlgn="base" latinLnBrk="0" hangingPunct="1">
-              <a:lnSpc>
-                <a:spcPct val="100000"/>
-              </a:lnSpc>
-              <a:spcBef>
-                <a:spcPct val="0"/>
-              </a:spcBef>
-              <a:spcAft>
-                <a:spcPct val="0"/>
-              </a:spcAft>
-              <a:buClrTx/>
-              <a:buSzTx/>
-              <a:buFontTx/>
-              <a:buNone/>
-              <a:tabLst/>
+            <a:pPr>
               <a:defRPr/>
             </a:pPr>
-            <a:fld id="{3E588AFF-6FEE-DA49-9FEF-8507A408CA7C}" type="slidenum">
-              <a:rPr kumimoji="0" lang="en-US" sz="1200" b="0" i="0" u="none" strike="noStrike" kern="1200" cap="none" spc="0" normalizeH="0" baseline="0" noProof="0" smtClean="0">
-                <a:ln>
-                  <a:noFill/>
-                </a:ln>
-                <a:solidFill>
-                  <a:prstClr val="black"/>
-                </a:solidFill>
-                <a:effectLst/>
-                <a:uLnTx/>
-                <a:uFillTx/>
-                <a:latin typeface="Calibri" panose="020F0502020204030204" pitchFamily="34" charset="0"/>
-                <a:ea typeface="+mn-ea"/>
-                <a:cs typeface="Arial" panose="020B0604020202020204" pitchFamily="34" charset="0"/>
-              </a:rPr>
-              <a:pPr marL="0" marR="0" lvl="0" indent="0" algn="r" defTabSz="914400" rtl="0" eaLnBrk="1" fontAlgn="base" latinLnBrk="0" hangingPunct="1">
-                <a:lnSpc>
-                  <a:spcPct val="100000"/>
-                </a:lnSpc>
-                <a:spcBef>
-                  <a:spcPct val="0"/>
-                </a:spcBef>
-                <a:spcAft>
-                  <a:spcPct val="0"/>
-                </a:spcAft>
-                <a:buClrTx/>
-                <a:buSzTx/>
-                <a:buFontTx/>
-                <a:buNone/>
-                <a:tabLst/>
+            <a:fld id="{06AAAE1B-F6B9-4FCD-B9AB-4A0AD0AFAC97}" type="slidenum">
+              <a:rPr lang="en-US" altLang="en-US" smtClean="0"/>
+              <a:pPr>
                 <a:defRPr/>
               </a:pPr>
               <a:t>5</a:t>
             </a:fld>
-            <a:endParaRPr kumimoji="0" lang="en-US" sz="1200" b="0" i="0" u="none" strike="noStrike" kern="1200" cap="none" spc="0" normalizeH="0" baseline="0" noProof="0">
-              <a:ln>
-                <a:noFill/>
-              </a:ln>
-              <a:solidFill>
-                <a:prstClr val="black"/>
-              </a:solidFill>
-              <a:effectLst/>
-              <a:uLnTx/>
-              <a:uFillTx/>
-              <a:latin typeface="Calibri" panose="020F0502020204030204" pitchFamily="34" charset="0"/>
-              <a:ea typeface="+mn-ea"/>
-              <a:cs typeface="Arial" panose="020B0604020202020204" pitchFamily="34" charset="0"/>
-            </a:endParaRPr>
+            <a:endParaRPr lang="en-US" altLang="en-US" dirty="0"/>
           </a:p>
         </p:txBody>
       </p:sp>
     </p:spTree>
     <p:extLst>
       <p:ext uri="{BB962C8B-B14F-4D97-AF65-F5344CB8AC3E}">
-        <p14:creationId xmlns:p14="http://schemas.microsoft.com/office/powerpoint/2010/main" val="2035668542"/>
+        <p14:creationId xmlns:p14="http://schemas.microsoft.com/office/powerpoint/2010/main" val="2621778659"/>
       </p:ext>
     </p:extLst>
   </p:cSld>
@@ -807,13 +746,19 @@
           <a:p>
             <a:r>
               <a:rPr lang="en-US" dirty="0"/>
-              <a:t>What to consider:</a:t>
+              <a:t>Map geographic</a:t>
             </a:r>
           </a:p>
           <a:p>
             <a:r>
               <a:rPr lang="en-US" dirty="0"/>
-              <a:t>- </a:t>
+              <a:t>Multiple ships </a:t>
+            </a:r>
+          </a:p>
+          <a:p>
+            <a:r>
+              <a:rPr lang="en-US" dirty="0"/>
+              <a:t>Ship</a:t>
             </a:r>
           </a:p>
         </p:txBody>
@@ -833,24 +778,78 @@
           <a:bodyPr/>
           <a:lstStyle/>
           <a:p>
-            <a:pPr>
+            <a:pPr marL="0" marR="0" lvl="0" indent="0" algn="r" defTabSz="914400" rtl="0" eaLnBrk="1" fontAlgn="base" latinLnBrk="0" hangingPunct="1">
+              <a:lnSpc>
+                <a:spcPct val="100000"/>
+              </a:lnSpc>
+              <a:spcBef>
+                <a:spcPct val="0"/>
+              </a:spcBef>
+              <a:spcAft>
+                <a:spcPct val="0"/>
+              </a:spcAft>
+              <a:buClrTx/>
+              <a:buSzTx/>
+              <a:buFontTx/>
+              <a:buNone/>
+              <a:tabLst/>
               <a:defRPr/>
             </a:pPr>
-            <a:fld id="{06AAAE1B-F6B9-4FCD-B9AB-4A0AD0AFAC97}" type="slidenum">
-              <a:rPr lang="en-US" altLang="en-US" smtClean="0"/>
-              <a:pPr>
+            <a:fld id="{3E588AFF-6FEE-DA49-9FEF-8507A408CA7C}" type="slidenum">
+              <a:rPr kumimoji="0" lang="en-US" sz="1200" b="0" i="0" u="none" strike="noStrike" kern="1200" cap="none" spc="0" normalizeH="0" baseline="0" noProof="0" smtClean="0">
+                <a:ln>
+                  <a:noFill/>
+                </a:ln>
+                <a:solidFill>
+                  <a:prstClr val="black"/>
+                </a:solidFill>
+                <a:effectLst/>
+                <a:uLnTx/>
+                <a:uFillTx/>
+                <a:latin typeface="Calibri" panose="020F0502020204030204" pitchFamily="34" charset="0"/>
+                <a:ea typeface="+mn-ea"/>
+                <a:cs typeface="Arial" panose="020B0604020202020204" pitchFamily="34" charset="0"/>
+              </a:rPr>
+              <a:pPr marL="0" marR="0" lvl="0" indent="0" algn="r" defTabSz="914400" rtl="0" eaLnBrk="1" fontAlgn="base" latinLnBrk="0" hangingPunct="1">
+                <a:lnSpc>
+                  <a:spcPct val="100000"/>
+                </a:lnSpc>
+                <a:spcBef>
+                  <a:spcPct val="0"/>
+                </a:spcBef>
+                <a:spcAft>
+                  <a:spcPct val="0"/>
+                </a:spcAft>
+                <a:buClrTx/>
+                <a:buSzTx/>
+                <a:buFontTx/>
+                <a:buNone/>
+                <a:tabLst/>
                 <a:defRPr/>
               </a:pPr>
               <a:t>6</a:t>
             </a:fld>
-            <a:endParaRPr lang="en-US" altLang="en-US" dirty="0"/>
+            <a:endParaRPr kumimoji="0" lang="en-US" sz="1200" b="0" i="0" u="none" strike="noStrike" kern="1200" cap="none" spc="0" normalizeH="0" baseline="0" noProof="0">
+              <a:ln>
+                <a:noFill/>
+              </a:ln>
+              <a:solidFill>
+                <a:prstClr val="black"/>
+              </a:solidFill>
+              <a:effectLst/>
+              <a:uLnTx/>
+              <a:uFillTx/>
+              <a:latin typeface="Calibri" panose="020F0502020204030204" pitchFamily="34" charset="0"/>
+              <a:ea typeface="+mn-ea"/>
+              <a:cs typeface="Arial" panose="020B0604020202020204" pitchFamily="34" charset="0"/>
+            </a:endParaRPr>
           </a:p>
         </p:txBody>
       </p:sp>
     </p:spTree>
     <p:extLst>
       <p:ext uri="{BB962C8B-B14F-4D97-AF65-F5344CB8AC3E}">
-        <p14:creationId xmlns:p14="http://schemas.microsoft.com/office/powerpoint/2010/main" val="1347545514"/>
+        <p14:creationId xmlns:p14="http://schemas.microsoft.com/office/powerpoint/2010/main" val="2035668542"/>
       </p:ext>
     </p:extLst>
   </p:cSld>
@@ -941,6 +940,105 @@
                 <a:defRPr/>
               </a:pPr>
               <a:t>7</a:t>
+            </a:fld>
+            <a:endParaRPr lang="en-US" altLang="en-US" dirty="0"/>
+          </a:p>
+        </p:txBody>
+      </p:sp>
+    </p:spTree>
+    <p:extLst>
+      <p:ext uri="{BB962C8B-B14F-4D97-AF65-F5344CB8AC3E}">
+        <p14:creationId xmlns:p14="http://schemas.microsoft.com/office/powerpoint/2010/main" val="1347545514"/>
+      </p:ext>
+    </p:extLst>
+  </p:cSld>
+  <p:clrMapOvr>
+    <a:masterClrMapping/>
+  </p:clrMapOvr>
+</p:notes>
+</file>
+
+<file path=ppt/notesSlides/notesSlide4.xml><?xml version="1.0" encoding="utf-8"?>
+<p:notes xmlns:a="http://schemas.openxmlformats.org/drawingml/2006/main" xmlns:r="http://schemas.openxmlformats.org/officeDocument/2006/relationships" xmlns:p="http://schemas.openxmlformats.org/presentationml/2006/main">
+  <p:cSld>
+    <p:spTree>
+      <p:nvGrpSpPr>
+        <p:cNvPr id="1" name=""/>
+        <p:cNvGrpSpPr/>
+        <p:nvPr/>
+      </p:nvGrpSpPr>
+      <p:grpSpPr>
+        <a:xfrm>
+          <a:off x="0" y="0"/>
+          <a:ext cx="0" cy="0"/>
+          <a:chOff x="0" y="0"/>
+          <a:chExt cx="0" cy="0"/>
+        </a:xfrm>
+      </p:grpSpPr>
+      <p:sp>
+        <p:nvSpPr>
+          <p:cNvPr id="2" name="Slide Image Placeholder 1"/>
+          <p:cNvSpPr>
+            <a:spLocks noGrp="1" noRot="1" noChangeAspect="1"/>
+          </p:cNvSpPr>
+          <p:nvPr>
+            <p:ph type="sldImg"/>
+          </p:nvPr>
+        </p:nvSpPr>
+        <p:spPr/>
+      </p:sp>
+      <p:sp>
+        <p:nvSpPr>
+          <p:cNvPr id="3" name="Notes Placeholder 2"/>
+          <p:cNvSpPr>
+            <a:spLocks noGrp="1"/>
+          </p:cNvSpPr>
+          <p:nvPr>
+            <p:ph type="body" idx="1"/>
+          </p:nvPr>
+        </p:nvSpPr>
+        <p:spPr/>
+        <p:txBody>
+          <a:bodyPr/>
+          <a:lstStyle/>
+          <a:p>
+            <a:r>
+              <a:rPr lang="en-US" dirty="0"/>
+              <a:t>What to consider:</a:t>
+            </a:r>
+          </a:p>
+          <a:p>
+            <a:r>
+              <a:rPr lang="en-US" dirty="0"/>
+              <a:t>- </a:t>
+            </a:r>
+          </a:p>
+        </p:txBody>
+      </p:sp>
+      <p:sp>
+        <p:nvSpPr>
+          <p:cNvPr id="4" name="Slide Number Placeholder 3"/>
+          <p:cNvSpPr>
+            <a:spLocks noGrp="1"/>
+          </p:cNvSpPr>
+          <p:nvPr>
+            <p:ph type="sldNum" sz="quarter" idx="5"/>
+          </p:nvPr>
+        </p:nvSpPr>
+        <p:spPr/>
+        <p:txBody>
+          <a:bodyPr/>
+          <a:lstStyle/>
+          <a:p>
+            <a:pPr>
+              <a:defRPr/>
+            </a:pPr>
+            <a:fld id="{06AAAE1B-F6B9-4FCD-B9AB-4A0AD0AFAC97}" type="slidenum">
+              <a:rPr lang="en-US" altLang="en-US" smtClean="0"/>
+              <a:pPr>
+                <a:defRPr/>
+              </a:pPr>
+              <a:t>8</a:t>
             </a:fld>
             <a:endParaRPr lang="en-US" altLang="en-US" dirty="0"/>
           </a:p>
@@ -8593,6 +8691,1383 @@
 </p:sld>
 </file>
 
+<file path=ppt/slides/slide10.xml><?xml version="1.0" encoding="utf-8"?>
+<p:sld xmlns:a="http://schemas.openxmlformats.org/drawingml/2006/main" xmlns:r="http://schemas.openxmlformats.org/officeDocument/2006/relationships" xmlns:p="http://schemas.openxmlformats.org/presentationml/2006/main">
+  <p:cSld>
+    <p:spTree>
+      <p:nvGrpSpPr>
+        <p:cNvPr id="1" name=""/>
+        <p:cNvGrpSpPr/>
+        <p:nvPr/>
+      </p:nvGrpSpPr>
+      <p:grpSpPr>
+        <a:xfrm>
+          <a:off x="0" y="0"/>
+          <a:ext cx="0" cy="0"/>
+          <a:chOff x="0" y="0"/>
+          <a:chExt cx="0" cy="0"/>
+        </a:xfrm>
+      </p:grpSpPr>
+      <p:sp>
+        <p:nvSpPr>
+          <p:cNvPr id="2" name="Title 1">
+            <a:extLst>
+              <a:ext uri="{FF2B5EF4-FFF2-40B4-BE49-F238E27FC236}">
+                <a16:creationId xmlns:a16="http://schemas.microsoft.com/office/drawing/2014/main" id="{83D72B5A-D2BF-0F41-AB02-0E3504265F76}"/>
+              </a:ext>
+            </a:extLst>
+          </p:cNvPr>
+          <p:cNvSpPr>
+            <a:spLocks noGrp="1"/>
+          </p:cNvSpPr>
+          <p:nvPr>
+            <p:ph type="title"/>
+          </p:nvPr>
+        </p:nvSpPr>
+        <p:spPr>
+          <a:xfrm>
+            <a:off x="288633" y="208582"/>
+            <a:ext cx="10515600" cy="521140"/>
+          </a:xfrm>
+        </p:spPr>
+        <p:txBody>
+          <a:bodyPr>
+            <a:normAutofit/>
+          </a:bodyPr>
+          <a:lstStyle/>
+          <a:p>
+            <a:r>
+              <a:rPr lang="en-US" sz="2400" dirty="0"/>
+              <a:t>Event Stream As Event Store for ML</a:t>
+            </a:r>
+          </a:p>
+        </p:txBody>
+      </p:sp>
+      <p:sp>
+        <p:nvSpPr>
+          <p:cNvPr id="4" name="Slide Number Placeholder 3">
+            <a:extLst>
+              <a:ext uri="{FF2B5EF4-FFF2-40B4-BE49-F238E27FC236}">
+                <a16:creationId xmlns:a16="http://schemas.microsoft.com/office/drawing/2014/main" id="{B1D66A27-027F-EA4A-B9BD-D02849496229}"/>
+              </a:ext>
+            </a:extLst>
+          </p:cNvPr>
+          <p:cNvSpPr>
+            <a:spLocks noGrp="1"/>
+          </p:cNvSpPr>
+          <p:nvPr>
+            <p:ph type="sldNum" sz="quarter" idx="12"/>
+          </p:nvPr>
+        </p:nvSpPr>
+        <p:spPr/>
+        <p:txBody>
+          <a:bodyPr/>
+          <a:lstStyle/>
+          <a:p>
+            <a:fld id="{C565C23E-6D76-459C-BC14-A9049E4EE889}" type="slidenum">
+              <a:rPr lang="en-US" smtClean="0"/>
+              <a:t>10</a:t>
+            </a:fld>
+            <a:endParaRPr lang="en-US"/>
+          </a:p>
+        </p:txBody>
+      </p:sp>
+      <p:sp>
+        <p:nvSpPr>
+          <p:cNvPr id="6" name="Rectangle 5">
+            <a:extLst>
+              <a:ext uri="{FF2B5EF4-FFF2-40B4-BE49-F238E27FC236}">
+                <a16:creationId xmlns:a16="http://schemas.microsoft.com/office/drawing/2014/main" id="{B53C0033-8D9E-604C-9B28-5FDD36C6C800}"/>
+              </a:ext>
+            </a:extLst>
+          </p:cNvPr>
+          <p:cNvSpPr/>
+          <p:nvPr/>
+        </p:nvSpPr>
+        <p:spPr>
+          <a:xfrm>
+            <a:off x="6118016" y="1168380"/>
+            <a:ext cx="3362160" cy="1973555"/>
+          </a:xfrm>
+          <a:prstGeom prst="rect">
+            <a:avLst/>
+          </a:prstGeom>
+          <a:noFill/>
+          <a:ln>
+            <a:prstDash val="dash"/>
+          </a:ln>
+        </p:spPr>
+        <p:style>
+          <a:lnRef idx="2">
+            <a:schemeClr val="accent1">
+              <a:shade val="50000"/>
+            </a:schemeClr>
+          </a:lnRef>
+          <a:fillRef idx="1">
+            <a:schemeClr val="accent1"/>
+          </a:fillRef>
+          <a:effectRef idx="0">
+            <a:schemeClr val="accent1"/>
+          </a:effectRef>
+          <a:fontRef idx="minor">
+            <a:schemeClr val="lt1"/>
+          </a:fontRef>
+        </p:style>
+        <p:txBody>
+          <a:bodyPr rtlCol="0" anchor="b"/>
+          <a:lstStyle/>
+          <a:p>
+            <a:pPr algn="ctr"/>
+            <a:r>
+              <a:rPr lang="en-US" sz="1200" dirty="0">
+                <a:solidFill>
+                  <a:schemeClr val="tx1"/>
+                </a:solidFill>
+              </a:rPr>
+              <a:t>ML Environment</a:t>
+            </a:r>
+          </a:p>
+        </p:txBody>
+      </p:sp>
+      <p:sp>
+        <p:nvSpPr>
+          <p:cNvPr id="8" name="Rectangle 7">
+            <a:extLst>
+              <a:ext uri="{FF2B5EF4-FFF2-40B4-BE49-F238E27FC236}">
+                <a16:creationId xmlns:a16="http://schemas.microsoft.com/office/drawing/2014/main" id="{FB63688E-FF28-D746-AC3D-3D2EFBDE0655}"/>
+              </a:ext>
+            </a:extLst>
+          </p:cNvPr>
+          <p:cNvSpPr/>
+          <p:nvPr/>
+        </p:nvSpPr>
+        <p:spPr>
+          <a:xfrm>
+            <a:off x="642258" y="1282632"/>
+            <a:ext cx="2008413" cy="1655634"/>
+          </a:xfrm>
+          <a:prstGeom prst="rect">
+            <a:avLst/>
+          </a:prstGeom>
+          <a:noFill/>
+          <a:ln>
+            <a:solidFill>
+              <a:schemeClr val="accent3"/>
+            </a:solidFill>
+            <a:prstDash val="dash"/>
+          </a:ln>
+        </p:spPr>
+        <p:style>
+          <a:lnRef idx="2">
+            <a:schemeClr val="accent1">
+              <a:shade val="50000"/>
+            </a:schemeClr>
+          </a:lnRef>
+          <a:fillRef idx="1">
+            <a:schemeClr val="accent1"/>
+          </a:fillRef>
+          <a:effectRef idx="0">
+            <a:schemeClr val="accent1"/>
+          </a:effectRef>
+          <a:fontRef idx="minor">
+            <a:schemeClr val="lt1"/>
+          </a:fontRef>
+        </p:style>
+        <p:txBody>
+          <a:bodyPr rtlCol="0" anchor="b"/>
+          <a:lstStyle/>
+          <a:p>
+            <a:pPr algn="ctr"/>
+            <a:r>
+              <a:rPr lang="en-US" sz="1200" dirty="0">
+                <a:solidFill>
+                  <a:schemeClr val="tx1"/>
+                </a:solidFill>
+              </a:rPr>
+              <a:t>Python</a:t>
+            </a:r>
+          </a:p>
+        </p:txBody>
+      </p:sp>
+      <p:sp>
+        <p:nvSpPr>
+          <p:cNvPr id="9" name="Rectangle 8">
+            <a:extLst>
+              <a:ext uri="{FF2B5EF4-FFF2-40B4-BE49-F238E27FC236}">
+                <a16:creationId xmlns:a16="http://schemas.microsoft.com/office/drawing/2014/main" id="{F1EEF6CD-0322-394A-87BF-5379FE8EE999}"/>
+              </a:ext>
+            </a:extLst>
+          </p:cNvPr>
+          <p:cNvSpPr/>
+          <p:nvPr/>
+        </p:nvSpPr>
+        <p:spPr>
+          <a:xfrm>
+            <a:off x="762000" y="1616527"/>
+            <a:ext cx="1703614" cy="914400"/>
+          </a:xfrm>
+          <a:prstGeom prst="rect">
+            <a:avLst/>
+          </a:prstGeom>
+          <a:solidFill>
+            <a:schemeClr val="accent5">
+              <a:lumMod val="75000"/>
+            </a:schemeClr>
+          </a:solidFill>
+        </p:spPr>
+        <p:style>
+          <a:lnRef idx="2">
+            <a:schemeClr val="accent1">
+              <a:shade val="50000"/>
+            </a:schemeClr>
+          </a:lnRef>
+          <a:fillRef idx="1">
+            <a:schemeClr val="accent1"/>
+          </a:fillRef>
+          <a:effectRef idx="0">
+            <a:schemeClr val="accent1"/>
+          </a:effectRef>
+          <a:fontRef idx="minor">
+            <a:schemeClr val="lt1"/>
+          </a:fontRef>
+        </p:style>
+        <p:txBody>
+          <a:bodyPr rtlCol="0" anchor="ctr"/>
+          <a:lstStyle/>
+          <a:p>
+            <a:pPr algn="ctr"/>
+            <a:r>
+              <a:rPr lang="en-US" sz="1400" dirty="0"/>
+              <a:t>Simulator</a:t>
+            </a:r>
+          </a:p>
+        </p:txBody>
+      </p:sp>
+      <p:sp>
+        <p:nvSpPr>
+          <p:cNvPr id="10" name="Rounded Rectangle 9">
+            <a:extLst>
+              <a:ext uri="{FF2B5EF4-FFF2-40B4-BE49-F238E27FC236}">
+                <a16:creationId xmlns:a16="http://schemas.microsoft.com/office/drawing/2014/main" id="{0BA597E7-00D6-7F44-9C30-03D1F5A01FB4}"/>
+              </a:ext>
+            </a:extLst>
+          </p:cNvPr>
+          <p:cNvSpPr/>
+          <p:nvPr/>
+        </p:nvSpPr>
+        <p:spPr bwMode="auto">
+          <a:xfrm>
+            <a:off x="2766994" y="4217859"/>
+            <a:ext cx="245561" cy="731512"/>
+          </a:xfrm>
+          <a:prstGeom prst="roundRect">
+            <a:avLst/>
+          </a:prstGeom>
+          <a:solidFill>
+            <a:schemeClr val="bg2"/>
+          </a:solidFill>
+          <a:ln>
+            <a:solidFill>
+              <a:schemeClr val="bg1"/>
+            </a:solidFill>
+            <a:prstDash val="solid"/>
+            <a:headEnd type="none" w="med" len="med"/>
+            <a:tailEnd type="none" w="med" len="med"/>
+          </a:ln>
+          <a:effectLst/>
+        </p:spPr>
+        <p:style>
+          <a:lnRef idx="1">
+            <a:schemeClr val="accent5"/>
+          </a:lnRef>
+          <a:fillRef idx="3">
+            <a:schemeClr val="accent5"/>
+          </a:fillRef>
+          <a:effectRef idx="2">
+            <a:schemeClr val="accent5"/>
+          </a:effectRef>
+          <a:fontRef idx="minor">
+            <a:schemeClr val="lt1"/>
+          </a:fontRef>
+        </p:style>
+        <p:txBody>
+          <a:bodyPr vert="horz" wrap="square" lIns="0" tIns="0" rIns="0" bIns="0" numCol="1" rtlCol="0" anchor="ctr" anchorCtr="0" compatLnSpc="1">
+            <a:prstTxWarp prst="textNoShape">
+              <a:avLst/>
+            </a:prstTxWarp>
+            <a:noAutofit/>
+          </a:bodyPr>
+          <a:lstStyle/>
+          <a:p>
+            <a:pPr algn="ctr" defTabSz="1219170" fontAlgn="base">
+              <a:lnSpc>
+                <a:spcPct val="90000"/>
+              </a:lnSpc>
+              <a:spcBef>
+                <a:spcPct val="0"/>
+              </a:spcBef>
+              <a:spcAft>
+                <a:spcPct val="0"/>
+              </a:spcAft>
+            </a:pPr>
+            <a:r>
+              <a:rPr lang="en-US" sz="1200" dirty="0">
+                <a:solidFill>
+                  <a:schemeClr val="bg1"/>
+                </a:solidFill>
+              </a:rPr>
+              <a:t>0</a:t>
+            </a:r>
+            <a:endParaRPr lang="en-US" sz="667" dirty="0">
+              <a:solidFill>
+                <a:schemeClr val="bg1"/>
+              </a:solidFill>
+            </a:endParaRPr>
+          </a:p>
+        </p:txBody>
+      </p:sp>
+      <p:sp>
+        <p:nvSpPr>
+          <p:cNvPr id="11" name="Rounded Rectangle 10">
+            <a:extLst>
+              <a:ext uri="{FF2B5EF4-FFF2-40B4-BE49-F238E27FC236}">
+                <a16:creationId xmlns:a16="http://schemas.microsoft.com/office/drawing/2014/main" id="{3F8CBAEE-0098-D148-A196-E5AD2B6787B8}"/>
+              </a:ext>
+            </a:extLst>
+          </p:cNvPr>
+          <p:cNvSpPr/>
+          <p:nvPr/>
+        </p:nvSpPr>
+        <p:spPr bwMode="auto">
+          <a:xfrm>
+            <a:off x="3010831" y="4217859"/>
+            <a:ext cx="245561" cy="731512"/>
+          </a:xfrm>
+          <a:prstGeom prst="roundRect">
+            <a:avLst/>
+          </a:prstGeom>
+          <a:solidFill>
+            <a:schemeClr val="bg2"/>
+          </a:solidFill>
+          <a:ln>
+            <a:solidFill>
+              <a:schemeClr val="bg1"/>
+            </a:solidFill>
+            <a:prstDash val="solid"/>
+            <a:headEnd type="none" w="med" len="med"/>
+            <a:tailEnd type="none" w="med" len="med"/>
+          </a:ln>
+          <a:effectLst/>
+        </p:spPr>
+        <p:style>
+          <a:lnRef idx="1">
+            <a:schemeClr val="accent5"/>
+          </a:lnRef>
+          <a:fillRef idx="3">
+            <a:schemeClr val="accent5"/>
+          </a:fillRef>
+          <a:effectRef idx="2">
+            <a:schemeClr val="accent5"/>
+          </a:effectRef>
+          <a:fontRef idx="minor">
+            <a:schemeClr val="lt1"/>
+          </a:fontRef>
+        </p:style>
+        <p:txBody>
+          <a:bodyPr vert="horz" wrap="square" lIns="0" tIns="0" rIns="0" bIns="0" numCol="1" rtlCol="0" anchor="ctr" anchorCtr="0" compatLnSpc="1">
+            <a:prstTxWarp prst="textNoShape">
+              <a:avLst/>
+            </a:prstTxWarp>
+            <a:noAutofit/>
+          </a:bodyPr>
+          <a:lstStyle/>
+          <a:p>
+            <a:pPr algn="ctr" defTabSz="1219170" fontAlgn="base">
+              <a:lnSpc>
+                <a:spcPct val="90000"/>
+              </a:lnSpc>
+              <a:spcBef>
+                <a:spcPct val="0"/>
+              </a:spcBef>
+              <a:spcAft>
+                <a:spcPct val="0"/>
+              </a:spcAft>
+            </a:pPr>
+            <a:r>
+              <a:rPr lang="en-US" sz="1200" dirty="0">
+                <a:solidFill>
+                  <a:schemeClr val="bg1"/>
+                </a:solidFill>
+              </a:rPr>
+              <a:t>1</a:t>
+            </a:r>
+            <a:endParaRPr lang="en-US" sz="667" dirty="0">
+              <a:solidFill>
+                <a:schemeClr val="bg1"/>
+              </a:solidFill>
+            </a:endParaRPr>
+          </a:p>
+        </p:txBody>
+      </p:sp>
+      <p:sp>
+        <p:nvSpPr>
+          <p:cNvPr id="12" name="Rounded Rectangle 11">
+            <a:extLst>
+              <a:ext uri="{FF2B5EF4-FFF2-40B4-BE49-F238E27FC236}">
+                <a16:creationId xmlns:a16="http://schemas.microsoft.com/office/drawing/2014/main" id="{F2989703-2F49-5647-B6D8-F7993E04EAE4}"/>
+              </a:ext>
+            </a:extLst>
+          </p:cNvPr>
+          <p:cNvSpPr/>
+          <p:nvPr/>
+        </p:nvSpPr>
+        <p:spPr bwMode="auto">
+          <a:xfrm>
+            <a:off x="3256393" y="4217859"/>
+            <a:ext cx="245561" cy="731512"/>
+          </a:xfrm>
+          <a:prstGeom prst="roundRect">
+            <a:avLst/>
+          </a:prstGeom>
+          <a:solidFill>
+            <a:schemeClr val="bg2"/>
+          </a:solidFill>
+          <a:ln>
+            <a:solidFill>
+              <a:schemeClr val="bg1"/>
+            </a:solidFill>
+            <a:prstDash val="solid"/>
+            <a:headEnd type="none" w="med" len="med"/>
+            <a:tailEnd type="none" w="med" len="med"/>
+          </a:ln>
+          <a:effectLst/>
+        </p:spPr>
+        <p:style>
+          <a:lnRef idx="1">
+            <a:schemeClr val="accent5"/>
+          </a:lnRef>
+          <a:fillRef idx="3">
+            <a:schemeClr val="accent5"/>
+          </a:fillRef>
+          <a:effectRef idx="2">
+            <a:schemeClr val="accent5"/>
+          </a:effectRef>
+          <a:fontRef idx="minor">
+            <a:schemeClr val="lt1"/>
+          </a:fontRef>
+        </p:style>
+        <p:txBody>
+          <a:bodyPr vert="horz" wrap="square" lIns="0" tIns="0" rIns="0" bIns="0" numCol="1" rtlCol="0" anchor="ctr" anchorCtr="0" compatLnSpc="1">
+            <a:prstTxWarp prst="textNoShape">
+              <a:avLst/>
+            </a:prstTxWarp>
+            <a:noAutofit/>
+          </a:bodyPr>
+          <a:lstStyle/>
+          <a:p>
+            <a:pPr algn="ctr" defTabSz="1219170" fontAlgn="base">
+              <a:lnSpc>
+                <a:spcPct val="90000"/>
+              </a:lnSpc>
+              <a:spcBef>
+                <a:spcPct val="0"/>
+              </a:spcBef>
+              <a:spcAft>
+                <a:spcPct val="0"/>
+              </a:spcAft>
+            </a:pPr>
+            <a:r>
+              <a:rPr lang="en-US" sz="1200" dirty="0">
+                <a:solidFill>
+                  <a:schemeClr val="bg1"/>
+                </a:solidFill>
+              </a:rPr>
+              <a:t>2</a:t>
+            </a:r>
+            <a:endParaRPr lang="en-US" sz="667" dirty="0">
+              <a:solidFill>
+                <a:schemeClr val="bg1"/>
+              </a:solidFill>
+            </a:endParaRPr>
+          </a:p>
+        </p:txBody>
+      </p:sp>
+      <p:sp>
+        <p:nvSpPr>
+          <p:cNvPr id="13" name="Rounded Rectangle 12">
+            <a:extLst>
+              <a:ext uri="{FF2B5EF4-FFF2-40B4-BE49-F238E27FC236}">
+                <a16:creationId xmlns:a16="http://schemas.microsoft.com/office/drawing/2014/main" id="{54F04F52-1698-E54E-8D5D-3991A0424611}"/>
+              </a:ext>
+            </a:extLst>
+          </p:cNvPr>
+          <p:cNvSpPr/>
+          <p:nvPr/>
+        </p:nvSpPr>
+        <p:spPr bwMode="auto">
+          <a:xfrm>
+            <a:off x="3500230" y="4217859"/>
+            <a:ext cx="245561" cy="731512"/>
+          </a:xfrm>
+          <a:prstGeom prst="roundRect">
+            <a:avLst/>
+          </a:prstGeom>
+          <a:solidFill>
+            <a:schemeClr val="bg2"/>
+          </a:solidFill>
+          <a:ln>
+            <a:solidFill>
+              <a:schemeClr val="bg1"/>
+            </a:solidFill>
+            <a:prstDash val="solid"/>
+            <a:headEnd type="none" w="med" len="med"/>
+            <a:tailEnd type="none" w="med" len="med"/>
+          </a:ln>
+          <a:effectLst/>
+        </p:spPr>
+        <p:style>
+          <a:lnRef idx="1">
+            <a:schemeClr val="accent5"/>
+          </a:lnRef>
+          <a:fillRef idx="3">
+            <a:schemeClr val="accent5"/>
+          </a:fillRef>
+          <a:effectRef idx="2">
+            <a:schemeClr val="accent5"/>
+          </a:effectRef>
+          <a:fontRef idx="minor">
+            <a:schemeClr val="lt1"/>
+          </a:fontRef>
+        </p:style>
+        <p:txBody>
+          <a:bodyPr vert="horz" wrap="square" lIns="0" tIns="0" rIns="0" bIns="0" numCol="1" rtlCol="0" anchor="ctr" anchorCtr="0" compatLnSpc="1">
+            <a:prstTxWarp prst="textNoShape">
+              <a:avLst/>
+            </a:prstTxWarp>
+            <a:noAutofit/>
+          </a:bodyPr>
+          <a:lstStyle/>
+          <a:p>
+            <a:pPr algn="ctr" defTabSz="1219170" fontAlgn="base">
+              <a:lnSpc>
+                <a:spcPct val="90000"/>
+              </a:lnSpc>
+              <a:spcBef>
+                <a:spcPct val="0"/>
+              </a:spcBef>
+              <a:spcAft>
+                <a:spcPct val="0"/>
+              </a:spcAft>
+            </a:pPr>
+            <a:r>
+              <a:rPr lang="en-US" sz="1200" dirty="0">
+                <a:solidFill>
+                  <a:schemeClr val="bg1"/>
+                </a:solidFill>
+              </a:rPr>
+              <a:t>3</a:t>
+            </a:r>
+            <a:endParaRPr lang="en-US" sz="667" dirty="0">
+              <a:solidFill>
+                <a:schemeClr val="bg1"/>
+              </a:solidFill>
+            </a:endParaRPr>
+          </a:p>
+        </p:txBody>
+      </p:sp>
+      <p:sp>
+        <p:nvSpPr>
+          <p:cNvPr id="14" name="Rounded Rectangle 13">
+            <a:extLst>
+              <a:ext uri="{FF2B5EF4-FFF2-40B4-BE49-F238E27FC236}">
+                <a16:creationId xmlns:a16="http://schemas.microsoft.com/office/drawing/2014/main" id="{3890F22B-7831-CC45-9E84-2F465C403BBE}"/>
+              </a:ext>
+            </a:extLst>
+          </p:cNvPr>
+          <p:cNvSpPr/>
+          <p:nvPr/>
+        </p:nvSpPr>
+        <p:spPr bwMode="auto">
+          <a:xfrm>
+            <a:off x="3745791" y="4217859"/>
+            <a:ext cx="245561" cy="731512"/>
+          </a:xfrm>
+          <a:prstGeom prst="roundRect">
+            <a:avLst/>
+          </a:prstGeom>
+          <a:solidFill>
+            <a:schemeClr val="bg2"/>
+          </a:solidFill>
+          <a:ln>
+            <a:solidFill>
+              <a:schemeClr val="bg1"/>
+            </a:solidFill>
+            <a:prstDash val="solid"/>
+            <a:headEnd type="none" w="med" len="med"/>
+            <a:tailEnd type="none" w="med" len="med"/>
+          </a:ln>
+          <a:effectLst/>
+        </p:spPr>
+        <p:style>
+          <a:lnRef idx="1">
+            <a:schemeClr val="accent5"/>
+          </a:lnRef>
+          <a:fillRef idx="3">
+            <a:schemeClr val="accent5"/>
+          </a:fillRef>
+          <a:effectRef idx="2">
+            <a:schemeClr val="accent5"/>
+          </a:effectRef>
+          <a:fontRef idx="minor">
+            <a:schemeClr val="lt1"/>
+          </a:fontRef>
+        </p:style>
+        <p:txBody>
+          <a:bodyPr vert="horz" wrap="square" lIns="0" tIns="0" rIns="0" bIns="0" numCol="1" rtlCol="0" anchor="ctr" anchorCtr="0" compatLnSpc="1">
+            <a:prstTxWarp prst="textNoShape">
+              <a:avLst/>
+            </a:prstTxWarp>
+            <a:noAutofit/>
+          </a:bodyPr>
+          <a:lstStyle/>
+          <a:p>
+            <a:pPr algn="ctr" defTabSz="1219170" fontAlgn="base">
+              <a:lnSpc>
+                <a:spcPct val="90000"/>
+              </a:lnSpc>
+              <a:spcBef>
+                <a:spcPct val="0"/>
+              </a:spcBef>
+              <a:spcAft>
+                <a:spcPct val="0"/>
+              </a:spcAft>
+            </a:pPr>
+            <a:r>
+              <a:rPr lang="en-US" sz="1200" dirty="0">
+                <a:solidFill>
+                  <a:schemeClr val="bg1"/>
+                </a:solidFill>
+              </a:rPr>
+              <a:t>4</a:t>
+            </a:r>
+            <a:endParaRPr lang="en-US" sz="667" dirty="0">
+              <a:solidFill>
+                <a:schemeClr val="bg1"/>
+              </a:solidFill>
+            </a:endParaRPr>
+          </a:p>
+        </p:txBody>
+      </p:sp>
+      <p:sp>
+        <p:nvSpPr>
+          <p:cNvPr id="15" name="Rounded Rectangle 14">
+            <a:extLst>
+              <a:ext uri="{FF2B5EF4-FFF2-40B4-BE49-F238E27FC236}">
+                <a16:creationId xmlns:a16="http://schemas.microsoft.com/office/drawing/2014/main" id="{EED12008-2192-5048-99A3-CAFBD4DFB3A8}"/>
+              </a:ext>
+            </a:extLst>
+          </p:cNvPr>
+          <p:cNvSpPr/>
+          <p:nvPr/>
+        </p:nvSpPr>
+        <p:spPr bwMode="auto">
+          <a:xfrm>
+            <a:off x="3976587" y="4217859"/>
+            <a:ext cx="245561" cy="731512"/>
+          </a:xfrm>
+          <a:prstGeom prst="roundRect">
+            <a:avLst/>
+          </a:prstGeom>
+          <a:solidFill>
+            <a:schemeClr val="bg2"/>
+          </a:solidFill>
+          <a:ln>
+            <a:solidFill>
+              <a:schemeClr val="bg1"/>
+            </a:solidFill>
+            <a:prstDash val="solid"/>
+            <a:headEnd type="none" w="med" len="med"/>
+            <a:tailEnd type="none" w="med" len="med"/>
+          </a:ln>
+          <a:effectLst/>
+        </p:spPr>
+        <p:style>
+          <a:lnRef idx="1">
+            <a:schemeClr val="accent5"/>
+          </a:lnRef>
+          <a:fillRef idx="3">
+            <a:schemeClr val="accent5"/>
+          </a:fillRef>
+          <a:effectRef idx="2">
+            <a:schemeClr val="accent5"/>
+          </a:effectRef>
+          <a:fontRef idx="minor">
+            <a:schemeClr val="lt1"/>
+          </a:fontRef>
+        </p:style>
+        <p:txBody>
+          <a:bodyPr vert="horz" wrap="square" lIns="0" tIns="0" rIns="0" bIns="0" numCol="1" rtlCol="0" anchor="ctr" anchorCtr="0" compatLnSpc="1">
+            <a:prstTxWarp prst="textNoShape">
+              <a:avLst/>
+            </a:prstTxWarp>
+            <a:noAutofit/>
+          </a:bodyPr>
+          <a:lstStyle/>
+          <a:p>
+            <a:pPr algn="ctr" defTabSz="1219170" fontAlgn="base">
+              <a:lnSpc>
+                <a:spcPct val="90000"/>
+              </a:lnSpc>
+              <a:spcBef>
+                <a:spcPct val="0"/>
+              </a:spcBef>
+              <a:spcAft>
+                <a:spcPct val="0"/>
+              </a:spcAft>
+            </a:pPr>
+            <a:r>
+              <a:rPr lang="en-US" sz="1200" dirty="0">
+                <a:solidFill>
+                  <a:schemeClr val="bg1"/>
+                </a:solidFill>
+              </a:rPr>
+              <a:t>5</a:t>
+            </a:r>
+            <a:endParaRPr lang="en-US" sz="667" dirty="0">
+              <a:solidFill>
+                <a:schemeClr val="bg1"/>
+              </a:solidFill>
+            </a:endParaRPr>
+          </a:p>
+        </p:txBody>
+      </p:sp>
+      <p:sp>
+        <p:nvSpPr>
+          <p:cNvPr id="18" name="AutoShape 4">
+            <a:extLst>
+              <a:ext uri="{FF2B5EF4-FFF2-40B4-BE49-F238E27FC236}">
+                <a16:creationId xmlns:a16="http://schemas.microsoft.com/office/drawing/2014/main" id="{CDC99AA8-3A32-6E4A-99DE-489E3056BAE3}"/>
+              </a:ext>
+            </a:extLst>
+          </p:cNvPr>
+          <p:cNvSpPr>
+            <a:spLocks noChangeArrowheads="1"/>
+          </p:cNvSpPr>
+          <p:nvPr/>
+        </p:nvSpPr>
+        <p:spPr bwMode="auto">
+          <a:xfrm>
+            <a:off x="1899331" y="3925562"/>
+            <a:ext cx="3513917" cy="1348479"/>
+          </a:xfrm>
+          <a:prstGeom prst="roundRect">
+            <a:avLst>
+              <a:gd name="adj" fmla="val 7117"/>
+            </a:avLst>
+          </a:prstGeom>
+          <a:noFill/>
+          <a:ln w="12700">
+            <a:solidFill>
+              <a:schemeClr val="accent3"/>
+            </a:solidFill>
+            <a:prstDash val="dash"/>
+            <a:round/>
+            <a:headEnd/>
+            <a:tailEnd/>
+          </a:ln>
+        </p:spPr>
+        <p:txBody>
+          <a:bodyPr lIns="0" tIns="0" rIns="0" bIns="0" anchor="b" anchorCtr="1"/>
+          <a:lstStyle/>
+          <a:p>
+            <a:pPr algn="ctr"/>
+            <a:endParaRPr lang="en-US" sz="1333" dirty="0"/>
+          </a:p>
+        </p:txBody>
+      </p:sp>
+      <p:sp>
+        <p:nvSpPr>
+          <p:cNvPr id="20" name="TextBox 19">
+            <a:extLst>
+              <a:ext uri="{FF2B5EF4-FFF2-40B4-BE49-F238E27FC236}">
+                <a16:creationId xmlns:a16="http://schemas.microsoft.com/office/drawing/2014/main" id="{DBB9557F-8237-544F-8483-B618ED14A2EB}"/>
+              </a:ext>
+            </a:extLst>
+          </p:cNvPr>
+          <p:cNvSpPr txBox="1"/>
+          <p:nvPr/>
+        </p:nvSpPr>
+        <p:spPr>
+          <a:xfrm>
+            <a:off x="2700397" y="4904710"/>
+            <a:ext cx="1967270" cy="369332"/>
+          </a:xfrm>
+          <a:prstGeom prst="rect">
+            <a:avLst/>
+          </a:prstGeom>
+          <a:noFill/>
+        </p:spPr>
+        <p:txBody>
+          <a:bodyPr wrap="none" rtlCol="0">
+            <a:spAutoFit/>
+          </a:bodyPr>
+          <a:lstStyle/>
+          <a:p>
+            <a:r>
+              <a:rPr lang="en-US" dirty="0">
+                <a:solidFill>
+                  <a:schemeClr val="accent1">
+                    <a:lumMod val="25000"/>
+                  </a:schemeClr>
+                </a:solidFill>
+              </a:rPr>
+              <a:t>reeferTelemetries</a:t>
+            </a:r>
+          </a:p>
+        </p:txBody>
+      </p:sp>
+      <p:pic>
+        <p:nvPicPr>
+          <p:cNvPr id="22" name="Picture 21">
+            <a:extLst>
+              <a:ext uri="{FF2B5EF4-FFF2-40B4-BE49-F238E27FC236}">
+                <a16:creationId xmlns:a16="http://schemas.microsoft.com/office/drawing/2014/main" id="{1B16228E-748D-5644-91F6-79288C7462BE}"/>
+              </a:ext>
+            </a:extLst>
+          </p:cNvPr>
+          <p:cNvPicPr>
+            <a:picLocks noChangeAspect="1"/>
+          </p:cNvPicPr>
+          <p:nvPr/>
+        </p:nvPicPr>
+        <p:blipFill>
+          <a:blip r:embed="rId2">
+            <a:extLst>
+              <a:ext uri="{28A0092B-C50C-407E-A947-70E740481C1C}">
+                <a14:useLocalDpi xmlns:a14="http://schemas.microsoft.com/office/drawing/2010/main" val="0"/>
+              </a:ext>
+            </a:extLst>
+          </a:blip>
+          <a:stretch>
+            <a:fillRect/>
+          </a:stretch>
+        </p:blipFill>
+        <p:spPr>
+          <a:xfrm>
+            <a:off x="1904609" y="3930860"/>
+            <a:ext cx="523018" cy="690721"/>
+          </a:xfrm>
+          <a:prstGeom prst="rect">
+            <a:avLst/>
+          </a:prstGeom>
+        </p:spPr>
+      </p:pic>
+      <p:pic>
+        <p:nvPicPr>
+          <p:cNvPr id="24" name="Picture 40">
+            <a:extLst>
+              <a:ext uri="{FF2B5EF4-FFF2-40B4-BE49-F238E27FC236}">
+                <a16:creationId xmlns:a16="http://schemas.microsoft.com/office/drawing/2014/main" id="{E8EEB410-07EC-D848-92F0-6380D4A64C59}"/>
+              </a:ext>
+            </a:extLst>
+          </p:cNvPr>
+          <p:cNvPicPr>
+            <a:picLocks noChangeAspect="1"/>
+          </p:cNvPicPr>
+          <p:nvPr/>
+        </p:nvPicPr>
+        <p:blipFill>
+          <a:blip r:embed="rId3">
+            <a:extLst>
+              <a:ext uri="{28A0092B-C50C-407E-A947-70E740481C1C}">
+                <a14:useLocalDpi xmlns:a14="http://schemas.microsoft.com/office/drawing/2010/main" val="0"/>
+              </a:ext>
+            </a:extLst>
+          </a:blip>
+          <a:srcRect/>
+          <a:stretch>
+            <a:fillRect/>
+          </a:stretch>
+        </p:blipFill>
+        <p:spPr bwMode="auto">
+          <a:xfrm>
+            <a:off x="1366480" y="5093585"/>
+            <a:ext cx="1099134" cy="407338"/>
+          </a:xfrm>
+          <a:prstGeom prst="rect">
+            <a:avLst/>
+          </a:prstGeom>
+          <a:noFill/>
+          <a:ln>
+            <a:noFill/>
+          </a:ln>
+          <a:extLst>
+            <a:ext uri="{909E8E84-426E-40DD-AFC4-6F175D3DCCD1}">
+              <a14:hiddenFill xmlns:a14="http://schemas.microsoft.com/office/drawing/2010/main">
+                <a:solidFill>
+                  <a:srgbClr val="FFFFFF"/>
+                </a:solidFill>
+              </a14:hiddenFill>
+            </a:ext>
+            <a:ext uri="{91240B29-F687-4F45-9708-019B960494DF}">
+              <a14:hiddenLine xmlns:a14="http://schemas.microsoft.com/office/drawing/2010/main" w="9525">
+                <a:solidFill>
+                  <a:srgbClr val="000000"/>
+                </a:solidFill>
+                <a:miter lim="800000"/>
+                <a:headEnd/>
+                <a:tailEnd/>
+              </a14:hiddenLine>
+            </a:ext>
+          </a:extLst>
+        </p:spPr>
+      </p:pic>
+      <p:pic>
+        <p:nvPicPr>
+          <p:cNvPr id="25" name="Picture 40">
+            <a:extLst>
+              <a:ext uri="{FF2B5EF4-FFF2-40B4-BE49-F238E27FC236}">
+                <a16:creationId xmlns:a16="http://schemas.microsoft.com/office/drawing/2014/main" id="{6CF0C2DA-CD62-0F4A-B6D7-15B98EF785FA}"/>
+              </a:ext>
+            </a:extLst>
+          </p:cNvPr>
+          <p:cNvPicPr>
+            <a:picLocks noChangeAspect="1"/>
+          </p:cNvPicPr>
+          <p:nvPr/>
+        </p:nvPicPr>
+        <p:blipFill>
+          <a:blip r:embed="rId3">
+            <a:extLst>
+              <a:ext uri="{28A0092B-C50C-407E-A947-70E740481C1C}">
+                <a14:useLocalDpi xmlns:a14="http://schemas.microsoft.com/office/drawing/2010/main" val="0"/>
+              </a:ext>
+            </a:extLst>
+          </a:blip>
+          <a:srcRect/>
+          <a:stretch>
+            <a:fillRect/>
+          </a:stretch>
+        </p:blipFill>
+        <p:spPr bwMode="auto">
+          <a:xfrm>
+            <a:off x="116601" y="2734597"/>
+            <a:ext cx="1099134" cy="407338"/>
+          </a:xfrm>
+          <a:prstGeom prst="rect">
+            <a:avLst/>
+          </a:prstGeom>
+          <a:noFill/>
+          <a:ln>
+            <a:noFill/>
+          </a:ln>
+          <a:extLst>
+            <a:ext uri="{909E8E84-426E-40DD-AFC4-6F175D3DCCD1}">
+              <a14:hiddenFill xmlns:a14="http://schemas.microsoft.com/office/drawing/2010/main">
+                <a:solidFill>
+                  <a:srgbClr val="FFFFFF"/>
+                </a:solidFill>
+              </a14:hiddenFill>
+            </a:ext>
+            <a:ext uri="{91240B29-F687-4F45-9708-019B960494DF}">
+              <a14:hiddenLine xmlns:a14="http://schemas.microsoft.com/office/drawing/2010/main" w="9525">
+                <a:solidFill>
+                  <a:srgbClr val="000000"/>
+                </a:solidFill>
+                <a:miter lim="800000"/>
+                <a:headEnd/>
+                <a:tailEnd/>
+              </a14:hiddenLine>
+            </a:ext>
+          </a:extLst>
+        </p:spPr>
+      </p:pic>
+      <p:sp>
+        <p:nvSpPr>
+          <p:cNvPr id="27" name="Rounded Rectangle 26">
+            <a:extLst>
+              <a:ext uri="{FF2B5EF4-FFF2-40B4-BE49-F238E27FC236}">
+                <a16:creationId xmlns:a16="http://schemas.microsoft.com/office/drawing/2014/main" id="{E472D71D-D4D6-9743-8082-F5CD0C08D2B8}"/>
+              </a:ext>
+            </a:extLst>
+          </p:cNvPr>
+          <p:cNvSpPr/>
+          <p:nvPr/>
+        </p:nvSpPr>
+        <p:spPr>
+          <a:xfrm>
+            <a:off x="6455197" y="1357868"/>
+            <a:ext cx="1749097" cy="373542"/>
+          </a:xfrm>
+          <a:prstGeom prst="roundRect">
+            <a:avLst>
+              <a:gd name="adj" fmla="val 9717"/>
+            </a:avLst>
+          </a:prstGeom>
+          <a:noFill/>
+          <a:ln w="12700">
+            <a:solidFill>
+              <a:schemeClr val="tx2">
+                <a:lumMod val="50000"/>
+              </a:schemeClr>
+            </a:solidFill>
+          </a:ln>
+          <a:effectLst/>
+        </p:spPr>
+        <p:style>
+          <a:lnRef idx="1">
+            <a:schemeClr val="dk1"/>
+          </a:lnRef>
+          <a:fillRef idx="2">
+            <a:schemeClr val="dk1"/>
+          </a:fillRef>
+          <a:effectRef idx="1">
+            <a:schemeClr val="dk1"/>
+          </a:effectRef>
+          <a:fontRef idx="minor">
+            <a:schemeClr val="dk1"/>
+          </a:fontRef>
+        </p:style>
+        <p:txBody>
+          <a:bodyPr rot="0" spcFirstLastPara="0" vertOverflow="overflow" horzOverflow="overflow" vert="horz" wrap="square" lIns="0" tIns="0" rIns="0" bIns="0" numCol="1" spcCol="0" rtlCol="0" fromWordArt="0" anchor="t" anchorCtr="0" forceAA="0" compatLnSpc="1">
+            <a:prstTxWarp prst="textNoShape">
+              <a:avLst/>
+            </a:prstTxWarp>
+            <a:noAutofit/>
+          </a:bodyPr>
+          <a:lstStyle/>
+          <a:p>
+            <a:r>
+              <a:rPr lang="en-US" sz="1200" baseline="0" dirty="0">
+                <a:solidFill>
+                  <a:schemeClr val="tx1"/>
+                </a:solidFill>
+                <a:latin typeface="IBM Plex Sans" panose="020B0503050203000203" pitchFamily="34" charset="77"/>
+                <a:cs typeface="Arial"/>
+              </a:rPr>
+              <a:t>Kafka Consumer</a:t>
+            </a:r>
+          </a:p>
+        </p:txBody>
+      </p:sp>
+      <p:cxnSp>
+        <p:nvCxnSpPr>
+          <p:cNvPr id="46" name="Elbow Connector 45">
+            <a:extLst>
+              <a:ext uri="{FF2B5EF4-FFF2-40B4-BE49-F238E27FC236}">
+                <a16:creationId xmlns:a16="http://schemas.microsoft.com/office/drawing/2014/main" id="{B815F1F6-8EC9-A547-951A-6A6BA26A1B3E}"/>
+              </a:ext>
+            </a:extLst>
+          </p:cNvPr>
+          <p:cNvCxnSpPr>
+            <a:stCxn id="9" idx="3"/>
+            <a:endCxn id="15" idx="0"/>
+          </p:cNvCxnSpPr>
+          <p:nvPr/>
+        </p:nvCxnSpPr>
+        <p:spPr>
+          <a:xfrm>
+            <a:off x="2465614" y="2073727"/>
+            <a:ext cx="1633754" cy="2144132"/>
+          </a:xfrm>
+          <a:prstGeom prst="bentConnector2">
+            <a:avLst/>
+          </a:prstGeom>
+          <a:ln>
+            <a:solidFill>
+              <a:schemeClr val="accent6"/>
+            </a:solidFill>
+            <a:tailEnd type="triangle"/>
+          </a:ln>
+          <a:effectLst/>
+        </p:spPr>
+        <p:style>
+          <a:lnRef idx="2">
+            <a:schemeClr val="accent1"/>
+          </a:lnRef>
+          <a:fillRef idx="0">
+            <a:schemeClr val="accent1"/>
+          </a:fillRef>
+          <a:effectRef idx="1">
+            <a:schemeClr val="accent1"/>
+          </a:effectRef>
+          <a:fontRef idx="minor">
+            <a:schemeClr val="tx1"/>
+          </a:fontRef>
+        </p:style>
+      </p:cxnSp>
+      <p:sp>
+        <p:nvSpPr>
+          <p:cNvPr id="59" name="Can 58">
+            <a:extLst>
+              <a:ext uri="{FF2B5EF4-FFF2-40B4-BE49-F238E27FC236}">
+                <a16:creationId xmlns:a16="http://schemas.microsoft.com/office/drawing/2014/main" id="{BF8D5F17-7886-6A49-A326-AB3283F367DA}"/>
+              </a:ext>
+            </a:extLst>
+          </p:cNvPr>
+          <p:cNvSpPr/>
+          <p:nvPr/>
+        </p:nvSpPr>
+        <p:spPr>
+          <a:xfrm>
+            <a:off x="6215189" y="3898535"/>
+            <a:ext cx="895875" cy="695584"/>
+          </a:xfrm>
+          <a:prstGeom prst="can">
+            <a:avLst/>
+          </a:prstGeom>
+          <a:solidFill>
+            <a:schemeClr val="accent5">
+              <a:lumMod val="75000"/>
+            </a:schemeClr>
+          </a:solidFill>
+          <a:ln>
+            <a:noFill/>
+          </a:ln>
+        </p:spPr>
+        <p:style>
+          <a:lnRef idx="2">
+            <a:schemeClr val="accent1">
+              <a:shade val="50000"/>
+            </a:schemeClr>
+          </a:lnRef>
+          <a:fillRef idx="1">
+            <a:schemeClr val="accent1"/>
+          </a:fillRef>
+          <a:effectRef idx="0">
+            <a:schemeClr val="accent1"/>
+          </a:effectRef>
+          <a:fontRef idx="minor">
+            <a:schemeClr val="lt1"/>
+          </a:fontRef>
+        </p:style>
+        <p:txBody>
+          <a:bodyPr rtlCol="0" anchor="ctr"/>
+          <a:lstStyle/>
+          <a:p>
+            <a:pPr algn="ctr"/>
+            <a:r>
+              <a:rPr lang="en-US" sz="1000" dirty="0"/>
+              <a:t>Reefers Inventory</a:t>
+            </a:r>
+          </a:p>
+        </p:txBody>
+      </p:sp>
+      <p:cxnSp>
+        <p:nvCxnSpPr>
+          <p:cNvPr id="71" name="Elbow Connector 70">
+            <a:extLst>
+              <a:ext uri="{FF2B5EF4-FFF2-40B4-BE49-F238E27FC236}">
+                <a16:creationId xmlns:a16="http://schemas.microsoft.com/office/drawing/2014/main" id="{9B3950A4-1025-DB48-B886-5945ADD35206}"/>
+              </a:ext>
+            </a:extLst>
+          </p:cNvPr>
+          <p:cNvCxnSpPr>
+            <a:cxnSpLocks/>
+            <a:stCxn id="27" idx="1"/>
+            <a:endCxn id="10" idx="0"/>
+          </p:cNvCxnSpPr>
+          <p:nvPr/>
+        </p:nvCxnSpPr>
+        <p:spPr>
+          <a:xfrm rot="10800000" flipV="1">
+            <a:off x="2889775" y="1544639"/>
+            <a:ext cx="3565422" cy="2673220"/>
+          </a:xfrm>
+          <a:prstGeom prst="bentConnector2">
+            <a:avLst/>
+          </a:prstGeom>
+          <a:ln>
+            <a:solidFill>
+              <a:srgbClr val="7030A0"/>
+            </a:solidFill>
+            <a:tailEnd type="triangle"/>
+          </a:ln>
+          <a:effectLst/>
+        </p:spPr>
+        <p:style>
+          <a:lnRef idx="2">
+            <a:schemeClr val="accent1"/>
+          </a:lnRef>
+          <a:fillRef idx="0">
+            <a:schemeClr val="accent1"/>
+          </a:fillRef>
+          <a:effectRef idx="1">
+            <a:schemeClr val="accent1"/>
+          </a:effectRef>
+          <a:fontRef idx="minor">
+            <a:schemeClr val="tx1"/>
+          </a:fontRef>
+        </p:style>
+      </p:cxnSp>
+      <p:sp>
+        <p:nvSpPr>
+          <p:cNvPr id="45" name="Rounded Rectangle 44">
+            <a:extLst>
+              <a:ext uri="{FF2B5EF4-FFF2-40B4-BE49-F238E27FC236}">
+                <a16:creationId xmlns:a16="http://schemas.microsoft.com/office/drawing/2014/main" id="{F495E1A9-5EC6-5446-ACF5-3911A287BB83}"/>
+              </a:ext>
+            </a:extLst>
+          </p:cNvPr>
+          <p:cNvSpPr/>
+          <p:nvPr/>
+        </p:nvSpPr>
+        <p:spPr>
+          <a:xfrm>
+            <a:off x="6478199" y="1913633"/>
+            <a:ext cx="1749097" cy="373542"/>
+          </a:xfrm>
+          <a:prstGeom prst="roundRect">
+            <a:avLst>
+              <a:gd name="adj" fmla="val 9717"/>
+            </a:avLst>
+          </a:prstGeom>
+          <a:noFill/>
+          <a:ln w="12700">
+            <a:solidFill>
+              <a:schemeClr val="tx2">
+                <a:lumMod val="50000"/>
+              </a:schemeClr>
+            </a:solidFill>
+          </a:ln>
+          <a:effectLst/>
+        </p:spPr>
+        <p:style>
+          <a:lnRef idx="1">
+            <a:schemeClr val="dk1"/>
+          </a:lnRef>
+          <a:fillRef idx="2">
+            <a:schemeClr val="dk1"/>
+          </a:fillRef>
+          <a:effectRef idx="1">
+            <a:schemeClr val="dk1"/>
+          </a:effectRef>
+          <a:fontRef idx="minor">
+            <a:schemeClr val="dk1"/>
+          </a:fontRef>
+        </p:style>
+        <p:txBody>
+          <a:bodyPr rot="0" spcFirstLastPara="0" vertOverflow="overflow" horzOverflow="overflow" vert="horz" wrap="square" lIns="0" tIns="0" rIns="0" bIns="0" numCol="1" spcCol="0" rtlCol="0" fromWordArt="0" anchor="t" anchorCtr="0" forceAA="0" compatLnSpc="1">
+            <a:prstTxWarp prst="textNoShape">
+              <a:avLst/>
+            </a:prstTxWarp>
+            <a:noAutofit/>
+          </a:bodyPr>
+          <a:lstStyle/>
+          <a:p>
+            <a:r>
+              <a:rPr lang="en-US" sz="1200" baseline="0" dirty="0">
+                <a:solidFill>
+                  <a:schemeClr val="tx1"/>
+                </a:solidFill>
+                <a:latin typeface="IBM Plex Sans" panose="020B0503050203000203" pitchFamily="34" charset="77"/>
+                <a:cs typeface="Arial"/>
+              </a:rPr>
+              <a:t>Pandas DF</a:t>
+            </a:r>
+          </a:p>
+        </p:txBody>
+      </p:sp>
+      <p:sp>
+        <p:nvSpPr>
+          <p:cNvPr id="23" name="Can 22">
+            <a:extLst>
+              <a:ext uri="{FF2B5EF4-FFF2-40B4-BE49-F238E27FC236}">
+                <a16:creationId xmlns:a16="http://schemas.microsoft.com/office/drawing/2014/main" id="{E1EF536B-5978-0D45-B1D4-059E49B20183}"/>
+              </a:ext>
+            </a:extLst>
+          </p:cNvPr>
+          <p:cNvSpPr/>
+          <p:nvPr/>
+        </p:nvSpPr>
+        <p:spPr>
+          <a:xfrm>
+            <a:off x="7223460" y="3898535"/>
+            <a:ext cx="895875" cy="695584"/>
+          </a:xfrm>
+          <a:prstGeom prst="can">
+            <a:avLst/>
+          </a:prstGeom>
+          <a:solidFill>
+            <a:schemeClr val="accent5">
+              <a:lumMod val="75000"/>
+            </a:schemeClr>
+          </a:solidFill>
+          <a:ln>
+            <a:noFill/>
+          </a:ln>
+        </p:spPr>
+        <p:style>
+          <a:lnRef idx="2">
+            <a:schemeClr val="accent1">
+              <a:shade val="50000"/>
+            </a:schemeClr>
+          </a:lnRef>
+          <a:fillRef idx="1">
+            <a:schemeClr val="accent1"/>
+          </a:fillRef>
+          <a:effectRef idx="0">
+            <a:schemeClr val="accent1"/>
+          </a:effectRef>
+          <a:fontRef idx="minor">
+            <a:schemeClr val="lt1"/>
+          </a:fontRef>
+        </p:style>
+        <p:txBody>
+          <a:bodyPr rtlCol="0" anchor="ctr"/>
+          <a:lstStyle/>
+          <a:p>
+            <a:pPr algn="ctr"/>
+            <a:r>
+              <a:rPr lang="en-US" sz="1000" dirty="0"/>
+              <a:t>Products</a:t>
+            </a:r>
+          </a:p>
+        </p:txBody>
+      </p:sp>
+      <p:pic>
+        <p:nvPicPr>
+          <p:cNvPr id="26" name="Picture 25">
+            <a:extLst>
+              <a:ext uri="{FF2B5EF4-FFF2-40B4-BE49-F238E27FC236}">
+                <a16:creationId xmlns:a16="http://schemas.microsoft.com/office/drawing/2014/main" id="{509913A5-E445-C54D-8C8A-64EA88153B4B}"/>
+              </a:ext>
+            </a:extLst>
+          </p:cNvPr>
+          <p:cNvPicPr>
+            <a:picLocks noChangeAspect="1"/>
+          </p:cNvPicPr>
+          <p:nvPr/>
+        </p:nvPicPr>
+        <p:blipFill>
+          <a:blip r:embed="rId4"/>
+          <a:stretch>
+            <a:fillRect/>
+          </a:stretch>
+        </p:blipFill>
+        <p:spPr>
+          <a:xfrm>
+            <a:off x="8048469" y="4322790"/>
+            <a:ext cx="638156" cy="680700"/>
+          </a:xfrm>
+          <a:prstGeom prst="rect">
+            <a:avLst/>
+          </a:prstGeom>
+        </p:spPr>
+      </p:pic>
+    </p:spTree>
+    <p:extLst>
+      <p:ext uri="{BB962C8B-B14F-4D97-AF65-F5344CB8AC3E}">
+        <p14:creationId xmlns:p14="http://schemas.microsoft.com/office/powerpoint/2010/main" val="187512266"/>
+      </p:ext>
+    </p:extLst>
+  </p:cSld>
+  <p:clrMapOvr>
+    <a:masterClrMapping/>
+  </p:clrMapOvr>
+</p:sld>
+</file>
+
 <file path=ppt/slides/slide2.xml><?xml version="1.0" encoding="utf-8"?>
 <p:sld xmlns:a="http://schemas.openxmlformats.org/drawingml/2006/main" xmlns:r="http://schemas.openxmlformats.org/officeDocument/2006/relationships" xmlns:p="http://schemas.openxmlformats.org/presentationml/2006/main">
   <p:cSld>
@@ -9450,6 +10925,36 @@
           <a:xfrm>
             <a:off x="1123940" y="4575227"/>
             <a:ext cx="1195924" cy="361792"/>
+          </a:xfrm>
+          <a:prstGeom prst="rect">
+            <a:avLst/>
+          </a:prstGeom>
+        </p:spPr>
+      </p:pic>
+      <p:pic>
+        <p:nvPicPr>
+          <p:cNvPr id="24" name="Picture 23">
+            <a:extLst>
+              <a:ext uri="{FF2B5EF4-FFF2-40B4-BE49-F238E27FC236}">
+                <a16:creationId xmlns:a16="http://schemas.microsoft.com/office/drawing/2014/main" id="{D23490B7-7739-3A4D-8CCE-331B3ECBCFB8}"/>
+              </a:ext>
+            </a:extLst>
+          </p:cNvPr>
+          <p:cNvPicPr>
+            <a:picLocks noChangeAspect="1"/>
+          </p:cNvPicPr>
+          <p:nvPr/>
+        </p:nvPicPr>
+        <p:blipFill>
+          <a:blip r:embed="rId10"/>
+          <a:stretch>
+            <a:fillRect/>
+          </a:stretch>
+        </p:blipFill>
+        <p:spPr>
+          <a:xfrm flipV="1">
+            <a:off x="147562" y="1954047"/>
+            <a:ext cx="1344689" cy="880532"/>
           </a:xfrm>
           <a:prstGeom prst="rect">
             <a:avLst/>
@@ -11856,36 +13361,6 @@
           </a:prstGeom>
         </p:spPr>
       </p:pic>
-      <p:pic>
-        <p:nvPicPr>
-          <p:cNvPr id="10" name="Picture 9">
-            <a:extLst>
-              <a:ext uri="{FF2B5EF4-FFF2-40B4-BE49-F238E27FC236}">
-                <a16:creationId xmlns:a16="http://schemas.microsoft.com/office/drawing/2014/main" id="{4FF7CDD6-DEE4-4A47-A599-1E0576D6D906}"/>
-              </a:ext>
-            </a:extLst>
-          </p:cNvPr>
-          <p:cNvPicPr>
-            <a:picLocks noChangeAspect="1"/>
-          </p:cNvPicPr>
-          <p:nvPr/>
-        </p:nvPicPr>
-        <p:blipFill>
-          <a:blip r:embed="rId10"/>
-          <a:stretch>
-            <a:fillRect/>
-          </a:stretch>
-        </p:blipFill>
-        <p:spPr>
-          <a:xfrm>
-            <a:off x="1061125" y="2190079"/>
-            <a:ext cx="1176988" cy="238442"/>
-          </a:xfrm>
-          <a:prstGeom prst="rect">
-            <a:avLst/>
-          </a:prstGeom>
-        </p:spPr>
-      </p:pic>
       <p:sp>
         <p:nvSpPr>
           <p:cNvPr id="16" name="Can 15">
@@ -12096,7 +13571,7 @@
             <p:nvPr/>
           </p:nvPicPr>
           <p:blipFill>
-            <a:blip r:embed="rId11">
+            <a:blip r:embed="rId10">
               <a:extLst>
                 <a:ext uri="{28A0092B-C50C-407E-A947-70E740481C1C}">
                   <a14:useLocalDpi xmlns:a14="http://schemas.microsoft.com/office/drawing/2010/main" val="0"/>
@@ -12518,7 +13993,7 @@
           <p:nvPr/>
         </p:nvPicPr>
         <p:blipFill>
-          <a:blip r:embed="rId12"/>
+          <a:blip r:embed="rId11"/>
           <a:stretch>
             <a:fillRect/>
           </a:stretch>
@@ -12609,7 +14084,7 @@
           <p:nvPr/>
         </p:nvPicPr>
         <p:blipFill>
-          <a:blip r:embed="rId12"/>
+          <a:blip r:embed="rId11"/>
           <a:stretch>
             <a:fillRect/>
           </a:stretch>
@@ -13321,6 +14796,1550 @@
 </file>
 
 <file path=ppt/slides/slide5.xml><?xml version="1.0" encoding="utf-8"?>
+<p:sld xmlns:a="http://schemas.openxmlformats.org/drawingml/2006/main" xmlns:r="http://schemas.openxmlformats.org/officeDocument/2006/relationships" xmlns:p="http://schemas.openxmlformats.org/presentationml/2006/main">
+  <p:cSld>
+    <p:spTree>
+      <p:nvGrpSpPr>
+        <p:cNvPr id="1" name=""/>
+        <p:cNvGrpSpPr/>
+        <p:nvPr/>
+      </p:nvGrpSpPr>
+      <p:grpSpPr>
+        <a:xfrm>
+          <a:off x="0" y="0"/>
+          <a:ext cx="0" cy="0"/>
+          <a:chOff x="0" y="0"/>
+          <a:chExt cx="0" cy="0"/>
+        </a:xfrm>
+      </p:grpSpPr>
+      <p:sp>
+        <p:nvSpPr>
+          <p:cNvPr id="2" name="Title 1">
+            <a:extLst>
+              <a:ext uri="{FF2B5EF4-FFF2-40B4-BE49-F238E27FC236}">
+                <a16:creationId xmlns:a16="http://schemas.microsoft.com/office/drawing/2014/main" id="{2B3C093B-DB50-494E-8EB9-A5D4DC4AEF37}"/>
+              </a:ext>
+            </a:extLst>
+          </p:cNvPr>
+          <p:cNvSpPr>
+            <a:spLocks noGrp="1"/>
+          </p:cNvSpPr>
+          <p:nvPr>
+            <p:ph type="title"/>
+          </p:nvPr>
+        </p:nvSpPr>
+        <p:spPr/>
+        <p:txBody>
+          <a:bodyPr/>
+          <a:lstStyle/>
+          <a:p>
+            <a:r>
+              <a:rPr lang="en-US" dirty="0" err="1"/>
+              <a:t>Appsody</a:t>
+            </a:r>
+            <a:endParaRPr lang="en-US" dirty="0"/>
+          </a:p>
+        </p:txBody>
+      </p:sp>
+      <p:sp>
+        <p:nvSpPr>
+          <p:cNvPr id="4" name="Slide Number Placeholder 3">
+            <a:extLst>
+              <a:ext uri="{FF2B5EF4-FFF2-40B4-BE49-F238E27FC236}">
+                <a16:creationId xmlns:a16="http://schemas.microsoft.com/office/drawing/2014/main" id="{FB64EE56-7B66-9840-8080-61D448CD3BDC}"/>
+              </a:ext>
+            </a:extLst>
+          </p:cNvPr>
+          <p:cNvSpPr>
+            <a:spLocks noGrp="1"/>
+          </p:cNvSpPr>
+          <p:nvPr>
+            <p:ph type="sldNum" sz="quarter" idx="2"/>
+          </p:nvPr>
+        </p:nvSpPr>
+        <p:spPr/>
+        <p:txBody>
+          <a:bodyPr/>
+          <a:lstStyle/>
+          <a:p>
+            <a:fld id="{86CB4B4D-7CA3-9044-876B-883B54F8677D}" type="slidenum">
+              <a:rPr lang="en-US" smtClean="0"/>
+              <a:pPr/>
+              <a:t>5</a:t>
+            </a:fld>
+            <a:endParaRPr lang="en-US"/>
+          </a:p>
+        </p:txBody>
+      </p:sp>
+      <p:pic>
+        <p:nvPicPr>
+          <p:cNvPr id="5" name="Picture 4">
+            <a:extLst>
+              <a:ext uri="{FF2B5EF4-FFF2-40B4-BE49-F238E27FC236}">
+                <a16:creationId xmlns:a16="http://schemas.microsoft.com/office/drawing/2014/main" id="{AE5E0B24-EBCE-D544-9FF1-0EA91C995EFC}"/>
+              </a:ext>
+            </a:extLst>
+          </p:cNvPr>
+          <p:cNvPicPr>
+            <a:picLocks noChangeAspect="1"/>
+          </p:cNvPicPr>
+          <p:nvPr/>
+        </p:nvPicPr>
+        <p:blipFill>
+          <a:blip r:embed="rId3"/>
+          <a:stretch>
+            <a:fillRect/>
+          </a:stretch>
+        </p:blipFill>
+        <p:spPr>
+          <a:xfrm>
+            <a:off x="7234384" y="1866340"/>
+            <a:ext cx="1193999" cy="294089"/>
+          </a:xfrm>
+          <a:prstGeom prst="rect">
+            <a:avLst/>
+          </a:prstGeom>
+          <a:ln>
+            <a:solidFill>
+              <a:srgbClr val="FFC000"/>
+            </a:solidFill>
+          </a:ln>
+        </p:spPr>
+      </p:pic>
+      <p:sp>
+        <p:nvSpPr>
+          <p:cNvPr id="6" name="AutoShape 4">
+            <a:extLst>
+              <a:ext uri="{FF2B5EF4-FFF2-40B4-BE49-F238E27FC236}">
+                <a16:creationId xmlns:a16="http://schemas.microsoft.com/office/drawing/2014/main" id="{5F743630-E4B3-CA43-B61A-13D91058B8E4}"/>
+              </a:ext>
+            </a:extLst>
+          </p:cNvPr>
+          <p:cNvSpPr>
+            <a:spLocks noChangeArrowheads="1"/>
+          </p:cNvSpPr>
+          <p:nvPr/>
+        </p:nvSpPr>
+        <p:spPr bwMode="auto">
+          <a:xfrm>
+            <a:off x="6878845" y="1376647"/>
+            <a:ext cx="5029512" cy="2267701"/>
+          </a:xfrm>
+          <a:prstGeom prst="roundRect">
+            <a:avLst>
+              <a:gd name="adj" fmla="val 7117"/>
+            </a:avLst>
+          </a:prstGeom>
+          <a:noFill/>
+          <a:ln w="12700">
+            <a:solidFill>
+              <a:srgbClr val="5596E6">
+                <a:lumMod val="50000"/>
+              </a:srgbClr>
+            </a:solidFill>
+            <a:prstDash val="dash"/>
+            <a:round/>
+            <a:headEnd/>
+            <a:tailEnd/>
+          </a:ln>
+        </p:spPr>
+        <p:txBody>
+          <a:bodyPr lIns="0" tIns="0" rIns="0" bIns="0" anchor="b" anchorCtr="1"/>
+          <a:lstStyle/>
+          <a:p>
+            <a:pPr algn="ctr" defTabSz="1219170" eaLnBrk="1" fontAlgn="auto" hangingPunct="1">
+              <a:spcBef>
+                <a:spcPts val="0"/>
+              </a:spcBef>
+              <a:spcAft>
+                <a:spcPts val="0"/>
+              </a:spcAft>
+              <a:defRPr/>
+            </a:pPr>
+            <a:r>
+              <a:rPr lang="en-US" sz="1333" kern="0" dirty="0">
+                <a:solidFill>
+                  <a:srgbClr val="6D7777"/>
+                </a:solidFill>
+              </a:rPr>
+              <a:t>Cluster</a:t>
+            </a:r>
+          </a:p>
+        </p:txBody>
+      </p:sp>
+      <p:pic>
+        <p:nvPicPr>
+          <p:cNvPr id="7" name="Picture 6">
+            <a:extLst>
+              <a:ext uri="{FF2B5EF4-FFF2-40B4-BE49-F238E27FC236}">
+                <a16:creationId xmlns:a16="http://schemas.microsoft.com/office/drawing/2014/main" id="{B3E11AE6-2EF7-E44A-AE78-FEC901A39FF8}"/>
+              </a:ext>
+            </a:extLst>
+          </p:cNvPr>
+          <p:cNvPicPr>
+            <a:picLocks noChangeAspect="1"/>
+          </p:cNvPicPr>
+          <p:nvPr/>
+        </p:nvPicPr>
+        <p:blipFill>
+          <a:blip r:embed="rId4"/>
+          <a:stretch>
+            <a:fillRect/>
+          </a:stretch>
+        </p:blipFill>
+        <p:spPr>
+          <a:xfrm>
+            <a:off x="6716026" y="3429000"/>
+            <a:ext cx="325638" cy="354992"/>
+          </a:xfrm>
+          <a:prstGeom prst="rect">
+            <a:avLst/>
+          </a:prstGeom>
+        </p:spPr>
+      </p:pic>
+      <p:sp>
+        <p:nvSpPr>
+          <p:cNvPr id="8" name="AutoShape 4">
+            <a:extLst>
+              <a:ext uri="{FF2B5EF4-FFF2-40B4-BE49-F238E27FC236}">
+                <a16:creationId xmlns:a16="http://schemas.microsoft.com/office/drawing/2014/main" id="{70221B32-2764-974B-84E4-9E024DB35467}"/>
+              </a:ext>
+            </a:extLst>
+          </p:cNvPr>
+          <p:cNvSpPr>
+            <a:spLocks noChangeArrowheads="1"/>
+          </p:cNvSpPr>
+          <p:nvPr/>
+        </p:nvSpPr>
+        <p:spPr bwMode="auto">
+          <a:xfrm>
+            <a:off x="7041664" y="1696278"/>
+            <a:ext cx="4766024" cy="791979"/>
+          </a:xfrm>
+          <a:prstGeom prst="roundRect">
+            <a:avLst>
+              <a:gd name="adj" fmla="val 7117"/>
+            </a:avLst>
+          </a:prstGeom>
+          <a:noFill/>
+          <a:ln w="12700">
+            <a:solidFill>
+              <a:srgbClr val="5596E6">
+                <a:lumMod val="50000"/>
+              </a:srgbClr>
+            </a:solidFill>
+            <a:prstDash val="dash"/>
+            <a:round/>
+            <a:headEnd/>
+            <a:tailEnd/>
+          </a:ln>
+        </p:spPr>
+        <p:txBody>
+          <a:bodyPr lIns="0" tIns="0" rIns="0" bIns="0" anchor="b" anchorCtr="1"/>
+          <a:lstStyle/>
+          <a:p>
+            <a:pPr algn="ctr" defTabSz="1219170" eaLnBrk="1" fontAlgn="auto" hangingPunct="1">
+              <a:spcBef>
+                <a:spcPts val="0"/>
+              </a:spcBef>
+              <a:spcAft>
+                <a:spcPts val="0"/>
+              </a:spcAft>
+              <a:defRPr/>
+            </a:pPr>
+            <a:r>
+              <a:rPr lang="en-US" sz="1333" kern="0" dirty="0">
+                <a:solidFill>
+                  <a:srgbClr val="6D7777"/>
+                </a:solidFill>
+              </a:rPr>
+              <a:t>Namespace</a:t>
+            </a:r>
+          </a:p>
+        </p:txBody>
+      </p:sp>
+      <p:sp>
+        <p:nvSpPr>
+          <p:cNvPr id="9" name="AutoShape 4">
+            <a:extLst>
+              <a:ext uri="{FF2B5EF4-FFF2-40B4-BE49-F238E27FC236}">
+                <a16:creationId xmlns:a16="http://schemas.microsoft.com/office/drawing/2014/main" id="{5F139B5D-E68C-CC41-84B4-5F82BFC2EF57}"/>
+              </a:ext>
+            </a:extLst>
+          </p:cNvPr>
+          <p:cNvSpPr>
+            <a:spLocks noChangeArrowheads="1"/>
+          </p:cNvSpPr>
+          <p:nvPr/>
+        </p:nvSpPr>
+        <p:spPr bwMode="auto">
+          <a:xfrm>
+            <a:off x="283643" y="1376647"/>
+            <a:ext cx="5029512" cy="2267701"/>
+          </a:xfrm>
+          <a:prstGeom prst="roundRect">
+            <a:avLst>
+              <a:gd name="adj" fmla="val 7117"/>
+            </a:avLst>
+          </a:prstGeom>
+          <a:noFill/>
+          <a:ln w="12700">
+            <a:solidFill>
+              <a:srgbClr val="5596E6">
+                <a:lumMod val="50000"/>
+              </a:srgbClr>
+            </a:solidFill>
+            <a:prstDash val="dash"/>
+            <a:round/>
+            <a:headEnd/>
+            <a:tailEnd/>
+          </a:ln>
+        </p:spPr>
+        <p:txBody>
+          <a:bodyPr lIns="0" tIns="0" rIns="0" bIns="0" anchor="b" anchorCtr="1"/>
+          <a:lstStyle/>
+          <a:p>
+            <a:pPr algn="ctr" defTabSz="1219170" eaLnBrk="1" fontAlgn="auto" hangingPunct="1">
+              <a:spcBef>
+                <a:spcPts val="0"/>
+              </a:spcBef>
+              <a:spcAft>
+                <a:spcPts val="0"/>
+              </a:spcAft>
+              <a:defRPr/>
+            </a:pPr>
+            <a:r>
+              <a:rPr lang="en-US" sz="1333" kern="0" dirty="0">
+                <a:solidFill>
+                  <a:srgbClr val="6D7777"/>
+                </a:solidFill>
+              </a:rPr>
+              <a:t>Developer’s Workstation</a:t>
+            </a:r>
+          </a:p>
+        </p:txBody>
+      </p:sp>
+      <p:sp>
+        <p:nvSpPr>
+          <p:cNvPr id="10" name="Rectangle 9">
+            <a:extLst>
+              <a:ext uri="{FF2B5EF4-FFF2-40B4-BE49-F238E27FC236}">
+                <a16:creationId xmlns:a16="http://schemas.microsoft.com/office/drawing/2014/main" id="{55B72850-C717-0446-AD96-F0D117F493F0}"/>
+              </a:ext>
+            </a:extLst>
+          </p:cNvPr>
+          <p:cNvSpPr/>
+          <p:nvPr/>
+        </p:nvSpPr>
+        <p:spPr>
+          <a:xfrm>
+            <a:off x="552450" y="1866340"/>
+            <a:ext cx="914400" cy="914400"/>
+          </a:xfrm>
+          <a:prstGeom prst="rect">
+            <a:avLst/>
+          </a:prstGeom>
+          <a:solidFill>
+            <a:srgbClr val="5E9CE0"/>
+          </a:solidFill>
+          <a:ln>
+            <a:noFill/>
+          </a:ln>
+          <a:effectLst>
+            <a:outerShdw blurRad="50800" dist="38100" dir="5400000" algn="t" rotWithShape="0">
+              <a:schemeClr val="accent3">
+                <a:lumMod val="75000"/>
+                <a:alpha val="40000"/>
+              </a:schemeClr>
+            </a:outerShdw>
+          </a:effectLst>
+        </p:spPr>
+        <p:style>
+          <a:lnRef idx="2">
+            <a:schemeClr val="accent1">
+              <a:shade val="50000"/>
+            </a:schemeClr>
+          </a:lnRef>
+          <a:fillRef idx="1">
+            <a:schemeClr val="accent1"/>
+          </a:fillRef>
+          <a:effectRef idx="0">
+            <a:schemeClr val="accent1"/>
+          </a:effectRef>
+          <a:fontRef idx="minor">
+            <a:schemeClr val="lt1"/>
+          </a:fontRef>
+        </p:style>
+        <p:txBody>
+          <a:bodyPr rtlCol="0" anchor="ctr"/>
+          <a:lstStyle/>
+          <a:p>
+            <a:pPr algn="ctr"/>
+            <a:r>
+              <a:rPr lang="en-US" dirty="0"/>
+              <a:t>IDE</a:t>
+            </a:r>
+          </a:p>
+        </p:txBody>
+      </p:sp>
+      <p:pic>
+        <p:nvPicPr>
+          <p:cNvPr id="11" name="Picture 10">
+            <a:extLst>
+              <a:ext uri="{FF2B5EF4-FFF2-40B4-BE49-F238E27FC236}">
+                <a16:creationId xmlns:a16="http://schemas.microsoft.com/office/drawing/2014/main" id="{711DEC58-09C8-F247-AAD9-7DCD078E3425}"/>
+              </a:ext>
+            </a:extLst>
+          </p:cNvPr>
+          <p:cNvPicPr>
+            <a:picLocks noChangeAspect="1"/>
+          </p:cNvPicPr>
+          <p:nvPr/>
+        </p:nvPicPr>
+        <p:blipFill>
+          <a:blip r:embed="rId3"/>
+          <a:stretch>
+            <a:fillRect/>
+          </a:stretch>
+        </p:blipFill>
+        <p:spPr>
+          <a:xfrm>
+            <a:off x="890833" y="4524276"/>
+            <a:ext cx="1193999" cy="294089"/>
+          </a:xfrm>
+          <a:prstGeom prst="rect">
+            <a:avLst/>
+          </a:prstGeom>
+        </p:spPr>
+      </p:pic>
+      <p:sp>
+        <p:nvSpPr>
+          <p:cNvPr id="12" name="AutoShape 4">
+            <a:extLst>
+              <a:ext uri="{FF2B5EF4-FFF2-40B4-BE49-F238E27FC236}">
+                <a16:creationId xmlns:a16="http://schemas.microsoft.com/office/drawing/2014/main" id="{6F3DA76A-2B21-8049-8C7C-BC7B497D7B0D}"/>
+              </a:ext>
+            </a:extLst>
+          </p:cNvPr>
+          <p:cNvSpPr>
+            <a:spLocks noChangeArrowheads="1"/>
+          </p:cNvSpPr>
+          <p:nvPr/>
+        </p:nvSpPr>
+        <p:spPr bwMode="auto">
+          <a:xfrm>
+            <a:off x="757999" y="4357488"/>
+            <a:ext cx="4080800" cy="1349199"/>
+          </a:xfrm>
+          <a:prstGeom prst="roundRect">
+            <a:avLst>
+              <a:gd name="adj" fmla="val 7117"/>
+            </a:avLst>
+          </a:prstGeom>
+          <a:noFill/>
+          <a:ln w="12700">
+            <a:solidFill>
+              <a:srgbClr val="5596E6">
+                <a:lumMod val="50000"/>
+              </a:srgbClr>
+            </a:solidFill>
+            <a:prstDash val="dash"/>
+            <a:round/>
+            <a:headEnd/>
+            <a:tailEnd/>
+          </a:ln>
+        </p:spPr>
+        <p:txBody>
+          <a:bodyPr lIns="0" tIns="0" rIns="0" bIns="0" anchor="b" anchorCtr="1"/>
+          <a:lstStyle/>
+          <a:p>
+            <a:pPr algn="ctr" defTabSz="1219170" eaLnBrk="1" fontAlgn="auto" hangingPunct="1">
+              <a:spcBef>
+                <a:spcPts val="0"/>
+              </a:spcBef>
+              <a:spcAft>
+                <a:spcPts val="0"/>
+              </a:spcAft>
+              <a:defRPr/>
+            </a:pPr>
+            <a:r>
+              <a:rPr lang="en-US" sz="1333" kern="0" dirty="0" err="1">
+                <a:solidFill>
+                  <a:srgbClr val="6D7777"/>
+                </a:solidFill>
+              </a:rPr>
+              <a:t>Appsody</a:t>
+            </a:r>
+            <a:r>
+              <a:rPr lang="en-US" sz="1333" kern="0" dirty="0">
+                <a:solidFill>
+                  <a:srgbClr val="6D7777"/>
+                </a:solidFill>
+              </a:rPr>
+              <a:t> Repository</a:t>
+            </a:r>
+          </a:p>
+        </p:txBody>
+      </p:sp>
+      <p:sp>
+        <p:nvSpPr>
+          <p:cNvPr id="13" name="Rectangle 12">
+            <a:extLst>
+              <a:ext uri="{FF2B5EF4-FFF2-40B4-BE49-F238E27FC236}">
+                <a16:creationId xmlns:a16="http://schemas.microsoft.com/office/drawing/2014/main" id="{E8B6BB8C-110F-9442-999B-7A4AB9A9C79F}"/>
+              </a:ext>
+            </a:extLst>
+          </p:cNvPr>
+          <p:cNvSpPr/>
+          <p:nvPr/>
+        </p:nvSpPr>
+        <p:spPr>
+          <a:xfrm>
+            <a:off x="1130537" y="4944285"/>
+            <a:ext cx="954295" cy="437590"/>
+          </a:xfrm>
+          <a:prstGeom prst="rect">
+            <a:avLst/>
+          </a:prstGeom>
+          <a:solidFill>
+            <a:srgbClr val="7DB049"/>
+          </a:solidFill>
+          <a:ln>
+            <a:noFill/>
+          </a:ln>
+          <a:effectLst>
+            <a:outerShdw blurRad="50800" dist="38100" dir="5400000" algn="t" rotWithShape="0">
+              <a:schemeClr val="accent3">
+                <a:lumMod val="75000"/>
+                <a:alpha val="40000"/>
+              </a:schemeClr>
+            </a:outerShdw>
+          </a:effectLst>
+        </p:spPr>
+        <p:style>
+          <a:lnRef idx="2">
+            <a:schemeClr val="accent1">
+              <a:shade val="50000"/>
+            </a:schemeClr>
+          </a:lnRef>
+          <a:fillRef idx="1">
+            <a:schemeClr val="accent1"/>
+          </a:fillRef>
+          <a:effectRef idx="0">
+            <a:schemeClr val="accent1"/>
+          </a:effectRef>
+          <a:fontRef idx="minor">
+            <a:schemeClr val="lt1"/>
+          </a:fontRef>
+        </p:style>
+        <p:txBody>
+          <a:bodyPr rtlCol="0" anchor="ctr"/>
+          <a:lstStyle/>
+          <a:p>
+            <a:pPr algn="ctr"/>
+            <a:r>
+              <a:rPr lang="en-US" dirty="0"/>
+              <a:t>Stack</a:t>
+            </a:r>
+          </a:p>
+        </p:txBody>
+      </p:sp>
+      <p:sp>
+        <p:nvSpPr>
+          <p:cNvPr id="14" name="Rectangle 13">
+            <a:extLst>
+              <a:ext uri="{FF2B5EF4-FFF2-40B4-BE49-F238E27FC236}">
+                <a16:creationId xmlns:a16="http://schemas.microsoft.com/office/drawing/2014/main" id="{35FF4D85-6739-9340-BFF8-D823FA0EB3DD}"/>
+              </a:ext>
+            </a:extLst>
+          </p:cNvPr>
+          <p:cNvSpPr/>
+          <p:nvPr/>
+        </p:nvSpPr>
+        <p:spPr>
+          <a:xfrm>
+            <a:off x="2270148" y="4944285"/>
+            <a:ext cx="954295" cy="437590"/>
+          </a:xfrm>
+          <a:prstGeom prst="rect">
+            <a:avLst/>
+          </a:prstGeom>
+          <a:solidFill>
+            <a:srgbClr val="7DB049"/>
+          </a:solidFill>
+          <a:ln>
+            <a:noFill/>
+          </a:ln>
+          <a:effectLst>
+            <a:outerShdw blurRad="50800" dist="38100" dir="5400000" algn="t" rotWithShape="0">
+              <a:schemeClr val="accent3">
+                <a:lumMod val="75000"/>
+                <a:alpha val="40000"/>
+              </a:schemeClr>
+            </a:outerShdw>
+          </a:effectLst>
+        </p:spPr>
+        <p:style>
+          <a:lnRef idx="2">
+            <a:schemeClr val="accent1">
+              <a:shade val="50000"/>
+            </a:schemeClr>
+          </a:lnRef>
+          <a:fillRef idx="1">
+            <a:schemeClr val="accent1"/>
+          </a:fillRef>
+          <a:effectRef idx="0">
+            <a:schemeClr val="accent1"/>
+          </a:effectRef>
+          <a:fontRef idx="minor">
+            <a:schemeClr val="lt1"/>
+          </a:fontRef>
+        </p:style>
+        <p:txBody>
+          <a:bodyPr rtlCol="0" anchor="ctr"/>
+          <a:lstStyle/>
+          <a:p>
+            <a:pPr algn="ctr"/>
+            <a:r>
+              <a:rPr lang="en-US" dirty="0"/>
+              <a:t>Stack</a:t>
+            </a:r>
+          </a:p>
+        </p:txBody>
+      </p:sp>
+      <p:sp>
+        <p:nvSpPr>
+          <p:cNvPr id="15" name="Rectangle 14">
+            <a:extLst>
+              <a:ext uri="{FF2B5EF4-FFF2-40B4-BE49-F238E27FC236}">
+                <a16:creationId xmlns:a16="http://schemas.microsoft.com/office/drawing/2014/main" id="{F606EA5E-7343-1847-B44B-57804AFD1A57}"/>
+              </a:ext>
+            </a:extLst>
+          </p:cNvPr>
+          <p:cNvSpPr/>
+          <p:nvPr/>
+        </p:nvSpPr>
+        <p:spPr>
+          <a:xfrm>
+            <a:off x="3409759" y="4944285"/>
+            <a:ext cx="954295" cy="437590"/>
+          </a:xfrm>
+          <a:prstGeom prst="rect">
+            <a:avLst/>
+          </a:prstGeom>
+          <a:solidFill>
+            <a:srgbClr val="7DB049"/>
+          </a:solidFill>
+          <a:ln>
+            <a:noFill/>
+          </a:ln>
+          <a:effectLst>
+            <a:outerShdw blurRad="50800" dist="38100" dir="5400000" algn="t" rotWithShape="0">
+              <a:schemeClr val="accent3">
+                <a:lumMod val="75000"/>
+                <a:alpha val="40000"/>
+              </a:schemeClr>
+            </a:outerShdw>
+          </a:effectLst>
+        </p:spPr>
+        <p:style>
+          <a:lnRef idx="2">
+            <a:schemeClr val="accent1">
+              <a:shade val="50000"/>
+            </a:schemeClr>
+          </a:lnRef>
+          <a:fillRef idx="1">
+            <a:schemeClr val="accent1"/>
+          </a:fillRef>
+          <a:effectRef idx="0">
+            <a:schemeClr val="accent1"/>
+          </a:effectRef>
+          <a:fontRef idx="minor">
+            <a:schemeClr val="lt1"/>
+          </a:fontRef>
+        </p:style>
+        <p:txBody>
+          <a:bodyPr rtlCol="0" anchor="ctr"/>
+          <a:lstStyle/>
+          <a:p>
+            <a:pPr algn="ctr"/>
+            <a:r>
+              <a:rPr lang="en-US" dirty="0"/>
+              <a:t>Stack</a:t>
+            </a:r>
+          </a:p>
+        </p:txBody>
+      </p:sp>
+      <p:sp>
+        <p:nvSpPr>
+          <p:cNvPr id="16" name="Rectangle 15">
+            <a:extLst>
+              <a:ext uri="{FF2B5EF4-FFF2-40B4-BE49-F238E27FC236}">
+                <a16:creationId xmlns:a16="http://schemas.microsoft.com/office/drawing/2014/main" id="{7230E611-6C3A-5846-B57B-A7D1CB69489E}"/>
+              </a:ext>
+            </a:extLst>
+          </p:cNvPr>
+          <p:cNvSpPr/>
+          <p:nvPr/>
+        </p:nvSpPr>
+        <p:spPr>
+          <a:xfrm>
+            <a:off x="1735657" y="1866340"/>
+            <a:ext cx="1296883" cy="437590"/>
+          </a:xfrm>
+          <a:prstGeom prst="rect">
+            <a:avLst/>
+          </a:prstGeom>
+          <a:solidFill>
+            <a:schemeClr val="bg1">
+              <a:lumMod val="65000"/>
+            </a:schemeClr>
+          </a:solidFill>
+          <a:ln>
+            <a:noFill/>
+          </a:ln>
+          <a:effectLst>
+            <a:outerShdw blurRad="50800" dist="38100" dir="5400000" algn="t" rotWithShape="0">
+              <a:schemeClr val="accent3">
+                <a:lumMod val="75000"/>
+                <a:alpha val="40000"/>
+              </a:schemeClr>
+            </a:outerShdw>
+          </a:effectLst>
+        </p:spPr>
+        <p:style>
+          <a:lnRef idx="2">
+            <a:schemeClr val="accent1">
+              <a:shade val="50000"/>
+            </a:schemeClr>
+          </a:lnRef>
+          <a:fillRef idx="1">
+            <a:schemeClr val="accent1"/>
+          </a:fillRef>
+          <a:effectRef idx="0">
+            <a:schemeClr val="accent1"/>
+          </a:effectRef>
+          <a:fontRef idx="minor">
+            <a:schemeClr val="lt1"/>
+          </a:fontRef>
+        </p:style>
+        <p:txBody>
+          <a:bodyPr rtlCol="0" anchor="ctr"/>
+          <a:lstStyle/>
+          <a:p>
+            <a:pPr algn="ctr"/>
+            <a:r>
+              <a:rPr lang="en-US" sz="1400" dirty="0"/>
+              <a:t>App Based on Stack</a:t>
+            </a:r>
+          </a:p>
+        </p:txBody>
+      </p:sp>
+      <p:grpSp>
+        <p:nvGrpSpPr>
+          <p:cNvPr id="19" name="Group 18">
+            <a:extLst>
+              <a:ext uri="{FF2B5EF4-FFF2-40B4-BE49-F238E27FC236}">
+                <a16:creationId xmlns:a16="http://schemas.microsoft.com/office/drawing/2014/main" id="{C3E28F54-F2B0-6942-9661-1D9FCD98206B}"/>
+              </a:ext>
+            </a:extLst>
+          </p:cNvPr>
+          <p:cNvGrpSpPr/>
+          <p:nvPr/>
+        </p:nvGrpSpPr>
+        <p:grpSpPr>
+          <a:xfrm>
+            <a:off x="1009650" y="2839558"/>
+            <a:ext cx="1625147" cy="305022"/>
+            <a:chOff x="1735657" y="2622762"/>
+            <a:chExt cx="1625147" cy="305022"/>
+          </a:xfrm>
+        </p:grpSpPr>
+        <p:pic>
+          <p:nvPicPr>
+            <p:cNvPr id="17" name="Picture 16">
+              <a:extLst>
+                <a:ext uri="{FF2B5EF4-FFF2-40B4-BE49-F238E27FC236}">
+                  <a16:creationId xmlns:a16="http://schemas.microsoft.com/office/drawing/2014/main" id="{AF040D6B-B625-E747-B888-EB4321B78CD3}"/>
+                </a:ext>
+              </a:extLst>
+            </p:cNvPr>
+            <p:cNvPicPr>
+              <a:picLocks noChangeAspect="1"/>
+            </p:cNvPicPr>
+            <p:nvPr/>
+          </p:nvPicPr>
+          <p:blipFill>
+            <a:blip r:embed="rId3"/>
+            <a:stretch>
+              <a:fillRect/>
+            </a:stretch>
+          </p:blipFill>
+          <p:spPr>
+            <a:xfrm>
+              <a:off x="1735657" y="2633695"/>
+              <a:ext cx="1193999" cy="294089"/>
+            </a:xfrm>
+            <a:prstGeom prst="rect">
+              <a:avLst/>
+            </a:prstGeom>
+          </p:spPr>
+        </p:pic>
+        <p:sp>
+          <p:nvSpPr>
+            <p:cNvPr id="18" name="TextBox 17">
+              <a:extLst>
+                <a:ext uri="{FF2B5EF4-FFF2-40B4-BE49-F238E27FC236}">
+                  <a16:creationId xmlns:a16="http://schemas.microsoft.com/office/drawing/2014/main" id="{A8AEB8F3-CCC4-6745-9636-D61AE2F83BE0}"/>
+                </a:ext>
+              </a:extLst>
+            </p:cNvPr>
+            <p:cNvSpPr txBox="1"/>
+            <p:nvPr/>
+          </p:nvSpPr>
+          <p:spPr>
+            <a:xfrm>
+              <a:off x="2937290" y="2622762"/>
+              <a:ext cx="423514" cy="276999"/>
+            </a:xfrm>
+            <a:prstGeom prst="rect">
+              <a:avLst/>
+            </a:prstGeom>
+            <a:noFill/>
+          </p:spPr>
+          <p:txBody>
+            <a:bodyPr wrap="none" rtlCol="0">
+              <a:spAutoFit/>
+            </a:bodyPr>
+            <a:lstStyle/>
+            <a:p>
+              <a:r>
+                <a:rPr lang="en-US" sz="1200" dirty="0">
+                  <a:solidFill>
+                    <a:schemeClr val="accent1">
+                      <a:lumMod val="10000"/>
+                    </a:schemeClr>
+                  </a:solidFill>
+                </a:rPr>
+                <a:t>CLI</a:t>
+              </a:r>
+            </a:p>
+          </p:txBody>
+        </p:sp>
+      </p:grpSp>
+      <p:cxnSp>
+        <p:nvCxnSpPr>
+          <p:cNvPr id="21" name="Curved Connector 20">
+            <a:extLst>
+              <a:ext uri="{FF2B5EF4-FFF2-40B4-BE49-F238E27FC236}">
+                <a16:creationId xmlns:a16="http://schemas.microsoft.com/office/drawing/2014/main" id="{C0D9B876-5934-2946-8871-DCC20AA0F5D0}"/>
+              </a:ext>
+            </a:extLst>
+          </p:cNvPr>
+          <p:cNvCxnSpPr>
+            <a:endCxn id="8" idx="1"/>
+          </p:cNvCxnSpPr>
+          <p:nvPr/>
+        </p:nvCxnSpPr>
+        <p:spPr>
+          <a:xfrm flipV="1">
+            <a:off x="2798399" y="2092268"/>
+            <a:ext cx="4243265" cy="885789"/>
+          </a:xfrm>
+          <a:prstGeom prst="curvedConnector3">
+            <a:avLst/>
+          </a:prstGeom>
+          <a:ln>
+            <a:solidFill>
+              <a:schemeClr val="accent6"/>
+            </a:solidFill>
+            <a:tailEnd type="triangle"/>
+          </a:ln>
+          <a:effectLst/>
+        </p:spPr>
+        <p:style>
+          <a:lnRef idx="2">
+            <a:schemeClr val="accent1"/>
+          </a:lnRef>
+          <a:fillRef idx="0">
+            <a:schemeClr val="accent1"/>
+          </a:fillRef>
+          <a:effectRef idx="1">
+            <a:schemeClr val="accent1"/>
+          </a:effectRef>
+          <a:fontRef idx="minor">
+            <a:schemeClr val="tx1"/>
+          </a:fontRef>
+        </p:style>
+      </p:cxnSp>
+      <p:sp>
+        <p:nvSpPr>
+          <p:cNvPr id="22" name="Rectangle 21">
+            <a:extLst>
+              <a:ext uri="{FF2B5EF4-FFF2-40B4-BE49-F238E27FC236}">
+                <a16:creationId xmlns:a16="http://schemas.microsoft.com/office/drawing/2014/main" id="{DF96FCF8-F177-544B-BCF5-BB90899283E7}"/>
+              </a:ext>
+            </a:extLst>
+          </p:cNvPr>
+          <p:cNvSpPr/>
+          <p:nvPr/>
+        </p:nvSpPr>
+        <p:spPr>
+          <a:xfrm>
+            <a:off x="8791482" y="1794589"/>
+            <a:ext cx="1296883" cy="437590"/>
+          </a:xfrm>
+          <a:prstGeom prst="rect">
+            <a:avLst/>
+          </a:prstGeom>
+          <a:solidFill>
+            <a:schemeClr val="bg1">
+              <a:lumMod val="65000"/>
+            </a:schemeClr>
+          </a:solidFill>
+          <a:ln>
+            <a:noFill/>
+          </a:ln>
+          <a:effectLst>
+            <a:outerShdw blurRad="50800" dist="38100" dir="5400000" algn="t" rotWithShape="0">
+              <a:schemeClr val="accent3">
+                <a:lumMod val="75000"/>
+                <a:alpha val="40000"/>
+              </a:schemeClr>
+            </a:outerShdw>
+          </a:effectLst>
+        </p:spPr>
+        <p:style>
+          <a:lnRef idx="2">
+            <a:schemeClr val="accent1">
+              <a:shade val="50000"/>
+            </a:schemeClr>
+          </a:lnRef>
+          <a:fillRef idx="1">
+            <a:schemeClr val="accent1"/>
+          </a:fillRef>
+          <a:effectRef idx="0">
+            <a:schemeClr val="accent1"/>
+          </a:effectRef>
+          <a:fontRef idx="minor">
+            <a:schemeClr val="lt1"/>
+          </a:fontRef>
+        </p:style>
+        <p:txBody>
+          <a:bodyPr rtlCol="0" anchor="ctr"/>
+          <a:lstStyle/>
+          <a:p>
+            <a:pPr algn="ctr"/>
+            <a:r>
+              <a:rPr lang="en-US" sz="1400" dirty="0"/>
+              <a:t>App Container</a:t>
+            </a:r>
+          </a:p>
+        </p:txBody>
+      </p:sp>
+      <p:pic>
+        <p:nvPicPr>
+          <p:cNvPr id="23" name="Picture 40">
+            <a:extLst>
+              <a:ext uri="{FF2B5EF4-FFF2-40B4-BE49-F238E27FC236}">
+                <a16:creationId xmlns:a16="http://schemas.microsoft.com/office/drawing/2014/main" id="{80DA4971-75C8-C443-943C-E511B349DC32}"/>
+              </a:ext>
+            </a:extLst>
+          </p:cNvPr>
+          <p:cNvPicPr>
+            <a:picLocks noChangeAspect="1"/>
+          </p:cNvPicPr>
+          <p:nvPr/>
+        </p:nvPicPr>
+        <p:blipFill>
+          <a:blip r:embed="rId5">
+            <a:extLst>
+              <a:ext uri="{28A0092B-C50C-407E-A947-70E740481C1C}">
+                <a14:useLocalDpi xmlns:a14="http://schemas.microsoft.com/office/drawing/2010/main" val="0"/>
+              </a:ext>
+            </a:extLst>
+          </a:blip>
+          <a:srcRect/>
+          <a:stretch>
+            <a:fillRect/>
+          </a:stretch>
+        </p:blipFill>
+        <p:spPr bwMode="auto">
+          <a:xfrm>
+            <a:off x="9604819" y="2034486"/>
+            <a:ext cx="1032463" cy="382630"/>
+          </a:xfrm>
+          <a:prstGeom prst="rect">
+            <a:avLst/>
+          </a:prstGeom>
+          <a:noFill/>
+          <a:ln>
+            <a:noFill/>
+          </a:ln>
+          <a:extLst>
+            <a:ext uri="{909E8E84-426E-40DD-AFC4-6F175D3DCCD1}">
+              <a14:hiddenFill xmlns:a14="http://schemas.microsoft.com/office/drawing/2010/main">
+                <a:solidFill>
+                  <a:srgbClr val="FFFFFF"/>
+                </a:solidFill>
+              </a14:hiddenFill>
+            </a:ext>
+            <a:ext uri="{91240B29-F687-4F45-9708-019B960494DF}">
+              <a14:hiddenLine xmlns:a14="http://schemas.microsoft.com/office/drawing/2010/main" w="9525">
+                <a:solidFill>
+                  <a:srgbClr val="000000"/>
+                </a:solidFill>
+                <a:miter lim="800000"/>
+                <a:headEnd/>
+                <a:tailEnd/>
+              </a14:hiddenLine>
+            </a:ext>
+          </a:extLst>
+        </p:spPr>
+      </p:pic>
+      <p:sp>
+        <p:nvSpPr>
+          <p:cNvPr id="24" name="AutoShape 4">
+            <a:extLst>
+              <a:ext uri="{FF2B5EF4-FFF2-40B4-BE49-F238E27FC236}">
+                <a16:creationId xmlns:a16="http://schemas.microsoft.com/office/drawing/2014/main" id="{188EC634-82A3-8246-9DF1-4090C9CD0441}"/>
+              </a:ext>
+            </a:extLst>
+          </p:cNvPr>
+          <p:cNvSpPr>
+            <a:spLocks noChangeArrowheads="1"/>
+          </p:cNvSpPr>
+          <p:nvPr/>
+        </p:nvSpPr>
+        <p:spPr bwMode="auto">
+          <a:xfrm>
+            <a:off x="5625181" y="4357488"/>
+            <a:ext cx="3979638" cy="1349199"/>
+          </a:xfrm>
+          <a:prstGeom prst="roundRect">
+            <a:avLst>
+              <a:gd name="adj" fmla="val 7117"/>
+            </a:avLst>
+          </a:prstGeom>
+          <a:noFill/>
+          <a:ln w="12700">
+            <a:solidFill>
+              <a:srgbClr val="5596E6">
+                <a:lumMod val="50000"/>
+              </a:srgbClr>
+            </a:solidFill>
+            <a:prstDash val="dash"/>
+            <a:round/>
+            <a:headEnd/>
+            <a:tailEnd/>
+          </a:ln>
+        </p:spPr>
+        <p:txBody>
+          <a:bodyPr lIns="0" tIns="0" rIns="0" bIns="0" anchor="b" anchorCtr="1"/>
+          <a:lstStyle/>
+          <a:p>
+            <a:pPr algn="ctr" defTabSz="1219170" eaLnBrk="1" fontAlgn="auto" hangingPunct="1">
+              <a:spcBef>
+                <a:spcPts val="0"/>
+              </a:spcBef>
+              <a:spcAft>
+                <a:spcPts val="0"/>
+              </a:spcAft>
+              <a:defRPr/>
+            </a:pPr>
+            <a:r>
+              <a:rPr lang="en-US" sz="1333" kern="0" dirty="0">
+                <a:solidFill>
+                  <a:srgbClr val="6D7777"/>
+                </a:solidFill>
+              </a:rPr>
+              <a:t>Image Repository</a:t>
+            </a:r>
+          </a:p>
+        </p:txBody>
+      </p:sp>
+      <p:sp>
+        <p:nvSpPr>
+          <p:cNvPr id="25" name="Rectangle 24">
+            <a:extLst>
+              <a:ext uri="{FF2B5EF4-FFF2-40B4-BE49-F238E27FC236}">
+                <a16:creationId xmlns:a16="http://schemas.microsoft.com/office/drawing/2014/main" id="{FE978274-D862-344B-9880-9033C1BBD93D}"/>
+              </a:ext>
+            </a:extLst>
+          </p:cNvPr>
+          <p:cNvSpPr/>
+          <p:nvPr/>
+        </p:nvSpPr>
+        <p:spPr>
+          <a:xfrm>
+            <a:off x="6230403" y="4818365"/>
+            <a:ext cx="1296883" cy="437590"/>
+          </a:xfrm>
+          <a:prstGeom prst="rect">
+            <a:avLst/>
+          </a:prstGeom>
+          <a:solidFill>
+            <a:schemeClr val="bg1">
+              <a:lumMod val="65000"/>
+            </a:schemeClr>
+          </a:solidFill>
+          <a:ln>
+            <a:noFill/>
+          </a:ln>
+          <a:effectLst>
+            <a:outerShdw blurRad="50800" dist="38100" dir="5400000" algn="t" rotWithShape="0">
+              <a:schemeClr val="accent3">
+                <a:lumMod val="75000"/>
+                <a:alpha val="40000"/>
+              </a:schemeClr>
+            </a:outerShdw>
+          </a:effectLst>
+        </p:spPr>
+        <p:style>
+          <a:lnRef idx="2">
+            <a:schemeClr val="accent1">
+              <a:shade val="50000"/>
+            </a:schemeClr>
+          </a:lnRef>
+          <a:fillRef idx="1">
+            <a:schemeClr val="accent1"/>
+          </a:fillRef>
+          <a:effectRef idx="0">
+            <a:schemeClr val="accent1"/>
+          </a:effectRef>
+          <a:fontRef idx="minor">
+            <a:schemeClr val="lt1"/>
+          </a:fontRef>
+        </p:style>
+        <p:txBody>
+          <a:bodyPr rtlCol="0" anchor="ctr"/>
+          <a:lstStyle/>
+          <a:p>
+            <a:pPr algn="ctr"/>
+            <a:r>
+              <a:rPr lang="en-US" sz="1400" dirty="0"/>
+              <a:t>App Image</a:t>
+            </a:r>
+          </a:p>
+        </p:txBody>
+      </p:sp>
+      <p:cxnSp>
+        <p:nvCxnSpPr>
+          <p:cNvPr id="26" name="Curved Connector 25">
+            <a:extLst>
+              <a:ext uri="{FF2B5EF4-FFF2-40B4-BE49-F238E27FC236}">
+                <a16:creationId xmlns:a16="http://schemas.microsoft.com/office/drawing/2014/main" id="{9665A4AA-A1F7-1C4B-8754-6930DE8BCD81}"/>
+              </a:ext>
+            </a:extLst>
+          </p:cNvPr>
+          <p:cNvCxnSpPr>
+            <a:cxnSpLocks/>
+            <a:stCxn id="14" idx="0"/>
+            <a:endCxn id="16" idx="1"/>
+          </p:cNvCxnSpPr>
+          <p:nvPr/>
+        </p:nvCxnSpPr>
+        <p:spPr>
+          <a:xfrm rot="16200000" flipV="1">
+            <a:off x="811902" y="3008890"/>
+            <a:ext cx="2859150" cy="1011639"/>
+          </a:xfrm>
+          <a:prstGeom prst="curvedConnector4">
+            <a:avLst>
+              <a:gd name="adj1" fmla="val 46174"/>
+              <a:gd name="adj2" fmla="val 122597"/>
+            </a:avLst>
+          </a:prstGeom>
+          <a:ln>
+            <a:solidFill>
+              <a:schemeClr val="accent6"/>
+            </a:solidFill>
+            <a:tailEnd type="triangle"/>
+          </a:ln>
+          <a:effectLst/>
+        </p:spPr>
+        <p:style>
+          <a:lnRef idx="2">
+            <a:schemeClr val="accent1"/>
+          </a:lnRef>
+          <a:fillRef idx="0">
+            <a:schemeClr val="accent1"/>
+          </a:fillRef>
+          <a:effectRef idx="1">
+            <a:schemeClr val="accent1"/>
+          </a:effectRef>
+          <a:fontRef idx="minor">
+            <a:schemeClr val="tx1"/>
+          </a:fontRef>
+        </p:style>
+      </p:cxnSp>
+      <p:sp>
+        <p:nvSpPr>
+          <p:cNvPr id="29" name="Oval 28">
+            <a:extLst>
+              <a:ext uri="{FF2B5EF4-FFF2-40B4-BE49-F238E27FC236}">
+                <a16:creationId xmlns:a16="http://schemas.microsoft.com/office/drawing/2014/main" id="{653694A2-8D05-A64F-809C-7EA881DCDE5B}"/>
+              </a:ext>
+            </a:extLst>
+          </p:cNvPr>
+          <p:cNvSpPr/>
+          <p:nvPr/>
+        </p:nvSpPr>
+        <p:spPr>
+          <a:xfrm>
+            <a:off x="2241477" y="4010812"/>
+            <a:ext cx="338327" cy="338327"/>
+          </a:xfrm>
+          <a:prstGeom prst="ellipse">
+            <a:avLst/>
+          </a:prstGeom>
+          <a:solidFill>
+            <a:schemeClr val="tx2">
+              <a:lumMod val="75000"/>
+            </a:schemeClr>
+          </a:solidFill>
+          <a:ln>
+            <a:noFill/>
+          </a:ln>
+        </p:spPr>
+        <p:style>
+          <a:lnRef idx="2">
+            <a:schemeClr val="accent1">
+              <a:shade val="50000"/>
+            </a:schemeClr>
+          </a:lnRef>
+          <a:fillRef idx="1">
+            <a:schemeClr val="accent1"/>
+          </a:fillRef>
+          <a:effectRef idx="0">
+            <a:schemeClr val="accent1"/>
+          </a:effectRef>
+          <a:fontRef idx="minor">
+            <a:schemeClr val="lt1"/>
+          </a:fontRef>
+        </p:style>
+        <p:txBody>
+          <a:bodyPr rtlCol="0" anchor="ctr"/>
+          <a:lstStyle/>
+          <a:p>
+            <a:pPr algn="ctr"/>
+            <a:r>
+              <a:rPr lang="en-US" sz="1400" dirty="0"/>
+              <a:t>1</a:t>
+            </a:r>
+          </a:p>
+        </p:txBody>
+      </p:sp>
+      <p:cxnSp>
+        <p:nvCxnSpPr>
+          <p:cNvPr id="30" name="Curved Connector 29">
+            <a:extLst>
+              <a:ext uri="{FF2B5EF4-FFF2-40B4-BE49-F238E27FC236}">
+                <a16:creationId xmlns:a16="http://schemas.microsoft.com/office/drawing/2014/main" id="{DB901B72-743E-B949-820B-4A10C4E5D124}"/>
+              </a:ext>
+            </a:extLst>
+          </p:cNvPr>
+          <p:cNvCxnSpPr>
+            <a:cxnSpLocks/>
+            <a:stCxn id="18" idx="3"/>
+            <a:endCxn id="16" idx="0"/>
+          </p:cNvCxnSpPr>
+          <p:nvPr/>
+        </p:nvCxnSpPr>
+        <p:spPr>
+          <a:xfrm flipH="1" flipV="1">
+            <a:off x="2384099" y="1866340"/>
+            <a:ext cx="250698" cy="1111718"/>
+          </a:xfrm>
+          <a:prstGeom prst="curvedConnector4">
+            <a:avLst>
+              <a:gd name="adj1" fmla="val -249840"/>
+              <a:gd name="adj2" fmla="val 120563"/>
+            </a:avLst>
+          </a:prstGeom>
+          <a:ln>
+            <a:solidFill>
+              <a:schemeClr val="accent6"/>
+            </a:solidFill>
+            <a:tailEnd type="triangle"/>
+          </a:ln>
+          <a:effectLst/>
+        </p:spPr>
+        <p:style>
+          <a:lnRef idx="2">
+            <a:schemeClr val="accent1"/>
+          </a:lnRef>
+          <a:fillRef idx="0">
+            <a:schemeClr val="accent1"/>
+          </a:fillRef>
+          <a:effectRef idx="1">
+            <a:schemeClr val="accent1"/>
+          </a:effectRef>
+          <a:fontRef idx="minor">
+            <a:schemeClr val="tx1"/>
+          </a:fontRef>
+        </p:style>
+      </p:cxnSp>
+      <p:sp>
+        <p:nvSpPr>
+          <p:cNvPr id="33" name="Oval 32">
+            <a:extLst>
+              <a:ext uri="{FF2B5EF4-FFF2-40B4-BE49-F238E27FC236}">
+                <a16:creationId xmlns:a16="http://schemas.microsoft.com/office/drawing/2014/main" id="{01B75278-451F-1141-AEAC-9E804061C7CE}"/>
+              </a:ext>
+            </a:extLst>
+          </p:cNvPr>
+          <p:cNvSpPr/>
+          <p:nvPr/>
+        </p:nvSpPr>
+        <p:spPr>
+          <a:xfrm>
+            <a:off x="3117777" y="1572412"/>
+            <a:ext cx="338327" cy="338327"/>
+          </a:xfrm>
+          <a:prstGeom prst="ellipse">
+            <a:avLst/>
+          </a:prstGeom>
+          <a:solidFill>
+            <a:schemeClr val="tx2">
+              <a:lumMod val="75000"/>
+            </a:schemeClr>
+          </a:solidFill>
+          <a:ln>
+            <a:noFill/>
+          </a:ln>
+        </p:spPr>
+        <p:style>
+          <a:lnRef idx="2">
+            <a:schemeClr val="accent1">
+              <a:shade val="50000"/>
+            </a:schemeClr>
+          </a:lnRef>
+          <a:fillRef idx="1">
+            <a:schemeClr val="accent1"/>
+          </a:fillRef>
+          <a:effectRef idx="0">
+            <a:schemeClr val="accent1"/>
+          </a:effectRef>
+          <a:fontRef idx="minor">
+            <a:schemeClr val="lt1"/>
+          </a:fontRef>
+        </p:style>
+        <p:txBody>
+          <a:bodyPr rtlCol="0" anchor="ctr"/>
+          <a:lstStyle/>
+          <a:p>
+            <a:pPr algn="ctr"/>
+            <a:r>
+              <a:rPr lang="en-US" sz="1400" dirty="0"/>
+              <a:t>2</a:t>
+            </a:r>
+          </a:p>
+        </p:txBody>
+      </p:sp>
+      <p:sp>
+        <p:nvSpPr>
+          <p:cNvPr id="34" name="Oval 33">
+            <a:extLst>
+              <a:ext uri="{FF2B5EF4-FFF2-40B4-BE49-F238E27FC236}">
+                <a16:creationId xmlns:a16="http://schemas.microsoft.com/office/drawing/2014/main" id="{9D801898-E5A5-7649-ACBD-D30357EF6BED}"/>
+              </a:ext>
+            </a:extLst>
+          </p:cNvPr>
+          <p:cNvSpPr/>
+          <p:nvPr/>
+        </p:nvSpPr>
+        <p:spPr>
+          <a:xfrm>
+            <a:off x="5626971" y="1778217"/>
+            <a:ext cx="338327" cy="338327"/>
+          </a:xfrm>
+          <a:prstGeom prst="ellipse">
+            <a:avLst/>
+          </a:prstGeom>
+          <a:solidFill>
+            <a:schemeClr val="tx2">
+              <a:lumMod val="75000"/>
+            </a:schemeClr>
+          </a:solidFill>
+          <a:ln>
+            <a:noFill/>
+          </a:ln>
+        </p:spPr>
+        <p:style>
+          <a:lnRef idx="2">
+            <a:schemeClr val="accent1">
+              <a:shade val="50000"/>
+            </a:schemeClr>
+          </a:lnRef>
+          <a:fillRef idx="1">
+            <a:schemeClr val="accent1"/>
+          </a:fillRef>
+          <a:effectRef idx="0">
+            <a:schemeClr val="accent1"/>
+          </a:effectRef>
+          <a:fontRef idx="minor">
+            <a:schemeClr val="lt1"/>
+          </a:fontRef>
+        </p:style>
+        <p:txBody>
+          <a:bodyPr rtlCol="0" anchor="ctr"/>
+          <a:lstStyle/>
+          <a:p>
+            <a:pPr algn="ctr"/>
+            <a:r>
+              <a:rPr lang="en-US" sz="1400" dirty="0"/>
+              <a:t>3</a:t>
+            </a:r>
+          </a:p>
+        </p:txBody>
+      </p:sp>
+      <p:cxnSp>
+        <p:nvCxnSpPr>
+          <p:cNvPr id="35" name="Curved Connector 34">
+            <a:extLst>
+              <a:ext uri="{FF2B5EF4-FFF2-40B4-BE49-F238E27FC236}">
+                <a16:creationId xmlns:a16="http://schemas.microsoft.com/office/drawing/2014/main" id="{E4693512-BC4E-064C-9884-BD8A6CD5F463}"/>
+              </a:ext>
+            </a:extLst>
+          </p:cNvPr>
+          <p:cNvCxnSpPr>
+            <a:cxnSpLocks/>
+            <a:stCxn id="5" idx="2"/>
+            <a:endCxn id="25" idx="0"/>
+          </p:cNvCxnSpPr>
+          <p:nvPr/>
+        </p:nvCxnSpPr>
+        <p:spPr>
+          <a:xfrm rot="5400000">
+            <a:off x="6026147" y="3013128"/>
+            <a:ext cx="2657936" cy="952539"/>
+          </a:xfrm>
+          <a:prstGeom prst="curvedConnector3">
+            <a:avLst>
+              <a:gd name="adj1" fmla="val 50000"/>
+            </a:avLst>
+          </a:prstGeom>
+          <a:ln>
+            <a:solidFill>
+              <a:schemeClr val="accent6"/>
+            </a:solidFill>
+            <a:tailEnd type="triangle"/>
+          </a:ln>
+          <a:effectLst/>
+        </p:spPr>
+        <p:style>
+          <a:lnRef idx="2">
+            <a:schemeClr val="accent1"/>
+          </a:lnRef>
+          <a:fillRef idx="0">
+            <a:schemeClr val="accent1"/>
+          </a:fillRef>
+          <a:effectRef idx="1">
+            <a:schemeClr val="accent1"/>
+          </a:effectRef>
+          <a:fontRef idx="minor">
+            <a:schemeClr val="tx1"/>
+          </a:fontRef>
+        </p:style>
+      </p:cxnSp>
+      <p:cxnSp>
+        <p:nvCxnSpPr>
+          <p:cNvPr id="38" name="Curved Connector 37">
+            <a:extLst>
+              <a:ext uri="{FF2B5EF4-FFF2-40B4-BE49-F238E27FC236}">
+                <a16:creationId xmlns:a16="http://schemas.microsoft.com/office/drawing/2014/main" id="{B031EFB6-9792-D84D-8DBF-FBA017642DD4}"/>
+              </a:ext>
+            </a:extLst>
+          </p:cNvPr>
+          <p:cNvCxnSpPr>
+            <a:cxnSpLocks/>
+            <a:stCxn id="25" idx="3"/>
+            <a:endCxn id="22" idx="2"/>
+          </p:cNvCxnSpPr>
+          <p:nvPr/>
+        </p:nvCxnSpPr>
+        <p:spPr>
+          <a:xfrm flipV="1">
+            <a:off x="7527286" y="2232179"/>
+            <a:ext cx="1912638" cy="2804981"/>
+          </a:xfrm>
+          <a:prstGeom prst="curvedConnector2">
+            <a:avLst/>
+          </a:prstGeom>
+          <a:ln>
+            <a:solidFill>
+              <a:schemeClr val="accent6"/>
+            </a:solidFill>
+            <a:tailEnd type="triangle"/>
+          </a:ln>
+          <a:effectLst/>
+        </p:spPr>
+        <p:style>
+          <a:lnRef idx="2">
+            <a:schemeClr val="accent1"/>
+          </a:lnRef>
+          <a:fillRef idx="0">
+            <a:schemeClr val="accent1"/>
+          </a:fillRef>
+          <a:effectRef idx="1">
+            <a:schemeClr val="accent1"/>
+          </a:effectRef>
+          <a:fontRef idx="minor">
+            <a:schemeClr val="tx1"/>
+          </a:fontRef>
+        </p:style>
+      </p:cxnSp>
+      <p:pic>
+        <p:nvPicPr>
+          <p:cNvPr id="41" name="Picture 40">
+            <a:extLst>
+              <a:ext uri="{FF2B5EF4-FFF2-40B4-BE49-F238E27FC236}">
+                <a16:creationId xmlns:a16="http://schemas.microsoft.com/office/drawing/2014/main" id="{0E951F03-2830-5D4C-B187-9E41A0AC71C3}"/>
+              </a:ext>
+            </a:extLst>
+          </p:cNvPr>
+          <p:cNvPicPr>
+            <a:picLocks noChangeAspect="1"/>
+          </p:cNvPicPr>
+          <p:nvPr/>
+        </p:nvPicPr>
+        <p:blipFill>
+          <a:blip r:embed="rId3"/>
+          <a:stretch>
+            <a:fillRect/>
+          </a:stretch>
+        </p:blipFill>
+        <p:spPr>
+          <a:xfrm>
+            <a:off x="3541341" y="1494109"/>
+            <a:ext cx="1193999" cy="294089"/>
+          </a:xfrm>
+          <a:prstGeom prst="rect">
+            <a:avLst/>
+          </a:prstGeom>
+          <a:ln>
+            <a:solidFill>
+              <a:srgbClr val="FFC000"/>
+            </a:solidFill>
+          </a:ln>
+        </p:spPr>
+      </p:pic>
+    </p:spTree>
+    <p:extLst>
+      <p:ext uri="{BB962C8B-B14F-4D97-AF65-F5344CB8AC3E}">
+        <p14:creationId xmlns:p14="http://schemas.microsoft.com/office/powerpoint/2010/main" val="2209636817"/>
+      </p:ext>
+    </p:extLst>
+  </p:cSld>
+  <p:clrMapOvr>
+    <a:masterClrMapping/>
+  </p:clrMapOvr>
+  <p:transition spd="med"/>
+</p:sld>
+</file>
+
+<file path=ppt/slides/slide6.xml><?xml version="1.0" encoding="utf-8"?>
 <p:sld xmlns:a="http://schemas.openxmlformats.org/drawingml/2006/main" xmlns:r="http://schemas.openxmlformats.org/officeDocument/2006/relationships" xmlns:p="http://schemas.openxmlformats.org/presentationml/2006/main">
   <p:cSld>
     <p:spTree>
@@ -14496,7 +17515,7 @@
             <a:effectLst/>
             <a:extLst>
               <a:ext uri="{C572A759-6A51-4108-AA02-DFA0A04FC94B}">
-                <ma14:wrappingTextBoxFlag xmlns:ma14="http://schemas.microsoft.com/office/mac/drawingml/2011/main" xmlns="" val="1"/>
+                <ma14:wrappingTextBoxFlag xmlns="" xmlns:ma14="http://schemas.microsoft.com/office/mac/drawingml/2011/main" val="1"/>
               </a:ext>
             </a:extLst>
           </p:spPr>
@@ -16626,7 +19645,7 @@
             <a:effectLst/>
             <a:extLst>
               <a:ext uri="{C572A759-6A51-4108-AA02-DFA0A04FC94B}">
-                <ma14:wrappingTextBoxFlag xmlns:ma14="http://schemas.microsoft.com/office/mac/drawingml/2011/main" xmlns="" val="1"/>
+                <ma14:wrappingTextBoxFlag xmlns="" xmlns:ma14="http://schemas.microsoft.com/office/mac/drawingml/2011/main" val="1"/>
               </a:ext>
             </a:extLst>
           </p:spPr>
@@ -18245,7 +21264,7 @@
 </p:sld>
 </file>
 
-<file path=ppt/slides/slide6.xml><?xml version="1.0" encoding="utf-8"?>
+<file path=ppt/slides/slide7.xml><?xml version="1.0" encoding="utf-8"?>
 <p:sld xmlns:a="http://schemas.openxmlformats.org/drawingml/2006/main" xmlns:r="http://schemas.openxmlformats.org/officeDocument/2006/relationships" xmlns:p="http://schemas.openxmlformats.org/presentationml/2006/main">
   <p:cSld>
     <p:spTree>
@@ -18475,7 +21494,7 @@
                 </a:solidFill>
               </a:rPr>
               <a:pPr/>
-              <a:t>6</a:t>
+              <a:t>7</a:t>
             </a:fld>
             <a:endParaRPr lang="en-US">
               <a:solidFill>
@@ -21557,7 +24576,7 @@
 </p:sld>
 </file>
 
-<file path=ppt/slides/slide7.xml><?xml version="1.0" encoding="utf-8"?>
+<file path=ppt/slides/slide8.xml><?xml version="1.0" encoding="utf-8"?>
 <p:sld xmlns:a="http://schemas.openxmlformats.org/drawingml/2006/main" xmlns:r="http://schemas.openxmlformats.org/officeDocument/2006/relationships" xmlns:p="http://schemas.openxmlformats.org/presentationml/2006/main">
   <p:cSld>
     <p:spTree>
@@ -21787,7 +24806,7 @@
                 </a:solidFill>
               </a:rPr>
               <a:pPr/>
-              <a:t>7</a:t>
+              <a:t>8</a:t>
             </a:fld>
             <a:endParaRPr lang="en-US">
               <a:solidFill>
@@ -24869,7 +27888,7 @@
 </p:sld>
 </file>
 
-<file path=ppt/slides/slide8.xml><?xml version="1.0" encoding="utf-8"?>
+<file path=ppt/slides/slide9.xml><?xml version="1.0" encoding="utf-8"?>
 <p:sld xmlns:a="http://schemas.openxmlformats.org/drawingml/2006/main" xmlns:r="http://schemas.openxmlformats.org/officeDocument/2006/relationships" xmlns:p="http://schemas.openxmlformats.org/presentationml/2006/main">
   <p:cSld>
     <p:spTree>
@@ -24944,7 +27963,7 @@
           <a:p>
             <a:fld id="{C565C23E-6D76-459C-BC14-A9049E4EE889}" type="slidenum">
               <a:rPr lang="en-US" smtClean="0"/>
-              <a:t>8</a:t>
+              <a:t>9</a:t>
             </a:fld>
             <a:endParaRPr lang="en-US"/>
           </a:p>
@@ -26658,1383 +29677,6 @@
     <p:extLst>
       <p:ext uri="{BB962C8B-B14F-4D97-AF65-F5344CB8AC3E}">
         <p14:creationId xmlns:p14="http://schemas.microsoft.com/office/powerpoint/2010/main" val="3696044975"/>
-      </p:ext>
-    </p:extLst>
-  </p:cSld>
-  <p:clrMapOvr>
-    <a:masterClrMapping/>
-  </p:clrMapOvr>
-</p:sld>
-</file>
-
-<file path=ppt/slides/slide9.xml><?xml version="1.0" encoding="utf-8"?>
-<p:sld xmlns:a="http://schemas.openxmlformats.org/drawingml/2006/main" xmlns:r="http://schemas.openxmlformats.org/officeDocument/2006/relationships" xmlns:p="http://schemas.openxmlformats.org/presentationml/2006/main">
-  <p:cSld>
-    <p:spTree>
-      <p:nvGrpSpPr>
-        <p:cNvPr id="1" name=""/>
-        <p:cNvGrpSpPr/>
-        <p:nvPr/>
-      </p:nvGrpSpPr>
-      <p:grpSpPr>
-        <a:xfrm>
-          <a:off x="0" y="0"/>
-          <a:ext cx="0" cy="0"/>
-          <a:chOff x="0" y="0"/>
-          <a:chExt cx="0" cy="0"/>
-        </a:xfrm>
-      </p:grpSpPr>
-      <p:sp>
-        <p:nvSpPr>
-          <p:cNvPr id="2" name="Title 1">
-            <a:extLst>
-              <a:ext uri="{FF2B5EF4-FFF2-40B4-BE49-F238E27FC236}">
-                <a16:creationId xmlns:a16="http://schemas.microsoft.com/office/drawing/2014/main" id="{83D72B5A-D2BF-0F41-AB02-0E3504265F76}"/>
-              </a:ext>
-            </a:extLst>
-          </p:cNvPr>
-          <p:cNvSpPr>
-            <a:spLocks noGrp="1"/>
-          </p:cNvSpPr>
-          <p:nvPr>
-            <p:ph type="title"/>
-          </p:nvPr>
-        </p:nvSpPr>
-        <p:spPr>
-          <a:xfrm>
-            <a:off x="288633" y="208582"/>
-            <a:ext cx="10515600" cy="521140"/>
-          </a:xfrm>
-        </p:spPr>
-        <p:txBody>
-          <a:bodyPr>
-            <a:normAutofit/>
-          </a:bodyPr>
-          <a:lstStyle/>
-          <a:p>
-            <a:r>
-              <a:rPr lang="en-US" sz="2400" dirty="0"/>
-              <a:t>Event Stream As Event Store for ML</a:t>
-            </a:r>
-          </a:p>
-        </p:txBody>
-      </p:sp>
-      <p:sp>
-        <p:nvSpPr>
-          <p:cNvPr id="4" name="Slide Number Placeholder 3">
-            <a:extLst>
-              <a:ext uri="{FF2B5EF4-FFF2-40B4-BE49-F238E27FC236}">
-                <a16:creationId xmlns:a16="http://schemas.microsoft.com/office/drawing/2014/main" id="{B1D66A27-027F-EA4A-B9BD-D02849496229}"/>
-              </a:ext>
-            </a:extLst>
-          </p:cNvPr>
-          <p:cNvSpPr>
-            <a:spLocks noGrp="1"/>
-          </p:cNvSpPr>
-          <p:nvPr>
-            <p:ph type="sldNum" sz="quarter" idx="12"/>
-          </p:nvPr>
-        </p:nvSpPr>
-        <p:spPr/>
-        <p:txBody>
-          <a:bodyPr/>
-          <a:lstStyle/>
-          <a:p>
-            <a:fld id="{C565C23E-6D76-459C-BC14-A9049E4EE889}" type="slidenum">
-              <a:rPr lang="en-US" smtClean="0"/>
-              <a:t>9</a:t>
-            </a:fld>
-            <a:endParaRPr lang="en-US"/>
-          </a:p>
-        </p:txBody>
-      </p:sp>
-      <p:sp>
-        <p:nvSpPr>
-          <p:cNvPr id="6" name="Rectangle 5">
-            <a:extLst>
-              <a:ext uri="{FF2B5EF4-FFF2-40B4-BE49-F238E27FC236}">
-                <a16:creationId xmlns:a16="http://schemas.microsoft.com/office/drawing/2014/main" id="{B53C0033-8D9E-604C-9B28-5FDD36C6C800}"/>
-              </a:ext>
-            </a:extLst>
-          </p:cNvPr>
-          <p:cNvSpPr/>
-          <p:nvPr/>
-        </p:nvSpPr>
-        <p:spPr>
-          <a:xfrm>
-            <a:off x="6118016" y="1168380"/>
-            <a:ext cx="3362160" cy="1973555"/>
-          </a:xfrm>
-          <a:prstGeom prst="rect">
-            <a:avLst/>
-          </a:prstGeom>
-          <a:noFill/>
-          <a:ln>
-            <a:prstDash val="dash"/>
-          </a:ln>
-        </p:spPr>
-        <p:style>
-          <a:lnRef idx="2">
-            <a:schemeClr val="accent1">
-              <a:shade val="50000"/>
-            </a:schemeClr>
-          </a:lnRef>
-          <a:fillRef idx="1">
-            <a:schemeClr val="accent1"/>
-          </a:fillRef>
-          <a:effectRef idx="0">
-            <a:schemeClr val="accent1"/>
-          </a:effectRef>
-          <a:fontRef idx="minor">
-            <a:schemeClr val="lt1"/>
-          </a:fontRef>
-        </p:style>
-        <p:txBody>
-          <a:bodyPr rtlCol="0" anchor="b"/>
-          <a:lstStyle/>
-          <a:p>
-            <a:pPr algn="ctr"/>
-            <a:r>
-              <a:rPr lang="en-US" sz="1200" dirty="0">
-                <a:solidFill>
-                  <a:schemeClr val="tx1"/>
-                </a:solidFill>
-              </a:rPr>
-              <a:t>ML Environment</a:t>
-            </a:r>
-          </a:p>
-        </p:txBody>
-      </p:sp>
-      <p:sp>
-        <p:nvSpPr>
-          <p:cNvPr id="8" name="Rectangle 7">
-            <a:extLst>
-              <a:ext uri="{FF2B5EF4-FFF2-40B4-BE49-F238E27FC236}">
-                <a16:creationId xmlns:a16="http://schemas.microsoft.com/office/drawing/2014/main" id="{FB63688E-FF28-D746-AC3D-3D2EFBDE0655}"/>
-              </a:ext>
-            </a:extLst>
-          </p:cNvPr>
-          <p:cNvSpPr/>
-          <p:nvPr/>
-        </p:nvSpPr>
-        <p:spPr>
-          <a:xfrm>
-            <a:off x="642258" y="1282632"/>
-            <a:ext cx="2008413" cy="1655634"/>
-          </a:xfrm>
-          <a:prstGeom prst="rect">
-            <a:avLst/>
-          </a:prstGeom>
-          <a:noFill/>
-          <a:ln>
-            <a:solidFill>
-              <a:schemeClr val="accent3"/>
-            </a:solidFill>
-            <a:prstDash val="dash"/>
-          </a:ln>
-        </p:spPr>
-        <p:style>
-          <a:lnRef idx="2">
-            <a:schemeClr val="accent1">
-              <a:shade val="50000"/>
-            </a:schemeClr>
-          </a:lnRef>
-          <a:fillRef idx="1">
-            <a:schemeClr val="accent1"/>
-          </a:fillRef>
-          <a:effectRef idx="0">
-            <a:schemeClr val="accent1"/>
-          </a:effectRef>
-          <a:fontRef idx="minor">
-            <a:schemeClr val="lt1"/>
-          </a:fontRef>
-        </p:style>
-        <p:txBody>
-          <a:bodyPr rtlCol="0" anchor="b"/>
-          <a:lstStyle/>
-          <a:p>
-            <a:pPr algn="ctr"/>
-            <a:r>
-              <a:rPr lang="en-US" sz="1200" dirty="0">
-                <a:solidFill>
-                  <a:schemeClr val="tx1"/>
-                </a:solidFill>
-              </a:rPr>
-              <a:t>Python</a:t>
-            </a:r>
-          </a:p>
-        </p:txBody>
-      </p:sp>
-      <p:sp>
-        <p:nvSpPr>
-          <p:cNvPr id="9" name="Rectangle 8">
-            <a:extLst>
-              <a:ext uri="{FF2B5EF4-FFF2-40B4-BE49-F238E27FC236}">
-                <a16:creationId xmlns:a16="http://schemas.microsoft.com/office/drawing/2014/main" id="{F1EEF6CD-0322-394A-87BF-5379FE8EE999}"/>
-              </a:ext>
-            </a:extLst>
-          </p:cNvPr>
-          <p:cNvSpPr/>
-          <p:nvPr/>
-        </p:nvSpPr>
-        <p:spPr>
-          <a:xfrm>
-            <a:off x="762000" y="1616527"/>
-            <a:ext cx="1703614" cy="914400"/>
-          </a:xfrm>
-          <a:prstGeom prst="rect">
-            <a:avLst/>
-          </a:prstGeom>
-          <a:solidFill>
-            <a:schemeClr val="accent5">
-              <a:lumMod val="75000"/>
-            </a:schemeClr>
-          </a:solidFill>
-        </p:spPr>
-        <p:style>
-          <a:lnRef idx="2">
-            <a:schemeClr val="accent1">
-              <a:shade val="50000"/>
-            </a:schemeClr>
-          </a:lnRef>
-          <a:fillRef idx="1">
-            <a:schemeClr val="accent1"/>
-          </a:fillRef>
-          <a:effectRef idx="0">
-            <a:schemeClr val="accent1"/>
-          </a:effectRef>
-          <a:fontRef idx="minor">
-            <a:schemeClr val="lt1"/>
-          </a:fontRef>
-        </p:style>
-        <p:txBody>
-          <a:bodyPr rtlCol="0" anchor="ctr"/>
-          <a:lstStyle/>
-          <a:p>
-            <a:pPr algn="ctr"/>
-            <a:r>
-              <a:rPr lang="en-US" sz="1400" dirty="0"/>
-              <a:t>Simulator</a:t>
-            </a:r>
-          </a:p>
-        </p:txBody>
-      </p:sp>
-      <p:sp>
-        <p:nvSpPr>
-          <p:cNvPr id="10" name="Rounded Rectangle 9">
-            <a:extLst>
-              <a:ext uri="{FF2B5EF4-FFF2-40B4-BE49-F238E27FC236}">
-                <a16:creationId xmlns:a16="http://schemas.microsoft.com/office/drawing/2014/main" id="{0BA597E7-00D6-7F44-9C30-03D1F5A01FB4}"/>
-              </a:ext>
-            </a:extLst>
-          </p:cNvPr>
-          <p:cNvSpPr/>
-          <p:nvPr/>
-        </p:nvSpPr>
-        <p:spPr bwMode="auto">
-          <a:xfrm>
-            <a:off x="2766994" y="4217859"/>
-            <a:ext cx="245561" cy="731512"/>
-          </a:xfrm>
-          <a:prstGeom prst="roundRect">
-            <a:avLst/>
-          </a:prstGeom>
-          <a:solidFill>
-            <a:schemeClr val="bg2"/>
-          </a:solidFill>
-          <a:ln>
-            <a:solidFill>
-              <a:schemeClr val="bg1"/>
-            </a:solidFill>
-            <a:prstDash val="solid"/>
-            <a:headEnd type="none" w="med" len="med"/>
-            <a:tailEnd type="none" w="med" len="med"/>
-          </a:ln>
-          <a:effectLst/>
-        </p:spPr>
-        <p:style>
-          <a:lnRef idx="1">
-            <a:schemeClr val="accent5"/>
-          </a:lnRef>
-          <a:fillRef idx="3">
-            <a:schemeClr val="accent5"/>
-          </a:fillRef>
-          <a:effectRef idx="2">
-            <a:schemeClr val="accent5"/>
-          </a:effectRef>
-          <a:fontRef idx="minor">
-            <a:schemeClr val="lt1"/>
-          </a:fontRef>
-        </p:style>
-        <p:txBody>
-          <a:bodyPr vert="horz" wrap="square" lIns="0" tIns="0" rIns="0" bIns="0" numCol="1" rtlCol="0" anchor="ctr" anchorCtr="0" compatLnSpc="1">
-            <a:prstTxWarp prst="textNoShape">
-              <a:avLst/>
-            </a:prstTxWarp>
-            <a:noAutofit/>
-          </a:bodyPr>
-          <a:lstStyle/>
-          <a:p>
-            <a:pPr algn="ctr" defTabSz="1219170" fontAlgn="base">
-              <a:lnSpc>
-                <a:spcPct val="90000"/>
-              </a:lnSpc>
-              <a:spcBef>
-                <a:spcPct val="0"/>
-              </a:spcBef>
-              <a:spcAft>
-                <a:spcPct val="0"/>
-              </a:spcAft>
-            </a:pPr>
-            <a:r>
-              <a:rPr lang="en-US" sz="1200" dirty="0">
-                <a:solidFill>
-                  <a:schemeClr val="bg1"/>
-                </a:solidFill>
-              </a:rPr>
-              <a:t>0</a:t>
-            </a:r>
-            <a:endParaRPr lang="en-US" sz="667" dirty="0">
-              <a:solidFill>
-                <a:schemeClr val="bg1"/>
-              </a:solidFill>
-            </a:endParaRPr>
-          </a:p>
-        </p:txBody>
-      </p:sp>
-      <p:sp>
-        <p:nvSpPr>
-          <p:cNvPr id="11" name="Rounded Rectangle 10">
-            <a:extLst>
-              <a:ext uri="{FF2B5EF4-FFF2-40B4-BE49-F238E27FC236}">
-                <a16:creationId xmlns:a16="http://schemas.microsoft.com/office/drawing/2014/main" id="{3F8CBAEE-0098-D148-A196-E5AD2B6787B8}"/>
-              </a:ext>
-            </a:extLst>
-          </p:cNvPr>
-          <p:cNvSpPr/>
-          <p:nvPr/>
-        </p:nvSpPr>
-        <p:spPr bwMode="auto">
-          <a:xfrm>
-            <a:off x="3010831" y="4217859"/>
-            <a:ext cx="245561" cy="731512"/>
-          </a:xfrm>
-          <a:prstGeom prst="roundRect">
-            <a:avLst/>
-          </a:prstGeom>
-          <a:solidFill>
-            <a:schemeClr val="bg2"/>
-          </a:solidFill>
-          <a:ln>
-            <a:solidFill>
-              <a:schemeClr val="bg1"/>
-            </a:solidFill>
-            <a:prstDash val="solid"/>
-            <a:headEnd type="none" w="med" len="med"/>
-            <a:tailEnd type="none" w="med" len="med"/>
-          </a:ln>
-          <a:effectLst/>
-        </p:spPr>
-        <p:style>
-          <a:lnRef idx="1">
-            <a:schemeClr val="accent5"/>
-          </a:lnRef>
-          <a:fillRef idx="3">
-            <a:schemeClr val="accent5"/>
-          </a:fillRef>
-          <a:effectRef idx="2">
-            <a:schemeClr val="accent5"/>
-          </a:effectRef>
-          <a:fontRef idx="minor">
-            <a:schemeClr val="lt1"/>
-          </a:fontRef>
-        </p:style>
-        <p:txBody>
-          <a:bodyPr vert="horz" wrap="square" lIns="0" tIns="0" rIns="0" bIns="0" numCol="1" rtlCol="0" anchor="ctr" anchorCtr="0" compatLnSpc="1">
-            <a:prstTxWarp prst="textNoShape">
-              <a:avLst/>
-            </a:prstTxWarp>
-            <a:noAutofit/>
-          </a:bodyPr>
-          <a:lstStyle/>
-          <a:p>
-            <a:pPr algn="ctr" defTabSz="1219170" fontAlgn="base">
-              <a:lnSpc>
-                <a:spcPct val="90000"/>
-              </a:lnSpc>
-              <a:spcBef>
-                <a:spcPct val="0"/>
-              </a:spcBef>
-              <a:spcAft>
-                <a:spcPct val="0"/>
-              </a:spcAft>
-            </a:pPr>
-            <a:r>
-              <a:rPr lang="en-US" sz="1200" dirty="0">
-                <a:solidFill>
-                  <a:schemeClr val="bg1"/>
-                </a:solidFill>
-              </a:rPr>
-              <a:t>1</a:t>
-            </a:r>
-            <a:endParaRPr lang="en-US" sz="667" dirty="0">
-              <a:solidFill>
-                <a:schemeClr val="bg1"/>
-              </a:solidFill>
-            </a:endParaRPr>
-          </a:p>
-        </p:txBody>
-      </p:sp>
-      <p:sp>
-        <p:nvSpPr>
-          <p:cNvPr id="12" name="Rounded Rectangle 11">
-            <a:extLst>
-              <a:ext uri="{FF2B5EF4-FFF2-40B4-BE49-F238E27FC236}">
-                <a16:creationId xmlns:a16="http://schemas.microsoft.com/office/drawing/2014/main" id="{F2989703-2F49-5647-B6D8-F7993E04EAE4}"/>
-              </a:ext>
-            </a:extLst>
-          </p:cNvPr>
-          <p:cNvSpPr/>
-          <p:nvPr/>
-        </p:nvSpPr>
-        <p:spPr bwMode="auto">
-          <a:xfrm>
-            <a:off x="3256393" y="4217859"/>
-            <a:ext cx="245561" cy="731512"/>
-          </a:xfrm>
-          <a:prstGeom prst="roundRect">
-            <a:avLst/>
-          </a:prstGeom>
-          <a:solidFill>
-            <a:schemeClr val="bg2"/>
-          </a:solidFill>
-          <a:ln>
-            <a:solidFill>
-              <a:schemeClr val="bg1"/>
-            </a:solidFill>
-            <a:prstDash val="solid"/>
-            <a:headEnd type="none" w="med" len="med"/>
-            <a:tailEnd type="none" w="med" len="med"/>
-          </a:ln>
-          <a:effectLst/>
-        </p:spPr>
-        <p:style>
-          <a:lnRef idx="1">
-            <a:schemeClr val="accent5"/>
-          </a:lnRef>
-          <a:fillRef idx="3">
-            <a:schemeClr val="accent5"/>
-          </a:fillRef>
-          <a:effectRef idx="2">
-            <a:schemeClr val="accent5"/>
-          </a:effectRef>
-          <a:fontRef idx="minor">
-            <a:schemeClr val="lt1"/>
-          </a:fontRef>
-        </p:style>
-        <p:txBody>
-          <a:bodyPr vert="horz" wrap="square" lIns="0" tIns="0" rIns="0" bIns="0" numCol="1" rtlCol="0" anchor="ctr" anchorCtr="0" compatLnSpc="1">
-            <a:prstTxWarp prst="textNoShape">
-              <a:avLst/>
-            </a:prstTxWarp>
-            <a:noAutofit/>
-          </a:bodyPr>
-          <a:lstStyle/>
-          <a:p>
-            <a:pPr algn="ctr" defTabSz="1219170" fontAlgn="base">
-              <a:lnSpc>
-                <a:spcPct val="90000"/>
-              </a:lnSpc>
-              <a:spcBef>
-                <a:spcPct val="0"/>
-              </a:spcBef>
-              <a:spcAft>
-                <a:spcPct val="0"/>
-              </a:spcAft>
-            </a:pPr>
-            <a:r>
-              <a:rPr lang="en-US" sz="1200" dirty="0">
-                <a:solidFill>
-                  <a:schemeClr val="bg1"/>
-                </a:solidFill>
-              </a:rPr>
-              <a:t>2</a:t>
-            </a:r>
-            <a:endParaRPr lang="en-US" sz="667" dirty="0">
-              <a:solidFill>
-                <a:schemeClr val="bg1"/>
-              </a:solidFill>
-            </a:endParaRPr>
-          </a:p>
-        </p:txBody>
-      </p:sp>
-      <p:sp>
-        <p:nvSpPr>
-          <p:cNvPr id="13" name="Rounded Rectangle 12">
-            <a:extLst>
-              <a:ext uri="{FF2B5EF4-FFF2-40B4-BE49-F238E27FC236}">
-                <a16:creationId xmlns:a16="http://schemas.microsoft.com/office/drawing/2014/main" id="{54F04F52-1698-E54E-8D5D-3991A0424611}"/>
-              </a:ext>
-            </a:extLst>
-          </p:cNvPr>
-          <p:cNvSpPr/>
-          <p:nvPr/>
-        </p:nvSpPr>
-        <p:spPr bwMode="auto">
-          <a:xfrm>
-            <a:off x="3500230" y="4217859"/>
-            <a:ext cx="245561" cy="731512"/>
-          </a:xfrm>
-          <a:prstGeom prst="roundRect">
-            <a:avLst/>
-          </a:prstGeom>
-          <a:solidFill>
-            <a:schemeClr val="bg2"/>
-          </a:solidFill>
-          <a:ln>
-            <a:solidFill>
-              <a:schemeClr val="bg1"/>
-            </a:solidFill>
-            <a:prstDash val="solid"/>
-            <a:headEnd type="none" w="med" len="med"/>
-            <a:tailEnd type="none" w="med" len="med"/>
-          </a:ln>
-          <a:effectLst/>
-        </p:spPr>
-        <p:style>
-          <a:lnRef idx="1">
-            <a:schemeClr val="accent5"/>
-          </a:lnRef>
-          <a:fillRef idx="3">
-            <a:schemeClr val="accent5"/>
-          </a:fillRef>
-          <a:effectRef idx="2">
-            <a:schemeClr val="accent5"/>
-          </a:effectRef>
-          <a:fontRef idx="minor">
-            <a:schemeClr val="lt1"/>
-          </a:fontRef>
-        </p:style>
-        <p:txBody>
-          <a:bodyPr vert="horz" wrap="square" lIns="0" tIns="0" rIns="0" bIns="0" numCol="1" rtlCol="0" anchor="ctr" anchorCtr="0" compatLnSpc="1">
-            <a:prstTxWarp prst="textNoShape">
-              <a:avLst/>
-            </a:prstTxWarp>
-            <a:noAutofit/>
-          </a:bodyPr>
-          <a:lstStyle/>
-          <a:p>
-            <a:pPr algn="ctr" defTabSz="1219170" fontAlgn="base">
-              <a:lnSpc>
-                <a:spcPct val="90000"/>
-              </a:lnSpc>
-              <a:spcBef>
-                <a:spcPct val="0"/>
-              </a:spcBef>
-              <a:spcAft>
-                <a:spcPct val="0"/>
-              </a:spcAft>
-            </a:pPr>
-            <a:r>
-              <a:rPr lang="en-US" sz="1200" dirty="0">
-                <a:solidFill>
-                  <a:schemeClr val="bg1"/>
-                </a:solidFill>
-              </a:rPr>
-              <a:t>3</a:t>
-            </a:r>
-            <a:endParaRPr lang="en-US" sz="667" dirty="0">
-              <a:solidFill>
-                <a:schemeClr val="bg1"/>
-              </a:solidFill>
-            </a:endParaRPr>
-          </a:p>
-        </p:txBody>
-      </p:sp>
-      <p:sp>
-        <p:nvSpPr>
-          <p:cNvPr id="14" name="Rounded Rectangle 13">
-            <a:extLst>
-              <a:ext uri="{FF2B5EF4-FFF2-40B4-BE49-F238E27FC236}">
-                <a16:creationId xmlns:a16="http://schemas.microsoft.com/office/drawing/2014/main" id="{3890F22B-7831-CC45-9E84-2F465C403BBE}"/>
-              </a:ext>
-            </a:extLst>
-          </p:cNvPr>
-          <p:cNvSpPr/>
-          <p:nvPr/>
-        </p:nvSpPr>
-        <p:spPr bwMode="auto">
-          <a:xfrm>
-            <a:off x="3745791" y="4217859"/>
-            <a:ext cx="245561" cy="731512"/>
-          </a:xfrm>
-          <a:prstGeom prst="roundRect">
-            <a:avLst/>
-          </a:prstGeom>
-          <a:solidFill>
-            <a:schemeClr val="bg2"/>
-          </a:solidFill>
-          <a:ln>
-            <a:solidFill>
-              <a:schemeClr val="bg1"/>
-            </a:solidFill>
-            <a:prstDash val="solid"/>
-            <a:headEnd type="none" w="med" len="med"/>
-            <a:tailEnd type="none" w="med" len="med"/>
-          </a:ln>
-          <a:effectLst/>
-        </p:spPr>
-        <p:style>
-          <a:lnRef idx="1">
-            <a:schemeClr val="accent5"/>
-          </a:lnRef>
-          <a:fillRef idx="3">
-            <a:schemeClr val="accent5"/>
-          </a:fillRef>
-          <a:effectRef idx="2">
-            <a:schemeClr val="accent5"/>
-          </a:effectRef>
-          <a:fontRef idx="minor">
-            <a:schemeClr val="lt1"/>
-          </a:fontRef>
-        </p:style>
-        <p:txBody>
-          <a:bodyPr vert="horz" wrap="square" lIns="0" tIns="0" rIns="0" bIns="0" numCol="1" rtlCol="0" anchor="ctr" anchorCtr="0" compatLnSpc="1">
-            <a:prstTxWarp prst="textNoShape">
-              <a:avLst/>
-            </a:prstTxWarp>
-            <a:noAutofit/>
-          </a:bodyPr>
-          <a:lstStyle/>
-          <a:p>
-            <a:pPr algn="ctr" defTabSz="1219170" fontAlgn="base">
-              <a:lnSpc>
-                <a:spcPct val="90000"/>
-              </a:lnSpc>
-              <a:spcBef>
-                <a:spcPct val="0"/>
-              </a:spcBef>
-              <a:spcAft>
-                <a:spcPct val="0"/>
-              </a:spcAft>
-            </a:pPr>
-            <a:r>
-              <a:rPr lang="en-US" sz="1200" dirty="0">
-                <a:solidFill>
-                  <a:schemeClr val="bg1"/>
-                </a:solidFill>
-              </a:rPr>
-              <a:t>4</a:t>
-            </a:r>
-            <a:endParaRPr lang="en-US" sz="667" dirty="0">
-              <a:solidFill>
-                <a:schemeClr val="bg1"/>
-              </a:solidFill>
-            </a:endParaRPr>
-          </a:p>
-        </p:txBody>
-      </p:sp>
-      <p:sp>
-        <p:nvSpPr>
-          <p:cNvPr id="15" name="Rounded Rectangle 14">
-            <a:extLst>
-              <a:ext uri="{FF2B5EF4-FFF2-40B4-BE49-F238E27FC236}">
-                <a16:creationId xmlns:a16="http://schemas.microsoft.com/office/drawing/2014/main" id="{EED12008-2192-5048-99A3-CAFBD4DFB3A8}"/>
-              </a:ext>
-            </a:extLst>
-          </p:cNvPr>
-          <p:cNvSpPr/>
-          <p:nvPr/>
-        </p:nvSpPr>
-        <p:spPr bwMode="auto">
-          <a:xfrm>
-            <a:off x="3976587" y="4217859"/>
-            <a:ext cx="245561" cy="731512"/>
-          </a:xfrm>
-          <a:prstGeom prst="roundRect">
-            <a:avLst/>
-          </a:prstGeom>
-          <a:solidFill>
-            <a:schemeClr val="bg2"/>
-          </a:solidFill>
-          <a:ln>
-            <a:solidFill>
-              <a:schemeClr val="bg1"/>
-            </a:solidFill>
-            <a:prstDash val="solid"/>
-            <a:headEnd type="none" w="med" len="med"/>
-            <a:tailEnd type="none" w="med" len="med"/>
-          </a:ln>
-          <a:effectLst/>
-        </p:spPr>
-        <p:style>
-          <a:lnRef idx="1">
-            <a:schemeClr val="accent5"/>
-          </a:lnRef>
-          <a:fillRef idx="3">
-            <a:schemeClr val="accent5"/>
-          </a:fillRef>
-          <a:effectRef idx="2">
-            <a:schemeClr val="accent5"/>
-          </a:effectRef>
-          <a:fontRef idx="minor">
-            <a:schemeClr val="lt1"/>
-          </a:fontRef>
-        </p:style>
-        <p:txBody>
-          <a:bodyPr vert="horz" wrap="square" lIns="0" tIns="0" rIns="0" bIns="0" numCol="1" rtlCol="0" anchor="ctr" anchorCtr="0" compatLnSpc="1">
-            <a:prstTxWarp prst="textNoShape">
-              <a:avLst/>
-            </a:prstTxWarp>
-            <a:noAutofit/>
-          </a:bodyPr>
-          <a:lstStyle/>
-          <a:p>
-            <a:pPr algn="ctr" defTabSz="1219170" fontAlgn="base">
-              <a:lnSpc>
-                <a:spcPct val="90000"/>
-              </a:lnSpc>
-              <a:spcBef>
-                <a:spcPct val="0"/>
-              </a:spcBef>
-              <a:spcAft>
-                <a:spcPct val="0"/>
-              </a:spcAft>
-            </a:pPr>
-            <a:r>
-              <a:rPr lang="en-US" sz="1200" dirty="0">
-                <a:solidFill>
-                  <a:schemeClr val="bg1"/>
-                </a:solidFill>
-              </a:rPr>
-              <a:t>5</a:t>
-            </a:r>
-            <a:endParaRPr lang="en-US" sz="667" dirty="0">
-              <a:solidFill>
-                <a:schemeClr val="bg1"/>
-              </a:solidFill>
-            </a:endParaRPr>
-          </a:p>
-        </p:txBody>
-      </p:sp>
-      <p:sp>
-        <p:nvSpPr>
-          <p:cNvPr id="18" name="AutoShape 4">
-            <a:extLst>
-              <a:ext uri="{FF2B5EF4-FFF2-40B4-BE49-F238E27FC236}">
-                <a16:creationId xmlns:a16="http://schemas.microsoft.com/office/drawing/2014/main" id="{CDC99AA8-3A32-6E4A-99DE-489E3056BAE3}"/>
-              </a:ext>
-            </a:extLst>
-          </p:cNvPr>
-          <p:cNvSpPr>
-            <a:spLocks noChangeArrowheads="1"/>
-          </p:cNvSpPr>
-          <p:nvPr/>
-        </p:nvSpPr>
-        <p:spPr bwMode="auto">
-          <a:xfrm>
-            <a:off x="1899331" y="3925562"/>
-            <a:ext cx="3513917" cy="1348479"/>
-          </a:xfrm>
-          <a:prstGeom prst="roundRect">
-            <a:avLst>
-              <a:gd name="adj" fmla="val 7117"/>
-            </a:avLst>
-          </a:prstGeom>
-          <a:noFill/>
-          <a:ln w="12700">
-            <a:solidFill>
-              <a:schemeClr val="accent3"/>
-            </a:solidFill>
-            <a:prstDash val="dash"/>
-            <a:round/>
-            <a:headEnd/>
-            <a:tailEnd/>
-          </a:ln>
-        </p:spPr>
-        <p:txBody>
-          <a:bodyPr lIns="0" tIns="0" rIns="0" bIns="0" anchor="b" anchorCtr="1"/>
-          <a:lstStyle/>
-          <a:p>
-            <a:pPr algn="ctr"/>
-            <a:endParaRPr lang="en-US" sz="1333" dirty="0"/>
-          </a:p>
-        </p:txBody>
-      </p:sp>
-      <p:sp>
-        <p:nvSpPr>
-          <p:cNvPr id="20" name="TextBox 19">
-            <a:extLst>
-              <a:ext uri="{FF2B5EF4-FFF2-40B4-BE49-F238E27FC236}">
-                <a16:creationId xmlns:a16="http://schemas.microsoft.com/office/drawing/2014/main" id="{DBB9557F-8237-544F-8483-B618ED14A2EB}"/>
-              </a:ext>
-            </a:extLst>
-          </p:cNvPr>
-          <p:cNvSpPr txBox="1"/>
-          <p:nvPr/>
-        </p:nvSpPr>
-        <p:spPr>
-          <a:xfrm>
-            <a:off x="2700397" y="4904710"/>
-            <a:ext cx="1967270" cy="369332"/>
-          </a:xfrm>
-          <a:prstGeom prst="rect">
-            <a:avLst/>
-          </a:prstGeom>
-          <a:noFill/>
-        </p:spPr>
-        <p:txBody>
-          <a:bodyPr wrap="none" rtlCol="0">
-            <a:spAutoFit/>
-          </a:bodyPr>
-          <a:lstStyle/>
-          <a:p>
-            <a:r>
-              <a:rPr lang="en-US" dirty="0">
-                <a:solidFill>
-                  <a:schemeClr val="accent1">
-                    <a:lumMod val="25000"/>
-                  </a:schemeClr>
-                </a:solidFill>
-              </a:rPr>
-              <a:t>reeferTelemetries</a:t>
-            </a:r>
-          </a:p>
-        </p:txBody>
-      </p:sp>
-      <p:pic>
-        <p:nvPicPr>
-          <p:cNvPr id="22" name="Picture 21">
-            <a:extLst>
-              <a:ext uri="{FF2B5EF4-FFF2-40B4-BE49-F238E27FC236}">
-                <a16:creationId xmlns:a16="http://schemas.microsoft.com/office/drawing/2014/main" id="{1B16228E-748D-5644-91F6-79288C7462BE}"/>
-              </a:ext>
-            </a:extLst>
-          </p:cNvPr>
-          <p:cNvPicPr>
-            <a:picLocks noChangeAspect="1"/>
-          </p:cNvPicPr>
-          <p:nvPr/>
-        </p:nvPicPr>
-        <p:blipFill>
-          <a:blip r:embed="rId2">
-            <a:extLst>
-              <a:ext uri="{28A0092B-C50C-407E-A947-70E740481C1C}">
-                <a14:useLocalDpi xmlns:a14="http://schemas.microsoft.com/office/drawing/2010/main" val="0"/>
-              </a:ext>
-            </a:extLst>
-          </a:blip>
-          <a:stretch>
-            <a:fillRect/>
-          </a:stretch>
-        </p:blipFill>
-        <p:spPr>
-          <a:xfrm>
-            <a:off x="1904609" y="3930860"/>
-            <a:ext cx="523018" cy="690721"/>
-          </a:xfrm>
-          <a:prstGeom prst="rect">
-            <a:avLst/>
-          </a:prstGeom>
-        </p:spPr>
-      </p:pic>
-      <p:pic>
-        <p:nvPicPr>
-          <p:cNvPr id="24" name="Picture 40">
-            <a:extLst>
-              <a:ext uri="{FF2B5EF4-FFF2-40B4-BE49-F238E27FC236}">
-                <a16:creationId xmlns:a16="http://schemas.microsoft.com/office/drawing/2014/main" id="{E8EEB410-07EC-D848-92F0-6380D4A64C59}"/>
-              </a:ext>
-            </a:extLst>
-          </p:cNvPr>
-          <p:cNvPicPr>
-            <a:picLocks noChangeAspect="1"/>
-          </p:cNvPicPr>
-          <p:nvPr/>
-        </p:nvPicPr>
-        <p:blipFill>
-          <a:blip r:embed="rId3">
-            <a:extLst>
-              <a:ext uri="{28A0092B-C50C-407E-A947-70E740481C1C}">
-                <a14:useLocalDpi xmlns:a14="http://schemas.microsoft.com/office/drawing/2010/main" val="0"/>
-              </a:ext>
-            </a:extLst>
-          </a:blip>
-          <a:srcRect/>
-          <a:stretch>
-            <a:fillRect/>
-          </a:stretch>
-        </p:blipFill>
-        <p:spPr bwMode="auto">
-          <a:xfrm>
-            <a:off x="1366480" y="5093585"/>
-            <a:ext cx="1099134" cy="407338"/>
-          </a:xfrm>
-          <a:prstGeom prst="rect">
-            <a:avLst/>
-          </a:prstGeom>
-          <a:noFill/>
-          <a:ln>
-            <a:noFill/>
-          </a:ln>
-          <a:extLst>
-            <a:ext uri="{909E8E84-426E-40DD-AFC4-6F175D3DCCD1}">
-              <a14:hiddenFill xmlns:a14="http://schemas.microsoft.com/office/drawing/2010/main">
-                <a:solidFill>
-                  <a:srgbClr val="FFFFFF"/>
-                </a:solidFill>
-              </a14:hiddenFill>
-            </a:ext>
-            <a:ext uri="{91240B29-F687-4F45-9708-019B960494DF}">
-              <a14:hiddenLine xmlns:a14="http://schemas.microsoft.com/office/drawing/2010/main" w="9525">
-                <a:solidFill>
-                  <a:srgbClr val="000000"/>
-                </a:solidFill>
-                <a:miter lim="800000"/>
-                <a:headEnd/>
-                <a:tailEnd/>
-              </a14:hiddenLine>
-            </a:ext>
-          </a:extLst>
-        </p:spPr>
-      </p:pic>
-      <p:pic>
-        <p:nvPicPr>
-          <p:cNvPr id="25" name="Picture 40">
-            <a:extLst>
-              <a:ext uri="{FF2B5EF4-FFF2-40B4-BE49-F238E27FC236}">
-                <a16:creationId xmlns:a16="http://schemas.microsoft.com/office/drawing/2014/main" id="{6CF0C2DA-CD62-0F4A-B6D7-15B98EF785FA}"/>
-              </a:ext>
-            </a:extLst>
-          </p:cNvPr>
-          <p:cNvPicPr>
-            <a:picLocks noChangeAspect="1"/>
-          </p:cNvPicPr>
-          <p:nvPr/>
-        </p:nvPicPr>
-        <p:blipFill>
-          <a:blip r:embed="rId3">
-            <a:extLst>
-              <a:ext uri="{28A0092B-C50C-407E-A947-70E740481C1C}">
-                <a14:useLocalDpi xmlns:a14="http://schemas.microsoft.com/office/drawing/2010/main" val="0"/>
-              </a:ext>
-            </a:extLst>
-          </a:blip>
-          <a:srcRect/>
-          <a:stretch>
-            <a:fillRect/>
-          </a:stretch>
-        </p:blipFill>
-        <p:spPr bwMode="auto">
-          <a:xfrm>
-            <a:off x="116601" y="2734597"/>
-            <a:ext cx="1099134" cy="407338"/>
-          </a:xfrm>
-          <a:prstGeom prst="rect">
-            <a:avLst/>
-          </a:prstGeom>
-          <a:noFill/>
-          <a:ln>
-            <a:noFill/>
-          </a:ln>
-          <a:extLst>
-            <a:ext uri="{909E8E84-426E-40DD-AFC4-6F175D3DCCD1}">
-              <a14:hiddenFill xmlns:a14="http://schemas.microsoft.com/office/drawing/2010/main">
-                <a:solidFill>
-                  <a:srgbClr val="FFFFFF"/>
-                </a:solidFill>
-              </a14:hiddenFill>
-            </a:ext>
-            <a:ext uri="{91240B29-F687-4F45-9708-019B960494DF}">
-              <a14:hiddenLine xmlns:a14="http://schemas.microsoft.com/office/drawing/2010/main" w="9525">
-                <a:solidFill>
-                  <a:srgbClr val="000000"/>
-                </a:solidFill>
-                <a:miter lim="800000"/>
-                <a:headEnd/>
-                <a:tailEnd/>
-              </a14:hiddenLine>
-            </a:ext>
-          </a:extLst>
-        </p:spPr>
-      </p:pic>
-      <p:sp>
-        <p:nvSpPr>
-          <p:cNvPr id="27" name="Rounded Rectangle 26">
-            <a:extLst>
-              <a:ext uri="{FF2B5EF4-FFF2-40B4-BE49-F238E27FC236}">
-                <a16:creationId xmlns:a16="http://schemas.microsoft.com/office/drawing/2014/main" id="{E472D71D-D4D6-9743-8082-F5CD0C08D2B8}"/>
-              </a:ext>
-            </a:extLst>
-          </p:cNvPr>
-          <p:cNvSpPr/>
-          <p:nvPr/>
-        </p:nvSpPr>
-        <p:spPr>
-          <a:xfrm>
-            <a:off x="6455197" y="1357868"/>
-            <a:ext cx="1749097" cy="373542"/>
-          </a:xfrm>
-          <a:prstGeom prst="roundRect">
-            <a:avLst>
-              <a:gd name="adj" fmla="val 9717"/>
-            </a:avLst>
-          </a:prstGeom>
-          <a:noFill/>
-          <a:ln w="12700">
-            <a:solidFill>
-              <a:schemeClr val="tx2">
-                <a:lumMod val="50000"/>
-              </a:schemeClr>
-            </a:solidFill>
-          </a:ln>
-          <a:effectLst/>
-        </p:spPr>
-        <p:style>
-          <a:lnRef idx="1">
-            <a:schemeClr val="dk1"/>
-          </a:lnRef>
-          <a:fillRef idx="2">
-            <a:schemeClr val="dk1"/>
-          </a:fillRef>
-          <a:effectRef idx="1">
-            <a:schemeClr val="dk1"/>
-          </a:effectRef>
-          <a:fontRef idx="minor">
-            <a:schemeClr val="dk1"/>
-          </a:fontRef>
-        </p:style>
-        <p:txBody>
-          <a:bodyPr rot="0" spcFirstLastPara="0" vertOverflow="overflow" horzOverflow="overflow" vert="horz" wrap="square" lIns="0" tIns="0" rIns="0" bIns="0" numCol="1" spcCol="0" rtlCol="0" fromWordArt="0" anchor="t" anchorCtr="0" forceAA="0" compatLnSpc="1">
-            <a:prstTxWarp prst="textNoShape">
-              <a:avLst/>
-            </a:prstTxWarp>
-            <a:noAutofit/>
-          </a:bodyPr>
-          <a:lstStyle/>
-          <a:p>
-            <a:r>
-              <a:rPr lang="en-US" sz="1200" baseline="0" dirty="0">
-                <a:solidFill>
-                  <a:schemeClr val="tx1"/>
-                </a:solidFill>
-                <a:latin typeface="IBM Plex Sans" panose="020B0503050203000203" pitchFamily="34" charset="77"/>
-                <a:cs typeface="Arial"/>
-              </a:rPr>
-              <a:t>Kafka Consumer</a:t>
-            </a:r>
-          </a:p>
-        </p:txBody>
-      </p:sp>
-      <p:cxnSp>
-        <p:nvCxnSpPr>
-          <p:cNvPr id="46" name="Elbow Connector 45">
-            <a:extLst>
-              <a:ext uri="{FF2B5EF4-FFF2-40B4-BE49-F238E27FC236}">
-                <a16:creationId xmlns:a16="http://schemas.microsoft.com/office/drawing/2014/main" id="{B815F1F6-8EC9-A547-951A-6A6BA26A1B3E}"/>
-              </a:ext>
-            </a:extLst>
-          </p:cNvPr>
-          <p:cNvCxnSpPr>
-            <a:stCxn id="9" idx="3"/>
-            <a:endCxn id="15" idx="0"/>
-          </p:cNvCxnSpPr>
-          <p:nvPr/>
-        </p:nvCxnSpPr>
-        <p:spPr>
-          <a:xfrm>
-            <a:off x="2465614" y="2073727"/>
-            <a:ext cx="1633754" cy="2144132"/>
-          </a:xfrm>
-          <a:prstGeom prst="bentConnector2">
-            <a:avLst/>
-          </a:prstGeom>
-          <a:ln>
-            <a:solidFill>
-              <a:schemeClr val="accent6"/>
-            </a:solidFill>
-            <a:tailEnd type="triangle"/>
-          </a:ln>
-          <a:effectLst/>
-        </p:spPr>
-        <p:style>
-          <a:lnRef idx="2">
-            <a:schemeClr val="accent1"/>
-          </a:lnRef>
-          <a:fillRef idx="0">
-            <a:schemeClr val="accent1"/>
-          </a:fillRef>
-          <a:effectRef idx="1">
-            <a:schemeClr val="accent1"/>
-          </a:effectRef>
-          <a:fontRef idx="minor">
-            <a:schemeClr val="tx1"/>
-          </a:fontRef>
-        </p:style>
-      </p:cxnSp>
-      <p:sp>
-        <p:nvSpPr>
-          <p:cNvPr id="59" name="Can 58">
-            <a:extLst>
-              <a:ext uri="{FF2B5EF4-FFF2-40B4-BE49-F238E27FC236}">
-                <a16:creationId xmlns:a16="http://schemas.microsoft.com/office/drawing/2014/main" id="{BF8D5F17-7886-6A49-A326-AB3283F367DA}"/>
-              </a:ext>
-            </a:extLst>
-          </p:cNvPr>
-          <p:cNvSpPr/>
-          <p:nvPr/>
-        </p:nvSpPr>
-        <p:spPr>
-          <a:xfrm>
-            <a:off x="6215189" y="3898535"/>
-            <a:ext cx="895875" cy="695584"/>
-          </a:xfrm>
-          <a:prstGeom prst="can">
-            <a:avLst/>
-          </a:prstGeom>
-          <a:solidFill>
-            <a:schemeClr val="accent5">
-              <a:lumMod val="75000"/>
-            </a:schemeClr>
-          </a:solidFill>
-          <a:ln>
-            <a:noFill/>
-          </a:ln>
-        </p:spPr>
-        <p:style>
-          <a:lnRef idx="2">
-            <a:schemeClr val="accent1">
-              <a:shade val="50000"/>
-            </a:schemeClr>
-          </a:lnRef>
-          <a:fillRef idx="1">
-            <a:schemeClr val="accent1"/>
-          </a:fillRef>
-          <a:effectRef idx="0">
-            <a:schemeClr val="accent1"/>
-          </a:effectRef>
-          <a:fontRef idx="minor">
-            <a:schemeClr val="lt1"/>
-          </a:fontRef>
-        </p:style>
-        <p:txBody>
-          <a:bodyPr rtlCol="0" anchor="ctr"/>
-          <a:lstStyle/>
-          <a:p>
-            <a:pPr algn="ctr"/>
-            <a:r>
-              <a:rPr lang="en-US" sz="1000" dirty="0"/>
-              <a:t>Reefers Inventory</a:t>
-            </a:r>
-          </a:p>
-        </p:txBody>
-      </p:sp>
-      <p:cxnSp>
-        <p:nvCxnSpPr>
-          <p:cNvPr id="71" name="Elbow Connector 70">
-            <a:extLst>
-              <a:ext uri="{FF2B5EF4-FFF2-40B4-BE49-F238E27FC236}">
-                <a16:creationId xmlns:a16="http://schemas.microsoft.com/office/drawing/2014/main" id="{9B3950A4-1025-DB48-B886-5945ADD35206}"/>
-              </a:ext>
-            </a:extLst>
-          </p:cNvPr>
-          <p:cNvCxnSpPr>
-            <a:cxnSpLocks/>
-            <a:stCxn id="27" idx="1"/>
-            <a:endCxn id="10" idx="0"/>
-          </p:cNvCxnSpPr>
-          <p:nvPr/>
-        </p:nvCxnSpPr>
-        <p:spPr>
-          <a:xfrm rot="10800000" flipV="1">
-            <a:off x="2889775" y="1544639"/>
-            <a:ext cx="3565422" cy="2673220"/>
-          </a:xfrm>
-          <a:prstGeom prst="bentConnector2">
-            <a:avLst/>
-          </a:prstGeom>
-          <a:ln>
-            <a:solidFill>
-              <a:srgbClr val="7030A0"/>
-            </a:solidFill>
-            <a:tailEnd type="triangle"/>
-          </a:ln>
-          <a:effectLst/>
-        </p:spPr>
-        <p:style>
-          <a:lnRef idx="2">
-            <a:schemeClr val="accent1"/>
-          </a:lnRef>
-          <a:fillRef idx="0">
-            <a:schemeClr val="accent1"/>
-          </a:fillRef>
-          <a:effectRef idx="1">
-            <a:schemeClr val="accent1"/>
-          </a:effectRef>
-          <a:fontRef idx="minor">
-            <a:schemeClr val="tx1"/>
-          </a:fontRef>
-        </p:style>
-      </p:cxnSp>
-      <p:sp>
-        <p:nvSpPr>
-          <p:cNvPr id="45" name="Rounded Rectangle 44">
-            <a:extLst>
-              <a:ext uri="{FF2B5EF4-FFF2-40B4-BE49-F238E27FC236}">
-                <a16:creationId xmlns:a16="http://schemas.microsoft.com/office/drawing/2014/main" id="{F495E1A9-5EC6-5446-ACF5-3911A287BB83}"/>
-              </a:ext>
-            </a:extLst>
-          </p:cNvPr>
-          <p:cNvSpPr/>
-          <p:nvPr/>
-        </p:nvSpPr>
-        <p:spPr>
-          <a:xfrm>
-            <a:off x="6478199" y="1913633"/>
-            <a:ext cx="1749097" cy="373542"/>
-          </a:xfrm>
-          <a:prstGeom prst="roundRect">
-            <a:avLst>
-              <a:gd name="adj" fmla="val 9717"/>
-            </a:avLst>
-          </a:prstGeom>
-          <a:noFill/>
-          <a:ln w="12700">
-            <a:solidFill>
-              <a:schemeClr val="tx2">
-                <a:lumMod val="50000"/>
-              </a:schemeClr>
-            </a:solidFill>
-          </a:ln>
-          <a:effectLst/>
-        </p:spPr>
-        <p:style>
-          <a:lnRef idx="1">
-            <a:schemeClr val="dk1"/>
-          </a:lnRef>
-          <a:fillRef idx="2">
-            <a:schemeClr val="dk1"/>
-          </a:fillRef>
-          <a:effectRef idx="1">
-            <a:schemeClr val="dk1"/>
-          </a:effectRef>
-          <a:fontRef idx="minor">
-            <a:schemeClr val="dk1"/>
-          </a:fontRef>
-        </p:style>
-        <p:txBody>
-          <a:bodyPr rot="0" spcFirstLastPara="0" vertOverflow="overflow" horzOverflow="overflow" vert="horz" wrap="square" lIns="0" tIns="0" rIns="0" bIns="0" numCol="1" spcCol="0" rtlCol="0" fromWordArt="0" anchor="t" anchorCtr="0" forceAA="0" compatLnSpc="1">
-            <a:prstTxWarp prst="textNoShape">
-              <a:avLst/>
-            </a:prstTxWarp>
-            <a:noAutofit/>
-          </a:bodyPr>
-          <a:lstStyle/>
-          <a:p>
-            <a:r>
-              <a:rPr lang="en-US" sz="1200" baseline="0" dirty="0">
-                <a:solidFill>
-                  <a:schemeClr val="tx1"/>
-                </a:solidFill>
-                <a:latin typeface="IBM Plex Sans" panose="020B0503050203000203" pitchFamily="34" charset="77"/>
-                <a:cs typeface="Arial"/>
-              </a:rPr>
-              <a:t>Pandas DF</a:t>
-            </a:r>
-          </a:p>
-        </p:txBody>
-      </p:sp>
-      <p:sp>
-        <p:nvSpPr>
-          <p:cNvPr id="23" name="Can 22">
-            <a:extLst>
-              <a:ext uri="{FF2B5EF4-FFF2-40B4-BE49-F238E27FC236}">
-                <a16:creationId xmlns:a16="http://schemas.microsoft.com/office/drawing/2014/main" id="{E1EF536B-5978-0D45-B1D4-059E49B20183}"/>
-              </a:ext>
-            </a:extLst>
-          </p:cNvPr>
-          <p:cNvSpPr/>
-          <p:nvPr/>
-        </p:nvSpPr>
-        <p:spPr>
-          <a:xfrm>
-            <a:off x="7223460" y="3898535"/>
-            <a:ext cx="895875" cy="695584"/>
-          </a:xfrm>
-          <a:prstGeom prst="can">
-            <a:avLst/>
-          </a:prstGeom>
-          <a:solidFill>
-            <a:schemeClr val="accent5">
-              <a:lumMod val="75000"/>
-            </a:schemeClr>
-          </a:solidFill>
-          <a:ln>
-            <a:noFill/>
-          </a:ln>
-        </p:spPr>
-        <p:style>
-          <a:lnRef idx="2">
-            <a:schemeClr val="accent1">
-              <a:shade val="50000"/>
-            </a:schemeClr>
-          </a:lnRef>
-          <a:fillRef idx="1">
-            <a:schemeClr val="accent1"/>
-          </a:fillRef>
-          <a:effectRef idx="0">
-            <a:schemeClr val="accent1"/>
-          </a:effectRef>
-          <a:fontRef idx="minor">
-            <a:schemeClr val="lt1"/>
-          </a:fontRef>
-        </p:style>
-        <p:txBody>
-          <a:bodyPr rtlCol="0" anchor="ctr"/>
-          <a:lstStyle/>
-          <a:p>
-            <a:pPr algn="ctr"/>
-            <a:r>
-              <a:rPr lang="en-US" sz="1000" dirty="0"/>
-              <a:t>Products</a:t>
-            </a:r>
-          </a:p>
-        </p:txBody>
-      </p:sp>
-      <p:pic>
-        <p:nvPicPr>
-          <p:cNvPr id="26" name="Picture 25">
-            <a:extLst>
-              <a:ext uri="{FF2B5EF4-FFF2-40B4-BE49-F238E27FC236}">
-                <a16:creationId xmlns:a16="http://schemas.microsoft.com/office/drawing/2014/main" id="{509913A5-E445-C54D-8C8A-64EA88153B4B}"/>
-              </a:ext>
-            </a:extLst>
-          </p:cNvPr>
-          <p:cNvPicPr>
-            <a:picLocks noChangeAspect="1"/>
-          </p:cNvPicPr>
-          <p:nvPr/>
-        </p:nvPicPr>
-        <p:blipFill>
-          <a:blip r:embed="rId4"/>
-          <a:stretch>
-            <a:fillRect/>
-          </a:stretch>
-        </p:blipFill>
-        <p:spPr>
-          <a:xfrm>
-            <a:off x="8048469" y="4322790"/>
-            <a:ext cx="638156" cy="680700"/>
-          </a:xfrm>
-          <a:prstGeom prst="rect">
-            <a:avLst/>
-          </a:prstGeom>
-        </p:spPr>
-      </p:pic>
-    </p:spTree>
-    <p:extLst>
-      <p:ext uri="{BB962C8B-B14F-4D97-AF65-F5344CB8AC3E}">
-        <p14:creationId xmlns:p14="http://schemas.microsoft.com/office/powerpoint/2010/main" val="187512266"/>
       </p:ext>
     </p:extLst>
   </p:cSld>

--- a/docs/diagrams.pptx
+++ b/docs/diagrams.pptx
@@ -6,19 +6,20 @@
     <p:sldMasterId id="2147484308" r:id="rId2"/>
   </p:sldMasterIdLst>
   <p:notesMasterIdLst>
-    <p:notesMasterId r:id="rId13"/>
+    <p:notesMasterId r:id="rId14"/>
   </p:notesMasterIdLst>
   <p:sldIdLst>
     <p:sldId id="141168470" r:id="rId3"/>
-    <p:sldId id="141168471" r:id="rId4"/>
-    <p:sldId id="141168473" r:id="rId5"/>
-    <p:sldId id="141168474" r:id="rId6"/>
-    <p:sldId id="141168475" r:id="rId7"/>
-    <p:sldId id="2783" r:id="rId8"/>
-    <p:sldId id="2801" r:id="rId9"/>
-    <p:sldId id="141168472" r:id="rId10"/>
-    <p:sldId id="2799" r:id="rId11"/>
-    <p:sldId id="2800" r:id="rId12"/>
+    <p:sldId id="141168476" r:id="rId4"/>
+    <p:sldId id="141168471" r:id="rId5"/>
+    <p:sldId id="141168473" r:id="rId6"/>
+    <p:sldId id="141168474" r:id="rId7"/>
+    <p:sldId id="141168475" r:id="rId8"/>
+    <p:sldId id="2783" r:id="rId9"/>
+    <p:sldId id="2801" r:id="rId10"/>
+    <p:sldId id="141168472" r:id="rId11"/>
+    <p:sldId id="2799" r:id="rId12"/>
+    <p:sldId id="2800" r:id="rId13"/>
   </p:sldIdLst>
   <p:sldSz cx="12192000" cy="6858000"/>
   <p:notesSz cx="7086600" cy="9372600"/>
@@ -281,7 +282,7 @@
               <a:pPr>
                 <a:defRPr/>
               </a:pPr>
-              <a:t>12/17/19</a:t>
+              <a:t>1/6/20</a:t>
             </a:fld>
             <a:endParaRPr lang="en-US" dirty="0"/>
           </a:p>
@@ -681,7 +682,7 @@
               <a:pPr>
                 <a:defRPr/>
               </a:pPr>
-              <a:t>5</a:t>
+              <a:t>6</a:t>
             </a:fld>
             <a:endParaRPr lang="en-US" altLang="en-US" dirty="0"/>
           </a:p>
@@ -827,7 +828,7 @@
                 <a:tabLst/>
                 <a:defRPr/>
               </a:pPr>
-              <a:t>6</a:t>
+              <a:t>7</a:t>
             </a:fld>
             <a:endParaRPr kumimoji="0" lang="en-US" sz="1200" b="0" i="0" u="none" strike="noStrike" kern="1200" cap="none" spc="0" normalizeH="0" baseline="0" noProof="0">
               <a:ln>
@@ -939,7 +940,7 @@
               <a:pPr>
                 <a:defRPr/>
               </a:pPr>
-              <a:t>7</a:t>
+              <a:t>8</a:t>
             </a:fld>
             <a:endParaRPr lang="en-US" altLang="en-US" dirty="0"/>
           </a:p>
@@ -1038,7 +1039,7 @@
               <a:pPr>
                 <a:defRPr/>
               </a:pPr>
-              <a:t>8</a:t>
+              <a:t>9</a:t>
             </a:fld>
             <a:endParaRPr lang="en-US" altLang="en-US" dirty="0"/>
           </a:p>
@@ -7672,19 +7673,19 @@
           </p:cNvPr>
           <p:cNvCxnSpPr>
             <a:cxnSpLocks/>
-            <a:stCxn id="62" idx="2"/>
+            <a:stCxn id="53" idx="2"/>
             <a:endCxn id="65" idx="0"/>
           </p:cNvCxnSpPr>
           <p:nvPr/>
         </p:nvCxnSpPr>
         <p:spPr>
-          <a:xfrm rot="16200000" flipH="1">
-            <a:off x="2970046" y="3630431"/>
-            <a:ext cx="393471" cy="590008"/>
+          <a:xfrm rot="5400000">
+            <a:off x="3890204" y="2789489"/>
+            <a:ext cx="904262" cy="1761102"/>
           </a:xfrm>
           <a:prstGeom prst="bentConnector3">
             <a:avLst>
-              <a:gd name="adj1" fmla="val 50000"/>
+              <a:gd name="adj1" fmla="val 79111"/>
             </a:avLst>
           </a:prstGeom>
           <a:ln w="12700">
@@ -8322,10 +8323,10 @@
       </p:cxnSp>
       <p:sp>
         <p:nvSpPr>
-          <p:cNvPr id="71" name="Rectangle 70">
-            <a:extLst>
-              <a:ext uri="{FF2B5EF4-FFF2-40B4-BE49-F238E27FC236}">
-                <a16:creationId xmlns:a16="http://schemas.microsoft.com/office/drawing/2014/main" id="{31D7AA3F-988C-D849-A930-9FF95198BFE5}"/>
+          <p:cNvPr id="57" name="Rectangle 56">
+            <a:extLst>
+              <a:ext uri="{FF2B5EF4-FFF2-40B4-BE49-F238E27FC236}">
+                <a16:creationId xmlns:a16="http://schemas.microsoft.com/office/drawing/2014/main" id="{D32931CF-A6BD-AA49-A6BF-5A16FEB15BE6}"/>
               </a:ext>
             </a:extLst>
           </p:cNvPr>
@@ -8334,7 +8335,7 @@
         </p:nvSpPr>
         <p:spPr>
           <a:xfrm>
-            <a:off x="8212440" y="1273423"/>
+            <a:off x="7946967" y="4218047"/>
             <a:ext cx="838284" cy="578018"/>
           </a:xfrm>
           <a:prstGeom prst="rect">
@@ -8394,133 +8395,6 @@
                 </a:solidFill>
                 <a:latin typeface="Arial"/>
               </a:rPr>
-              <a:t>scoring model </a:t>
-            </a:r>
-          </a:p>
-        </p:txBody>
-      </p:sp>
-      <p:cxnSp>
-        <p:nvCxnSpPr>
-          <p:cNvPr id="73" name="Elbow Connector 72">
-            <a:extLst>
-              <a:ext uri="{FF2B5EF4-FFF2-40B4-BE49-F238E27FC236}">
-                <a16:creationId xmlns:a16="http://schemas.microsoft.com/office/drawing/2014/main" id="{7046057F-1BFF-6D49-9C79-7EC7E0810717}"/>
-              </a:ext>
-            </a:extLst>
-          </p:cNvPr>
-          <p:cNvCxnSpPr>
-            <a:cxnSpLocks/>
-            <a:stCxn id="71" idx="2"/>
-            <a:endCxn id="18" idx="3"/>
-          </p:cNvCxnSpPr>
-          <p:nvPr/>
-        </p:nvCxnSpPr>
-        <p:spPr>
-          <a:xfrm rot="5400000">
-            <a:off x="5993755" y="3461072"/>
-            <a:ext cx="4247458" cy="1028196"/>
-          </a:xfrm>
-          <a:prstGeom prst="curvedConnector2">
-            <a:avLst/>
-          </a:prstGeom>
-          <a:ln w="12700">
-            <a:solidFill>
-              <a:srgbClr val="7030A0"/>
-            </a:solidFill>
-            <a:headEnd type="triangle"/>
-            <a:tailEnd type="none"/>
-          </a:ln>
-          <a:effectLst/>
-        </p:spPr>
-        <p:style>
-          <a:lnRef idx="2">
-            <a:schemeClr val="accent1"/>
-          </a:lnRef>
-          <a:fillRef idx="0">
-            <a:schemeClr val="accent1"/>
-          </a:fillRef>
-          <a:effectRef idx="1">
-            <a:schemeClr val="accent1"/>
-          </a:effectRef>
-          <a:fontRef idx="minor">
-            <a:schemeClr val="tx1"/>
-          </a:fontRef>
-        </p:style>
-      </p:cxnSp>
-      <p:sp>
-        <p:nvSpPr>
-          <p:cNvPr id="57" name="Rectangle 56">
-            <a:extLst>
-              <a:ext uri="{FF2B5EF4-FFF2-40B4-BE49-F238E27FC236}">
-                <a16:creationId xmlns:a16="http://schemas.microsoft.com/office/drawing/2014/main" id="{D32931CF-A6BD-AA49-A6BF-5A16FEB15BE6}"/>
-              </a:ext>
-            </a:extLst>
-          </p:cNvPr>
-          <p:cNvSpPr/>
-          <p:nvPr/>
-        </p:nvSpPr>
-        <p:spPr>
-          <a:xfrm>
-            <a:off x="7946967" y="4218047"/>
-            <a:ext cx="838284" cy="578018"/>
-          </a:xfrm>
-          <a:prstGeom prst="rect">
-            <a:avLst/>
-          </a:prstGeom>
-          <a:solidFill>
-            <a:schemeClr val="accent2">
-              <a:lumMod val="60000"/>
-              <a:lumOff val="40000"/>
-            </a:schemeClr>
-          </a:solidFill>
-          <a:ln>
-            <a:noFill/>
-          </a:ln>
-          <a:effectLst>
-            <a:outerShdw blurRad="50800" dist="38100" dir="5400000" algn="t" rotWithShape="0">
-              <a:prstClr val="black">
-                <a:alpha val="40000"/>
-              </a:prstClr>
-            </a:outerShdw>
-          </a:effectLst>
-        </p:spPr>
-        <p:style>
-          <a:lnRef idx="2">
-            <a:schemeClr val="accent1">
-              <a:shade val="50000"/>
-            </a:schemeClr>
-          </a:lnRef>
-          <a:fillRef idx="1">
-            <a:schemeClr val="accent1"/>
-          </a:fillRef>
-          <a:effectRef idx="0">
-            <a:schemeClr val="accent1"/>
-          </a:effectRef>
-          <a:fontRef idx="minor">
-            <a:schemeClr val="lt1"/>
-          </a:fontRef>
-        </p:style>
-        <p:txBody>
-          <a:bodyPr rtlCol="0" anchor="t"/>
-          <a:lstStyle/>
-          <a:p>
-            <a:pPr defTabSz="914377" eaLnBrk="1" fontAlgn="auto" hangingPunct="1">
-              <a:spcBef>
-                <a:spcPts val="0"/>
-              </a:spcBef>
-              <a:spcAft>
-                <a:spcPts val="0"/>
-              </a:spcAft>
-            </a:pPr>
-            <a:r>
-              <a:rPr lang="en-US" sz="1067" dirty="0">
-                <a:solidFill>
-                  <a:schemeClr val="accent1">
-                    <a:lumMod val="50000"/>
-                  </a:schemeClr>
-                </a:solidFill>
-                <a:latin typeface="Arial"/>
-              </a:rPr>
               <a:t>Python pickle model </a:t>
             </a:r>
           </a:p>
@@ -8677,6 +8551,53 @@
           </a:prstGeom>
         </p:spPr>
       </p:pic>
+      <p:cxnSp>
+        <p:nvCxnSpPr>
+          <p:cNvPr id="61" name="Elbow Connector 60">
+            <a:extLst>
+              <a:ext uri="{FF2B5EF4-FFF2-40B4-BE49-F238E27FC236}">
+                <a16:creationId xmlns:a16="http://schemas.microsoft.com/office/drawing/2014/main" id="{F993024F-E9A8-7E43-B6A3-891E30A47B64}"/>
+              </a:ext>
+            </a:extLst>
+          </p:cNvPr>
+          <p:cNvCxnSpPr>
+            <a:cxnSpLocks/>
+            <a:stCxn id="65" idx="2"/>
+            <a:endCxn id="122" idx="1"/>
+          </p:cNvCxnSpPr>
+          <p:nvPr/>
+        </p:nvCxnSpPr>
+        <p:spPr>
+          <a:xfrm rot="16200000" flipH="1">
+            <a:off x="4428684" y="4683350"/>
+            <a:ext cx="520854" cy="2454655"/>
+          </a:xfrm>
+          <a:prstGeom prst="bentConnector2">
+            <a:avLst/>
+          </a:prstGeom>
+          <a:ln w="12700">
+            <a:solidFill>
+              <a:srgbClr val="7030A0"/>
+            </a:solidFill>
+            <a:tailEnd type="triangle"/>
+          </a:ln>
+          <a:effectLst/>
+        </p:spPr>
+        <p:style>
+          <a:lnRef idx="2">
+            <a:schemeClr val="accent1"/>
+          </a:lnRef>
+          <a:fillRef idx="0">
+            <a:schemeClr val="accent1"/>
+          </a:fillRef>
+          <a:effectRef idx="1">
+            <a:schemeClr val="accent1"/>
+          </a:effectRef>
+          <a:fontRef idx="minor">
+            <a:schemeClr val="tx1"/>
+          </a:fontRef>
+        </p:style>
+      </p:cxnSp>
     </p:spTree>
     <p:extLst>
       <p:ext uri="{BB962C8B-B14F-4D97-AF65-F5344CB8AC3E}">
@@ -8738,7 +8659,7 @@
           <a:p>
             <a:r>
               <a:rPr lang="en-US" sz="2400" dirty="0"/>
-              <a:t>Event Stream As Event Store for ML</a:t>
+              <a:t>Event Stream to long term Event Store for ML</a:t>
             </a:r>
           </a:p>
         </p:txBody>
@@ -8767,6 +8688,1804 @@
             <a:fld id="{C565C23E-6D76-459C-BC14-A9049E4EE889}" type="slidenum">
               <a:rPr lang="en-US" smtClean="0"/>
               <a:t>10</a:t>
+            </a:fld>
+            <a:endParaRPr lang="en-US"/>
+          </a:p>
+        </p:txBody>
+      </p:sp>
+      <p:sp>
+        <p:nvSpPr>
+          <p:cNvPr id="6" name="Rectangle 5">
+            <a:extLst>
+              <a:ext uri="{FF2B5EF4-FFF2-40B4-BE49-F238E27FC236}">
+                <a16:creationId xmlns:a16="http://schemas.microsoft.com/office/drawing/2014/main" id="{B53C0033-8D9E-604C-9B28-5FDD36C6C800}"/>
+              </a:ext>
+            </a:extLst>
+          </p:cNvPr>
+          <p:cNvSpPr/>
+          <p:nvPr/>
+        </p:nvSpPr>
+        <p:spPr>
+          <a:xfrm>
+            <a:off x="6118016" y="1616526"/>
+            <a:ext cx="3066325" cy="1525409"/>
+          </a:xfrm>
+          <a:prstGeom prst="rect">
+            <a:avLst/>
+          </a:prstGeom>
+          <a:noFill/>
+          <a:ln>
+            <a:prstDash val="dash"/>
+          </a:ln>
+        </p:spPr>
+        <p:style>
+          <a:lnRef idx="2">
+            <a:schemeClr val="accent1">
+              <a:shade val="50000"/>
+            </a:schemeClr>
+          </a:lnRef>
+          <a:fillRef idx="1">
+            <a:schemeClr val="accent1"/>
+          </a:fillRef>
+          <a:effectRef idx="0">
+            <a:schemeClr val="accent1"/>
+          </a:effectRef>
+          <a:fontRef idx="minor">
+            <a:schemeClr val="lt1"/>
+          </a:fontRef>
+        </p:style>
+        <p:txBody>
+          <a:bodyPr rtlCol="0" anchor="b"/>
+          <a:lstStyle/>
+          <a:p>
+            <a:pPr algn="ctr"/>
+            <a:r>
+              <a:rPr lang="en-US" sz="1200" dirty="0">
+                <a:solidFill>
+                  <a:schemeClr val="tx1"/>
+                </a:solidFill>
+              </a:rPr>
+              <a:t>Machine Learning Environment</a:t>
+            </a:r>
+          </a:p>
+        </p:txBody>
+      </p:sp>
+      <p:sp>
+        <p:nvSpPr>
+          <p:cNvPr id="8" name="Rectangle 7">
+            <a:extLst>
+              <a:ext uri="{FF2B5EF4-FFF2-40B4-BE49-F238E27FC236}">
+                <a16:creationId xmlns:a16="http://schemas.microsoft.com/office/drawing/2014/main" id="{FB63688E-FF28-D746-AC3D-3D2EFBDE0655}"/>
+              </a:ext>
+            </a:extLst>
+          </p:cNvPr>
+          <p:cNvSpPr/>
+          <p:nvPr/>
+        </p:nvSpPr>
+        <p:spPr>
+          <a:xfrm>
+            <a:off x="642258" y="1282632"/>
+            <a:ext cx="2008413" cy="1655634"/>
+          </a:xfrm>
+          <a:prstGeom prst="rect">
+            <a:avLst/>
+          </a:prstGeom>
+          <a:noFill/>
+          <a:ln>
+            <a:solidFill>
+              <a:schemeClr val="accent3"/>
+            </a:solidFill>
+            <a:prstDash val="dash"/>
+          </a:ln>
+        </p:spPr>
+        <p:style>
+          <a:lnRef idx="2">
+            <a:schemeClr val="accent1">
+              <a:shade val="50000"/>
+            </a:schemeClr>
+          </a:lnRef>
+          <a:fillRef idx="1">
+            <a:schemeClr val="accent1"/>
+          </a:fillRef>
+          <a:effectRef idx="0">
+            <a:schemeClr val="accent1"/>
+          </a:effectRef>
+          <a:fontRef idx="minor">
+            <a:schemeClr val="lt1"/>
+          </a:fontRef>
+        </p:style>
+        <p:txBody>
+          <a:bodyPr rtlCol="0" anchor="b"/>
+          <a:lstStyle/>
+          <a:p>
+            <a:pPr algn="ctr"/>
+            <a:r>
+              <a:rPr lang="en-US" sz="1200" dirty="0">
+                <a:solidFill>
+                  <a:schemeClr val="tx1"/>
+                </a:solidFill>
+              </a:rPr>
+              <a:t>Python</a:t>
+            </a:r>
+          </a:p>
+        </p:txBody>
+      </p:sp>
+      <p:sp>
+        <p:nvSpPr>
+          <p:cNvPr id="9" name="Rectangle 8">
+            <a:extLst>
+              <a:ext uri="{FF2B5EF4-FFF2-40B4-BE49-F238E27FC236}">
+                <a16:creationId xmlns:a16="http://schemas.microsoft.com/office/drawing/2014/main" id="{F1EEF6CD-0322-394A-87BF-5379FE8EE999}"/>
+              </a:ext>
+            </a:extLst>
+          </p:cNvPr>
+          <p:cNvSpPr/>
+          <p:nvPr/>
+        </p:nvSpPr>
+        <p:spPr>
+          <a:xfrm>
+            <a:off x="762000" y="1616527"/>
+            <a:ext cx="1703614" cy="914400"/>
+          </a:xfrm>
+          <a:prstGeom prst="rect">
+            <a:avLst/>
+          </a:prstGeom>
+          <a:solidFill>
+            <a:schemeClr val="accent5">
+              <a:lumMod val="75000"/>
+            </a:schemeClr>
+          </a:solidFill>
+          <a:ln>
+            <a:noFill/>
+          </a:ln>
+          <a:effectLst>
+            <a:outerShdw blurRad="50800" dist="38100" dir="5400000" algn="t" rotWithShape="0">
+              <a:prstClr val="black">
+                <a:alpha val="40000"/>
+              </a:prstClr>
+            </a:outerShdw>
+          </a:effectLst>
+        </p:spPr>
+        <p:style>
+          <a:lnRef idx="2">
+            <a:schemeClr val="accent1">
+              <a:shade val="50000"/>
+            </a:schemeClr>
+          </a:lnRef>
+          <a:fillRef idx="1">
+            <a:schemeClr val="accent1"/>
+          </a:fillRef>
+          <a:effectRef idx="0">
+            <a:schemeClr val="accent1"/>
+          </a:effectRef>
+          <a:fontRef idx="minor">
+            <a:schemeClr val="lt1"/>
+          </a:fontRef>
+        </p:style>
+        <p:txBody>
+          <a:bodyPr rtlCol="0" anchor="ctr"/>
+          <a:lstStyle/>
+          <a:p>
+            <a:pPr algn="ctr"/>
+            <a:r>
+              <a:rPr lang="en-US" sz="1400" dirty="0"/>
+              <a:t>SimulatorTool</a:t>
+            </a:r>
+          </a:p>
+        </p:txBody>
+      </p:sp>
+      <p:cxnSp>
+        <p:nvCxnSpPr>
+          <p:cNvPr id="46" name="Elbow Connector 45">
+            <a:extLst>
+              <a:ext uri="{FF2B5EF4-FFF2-40B4-BE49-F238E27FC236}">
+                <a16:creationId xmlns:a16="http://schemas.microsoft.com/office/drawing/2014/main" id="{B815F1F6-8EC9-A547-951A-6A6BA26A1B3E}"/>
+              </a:ext>
+            </a:extLst>
+          </p:cNvPr>
+          <p:cNvCxnSpPr>
+            <a:cxnSpLocks/>
+            <a:stCxn id="9" idx="3"/>
+            <a:endCxn id="59" idx="1"/>
+          </p:cNvCxnSpPr>
+          <p:nvPr/>
+        </p:nvCxnSpPr>
+        <p:spPr>
+          <a:xfrm>
+            <a:off x="2465614" y="2073727"/>
+            <a:ext cx="2093194" cy="516747"/>
+          </a:xfrm>
+          <a:prstGeom prst="bentConnector2">
+            <a:avLst/>
+          </a:prstGeom>
+          <a:ln w="12700">
+            <a:solidFill>
+              <a:schemeClr val="accent6"/>
+            </a:solidFill>
+            <a:tailEnd type="triangle"/>
+          </a:ln>
+          <a:effectLst/>
+        </p:spPr>
+        <p:style>
+          <a:lnRef idx="2">
+            <a:schemeClr val="accent1"/>
+          </a:lnRef>
+          <a:fillRef idx="0">
+            <a:schemeClr val="accent1"/>
+          </a:fillRef>
+          <a:effectRef idx="1">
+            <a:schemeClr val="accent1"/>
+          </a:effectRef>
+          <a:fontRef idx="minor">
+            <a:schemeClr val="tx1"/>
+          </a:fontRef>
+        </p:style>
+      </p:cxnSp>
+      <p:cxnSp>
+        <p:nvCxnSpPr>
+          <p:cNvPr id="71" name="Elbow Connector 70">
+            <a:extLst>
+              <a:ext uri="{FF2B5EF4-FFF2-40B4-BE49-F238E27FC236}">
+                <a16:creationId xmlns:a16="http://schemas.microsoft.com/office/drawing/2014/main" id="{9B3950A4-1025-DB48-B886-5945ADD35206}"/>
+              </a:ext>
+            </a:extLst>
+          </p:cNvPr>
+          <p:cNvCxnSpPr>
+            <a:cxnSpLocks/>
+            <a:stCxn id="45" idx="1"/>
+            <a:endCxn id="59" idx="4"/>
+          </p:cNvCxnSpPr>
+          <p:nvPr/>
+        </p:nvCxnSpPr>
+        <p:spPr>
+          <a:xfrm rot="10800000" flipV="1">
+            <a:off x="5157329" y="2100404"/>
+            <a:ext cx="1320870" cy="837862"/>
+          </a:xfrm>
+          <a:prstGeom prst="bentConnector3">
+            <a:avLst>
+              <a:gd name="adj1" fmla="val 50000"/>
+            </a:avLst>
+          </a:prstGeom>
+          <a:ln w="12700">
+            <a:solidFill>
+              <a:srgbClr val="7030A0"/>
+            </a:solidFill>
+            <a:headEnd type="triangle"/>
+            <a:tailEnd type="none"/>
+          </a:ln>
+          <a:effectLst/>
+        </p:spPr>
+        <p:style>
+          <a:lnRef idx="2">
+            <a:schemeClr val="accent1"/>
+          </a:lnRef>
+          <a:fillRef idx="0">
+            <a:schemeClr val="accent1"/>
+          </a:fillRef>
+          <a:effectRef idx="1">
+            <a:schemeClr val="accent1"/>
+          </a:effectRef>
+          <a:fontRef idx="minor">
+            <a:schemeClr val="tx1"/>
+          </a:fontRef>
+        </p:style>
+      </p:cxnSp>
+      <p:sp>
+        <p:nvSpPr>
+          <p:cNvPr id="45" name="Rounded Rectangle 44">
+            <a:extLst>
+              <a:ext uri="{FF2B5EF4-FFF2-40B4-BE49-F238E27FC236}">
+                <a16:creationId xmlns:a16="http://schemas.microsoft.com/office/drawing/2014/main" id="{F495E1A9-5EC6-5446-ACF5-3911A287BB83}"/>
+              </a:ext>
+            </a:extLst>
+          </p:cNvPr>
+          <p:cNvSpPr/>
+          <p:nvPr/>
+        </p:nvSpPr>
+        <p:spPr>
+          <a:xfrm>
+            <a:off x="6478199" y="1913633"/>
+            <a:ext cx="1749097" cy="373542"/>
+          </a:xfrm>
+          <a:prstGeom prst="roundRect">
+            <a:avLst>
+              <a:gd name="adj" fmla="val 9717"/>
+            </a:avLst>
+          </a:prstGeom>
+          <a:noFill/>
+          <a:ln w="12700">
+            <a:solidFill>
+              <a:schemeClr val="tx2">
+                <a:lumMod val="50000"/>
+              </a:schemeClr>
+            </a:solidFill>
+          </a:ln>
+          <a:effectLst/>
+        </p:spPr>
+        <p:style>
+          <a:lnRef idx="1">
+            <a:schemeClr val="dk1"/>
+          </a:lnRef>
+          <a:fillRef idx="2">
+            <a:schemeClr val="dk1"/>
+          </a:fillRef>
+          <a:effectRef idx="1">
+            <a:schemeClr val="dk1"/>
+          </a:effectRef>
+          <a:fontRef idx="minor">
+            <a:schemeClr val="dk1"/>
+          </a:fontRef>
+        </p:style>
+        <p:txBody>
+          <a:bodyPr rot="0" spcFirstLastPara="0" vertOverflow="overflow" horzOverflow="overflow" vert="horz" wrap="square" lIns="0" tIns="0" rIns="0" bIns="0" numCol="1" spcCol="0" rtlCol="0" fromWordArt="0" anchor="t" anchorCtr="0" forceAA="0" compatLnSpc="1">
+            <a:prstTxWarp prst="textNoShape">
+              <a:avLst/>
+            </a:prstTxWarp>
+            <a:noAutofit/>
+          </a:bodyPr>
+          <a:lstStyle/>
+          <a:p>
+            <a:r>
+              <a:rPr lang="en-US" sz="1200" baseline="0" dirty="0">
+                <a:solidFill>
+                  <a:schemeClr val="tx1"/>
+                </a:solidFill>
+                <a:latin typeface="IBM Plex Sans" panose="020B0503050203000203" pitchFamily="34" charset="77"/>
+                <a:cs typeface="Arial"/>
+              </a:rPr>
+              <a:t>Pandas DF</a:t>
+            </a:r>
+          </a:p>
+        </p:txBody>
+      </p:sp>
+      <p:sp>
+        <p:nvSpPr>
+          <p:cNvPr id="59" name="Can 58">
+            <a:extLst>
+              <a:ext uri="{FF2B5EF4-FFF2-40B4-BE49-F238E27FC236}">
+                <a16:creationId xmlns:a16="http://schemas.microsoft.com/office/drawing/2014/main" id="{BF8D5F17-7886-6A49-A326-AB3283F367DA}"/>
+              </a:ext>
+            </a:extLst>
+          </p:cNvPr>
+          <p:cNvSpPr/>
+          <p:nvPr/>
+        </p:nvSpPr>
+        <p:spPr>
+          <a:xfrm>
+            <a:off x="3960287" y="2590474"/>
+            <a:ext cx="1197042" cy="695584"/>
+          </a:xfrm>
+          <a:prstGeom prst="can">
+            <a:avLst/>
+          </a:prstGeom>
+          <a:solidFill>
+            <a:srgbClr val="009643"/>
+          </a:solidFill>
+          <a:ln>
+            <a:noFill/>
+          </a:ln>
+        </p:spPr>
+        <p:style>
+          <a:lnRef idx="2">
+            <a:schemeClr val="accent1">
+              <a:shade val="50000"/>
+            </a:schemeClr>
+          </a:lnRef>
+          <a:fillRef idx="1">
+            <a:schemeClr val="accent1"/>
+          </a:fillRef>
+          <a:effectRef idx="0">
+            <a:schemeClr val="accent1"/>
+          </a:effectRef>
+          <a:fontRef idx="minor">
+            <a:schemeClr val="lt1"/>
+          </a:fontRef>
+        </p:style>
+        <p:txBody>
+          <a:bodyPr rtlCol="0" anchor="ctr"/>
+          <a:lstStyle/>
+          <a:p>
+            <a:pPr algn="ctr"/>
+            <a:r>
+              <a:rPr lang="en-US" sz="1000" dirty="0"/>
+              <a:t>Reefer telemetries</a:t>
+            </a:r>
+          </a:p>
+        </p:txBody>
+      </p:sp>
+      <p:pic>
+        <p:nvPicPr>
+          <p:cNvPr id="3" name="Picture 2">
+            <a:extLst>
+              <a:ext uri="{FF2B5EF4-FFF2-40B4-BE49-F238E27FC236}">
+                <a16:creationId xmlns:a16="http://schemas.microsoft.com/office/drawing/2014/main" id="{528193D1-A620-354F-B6D2-B217C3C404BA}"/>
+              </a:ext>
+            </a:extLst>
+          </p:cNvPr>
+          <p:cNvPicPr>
+            <a:picLocks noChangeAspect="1"/>
+          </p:cNvPicPr>
+          <p:nvPr/>
+        </p:nvPicPr>
+        <p:blipFill>
+          <a:blip r:embed="rId2"/>
+          <a:stretch>
+            <a:fillRect/>
+          </a:stretch>
+        </p:blipFill>
+        <p:spPr>
+          <a:xfrm>
+            <a:off x="3707408" y="2785869"/>
+            <a:ext cx="296333" cy="643355"/>
+          </a:xfrm>
+          <a:prstGeom prst="rect">
+            <a:avLst/>
+          </a:prstGeom>
+        </p:spPr>
+      </p:pic>
+      <p:sp>
+        <p:nvSpPr>
+          <p:cNvPr id="14" name="Rectangle 13">
+            <a:extLst>
+              <a:ext uri="{FF2B5EF4-FFF2-40B4-BE49-F238E27FC236}">
+                <a16:creationId xmlns:a16="http://schemas.microsoft.com/office/drawing/2014/main" id="{FF73E72E-4933-814D-B024-C5BBC14F304D}"/>
+              </a:ext>
+            </a:extLst>
+          </p:cNvPr>
+          <p:cNvSpPr/>
+          <p:nvPr/>
+        </p:nvSpPr>
+        <p:spPr>
+          <a:xfrm>
+            <a:off x="523723" y="3653298"/>
+            <a:ext cx="2008413" cy="1655634"/>
+          </a:xfrm>
+          <a:prstGeom prst="rect">
+            <a:avLst/>
+          </a:prstGeom>
+          <a:noFill/>
+          <a:ln>
+            <a:solidFill>
+              <a:schemeClr val="accent3"/>
+            </a:solidFill>
+            <a:prstDash val="dash"/>
+          </a:ln>
+        </p:spPr>
+        <p:style>
+          <a:lnRef idx="2">
+            <a:schemeClr val="accent1">
+              <a:shade val="50000"/>
+            </a:schemeClr>
+          </a:lnRef>
+          <a:fillRef idx="1">
+            <a:schemeClr val="accent1"/>
+          </a:fillRef>
+          <a:effectRef idx="0">
+            <a:schemeClr val="accent1"/>
+          </a:effectRef>
+          <a:fontRef idx="minor">
+            <a:schemeClr val="lt1"/>
+          </a:fontRef>
+        </p:style>
+        <p:txBody>
+          <a:bodyPr rtlCol="0" anchor="b"/>
+          <a:lstStyle/>
+          <a:p>
+            <a:pPr algn="ctr"/>
+            <a:r>
+              <a:rPr lang="en-US" sz="1200" dirty="0">
+                <a:solidFill>
+                  <a:schemeClr val="tx1"/>
+                </a:solidFill>
+              </a:rPr>
+              <a:t>Python</a:t>
+            </a:r>
+          </a:p>
+        </p:txBody>
+      </p:sp>
+      <p:sp>
+        <p:nvSpPr>
+          <p:cNvPr id="15" name="Rectangle 14">
+            <a:extLst>
+              <a:ext uri="{FF2B5EF4-FFF2-40B4-BE49-F238E27FC236}">
+                <a16:creationId xmlns:a16="http://schemas.microsoft.com/office/drawing/2014/main" id="{8990AB5A-91EB-9947-B9EF-04353E549FFC}"/>
+              </a:ext>
+            </a:extLst>
+          </p:cNvPr>
+          <p:cNvSpPr/>
+          <p:nvPr/>
+        </p:nvSpPr>
+        <p:spPr>
+          <a:xfrm>
+            <a:off x="643465" y="3987193"/>
+            <a:ext cx="1703614" cy="914400"/>
+          </a:xfrm>
+          <a:prstGeom prst="rect">
+            <a:avLst/>
+          </a:prstGeom>
+          <a:solidFill>
+            <a:schemeClr val="accent5">
+              <a:lumMod val="75000"/>
+            </a:schemeClr>
+          </a:solidFill>
+          <a:ln>
+            <a:noFill/>
+          </a:ln>
+          <a:effectLst>
+            <a:outerShdw blurRad="50800" dist="38100" dir="5400000" algn="t" rotWithShape="0">
+              <a:prstClr val="black">
+                <a:alpha val="40000"/>
+              </a:prstClr>
+            </a:outerShdw>
+          </a:effectLst>
+        </p:spPr>
+        <p:style>
+          <a:lnRef idx="2">
+            <a:schemeClr val="accent1">
+              <a:shade val="50000"/>
+            </a:schemeClr>
+          </a:lnRef>
+          <a:fillRef idx="1">
+            <a:schemeClr val="accent1"/>
+          </a:fillRef>
+          <a:effectRef idx="0">
+            <a:schemeClr val="accent1"/>
+          </a:effectRef>
+          <a:fontRef idx="minor">
+            <a:schemeClr val="lt1"/>
+          </a:fontRef>
+        </p:style>
+        <p:txBody>
+          <a:bodyPr rtlCol="0" anchor="ctr"/>
+          <a:lstStyle/>
+          <a:p>
+            <a:pPr algn="ctr"/>
+            <a:r>
+              <a:rPr lang="en-US" sz="1400" dirty="0"/>
+              <a:t>SimulatorApp</a:t>
+            </a:r>
+          </a:p>
+        </p:txBody>
+      </p:sp>
+      <p:sp>
+        <p:nvSpPr>
+          <p:cNvPr id="16" name="Rounded Rectangle 15">
+            <a:extLst>
+              <a:ext uri="{FF2B5EF4-FFF2-40B4-BE49-F238E27FC236}">
+                <a16:creationId xmlns:a16="http://schemas.microsoft.com/office/drawing/2014/main" id="{604B1EAE-7B06-B644-84B2-A465850BFF11}"/>
+              </a:ext>
+            </a:extLst>
+          </p:cNvPr>
+          <p:cNvSpPr/>
+          <p:nvPr/>
+        </p:nvSpPr>
+        <p:spPr bwMode="auto">
+          <a:xfrm>
+            <a:off x="3749127" y="4437992"/>
+            <a:ext cx="245561" cy="731512"/>
+          </a:xfrm>
+          <a:prstGeom prst="roundRect">
+            <a:avLst/>
+          </a:prstGeom>
+          <a:solidFill>
+            <a:schemeClr val="bg2"/>
+          </a:solidFill>
+          <a:ln>
+            <a:solidFill>
+              <a:schemeClr val="bg1"/>
+            </a:solidFill>
+            <a:prstDash val="solid"/>
+            <a:headEnd type="none" w="med" len="med"/>
+            <a:tailEnd type="none" w="med" len="med"/>
+          </a:ln>
+          <a:effectLst/>
+        </p:spPr>
+        <p:style>
+          <a:lnRef idx="1">
+            <a:schemeClr val="accent5"/>
+          </a:lnRef>
+          <a:fillRef idx="3">
+            <a:schemeClr val="accent5"/>
+          </a:fillRef>
+          <a:effectRef idx="2">
+            <a:schemeClr val="accent5"/>
+          </a:effectRef>
+          <a:fontRef idx="minor">
+            <a:schemeClr val="lt1"/>
+          </a:fontRef>
+        </p:style>
+        <p:txBody>
+          <a:bodyPr vert="horz" wrap="square" lIns="0" tIns="0" rIns="0" bIns="0" numCol="1" rtlCol="0" anchor="ctr" anchorCtr="0" compatLnSpc="1">
+            <a:prstTxWarp prst="textNoShape">
+              <a:avLst/>
+            </a:prstTxWarp>
+            <a:noAutofit/>
+          </a:bodyPr>
+          <a:lstStyle/>
+          <a:p>
+            <a:pPr algn="ctr" defTabSz="1219170" fontAlgn="base">
+              <a:lnSpc>
+                <a:spcPct val="90000"/>
+              </a:lnSpc>
+              <a:spcBef>
+                <a:spcPct val="0"/>
+              </a:spcBef>
+              <a:spcAft>
+                <a:spcPct val="0"/>
+              </a:spcAft>
+            </a:pPr>
+            <a:r>
+              <a:rPr lang="en-US" sz="1200" dirty="0">
+                <a:solidFill>
+                  <a:schemeClr val="bg1"/>
+                </a:solidFill>
+              </a:rPr>
+              <a:t>0</a:t>
+            </a:r>
+            <a:endParaRPr lang="en-US" sz="667" dirty="0">
+              <a:solidFill>
+                <a:schemeClr val="bg1"/>
+              </a:solidFill>
+            </a:endParaRPr>
+          </a:p>
+        </p:txBody>
+      </p:sp>
+      <p:sp>
+        <p:nvSpPr>
+          <p:cNvPr id="17" name="Rounded Rectangle 16">
+            <a:extLst>
+              <a:ext uri="{FF2B5EF4-FFF2-40B4-BE49-F238E27FC236}">
+                <a16:creationId xmlns:a16="http://schemas.microsoft.com/office/drawing/2014/main" id="{BF94AF6A-6ED9-F648-AF73-AD2F2BF0087D}"/>
+              </a:ext>
+            </a:extLst>
+          </p:cNvPr>
+          <p:cNvSpPr/>
+          <p:nvPr/>
+        </p:nvSpPr>
+        <p:spPr bwMode="auto">
+          <a:xfrm>
+            <a:off x="3992964" y="4437992"/>
+            <a:ext cx="245561" cy="731512"/>
+          </a:xfrm>
+          <a:prstGeom prst="roundRect">
+            <a:avLst/>
+          </a:prstGeom>
+          <a:solidFill>
+            <a:schemeClr val="bg2"/>
+          </a:solidFill>
+          <a:ln>
+            <a:solidFill>
+              <a:schemeClr val="bg1"/>
+            </a:solidFill>
+            <a:prstDash val="solid"/>
+            <a:headEnd type="none" w="med" len="med"/>
+            <a:tailEnd type="none" w="med" len="med"/>
+          </a:ln>
+          <a:effectLst/>
+        </p:spPr>
+        <p:style>
+          <a:lnRef idx="1">
+            <a:schemeClr val="accent5"/>
+          </a:lnRef>
+          <a:fillRef idx="3">
+            <a:schemeClr val="accent5"/>
+          </a:fillRef>
+          <a:effectRef idx="2">
+            <a:schemeClr val="accent5"/>
+          </a:effectRef>
+          <a:fontRef idx="minor">
+            <a:schemeClr val="lt1"/>
+          </a:fontRef>
+        </p:style>
+        <p:txBody>
+          <a:bodyPr vert="horz" wrap="square" lIns="0" tIns="0" rIns="0" bIns="0" numCol="1" rtlCol="0" anchor="ctr" anchorCtr="0" compatLnSpc="1">
+            <a:prstTxWarp prst="textNoShape">
+              <a:avLst/>
+            </a:prstTxWarp>
+            <a:noAutofit/>
+          </a:bodyPr>
+          <a:lstStyle/>
+          <a:p>
+            <a:pPr algn="ctr" defTabSz="1219170" fontAlgn="base">
+              <a:lnSpc>
+                <a:spcPct val="90000"/>
+              </a:lnSpc>
+              <a:spcBef>
+                <a:spcPct val="0"/>
+              </a:spcBef>
+              <a:spcAft>
+                <a:spcPct val="0"/>
+              </a:spcAft>
+            </a:pPr>
+            <a:r>
+              <a:rPr lang="en-US" sz="1200" dirty="0">
+                <a:solidFill>
+                  <a:schemeClr val="bg1"/>
+                </a:solidFill>
+              </a:rPr>
+              <a:t>1</a:t>
+            </a:r>
+            <a:endParaRPr lang="en-US" sz="667" dirty="0">
+              <a:solidFill>
+                <a:schemeClr val="bg1"/>
+              </a:solidFill>
+            </a:endParaRPr>
+          </a:p>
+        </p:txBody>
+      </p:sp>
+      <p:sp>
+        <p:nvSpPr>
+          <p:cNvPr id="18" name="Rounded Rectangle 17">
+            <a:extLst>
+              <a:ext uri="{FF2B5EF4-FFF2-40B4-BE49-F238E27FC236}">
+                <a16:creationId xmlns:a16="http://schemas.microsoft.com/office/drawing/2014/main" id="{574D615E-85EA-C844-A2A9-FE6056949B8A}"/>
+              </a:ext>
+            </a:extLst>
+          </p:cNvPr>
+          <p:cNvSpPr/>
+          <p:nvPr/>
+        </p:nvSpPr>
+        <p:spPr bwMode="auto">
+          <a:xfrm>
+            <a:off x="4238526" y="4437992"/>
+            <a:ext cx="245561" cy="731512"/>
+          </a:xfrm>
+          <a:prstGeom prst="roundRect">
+            <a:avLst/>
+          </a:prstGeom>
+          <a:solidFill>
+            <a:schemeClr val="bg2"/>
+          </a:solidFill>
+          <a:ln>
+            <a:solidFill>
+              <a:schemeClr val="bg1"/>
+            </a:solidFill>
+            <a:prstDash val="solid"/>
+            <a:headEnd type="none" w="med" len="med"/>
+            <a:tailEnd type="none" w="med" len="med"/>
+          </a:ln>
+          <a:effectLst/>
+        </p:spPr>
+        <p:style>
+          <a:lnRef idx="1">
+            <a:schemeClr val="accent5"/>
+          </a:lnRef>
+          <a:fillRef idx="3">
+            <a:schemeClr val="accent5"/>
+          </a:fillRef>
+          <a:effectRef idx="2">
+            <a:schemeClr val="accent5"/>
+          </a:effectRef>
+          <a:fontRef idx="minor">
+            <a:schemeClr val="lt1"/>
+          </a:fontRef>
+        </p:style>
+        <p:txBody>
+          <a:bodyPr vert="horz" wrap="square" lIns="0" tIns="0" rIns="0" bIns="0" numCol="1" rtlCol="0" anchor="ctr" anchorCtr="0" compatLnSpc="1">
+            <a:prstTxWarp prst="textNoShape">
+              <a:avLst/>
+            </a:prstTxWarp>
+            <a:noAutofit/>
+          </a:bodyPr>
+          <a:lstStyle/>
+          <a:p>
+            <a:pPr algn="ctr" defTabSz="1219170" fontAlgn="base">
+              <a:lnSpc>
+                <a:spcPct val="90000"/>
+              </a:lnSpc>
+              <a:spcBef>
+                <a:spcPct val="0"/>
+              </a:spcBef>
+              <a:spcAft>
+                <a:spcPct val="0"/>
+              </a:spcAft>
+            </a:pPr>
+            <a:r>
+              <a:rPr lang="en-US" sz="1200" dirty="0">
+                <a:solidFill>
+                  <a:schemeClr val="bg1"/>
+                </a:solidFill>
+              </a:rPr>
+              <a:t>2</a:t>
+            </a:r>
+            <a:endParaRPr lang="en-US" sz="667" dirty="0">
+              <a:solidFill>
+                <a:schemeClr val="bg1"/>
+              </a:solidFill>
+            </a:endParaRPr>
+          </a:p>
+        </p:txBody>
+      </p:sp>
+      <p:sp>
+        <p:nvSpPr>
+          <p:cNvPr id="19" name="Rounded Rectangle 18">
+            <a:extLst>
+              <a:ext uri="{FF2B5EF4-FFF2-40B4-BE49-F238E27FC236}">
+                <a16:creationId xmlns:a16="http://schemas.microsoft.com/office/drawing/2014/main" id="{C7A32DE1-AA62-0542-95A5-93C4C6EFD0D3}"/>
+              </a:ext>
+            </a:extLst>
+          </p:cNvPr>
+          <p:cNvSpPr/>
+          <p:nvPr/>
+        </p:nvSpPr>
+        <p:spPr bwMode="auto">
+          <a:xfrm>
+            <a:off x="4482363" y="4437992"/>
+            <a:ext cx="245561" cy="731512"/>
+          </a:xfrm>
+          <a:prstGeom prst="roundRect">
+            <a:avLst/>
+          </a:prstGeom>
+          <a:solidFill>
+            <a:schemeClr val="bg2"/>
+          </a:solidFill>
+          <a:ln>
+            <a:solidFill>
+              <a:schemeClr val="bg1"/>
+            </a:solidFill>
+            <a:prstDash val="solid"/>
+            <a:headEnd type="none" w="med" len="med"/>
+            <a:tailEnd type="none" w="med" len="med"/>
+          </a:ln>
+          <a:effectLst/>
+        </p:spPr>
+        <p:style>
+          <a:lnRef idx="1">
+            <a:schemeClr val="accent5"/>
+          </a:lnRef>
+          <a:fillRef idx="3">
+            <a:schemeClr val="accent5"/>
+          </a:fillRef>
+          <a:effectRef idx="2">
+            <a:schemeClr val="accent5"/>
+          </a:effectRef>
+          <a:fontRef idx="minor">
+            <a:schemeClr val="lt1"/>
+          </a:fontRef>
+        </p:style>
+        <p:txBody>
+          <a:bodyPr vert="horz" wrap="square" lIns="0" tIns="0" rIns="0" bIns="0" numCol="1" rtlCol="0" anchor="ctr" anchorCtr="0" compatLnSpc="1">
+            <a:prstTxWarp prst="textNoShape">
+              <a:avLst/>
+            </a:prstTxWarp>
+            <a:noAutofit/>
+          </a:bodyPr>
+          <a:lstStyle/>
+          <a:p>
+            <a:pPr algn="ctr" defTabSz="1219170" fontAlgn="base">
+              <a:lnSpc>
+                <a:spcPct val="90000"/>
+              </a:lnSpc>
+              <a:spcBef>
+                <a:spcPct val="0"/>
+              </a:spcBef>
+              <a:spcAft>
+                <a:spcPct val="0"/>
+              </a:spcAft>
+            </a:pPr>
+            <a:r>
+              <a:rPr lang="en-US" sz="1200" dirty="0">
+                <a:solidFill>
+                  <a:schemeClr val="bg1"/>
+                </a:solidFill>
+              </a:rPr>
+              <a:t>3</a:t>
+            </a:r>
+            <a:endParaRPr lang="en-US" sz="667" dirty="0">
+              <a:solidFill>
+                <a:schemeClr val="bg1"/>
+              </a:solidFill>
+            </a:endParaRPr>
+          </a:p>
+        </p:txBody>
+      </p:sp>
+      <p:sp>
+        <p:nvSpPr>
+          <p:cNvPr id="20" name="Rounded Rectangle 19">
+            <a:extLst>
+              <a:ext uri="{FF2B5EF4-FFF2-40B4-BE49-F238E27FC236}">
+                <a16:creationId xmlns:a16="http://schemas.microsoft.com/office/drawing/2014/main" id="{65250C98-3EF7-D84C-9241-0ACC98F9DB15}"/>
+              </a:ext>
+            </a:extLst>
+          </p:cNvPr>
+          <p:cNvSpPr/>
+          <p:nvPr/>
+        </p:nvSpPr>
+        <p:spPr bwMode="auto">
+          <a:xfrm>
+            <a:off x="4727924" y="4437992"/>
+            <a:ext cx="245561" cy="731512"/>
+          </a:xfrm>
+          <a:prstGeom prst="roundRect">
+            <a:avLst/>
+          </a:prstGeom>
+          <a:solidFill>
+            <a:schemeClr val="bg2"/>
+          </a:solidFill>
+          <a:ln>
+            <a:solidFill>
+              <a:schemeClr val="bg1"/>
+            </a:solidFill>
+            <a:prstDash val="solid"/>
+            <a:headEnd type="none" w="med" len="med"/>
+            <a:tailEnd type="none" w="med" len="med"/>
+          </a:ln>
+          <a:effectLst/>
+        </p:spPr>
+        <p:style>
+          <a:lnRef idx="1">
+            <a:schemeClr val="accent5"/>
+          </a:lnRef>
+          <a:fillRef idx="3">
+            <a:schemeClr val="accent5"/>
+          </a:fillRef>
+          <a:effectRef idx="2">
+            <a:schemeClr val="accent5"/>
+          </a:effectRef>
+          <a:fontRef idx="minor">
+            <a:schemeClr val="lt1"/>
+          </a:fontRef>
+        </p:style>
+        <p:txBody>
+          <a:bodyPr vert="horz" wrap="square" lIns="0" tIns="0" rIns="0" bIns="0" numCol="1" rtlCol="0" anchor="ctr" anchorCtr="0" compatLnSpc="1">
+            <a:prstTxWarp prst="textNoShape">
+              <a:avLst/>
+            </a:prstTxWarp>
+            <a:noAutofit/>
+          </a:bodyPr>
+          <a:lstStyle/>
+          <a:p>
+            <a:pPr algn="ctr" defTabSz="1219170" fontAlgn="base">
+              <a:lnSpc>
+                <a:spcPct val="90000"/>
+              </a:lnSpc>
+              <a:spcBef>
+                <a:spcPct val="0"/>
+              </a:spcBef>
+              <a:spcAft>
+                <a:spcPct val="0"/>
+              </a:spcAft>
+            </a:pPr>
+            <a:r>
+              <a:rPr lang="en-US" sz="1200" dirty="0">
+                <a:solidFill>
+                  <a:schemeClr val="bg1"/>
+                </a:solidFill>
+              </a:rPr>
+              <a:t>4</a:t>
+            </a:r>
+            <a:endParaRPr lang="en-US" sz="667" dirty="0">
+              <a:solidFill>
+                <a:schemeClr val="bg1"/>
+              </a:solidFill>
+            </a:endParaRPr>
+          </a:p>
+        </p:txBody>
+      </p:sp>
+      <p:sp>
+        <p:nvSpPr>
+          <p:cNvPr id="21" name="Rounded Rectangle 20">
+            <a:extLst>
+              <a:ext uri="{FF2B5EF4-FFF2-40B4-BE49-F238E27FC236}">
+                <a16:creationId xmlns:a16="http://schemas.microsoft.com/office/drawing/2014/main" id="{349815D9-A544-C740-A98E-A4307CE7F984}"/>
+              </a:ext>
+            </a:extLst>
+          </p:cNvPr>
+          <p:cNvSpPr/>
+          <p:nvPr/>
+        </p:nvSpPr>
+        <p:spPr bwMode="auto">
+          <a:xfrm>
+            <a:off x="4958720" y="4437992"/>
+            <a:ext cx="245561" cy="731512"/>
+          </a:xfrm>
+          <a:prstGeom prst="roundRect">
+            <a:avLst/>
+          </a:prstGeom>
+          <a:solidFill>
+            <a:schemeClr val="bg2"/>
+          </a:solidFill>
+          <a:ln>
+            <a:solidFill>
+              <a:schemeClr val="bg1"/>
+            </a:solidFill>
+            <a:prstDash val="solid"/>
+            <a:headEnd type="none" w="med" len="med"/>
+            <a:tailEnd type="none" w="med" len="med"/>
+          </a:ln>
+          <a:effectLst/>
+        </p:spPr>
+        <p:style>
+          <a:lnRef idx="1">
+            <a:schemeClr val="accent5"/>
+          </a:lnRef>
+          <a:fillRef idx="3">
+            <a:schemeClr val="accent5"/>
+          </a:fillRef>
+          <a:effectRef idx="2">
+            <a:schemeClr val="accent5"/>
+          </a:effectRef>
+          <a:fontRef idx="minor">
+            <a:schemeClr val="lt1"/>
+          </a:fontRef>
+        </p:style>
+        <p:txBody>
+          <a:bodyPr vert="horz" wrap="square" lIns="0" tIns="0" rIns="0" bIns="0" numCol="1" rtlCol="0" anchor="ctr" anchorCtr="0" compatLnSpc="1">
+            <a:prstTxWarp prst="textNoShape">
+              <a:avLst/>
+            </a:prstTxWarp>
+            <a:noAutofit/>
+          </a:bodyPr>
+          <a:lstStyle/>
+          <a:p>
+            <a:pPr algn="ctr" defTabSz="1219170" fontAlgn="base">
+              <a:lnSpc>
+                <a:spcPct val="90000"/>
+              </a:lnSpc>
+              <a:spcBef>
+                <a:spcPct val="0"/>
+              </a:spcBef>
+              <a:spcAft>
+                <a:spcPct val="0"/>
+              </a:spcAft>
+            </a:pPr>
+            <a:r>
+              <a:rPr lang="en-US" sz="1200" dirty="0">
+                <a:solidFill>
+                  <a:schemeClr val="bg1"/>
+                </a:solidFill>
+              </a:rPr>
+              <a:t>5</a:t>
+            </a:r>
+            <a:endParaRPr lang="en-US" sz="667" dirty="0">
+              <a:solidFill>
+                <a:schemeClr val="bg1"/>
+              </a:solidFill>
+            </a:endParaRPr>
+          </a:p>
+        </p:txBody>
+      </p:sp>
+      <p:sp>
+        <p:nvSpPr>
+          <p:cNvPr id="22" name="AutoShape 4">
+            <a:extLst>
+              <a:ext uri="{FF2B5EF4-FFF2-40B4-BE49-F238E27FC236}">
+                <a16:creationId xmlns:a16="http://schemas.microsoft.com/office/drawing/2014/main" id="{D20B6BF8-2A57-924F-AB42-129B1DC6DBE6}"/>
+              </a:ext>
+            </a:extLst>
+          </p:cNvPr>
+          <p:cNvSpPr>
+            <a:spLocks noChangeArrowheads="1"/>
+          </p:cNvSpPr>
+          <p:nvPr/>
+        </p:nvSpPr>
+        <p:spPr bwMode="auto">
+          <a:xfrm>
+            <a:off x="2881464" y="4145695"/>
+            <a:ext cx="3513917" cy="1348479"/>
+          </a:xfrm>
+          <a:prstGeom prst="roundRect">
+            <a:avLst>
+              <a:gd name="adj" fmla="val 7117"/>
+            </a:avLst>
+          </a:prstGeom>
+          <a:noFill/>
+          <a:ln w="12700">
+            <a:solidFill>
+              <a:schemeClr val="accent3"/>
+            </a:solidFill>
+            <a:prstDash val="dash"/>
+            <a:round/>
+            <a:headEnd/>
+            <a:tailEnd/>
+          </a:ln>
+        </p:spPr>
+        <p:txBody>
+          <a:bodyPr lIns="0" tIns="0" rIns="0" bIns="0" anchor="b" anchorCtr="1"/>
+          <a:lstStyle/>
+          <a:p>
+            <a:pPr algn="ctr"/>
+            <a:endParaRPr lang="en-US" sz="1333" dirty="0"/>
+          </a:p>
+        </p:txBody>
+      </p:sp>
+      <p:sp>
+        <p:nvSpPr>
+          <p:cNvPr id="23" name="TextBox 22">
+            <a:extLst>
+              <a:ext uri="{FF2B5EF4-FFF2-40B4-BE49-F238E27FC236}">
+                <a16:creationId xmlns:a16="http://schemas.microsoft.com/office/drawing/2014/main" id="{87606592-A07A-924B-B639-76FB8A14520F}"/>
+              </a:ext>
+            </a:extLst>
+          </p:cNvPr>
+          <p:cNvSpPr txBox="1"/>
+          <p:nvPr/>
+        </p:nvSpPr>
+        <p:spPr>
+          <a:xfrm>
+            <a:off x="3682530" y="5209508"/>
+            <a:ext cx="1369862" cy="276999"/>
+          </a:xfrm>
+          <a:prstGeom prst="rect">
+            <a:avLst/>
+          </a:prstGeom>
+          <a:noFill/>
+        </p:spPr>
+        <p:txBody>
+          <a:bodyPr wrap="none" rtlCol="0">
+            <a:spAutoFit/>
+          </a:bodyPr>
+          <a:lstStyle/>
+          <a:p>
+            <a:r>
+              <a:rPr lang="en-US" sz="1200" dirty="0">
+                <a:solidFill>
+                  <a:schemeClr val="accent1">
+                    <a:lumMod val="25000"/>
+                  </a:schemeClr>
+                </a:solidFill>
+              </a:rPr>
+              <a:t>reeferTelemetries</a:t>
+            </a:r>
+          </a:p>
+        </p:txBody>
+      </p:sp>
+      <p:pic>
+        <p:nvPicPr>
+          <p:cNvPr id="24" name="Picture 23">
+            <a:extLst>
+              <a:ext uri="{FF2B5EF4-FFF2-40B4-BE49-F238E27FC236}">
+                <a16:creationId xmlns:a16="http://schemas.microsoft.com/office/drawing/2014/main" id="{B400E287-8B40-BE4C-B680-D40ED448B4E5}"/>
+              </a:ext>
+            </a:extLst>
+          </p:cNvPr>
+          <p:cNvPicPr>
+            <a:picLocks noChangeAspect="1"/>
+          </p:cNvPicPr>
+          <p:nvPr/>
+        </p:nvPicPr>
+        <p:blipFill>
+          <a:blip r:embed="rId3">
+            <a:extLst>
+              <a:ext uri="{28A0092B-C50C-407E-A947-70E740481C1C}">
+                <a14:useLocalDpi xmlns:a14="http://schemas.microsoft.com/office/drawing/2010/main" val="0"/>
+              </a:ext>
+            </a:extLst>
+          </a:blip>
+          <a:stretch>
+            <a:fillRect/>
+          </a:stretch>
+        </p:blipFill>
+        <p:spPr>
+          <a:xfrm>
+            <a:off x="2713993" y="5032053"/>
+            <a:ext cx="523018" cy="690721"/>
+          </a:xfrm>
+          <a:prstGeom prst="rect">
+            <a:avLst/>
+          </a:prstGeom>
+        </p:spPr>
+      </p:pic>
+      <p:pic>
+        <p:nvPicPr>
+          <p:cNvPr id="27" name="Picture 40">
+            <a:extLst>
+              <a:ext uri="{FF2B5EF4-FFF2-40B4-BE49-F238E27FC236}">
+                <a16:creationId xmlns:a16="http://schemas.microsoft.com/office/drawing/2014/main" id="{82D37B93-A674-6248-A0F6-C3053BF17E01}"/>
+              </a:ext>
+            </a:extLst>
+          </p:cNvPr>
+          <p:cNvPicPr>
+            <a:picLocks noChangeAspect="1"/>
+          </p:cNvPicPr>
+          <p:nvPr/>
+        </p:nvPicPr>
+        <p:blipFill>
+          <a:blip r:embed="rId4">
+            <a:extLst>
+              <a:ext uri="{28A0092B-C50C-407E-A947-70E740481C1C}">
+                <a14:useLocalDpi xmlns:a14="http://schemas.microsoft.com/office/drawing/2010/main" val="0"/>
+              </a:ext>
+            </a:extLst>
+          </a:blip>
+          <a:srcRect/>
+          <a:stretch>
+            <a:fillRect/>
+          </a:stretch>
+        </p:blipFill>
+        <p:spPr bwMode="auto">
+          <a:xfrm>
+            <a:off x="-13004" y="5016111"/>
+            <a:ext cx="1099134" cy="407338"/>
+          </a:xfrm>
+          <a:prstGeom prst="rect">
+            <a:avLst/>
+          </a:prstGeom>
+          <a:noFill/>
+          <a:ln>
+            <a:noFill/>
+          </a:ln>
+          <a:extLst>
+            <a:ext uri="{909E8E84-426E-40DD-AFC4-6F175D3DCCD1}">
+              <a14:hiddenFill xmlns:a14="http://schemas.microsoft.com/office/drawing/2010/main">
+                <a:solidFill>
+                  <a:srgbClr val="FFFFFF"/>
+                </a:solidFill>
+              </a14:hiddenFill>
+            </a:ext>
+            <a:ext uri="{91240B29-F687-4F45-9708-019B960494DF}">
+              <a14:hiddenLine xmlns:a14="http://schemas.microsoft.com/office/drawing/2010/main" w="9525">
+                <a:solidFill>
+                  <a:srgbClr val="000000"/>
+                </a:solidFill>
+                <a:miter lim="800000"/>
+                <a:headEnd/>
+                <a:tailEnd/>
+              </a14:hiddenLine>
+            </a:ext>
+          </a:extLst>
+        </p:spPr>
+      </p:pic>
+      <p:cxnSp>
+        <p:nvCxnSpPr>
+          <p:cNvPr id="28" name="Elbow Connector 27">
+            <a:extLst>
+              <a:ext uri="{FF2B5EF4-FFF2-40B4-BE49-F238E27FC236}">
+                <a16:creationId xmlns:a16="http://schemas.microsoft.com/office/drawing/2014/main" id="{C8FBC103-4DDC-FD42-8D32-2C65F09E2B19}"/>
+              </a:ext>
+            </a:extLst>
+          </p:cNvPr>
+          <p:cNvCxnSpPr>
+            <a:cxnSpLocks/>
+            <a:stCxn id="15" idx="3"/>
+            <a:endCxn id="21" idx="2"/>
+          </p:cNvCxnSpPr>
+          <p:nvPr/>
+        </p:nvCxnSpPr>
+        <p:spPr>
+          <a:xfrm>
+            <a:off x="2347079" y="4444393"/>
+            <a:ext cx="2734422" cy="725111"/>
+          </a:xfrm>
+          <a:prstGeom prst="bentConnector4">
+            <a:avLst>
+              <a:gd name="adj1" fmla="val 37228"/>
+              <a:gd name="adj2" fmla="val 243619"/>
+            </a:avLst>
+          </a:prstGeom>
+          <a:ln w="12700">
+            <a:solidFill>
+              <a:schemeClr val="accent6"/>
+            </a:solidFill>
+            <a:tailEnd type="triangle"/>
+          </a:ln>
+          <a:effectLst/>
+        </p:spPr>
+        <p:style>
+          <a:lnRef idx="2">
+            <a:schemeClr val="accent1"/>
+          </a:lnRef>
+          <a:fillRef idx="0">
+            <a:schemeClr val="accent1"/>
+          </a:fillRef>
+          <a:effectRef idx="1">
+            <a:schemeClr val="accent1"/>
+          </a:effectRef>
+          <a:fontRef idx="minor">
+            <a:schemeClr val="tx1"/>
+          </a:fontRef>
+        </p:style>
+      </p:cxnSp>
+      <p:cxnSp>
+        <p:nvCxnSpPr>
+          <p:cNvPr id="33" name="Elbow Connector 32">
+            <a:extLst>
+              <a:ext uri="{FF2B5EF4-FFF2-40B4-BE49-F238E27FC236}">
+                <a16:creationId xmlns:a16="http://schemas.microsoft.com/office/drawing/2014/main" id="{A018039D-49E7-3C49-94D4-1BE530DE331F}"/>
+              </a:ext>
+            </a:extLst>
+          </p:cNvPr>
+          <p:cNvCxnSpPr>
+            <a:cxnSpLocks/>
+            <a:stCxn id="20" idx="0"/>
+            <a:endCxn id="59" idx="3"/>
+          </p:cNvCxnSpPr>
+          <p:nvPr/>
+        </p:nvCxnSpPr>
+        <p:spPr>
+          <a:xfrm rot="16200000" flipV="1">
+            <a:off x="4128790" y="3716076"/>
+            <a:ext cx="1151934" cy="291897"/>
+          </a:xfrm>
+          <a:prstGeom prst="bentConnector3">
+            <a:avLst>
+              <a:gd name="adj1" fmla="val 50000"/>
+            </a:avLst>
+          </a:prstGeom>
+          <a:ln w="12700">
+            <a:solidFill>
+              <a:srgbClr val="009643"/>
+            </a:solidFill>
+            <a:tailEnd type="triangle"/>
+          </a:ln>
+          <a:effectLst/>
+        </p:spPr>
+        <p:style>
+          <a:lnRef idx="2">
+            <a:schemeClr val="accent1"/>
+          </a:lnRef>
+          <a:fillRef idx="0">
+            <a:schemeClr val="accent1"/>
+          </a:fillRef>
+          <a:effectRef idx="1">
+            <a:schemeClr val="accent1"/>
+          </a:effectRef>
+          <a:fontRef idx="minor">
+            <a:schemeClr val="tx1"/>
+          </a:fontRef>
+        </p:style>
+      </p:cxnSp>
+      <p:sp>
+        <p:nvSpPr>
+          <p:cNvPr id="32" name="Rectangle 31">
+            <a:extLst>
+              <a:ext uri="{FF2B5EF4-FFF2-40B4-BE49-F238E27FC236}">
+                <a16:creationId xmlns:a16="http://schemas.microsoft.com/office/drawing/2014/main" id="{80B1BE04-8E41-6B41-9861-E9BB4FE73060}"/>
+              </a:ext>
+            </a:extLst>
+          </p:cNvPr>
+          <p:cNvSpPr/>
+          <p:nvPr/>
+        </p:nvSpPr>
+        <p:spPr>
+          <a:xfrm>
+            <a:off x="3779270" y="3571943"/>
+            <a:ext cx="1651745" cy="415825"/>
+          </a:xfrm>
+          <a:prstGeom prst="rect">
+            <a:avLst/>
+          </a:prstGeom>
+          <a:solidFill>
+            <a:schemeClr val="accent5">
+              <a:lumMod val="75000"/>
+            </a:schemeClr>
+          </a:solidFill>
+          <a:ln>
+            <a:noFill/>
+          </a:ln>
+          <a:effectLst>
+            <a:outerShdw blurRad="50800" dist="38100" dir="5400000" algn="t" rotWithShape="0">
+              <a:prstClr val="black">
+                <a:alpha val="40000"/>
+              </a:prstClr>
+            </a:outerShdw>
+          </a:effectLst>
+        </p:spPr>
+        <p:style>
+          <a:lnRef idx="2">
+            <a:schemeClr val="accent1">
+              <a:shade val="50000"/>
+            </a:schemeClr>
+          </a:lnRef>
+          <a:fillRef idx="1">
+            <a:schemeClr val="accent1"/>
+          </a:fillRef>
+          <a:effectRef idx="0">
+            <a:schemeClr val="accent1"/>
+          </a:effectRef>
+          <a:fontRef idx="minor">
+            <a:schemeClr val="lt1"/>
+          </a:fontRef>
+        </p:style>
+        <p:txBody>
+          <a:bodyPr rtlCol="0" anchor="ctr"/>
+          <a:lstStyle/>
+          <a:p>
+            <a:pPr algn="ctr"/>
+            <a:r>
+              <a:rPr lang="en-US" sz="1200" dirty="0"/>
+              <a:t>Long term persist stream</a:t>
+            </a:r>
+          </a:p>
+        </p:txBody>
+      </p:sp>
+      <p:sp>
+        <p:nvSpPr>
+          <p:cNvPr id="36" name="Can 35">
+            <a:extLst>
+              <a:ext uri="{FF2B5EF4-FFF2-40B4-BE49-F238E27FC236}">
+                <a16:creationId xmlns:a16="http://schemas.microsoft.com/office/drawing/2014/main" id="{838848AC-1D94-3D4E-9D79-D790EC064067}"/>
+              </a:ext>
+            </a:extLst>
+          </p:cNvPr>
+          <p:cNvSpPr/>
+          <p:nvPr/>
+        </p:nvSpPr>
+        <p:spPr>
+          <a:xfrm>
+            <a:off x="7108359" y="3489256"/>
+            <a:ext cx="895875" cy="695584"/>
+          </a:xfrm>
+          <a:prstGeom prst="can">
+            <a:avLst/>
+          </a:prstGeom>
+          <a:solidFill>
+            <a:schemeClr val="accent5">
+              <a:lumMod val="75000"/>
+            </a:schemeClr>
+          </a:solidFill>
+          <a:ln>
+            <a:noFill/>
+          </a:ln>
+        </p:spPr>
+        <p:style>
+          <a:lnRef idx="2">
+            <a:schemeClr val="accent1">
+              <a:shade val="50000"/>
+            </a:schemeClr>
+          </a:lnRef>
+          <a:fillRef idx="1">
+            <a:schemeClr val="accent1"/>
+          </a:fillRef>
+          <a:effectRef idx="0">
+            <a:schemeClr val="accent1"/>
+          </a:effectRef>
+          <a:fontRef idx="minor">
+            <a:schemeClr val="lt1"/>
+          </a:fontRef>
+        </p:style>
+        <p:txBody>
+          <a:bodyPr rtlCol="0" anchor="ctr"/>
+          <a:lstStyle/>
+          <a:p>
+            <a:pPr algn="ctr"/>
+            <a:r>
+              <a:rPr lang="en-US" sz="1000" dirty="0"/>
+              <a:t>Reefers Inventory</a:t>
+            </a:r>
+          </a:p>
+        </p:txBody>
+      </p:sp>
+      <p:sp>
+        <p:nvSpPr>
+          <p:cNvPr id="37" name="Can 36">
+            <a:extLst>
+              <a:ext uri="{FF2B5EF4-FFF2-40B4-BE49-F238E27FC236}">
+                <a16:creationId xmlns:a16="http://schemas.microsoft.com/office/drawing/2014/main" id="{8940F223-93A3-4947-A9E2-589C2FC0914F}"/>
+              </a:ext>
+            </a:extLst>
+          </p:cNvPr>
+          <p:cNvSpPr/>
+          <p:nvPr/>
+        </p:nvSpPr>
+        <p:spPr>
+          <a:xfrm>
+            <a:off x="8116630" y="3489256"/>
+            <a:ext cx="895875" cy="695584"/>
+          </a:xfrm>
+          <a:prstGeom prst="can">
+            <a:avLst/>
+          </a:prstGeom>
+          <a:solidFill>
+            <a:schemeClr val="accent5">
+              <a:lumMod val="75000"/>
+            </a:schemeClr>
+          </a:solidFill>
+          <a:ln>
+            <a:noFill/>
+          </a:ln>
+        </p:spPr>
+        <p:style>
+          <a:lnRef idx="2">
+            <a:schemeClr val="accent1">
+              <a:shade val="50000"/>
+            </a:schemeClr>
+          </a:lnRef>
+          <a:fillRef idx="1">
+            <a:schemeClr val="accent1"/>
+          </a:fillRef>
+          <a:effectRef idx="0">
+            <a:schemeClr val="accent1"/>
+          </a:effectRef>
+          <a:fontRef idx="minor">
+            <a:schemeClr val="lt1"/>
+          </a:fontRef>
+        </p:style>
+        <p:txBody>
+          <a:bodyPr rtlCol="0" anchor="ctr"/>
+          <a:lstStyle/>
+          <a:p>
+            <a:pPr algn="ctr"/>
+            <a:r>
+              <a:rPr lang="en-US" sz="1000" dirty="0"/>
+              <a:t>Products</a:t>
+            </a:r>
+          </a:p>
+        </p:txBody>
+      </p:sp>
+      <p:pic>
+        <p:nvPicPr>
+          <p:cNvPr id="38" name="Picture 37">
+            <a:extLst>
+              <a:ext uri="{FF2B5EF4-FFF2-40B4-BE49-F238E27FC236}">
+                <a16:creationId xmlns:a16="http://schemas.microsoft.com/office/drawing/2014/main" id="{3E12A240-C94D-F342-A515-AC9667796B7B}"/>
+              </a:ext>
+            </a:extLst>
+          </p:cNvPr>
+          <p:cNvPicPr>
+            <a:picLocks noChangeAspect="1"/>
+          </p:cNvPicPr>
+          <p:nvPr/>
+        </p:nvPicPr>
+        <p:blipFill>
+          <a:blip r:embed="rId5"/>
+          <a:stretch>
+            <a:fillRect/>
+          </a:stretch>
+        </p:blipFill>
+        <p:spPr>
+          <a:xfrm>
+            <a:off x="8941639" y="3913511"/>
+            <a:ext cx="638156" cy="680700"/>
+          </a:xfrm>
+          <a:prstGeom prst="rect">
+            <a:avLst/>
+          </a:prstGeom>
+        </p:spPr>
+      </p:pic>
+      <p:cxnSp>
+        <p:nvCxnSpPr>
+          <p:cNvPr id="39" name="Elbow Connector 38">
+            <a:extLst>
+              <a:ext uri="{FF2B5EF4-FFF2-40B4-BE49-F238E27FC236}">
+                <a16:creationId xmlns:a16="http://schemas.microsoft.com/office/drawing/2014/main" id="{2ADAE8E9-E8A0-C04F-AD33-82E1C5F42DB8}"/>
+              </a:ext>
+            </a:extLst>
+          </p:cNvPr>
+          <p:cNvCxnSpPr>
+            <a:cxnSpLocks/>
+            <a:stCxn id="45" idx="2"/>
+          </p:cNvCxnSpPr>
+          <p:nvPr/>
+        </p:nvCxnSpPr>
+        <p:spPr>
+          <a:xfrm rot="16200000" flipH="1">
+            <a:off x="7119144" y="2520778"/>
+            <a:ext cx="1151867" cy="684659"/>
+          </a:xfrm>
+          <a:prstGeom prst="bentConnector3">
+            <a:avLst>
+              <a:gd name="adj1" fmla="val 50000"/>
+            </a:avLst>
+          </a:prstGeom>
+          <a:ln w="12700">
+            <a:solidFill>
+              <a:srgbClr val="7030A0"/>
+            </a:solidFill>
+            <a:headEnd type="triangle"/>
+            <a:tailEnd type="none"/>
+          </a:ln>
+          <a:effectLst/>
+        </p:spPr>
+        <p:style>
+          <a:lnRef idx="2">
+            <a:schemeClr val="accent1"/>
+          </a:lnRef>
+          <a:fillRef idx="0">
+            <a:schemeClr val="accent1"/>
+          </a:fillRef>
+          <a:effectRef idx="1">
+            <a:schemeClr val="accent1"/>
+          </a:effectRef>
+          <a:fontRef idx="minor">
+            <a:schemeClr val="tx1"/>
+          </a:fontRef>
+        </p:style>
+      </p:cxnSp>
+      <p:sp>
+        <p:nvSpPr>
+          <p:cNvPr id="42" name="Oval 41">
+            <a:extLst>
+              <a:ext uri="{FF2B5EF4-FFF2-40B4-BE49-F238E27FC236}">
+                <a16:creationId xmlns:a16="http://schemas.microsoft.com/office/drawing/2014/main" id="{EF41234A-880A-8244-AA87-8EE3CA4327BE}"/>
+              </a:ext>
+            </a:extLst>
+          </p:cNvPr>
+          <p:cNvSpPr/>
+          <p:nvPr/>
+        </p:nvSpPr>
+        <p:spPr>
+          <a:xfrm>
+            <a:off x="246098" y="1544377"/>
+            <a:ext cx="290465" cy="369256"/>
+          </a:xfrm>
+          <a:prstGeom prst="ellipse">
+            <a:avLst/>
+          </a:prstGeom>
+          <a:solidFill>
+            <a:schemeClr val="tx2">
+              <a:lumMod val="75000"/>
+            </a:schemeClr>
+          </a:solidFill>
+          <a:ln>
+            <a:noFill/>
+          </a:ln>
+        </p:spPr>
+        <p:style>
+          <a:lnRef idx="2">
+            <a:schemeClr val="accent1">
+              <a:shade val="50000"/>
+            </a:schemeClr>
+          </a:lnRef>
+          <a:fillRef idx="1">
+            <a:schemeClr val="accent1"/>
+          </a:fillRef>
+          <a:effectRef idx="0">
+            <a:schemeClr val="accent1"/>
+          </a:effectRef>
+          <a:fontRef idx="minor">
+            <a:schemeClr val="lt1"/>
+          </a:fontRef>
+        </p:style>
+        <p:txBody>
+          <a:bodyPr rtlCol="0" anchor="ctr"/>
+          <a:lstStyle/>
+          <a:p>
+            <a:pPr algn="ctr"/>
+            <a:r>
+              <a:rPr lang="en-US" sz="1400" dirty="0"/>
+              <a:t>1</a:t>
+            </a:r>
+          </a:p>
+        </p:txBody>
+      </p:sp>
+      <p:sp>
+        <p:nvSpPr>
+          <p:cNvPr id="43" name="Oval 42">
+            <a:extLst>
+              <a:ext uri="{FF2B5EF4-FFF2-40B4-BE49-F238E27FC236}">
+                <a16:creationId xmlns:a16="http://schemas.microsoft.com/office/drawing/2014/main" id="{18795C1C-9E4F-AA4C-9D51-61F797DA92E3}"/>
+              </a:ext>
+            </a:extLst>
+          </p:cNvPr>
+          <p:cNvSpPr/>
+          <p:nvPr/>
+        </p:nvSpPr>
+        <p:spPr>
+          <a:xfrm>
+            <a:off x="795665" y="5454503"/>
+            <a:ext cx="290465" cy="369256"/>
+          </a:xfrm>
+          <a:prstGeom prst="ellipse">
+            <a:avLst/>
+          </a:prstGeom>
+          <a:solidFill>
+            <a:schemeClr val="tx2">
+              <a:lumMod val="75000"/>
+            </a:schemeClr>
+          </a:solidFill>
+          <a:ln>
+            <a:noFill/>
+          </a:ln>
+        </p:spPr>
+        <p:style>
+          <a:lnRef idx="2">
+            <a:schemeClr val="accent1">
+              <a:shade val="50000"/>
+            </a:schemeClr>
+          </a:lnRef>
+          <a:fillRef idx="1">
+            <a:schemeClr val="accent1"/>
+          </a:fillRef>
+          <a:effectRef idx="0">
+            <a:schemeClr val="accent1"/>
+          </a:effectRef>
+          <a:fontRef idx="minor">
+            <a:schemeClr val="lt1"/>
+          </a:fontRef>
+        </p:style>
+        <p:txBody>
+          <a:bodyPr rtlCol="0" anchor="ctr"/>
+          <a:lstStyle/>
+          <a:p>
+            <a:pPr algn="ctr"/>
+            <a:r>
+              <a:rPr lang="en-US" sz="1400" dirty="0"/>
+              <a:t>2</a:t>
+            </a:r>
+          </a:p>
+        </p:txBody>
+      </p:sp>
+    </p:spTree>
+    <p:extLst>
+      <p:ext uri="{BB962C8B-B14F-4D97-AF65-F5344CB8AC3E}">
+        <p14:creationId xmlns:p14="http://schemas.microsoft.com/office/powerpoint/2010/main" val="3696044975"/>
+      </p:ext>
+    </p:extLst>
+  </p:cSld>
+  <p:clrMapOvr>
+    <a:masterClrMapping/>
+  </p:clrMapOvr>
+</p:sld>
+</file>
+
+<file path=ppt/slides/slide11.xml><?xml version="1.0" encoding="utf-8"?>
+<p:sld xmlns:a="http://schemas.openxmlformats.org/drawingml/2006/main" xmlns:r="http://schemas.openxmlformats.org/officeDocument/2006/relationships" xmlns:p="http://schemas.openxmlformats.org/presentationml/2006/main">
+  <p:cSld>
+    <p:spTree>
+      <p:nvGrpSpPr>
+        <p:cNvPr id="1" name=""/>
+        <p:cNvGrpSpPr/>
+        <p:nvPr/>
+      </p:nvGrpSpPr>
+      <p:grpSpPr>
+        <a:xfrm>
+          <a:off x="0" y="0"/>
+          <a:ext cx="0" cy="0"/>
+          <a:chOff x="0" y="0"/>
+          <a:chExt cx="0" cy="0"/>
+        </a:xfrm>
+      </p:grpSpPr>
+      <p:sp>
+        <p:nvSpPr>
+          <p:cNvPr id="2" name="Title 1">
+            <a:extLst>
+              <a:ext uri="{FF2B5EF4-FFF2-40B4-BE49-F238E27FC236}">
+                <a16:creationId xmlns:a16="http://schemas.microsoft.com/office/drawing/2014/main" id="{83D72B5A-D2BF-0F41-AB02-0E3504265F76}"/>
+              </a:ext>
+            </a:extLst>
+          </p:cNvPr>
+          <p:cNvSpPr>
+            <a:spLocks noGrp="1"/>
+          </p:cNvSpPr>
+          <p:nvPr>
+            <p:ph type="title"/>
+          </p:nvPr>
+        </p:nvSpPr>
+        <p:spPr>
+          <a:xfrm>
+            <a:off x="288633" y="208582"/>
+            <a:ext cx="10515600" cy="521140"/>
+          </a:xfrm>
+        </p:spPr>
+        <p:txBody>
+          <a:bodyPr>
+            <a:normAutofit/>
+          </a:bodyPr>
+          <a:lstStyle/>
+          <a:p>
+            <a:r>
+              <a:rPr lang="en-US" sz="2400" dirty="0"/>
+              <a:t>Event Stream As Event Store for ML</a:t>
+            </a:r>
+          </a:p>
+        </p:txBody>
+      </p:sp>
+      <p:sp>
+        <p:nvSpPr>
+          <p:cNvPr id="4" name="Slide Number Placeholder 3">
+            <a:extLst>
+              <a:ext uri="{FF2B5EF4-FFF2-40B4-BE49-F238E27FC236}">
+                <a16:creationId xmlns:a16="http://schemas.microsoft.com/office/drawing/2014/main" id="{B1D66A27-027F-EA4A-B9BD-D02849496229}"/>
+              </a:ext>
+            </a:extLst>
+          </p:cNvPr>
+          <p:cNvSpPr>
+            <a:spLocks noGrp="1"/>
+          </p:cNvSpPr>
+          <p:nvPr>
+            <p:ph type="sldNum" sz="quarter" idx="12"/>
+          </p:nvPr>
+        </p:nvSpPr>
+        <p:spPr/>
+        <p:txBody>
+          <a:bodyPr/>
+          <a:lstStyle/>
+          <a:p>
+            <a:fld id="{C565C23E-6D76-459C-BC14-A9049E4EE889}" type="slidenum">
+              <a:rPr lang="en-US" smtClean="0"/>
+              <a:t>11</a:t>
             </a:fld>
             <a:endParaRPr lang="en-US"/>
           </a:p>
@@ -10087,10 +11806,10 @@
       </p:grpSpPr>
       <p:sp>
         <p:nvSpPr>
-          <p:cNvPr id="2" name="Title 1">
-            <a:extLst>
-              <a:ext uri="{FF2B5EF4-FFF2-40B4-BE49-F238E27FC236}">
-                <a16:creationId xmlns:a16="http://schemas.microsoft.com/office/drawing/2014/main" id="{D315EF5C-228B-5845-84E6-0CFA2693B2CE}"/>
+          <p:cNvPr id="50" name="Title 49">
+            <a:extLst>
+              <a:ext uri="{FF2B5EF4-FFF2-40B4-BE49-F238E27FC236}">
+                <a16:creationId xmlns:a16="http://schemas.microsoft.com/office/drawing/2014/main" id="{4171BD1A-6AB6-324D-B1FC-E53A70DEEB66}"/>
               </a:ext>
             </a:extLst>
           </p:cNvPr>
@@ -10101,24 +11820,29 @@
             <p:ph type="title"/>
           </p:nvPr>
         </p:nvSpPr>
-        <p:spPr/>
+        <p:spPr>
+          <a:xfrm>
+            <a:off x="390788" y="60120"/>
+            <a:ext cx="10886813" cy="611466"/>
+          </a:xfrm>
+        </p:spPr>
         <p:txBody>
           <a:bodyPr/>
           <a:lstStyle/>
           <a:p>
             <a:r>
               <a:rPr lang="en-US" dirty="0"/>
-              <a:t>Cloud Pak Solution</a:t>
+              <a:t>Architecture</a:t>
             </a:r>
           </a:p>
         </p:txBody>
       </p:sp>
       <p:sp>
         <p:nvSpPr>
-          <p:cNvPr id="4" name="Slide Number Placeholder 3">
-            <a:extLst>
-              <a:ext uri="{FF2B5EF4-FFF2-40B4-BE49-F238E27FC236}">
-                <a16:creationId xmlns:a16="http://schemas.microsoft.com/office/drawing/2014/main" id="{FB3FF1DE-439B-5D41-A9C1-2BC36D573C38}"/>
+          <p:cNvPr id="5" name="Slide Number Placeholder 4">
+            <a:extLst>
+              <a:ext uri="{FF2B5EF4-FFF2-40B4-BE49-F238E27FC236}">
+                <a16:creationId xmlns:a16="http://schemas.microsoft.com/office/drawing/2014/main" id="{95122535-E70B-8D48-8C0D-2F51DDAEF4E0}"/>
               </a:ext>
             </a:extLst>
           </p:cNvPr>
@@ -10134,21 +11858,369 @@
           <a:bodyPr/>
           <a:lstStyle/>
           <a:p>
-            <a:fld id="{86CB4B4D-7CA3-9044-876B-883B54F8677D}" type="slidenum">
-              <a:rPr lang="en-US" smtClean="0"/>
+            <a:fld id="{8A158888-7CA9-084D-A641-EC66ACF9DB3C}" type="slidenum">
+              <a:rPr lang="en-US" smtClean="0">
+                <a:solidFill>
+                  <a:srgbClr val="5AAAFA"/>
+                </a:solidFill>
+              </a:rPr>
               <a:pPr/>
               <a:t>2</a:t>
             </a:fld>
-            <a:endParaRPr lang="en-US"/>
+            <a:endParaRPr lang="en-US">
+              <a:solidFill>
+                <a:srgbClr val="5AAAFA"/>
+              </a:solidFill>
+            </a:endParaRPr>
           </a:p>
         </p:txBody>
       </p:sp>
       <p:sp>
         <p:nvSpPr>
-          <p:cNvPr id="5" name="AutoShape 4">
-            <a:extLst>
-              <a:ext uri="{FF2B5EF4-FFF2-40B4-BE49-F238E27FC236}">
-                <a16:creationId xmlns:a16="http://schemas.microsoft.com/office/drawing/2014/main" id="{684E09B8-BBC1-064E-8FF3-CD8302D16690}"/>
+          <p:cNvPr id="51" name="Rounded Rectangle 50">
+            <a:extLst>
+              <a:ext uri="{FF2B5EF4-FFF2-40B4-BE49-F238E27FC236}">
+                <a16:creationId xmlns:a16="http://schemas.microsoft.com/office/drawing/2014/main" id="{EA454C83-24A9-2C4B-92A5-7A25E6959B21}"/>
+              </a:ext>
+            </a:extLst>
+          </p:cNvPr>
+          <p:cNvSpPr/>
+          <p:nvPr/>
+        </p:nvSpPr>
+        <p:spPr bwMode="auto">
+          <a:xfrm>
+            <a:off x="4610706" y="2486397"/>
+            <a:ext cx="245561" cy="731512"/>
+          </a:xfrm>
+          <a:prstGeom prst="roundRect">
+            <a:avLst/>
+          </a:prstGeom>
+          <a:solidFill>
+            <a:srgbClr val="959F9F"/>
+          </a:solidFill>
+          <a:ln w="9525" cap="flat" cmpd="sng" algn="ctr">
+            <a:solidFill>
+              <a:srgbClr val="FFFFFF"/>
+            </a:solidFill>
+            <a:prstDash val="solid"/>
+            <a:headEnd type="none" w="med" len="med"/>
+            <a:tailEnd type="none" w="med" len="med"/>
+          </a:ln>
+          <a:effectLst/>
+        </p:spPr>
+        <p:txBody>
+          <a:bodyPr vert="horz" wrap="square" lIns="0" tIns="0" rIns="0" bIns="0" numCol="1" rtlCol="0" anchor="ctr" anchorCtr="0" compatLnSpc="1">
+            <a:prstTxWarp prst="textNoShape">
+              <a:avLst/>
+            </a:prstTxWarp>
+            <a:noAutofit/>
+          </a:bodyPr>
+          <a:lstStyle/>
+          <a:p>
+            <a:pPr algn="ctr" defTabSz="1219140" eaLnBrk="1" hangingPunct="1">
+              <a:lnSpc>
+                <a:spcPct val="90000"/>
+              </a:lnSpc>
+              <a:defRPr/>
+            </a:pPr>
+            <a:r>
+              <a:rPr lang="en-US" sz="1200" kern="0" dirty="0">
+                <a:solidFill>
+                  <a:srgbClr val="FFFFFF"/>
+                </a:solidFill>
+                <a:latin typeface="Arial"/>
+                <a:cs typeface="+mn-cs"/>
+              </a:rPr>
+              <a:t>0</a:t>
+            </a:r>
+            <a:endParaRPr lang="en-US" sz="667" kern="0" dirty="0">
+              <a:solidFill>
+                <a:srgbClr val="FFFFFF"/>
+              </a:solidFill>
+              <a:latin typeface="Arial"/>
+              <a:cs typeface="+mn-cs"/>
+            </a:endParaRPr>
+          </a:p>
+        </p:txBody>
+      </p:sp>
+      <p:sp>
+        <p:nvSpPr>
+          <p:cNvPr id="52" name="Rounded Rectangle 51">
+            <a:extLst>
+              <a:ext uri="{FF2B5EF4-FFF2-40B4-BE49-F238E27FC236}">
+                <a16:creationId xmlns:a16="http://schemas.microsoft.com/office/drawing/2014/main" id="{24D77671-ED56-8343-AF38-056A04B7E03C}"/>
+              </a:ext>
+            </a:extLst>
+          </p:cNvPr>
+          <p:cNvSpPr/>
+          <p:nvPr/>
+        </p:nvSpPr>
+        <p:spPr bwMode="auto">
+          <a:xfrm>
+            <a:off x="4854544" y="2486397"/>
+            <a:ext cx="245561" cy="731512"/>
+          </a:xfrm>
+          <a:prstGeom prst="roundRect">
+            <a:avLst/>
+          </a:prstGeom>
+          <a:solidFill>
+            <a:srgbClr val="959F9F"/>
+          </a:solidFill>
+          <a:ln w="9525" cap="flat" cmpd="sng" algn="ctr">
+            <a:solidFill>
+              <a:srgbClr val="FFFFFF"/>
+            </a:solidFill>
+            <a:prstDash val="solid"/>
+            <a:headEnd type="none" w="med" len="med"/>
+            <a:tailEnd type="none" w="med" len="med"/>
+          </a:ln>
+          <a:effectLst/>
+        </p:spPr>
+        <p:txBody>
+          <a:bodyPr vert="horz" wrap="square" lIns="0" tIns="0" rIns="0" bIns="0" numCol="1" rtlCol="0" anchor="ctr" anchorCtr="0" compatLnSpc="1">
+            <a:prstTxWarp prst="textNoShape">
+              <a:avLst/>
+            </a:prstTxWarp>
+            <a:noAutofit/>
+          </a:bodyPr>
+          <a:lstStyle/>
+          <a:p>
+            <a:pPr algn="ctr" defTabSz="1219140" eaLnBrk="1" hangingPunct="1">
+              <a:lnSpc>
+                <a:spcPct val="90000"/>
+              </a:lnSpc>
+              <a:defRPr/>
+            </a:pPr>
+            <a:r>
+              <a:rPr lang="en-US" sz="1200" kern="0" dirty="0">
+                <a:solidFill>
+                  <a:srgbClr val="FFFFFF"/>
+                </a:solidFill>
+                <a:latin typeface="Arial"/>
+                <a:cs typeface="+mn-cs"/>
+              </a:rPr>
+              <a:t>1</a:t>
+            </a:r>
+            <a:endParaRPr lang="en-US" sz="667" kern="0" dirty="0">
+              <a:solidFill>
+                <a:srgbClr val="FFFFFF"/>
+              </a:solidFill>
+              <a:latin typeface="Arial"/>
+              <a:cs typeface="+mn-cs"/>
+            </a:endParaRPr>
+          </a:p>
+        </p:txBody>
+      </p:sp>
+      <p:sp>
+        <p:nvSpPr>
+          <p:cNvPr id="53" name="Rounded Rectangle 52">
+            <a:extLst>
+              <a:ext uri="{FF2B5EF4-FFF2-40B4-BE49-F238E27FC236}">
+                <a16:creationId xmlns:a16="http://schemas.microsoft.com/office/drawing/2014/main" id="{42A3098E-C9D6-F841-BCE9-003FFDD268C5}"/>
+              </a:ext>
+            </a:extLst>
+          </p:cNvPr>
+          <p:cNvSpPr/>
+          <p:nvPr/>
+        </p:nvSpPr>
+        <p:spPr bwMode="auto">
+          <a:xfrm>
+            <a:off x="5100105" y="2486397"/>
+            <a:ext cx="245561" cy="731512"/>
+          </a:xfrm>
+          <a:prstGeom prst="roundRect">
+            <a:avLst/>
+          </a:prstGeom>
+          <a:solidFill>
+            <a:srgbClr val="959F9F"/>
+          </a:solidFill>
+          <a:ln w="9525" cap="flat" cmpd="sng" algn="ctr">
+            <a:solidFill>
+              <a:srgbClr val="FFFFFF"/>
+            </a:solidFill>
+            <a:prstDash val="solid"/>
+            <a:headEnd type="none" w="med" len="med"/>
+            <a:tailEnd type="none" w="med" len="med"/>
+          </a:ln>
+          <a:effectLst/>
+        </p:spPr>
+        <p:txBody>
+          <a:bodyPr vert="horz" wrap="square" lIns="0" tIns="0" rIns="0" bIns="0" numCol="1" rtlCol="0" anchor="ctr" anchorCtr="0" compatLnSpc="1">
+            <a:prstTxWarp prst="textNoShape">
+              <a:avLst/>
+            </a:prstTxWarp>
+            <a:noAutofit/>
+          </a:bodyPr>
+          <a:lstStyle/>
+          <a:p>
+            <a:pPr algn="ctr" defTabSz="1219140" eaLnBrk="1" hangingPunct="1">
+              <a:lnSpc>
+                <a:spcPct val="90000"/>
+              </a:lnSpc>
+              <a:defRPr/>
+            </a:pPr>
+            <a:r>
+              <a:rPr lang="en-US" sz="1200" kern="0" dirty="0">
+                <a:solidFill>
+                  <a:srgbClr val="FFFFFF"/>
+                </a:solidFill>
+                <a:latin typeface="Arial"/>
+                <a:cs typeface="+mn-cs"/>
+              </a:rPr>
+              <a:t>2</a:t>
+            </a:r>
+            <a:endParaRPr lang="en-US" sz="667" kern="0" dirty="0">
+              <a:solidFill>
+                <a:srgbClr val="FFFFFF"/>
+              </a:solidFill>
+              <a:latin typeface="Arial"/>
+              <a:cs typeface="+mn-cs"/>
+            </a:endParaRPr>
+          </a:p>
+        </p:txBody>
+      </p:sp>
+      <p:sp>
+        <p:nvSpPr>
+          <p:cNvPr id="54" name="Rounded Rectangle 53">
+            <a:extLst>
+              <a:ext uri="{FF2B5EF4-FFF2-40B4-BE49-F238E27FC236}">
+                <a16:creationId xmlns:a16="http://schemas.microsoft.com/office/drawing/2014/main" id="{4F4DADE3-A431-4646-82AB-59EADE5ADAAA}"/>
+              </a:ext>
+            </a:extLst>
+          </p:cNvPr>
+          <p:cNvSpPr/>
+          <p:nvPr/>
+        </p:nvSpPr>
+        <p:spPr bwMode="auto">
+          <a:xfrm>
+            <a:off x="5343942" y="2486397"/>
+            <a:ext cx="245561" cy="731512"/>
+          </a:xfrm>
+          <a:prstGeom prst="roundRect">
+            <a:avLst/>
+          </a:prstGeom>
+          <a:solidFill>
+            <a:srgbClr val="959F9F"/>
+          </a:solidFill>
+          <a:ln w="9525" cap="flat" cmpd="sng" algn="ctr">
+            <a:solidFill>
+              <a:srgbClr val="FFFFFF"/>
+            </a:solidFill>
+            <a:prstDash val="solid"/>
+            <a:headEnd type="none" w="med" len="med"/>
+            <a:tailEnd type="none" w="med" len="med"/>
+          </a:ln>
+          <a:effectLst/>
+        </p:spPr>
+        <p:txBody>
+          <a:bodyPr vert="horz" wrap="square" lIns="0" tIns="0" rIns="0" bIns="0" numCol="1" rtlCol="0" anchor="ctr" anchorCtr="0" compatLnSpc="1">
+            <a:prstTxWarp prst="textNoShape">
+              <a:avLst/>
+            </a:prstTxWarp>
+            <a:noAutofit/>
+          </a:bodyPr>
+          <a:lstStyle/>
+          <a:p>
+            <a:pPr algn="ctr" defTabSz="1219140" eaLnBrk="1" hangingPunct="1">
+              <a:lnSpc>
+                <a:spcPct val="90000"/>
+              </a:lnSpc>
+              <a:defRPr/>
+            </a:pPr>
+            <a:r>
+              <a:rPr lang="en-US" sz="1200" kern="0" dirty="0">
+                <a:solidFill>
+                  <a:srgbClr val="FFFFFF"/>
+                </a:solidFill>
+                <a:latin typeface="Arial"/>
+                <a:cs typeface="+mn-cs"/>
+              </a:rPr>
+              <a:t>3</a:t>
+            </a:r>
+            <a:endParaRPr lang="en-US" sz="667" kern="0" dirty="0">
+              <a:solidFill>
+                <a:srgbClr val="FFFFFF"/>
+              </a:solidFill>
+              <a:latin typeface="Arial"/>
+              <a:cs typeface="+mn-cs"/>
+            </a:endParaRPr>
+          </a:p>
+        </p:txBody>
+      </p:sp>
+      <p:sp>
+        <p:nvSpPr>
+          <p:cNvPr id="55" name="Rounded Rectangle 54">
+            <a:extLst>
+              <a:ext uri="{FF2B5EF4-FFF2-40B4-BE49-F238E27FC236}">
+                <a16:creationId xmlns:a16="http://schemas.microsoft.com/office/drawing/2014/main" id="{BC1D0B24-7F33-D74C-B554-A2AE503F1679}"/>
+              </a:ext>
+            </a:extLst>
+          </p:cNvPr>
+          <p:cNvSpPr/>
+          <p:nvPr/>
+        </p:nvSpPr>
+        <p:spPr bwMode="auto">
+          <a:xfrm>
+            <a:off x="5589504" y="2486397"/>
+            <a:ext cx="245561" cy="731512"/>
+          </a:xfrm>
+          <a:prstGeom prst="roundRect">
+            <a:avLst/>
+          </a:prstGeom>
+          <a:solidFill>
+            <a:srgbClr val="959F9F"/>
+          </a:solidFill>
+          <a:ln w="9525" cap="flat" cmpd="sng" algn="ctr">
+            <a:solidFill>
+              <a:srgbClr val="FFFFFF"/>
+            </a:solidFill>
+            <a:prstDash val="solid"/>
+            <a:headEnd type="none" w="med" len="med"/>
+            <a:tailEnd type="none" w="med" len="med"/>
+          </a:ln>
+          <a:effectLst/>
+        </p:spPr>
+        <p:txBody>
+          <a:bodyPr vert="horz" wrap="square" lIns="0" tIns="0" rIns="0" bIns="0" numCol="1" rtlCol="0" anchor="ctr" anchorCtr="0" compatLnSpc="1">
+            <a:prstTxWarp prst="textNoShape">
+              <a:avLst/>
+            </a:prstTxWarp>
+            <a:noAutofit/>
+          </a:bodyPr>
+          <a:lstStyle/>
+          <a:p>
+            <a:pPr algn="ctr" defTabSz="1219140" eaLnBrk="1" hangingPunct="1">
+              <a:lnSpc>
+                <a:spcPct val="90000"/>
+              </a:lnSpc>
+              <a:defRPr/>
+            </a:pPr>
+            <a:r>
+              <a:rPr lang="en-US" sz="1200" kern="0" dirty="0">
+                <a:solidFill>
+                  <a:srgbClr val="FFFFFF"/>
+                </a:solidFill>
+                <a:latin typeface="Arial"/>
+                <a:cs typeface="+mn-cs"/>
+              </a:rPr>
+              <a:t>4</a:t>
+            </a:r>
+            <a:endParaRPr lang="en-US" sz="667" kern="0" dirty="0">
+              <a:solidFill>
+                <a:srgbClr val="FFFFFF"/>
+              </a:solidFill>
+              <a:latin typeface="Arial"/>
+              <a:cs typeface="+mn-cs"/>
+            </a:endParaRPr>
+          </a:p>
+        </p:txBody>
+      </p:sp>
+      <p:sp>
+        <p:nvSpPr>
+          <p:cNvPr id="59" name="AutoShape 4">
+            <a:extLst>
+              <a:ext uri="{FF2B5EF4-FFF2-40B4-BE49-F238E27FC236}">
+                <a16:creationId xmlns:a16="http://schemas.microsoft.com/office/drawing/2014/main" id="{4EA86A7E-E917-5D44-94A6-A46E07359E70}"/>
               </a:ext>
             </a:extLst>
           </p:cNvPr>
@@ -10159,8 +12231,8 @@
         </p:nvSpPr>
         <p:spPr bwMode="auto">
           <a:xfrm>
-            <a:off x="2645950" y="5150367"/>
-            <a:ext cx="4770849" cy="680686"/>
+            <a:off x="4293514" y="2194100"/>
+            <a:ext cx="3797333" cy="1528080"/>
           </a:xfrm>
           <a:prstGeom prst="roundRect">
             <a:avLst>
@@ -10181,35 +12253,31 @@
           </a:ln>
         </p:spPr>
         <p:txBody>
-          <a:bodyPr lIns="0" tIns="0" rIns="0" bIns="0" anchor="b" anchorCtr="1"/>
+          <a:bodyPr lIns="0" tIns="0" rIns="0" bIns="0" anchor="t" anchorCtr="1"/>
           <a:lstStyle/>
           <a:p>
-            <a:pPr algn="ctr" defTabSz="1219170" eaLnBrk="1" fontAlgn="auto" hangingPunct="1">
-              <a:spcBef>
-                <a:spcPts val="0"/>
-              </a:spcBef>
-              <a:spcAft>
-                <a:spcPts val="0"/>
-              </a:spcAft>
+            <a:pPr defTabSz="1219170">
               <a:defRPr/>
             </a:pPr>
             <a:r>
               <a:rPr lang="en-US" sz="1333" kern="0" dirty="0">
                 <a:solidFill>
-                  <a:srgbClr val="6D7777"/>
+                  <a:srgbClr val="C8D2D2">
+                    <a:lumMod val="25000"/>
+                  </a:srgbClr>
                 </a:solidFill>
               </a:rPr>
-              <a:t>Infrastructure</a:t>
+              <a:t>Data in motion</a:t>
             </a:r>
           </a:p>
         </p:txBody>
       </p:sp>
       <p:pic>
         <p:nvPicPr>
-          <p:cNvPr id="6" name="Picture 5">
-            <a:extLst>
-              <a:ext uri="{FF2B5EF4-FFF2-40B4-BE49-F238E27FC236}">
-                <a16:creationId xmlns:a16="http://schemas.microsoft.com/office/drawing/2014/main" id="{07AC0BFF-594E-D943-9423-6F5BB0B092D4}"/>
+          <p:cNvPr id="60" name="Picture 59">
+            <a:extLst>
+              <a:ext uri="{FF2B5EF4-FFF2-40B4-BE49-F238E27FC236}">
+                <a16:creationId xmlns:a16="http://schemas.microsoft.com/office/drawing/2014/main" id="{C6175990-CEAD-2846-9C27-E321BF096D4D}"/>
               </a:ext>
             </a:extLst>
           </p:cNvPr>
@@ -10219,15 +12287,31 @@
           <p:nvPr/>
         </p:nvPicPr>
         <p:blipFill>
-          <a:blip r:embed="rId2"/>
+          <a:blip r:embed="rId2">
+            <a:biLevel thresh="75000"/>
+            <a:extLst>
+              <a:ext uri="{BEBA8EAE-BF5A-486C-A8C5-ECC9F3942E4B}">
+                <a14:imgProps xmlns:a14="http://schemas.microsoft.com/office/drawing/2010/main">
+                  <a14:imgLayer r:embed="rId3">
+                    <a14:imgEffect>
+                      <a14:artisticPhotocopy/>
+                    </a14:imgEffect>
+                  </a14:imgLayer>
+                </a14:imgProps>
+              </a:ext>
+              <a:ext uri="{28A0092B-C50C-407E-A947-70E740481C1C}">
+                <a14:useLocalDpi xmlns:a14="http://schemas.microsoft.com/office/drawing/2010/main" val="0"/>
+              </a:ext>
+            </a:extLst>
+          </a:blip>
           <a:stretch>
             <a:fillRect/>
           </a:stretch>
         </p:blipFill>
         <p:spPr>
           <a:xfrm>
-            <a:off x="4030042" y="5259975"/>
-            <a:ext cx="388273" cy="354992"/>
+            <a:off x="4365173" y="3217910"/>
+            <a:ext cx="959343" cy="504271"/>
           </a:xfrm>
           <a:prstGeom prst="rect">
             <a:avLst/>
@@ -10236,10 +12320,10 @@
       </p:pic>
       <p:pic>
         <p:nvPicPr>
-          <p:cNvPr id="7" name="Picture 6">
-            <a:extLst>
-              <a:ext uri="{FF2B5EF4-FFF2-40B4-BE49-F238E27FC236}">
-                <a16:creationId xmlns:a16="http://schemas.microsoft.com/office/drawing/2014/main" id="{34E902ED-15BC-414A-8ABD-63DB888CC4B7}"/>
+          <p:cNvPr id="3" name="Picture 2">
+            <a:extLst>
+              <a:ext uri="{FF2B5EF4-FFF2-40B4-BE49-F238E27FC236}">
+                <a16:creationId xmlns:a16="http://schemas.microsoft.com/office/drawing/2014/main" id="{1AAC289A-50FD-A648-8460-432305732DD2}"/>
               </a:ext>
             </a:extLst>
           </p:cNvPr>
@@ -10249,15 +12333,15 @@
           <p:nvPr/>
         </p:nvPicPr>
         <p:blipFill>
-          <a:blip r:embed="rId3"/>
+          <a:blip r:embed="rId4"/>
           <a:stretch>
             <a:fillRect/>
           </a:stretch>
         </p:blipFill>
         <p:spPr>
-          <a:xfrm>
-            <a:off x="5688009" y="5259975"/>
-            <a:ext cx="459096" cy="393976"/>
+          <a:xfrm flipV="1">
+            <a:off x="909587" y="1293121"/>
+            <a:ext cx="1344689" cy="880532"/>
           </a:xfrm>
           <a:prstGeom prst="rect">
             <a:avLst/>
@@ -10266,10 +12350,10 @@
       </p:pic>
       <p:sp>
         <p:nvSpPr>
-          <p:cNvPr id="11" name="AutoShape 4">
-            <a:extLst>
-              <a:ext uri="{FF2B5EF4-FFF2-40B4-BE49-F238E27FC236}">
-                <a16:creationId xmlns:a16="http://schemas.microsoft.com/office/drawing/2014/main" id="{C64ABD7E-5043-7340-8CC0-841277EF50A1}"/>
+          <p:cNvPr id="62" name="AutoShape 4">
+            <a:extLst>
+              <a:ext uri="{FF2B5EF4-FFF2-40B4-BE49-F238E27FC236}">
+                <a16:creationId xmlns:a16="http://schemas.microsoft.com/office/drawing/2014/main" id="{196F33E4-D05E-7242-BE40-8E0BBCCB8AB9}"/>
               </a:ext>
             </a:extLst>
           </p:cNvPr>
@@ -10280,8 +12364,8 @@
         </p:nvSpPr>
         <p:spPr bwMode="auto">
           <a:xfrm>
-            <a:off x="2645950" y="3448935"/>
-            <a:ext cx="4770849" cy="1396809"/>
+            <a:off x="1970534" y="1339793"/>
+            <a:ext cx="1802485" cy="1928192"/>
           </a:xfrm>
           <a:prstGeom prst="roundRect">
             <a:avLst>
@@ -10320,47 +12404,78 @@
                   <a:srgbClr val="6D7777"/>
                 </a:solidFill>
               </a:rPr>
-              <a:t>Cloud Pak</a:t>
+              <a:t>Data Ingestion</a:t>
+            </a:r>
+          </a:p>
+        </p:txBody>
+      </p:sp>
+      <p:sp>
+        <p:nvSpPr>
+          <p:cNvPr id="63" name="AutoShape 4">
+            <a:extLst>
+              <a:ext uri="{FF2B5EF4-FFF2-40B4-BE49-F238E27FC236}">
+                <a16:creationId xmlns:a16="http://schemas.microsoft.com/office/drawing/2014/main" id="{1BF6D320-8D94-0743-8EAC-B55EE2646C71}"/>
+              </a:ext>
+            </a:extLst>
+          </p:cNvPr>
+          <p:cNvSpPr>
+            <a:spLocks noChangeArrowheads="1"/>
+          </p:cNvSpPr>
+          <p:nvPr/>
+        </p:nvSpPr>
+        <p:spPr bwMode="auto">
+          <a:xfrm>
+            <a:off x="4293515" y="1002437"/>
+            <a:ext cx="5708237" cy="1029112"/>
+          </a:xfrm>
+          <a:prstGeom prst="roundRect">
+            <a:avLst>
+              <a:gd name="adj" fmla="val 7117"/>
+            </a:avLst>
+          </a:prstGeom>
+          <a:noFill/>
+          <a:ln w="12700">
+            <a:solidFill>
+              <a:srgbClr val="5596E6">
+                <a:lumMod val="50000"/>
+              </a:srgbClr>
+            </a:solidFill>
+            <a:prstDash val="dash"/>
+            <a:round/>
+            <a:headEnd/>
+            <a:tailEnd/>
+          </a:ln>
+        </p:spPr>
+        <p:txBody>
+          <a:bodyPr lIns="0" tIns="0" rIns="0" bIns="0" anchor="t" anchorCtr="1"/>
+          <a:lstStyle/>
+          <a:p>
+            <a:pPr algn="ctr" defTabSz="1219170" eaLnBrk="1" fontAlgn="auto" hangingPunct="1">
+              <a:spcBef>
+                <a:spcPts val="0"/>
+              </a:spcBef>
+              <a:spcAft>
+                <a:spcPts val="0"/>
+              </a:spcAft>
+              <a:defRPr/>
+            </a:pPr>
+            <a:r>
+              <a:rPr lang="en-US" sz="1333" kern="0" dirty="0">
+                <a:solidFill>
+                  <a:srgbClr val="6D7777"/>
+                </a:solidFill>
+              </a:rPr>
+              <a:t>Cloud native app</a:t>
             </a:r>
           </a:p>
         </p:txBody>
       </p:sp>
       <p:pic>
         <p:nvPicPr>
-          <p:cNvPr id="12" name="Picture 11">
-            <a:extLst>
-              <a:ext uri="{FF2B5EF4-FFF2-40B4-BE49-F238E27FC236}">
-                <a16:creationId xmlns:a16="http://schemas.microsoft.com/office/drawing/2014/main" id="{284F2826-9DD2-6844-A9BB-E8BD4E975704}"/>
-              </a:ext>
-            </a:extLst>
-          </p:cNvPr>
-          <p:cNvPicPr>
-            <a:picLocks noChangeAspect="1"/>
-          </p:cNvPicPr>
-          <p:nvPr/>
-        </p:nvPicPr>
-        <p:blipFill>
-          <a:blip r:embed="rId4"/>
-          <a:stretch>
-            <a:fillRect/>
-          </a:stretch>
-        </p:blipFill>
-        <p:spPr>
-          <a:xfrm>
-            <a:off x="4081744" y="3679244"/>
-            <a:ext cx="673143" cy="879207"/>
-          </a:xfrm>
-          <a:prstGeom prst="rect">
-            <a:avLst/>
-          </a:prstGeom>
-        </p:spPr>
-      </p:pic>
-      <p:pic>
-        <p:nvPicPr>
-          <p:cNvPr id="13" name="Picture 12">
-            <a:extLst>
-              <a:ext uri="{FF2B5EF4-FFF2-40B4-BE49-F238E27FC236}">
-                <a16:creationId xmlns:a16="http://schemas.microsoft.com/office/drawing/2014/main" id="{2A7B4D3D-90CA-AA4F-8F1C-0D90C3E86276}"/>
+          <p:cNvPr id="64" name="Picture 63">
+            <a:extLst>
+              <a:ext uri="{FF2B5EF4-FFF2-40B4-BE49-F238E27FC236}">
+                <a16:creationId xmlns:a16="http://schemas.microsoft.com/office/drawing/2014/main" id="{47505092-40FB-E644-A108-8B2B169883DC}"/>
               </a:ext>
             </a:extLst>
           </p:cNvPr>
@@ -10377,8 +12492,8 @@
         </p:blipFill>
         <p:spPr>
           <a:xfrm>
-            <a:off x="3088358" y="3679245"/>
-            <a:ext cx="790605" cy="879207"/>
+            <a:off x="2722139" y="4525789"/>
+            <a:ext cx="1010735" cy="680699"/>
           </a:xfrm>
           <a:prstGeom prst="rect">
             <a:avLst/>
@@ -10387,10 +12502,974 @@
       </p:pic>
       <p:sp>
         <p:nvSpPr>
-          <p:cNvPr id="14" name="Rectangle 13">
-            <a:extLst>
-              <a:ext uri="{FF2B5EF4-FFF2-40B4-BE49-F238E27FC236}">
-                <a16:creationId xmlns:a16="http://schemas.microsoft.com/office/drawing/2014/main" id="{283526CE-4AF1-0D4C-AFB2-25875AF70D6E}"/>
+          <p:cNvPr id="65" name="AutoShape 4">
+            <a:extLst>
+              <a:ext uri="{FF2B5EF4-FFF2-40B4-BE49-F238E27FC236}">
+                <a16:creationId xmlns:a16="http://schemas.microsoft.com/office/drawing/2014/main" id="{8B9564C6-7591-194F-9D82-73D1CD4C8EDF}"/>
+              </a:ext>
+            </a:extLst>
+          </p:cNvPr>
+          <p:cNvSpPr>
+            <a:spLocks noChangeArrowheads="1"/>
+          </p:cNvSpPr>
+          <p:nvPr/>
+        </p:nvSpPr>
+        <p:spPr bwMode="auto">
+          <a:xfrm>
+            <a:off x="2059973" y="4122171"/>
+            <a:ext cx="2739880" cy="1528080"/>
+          </a:xfrm>
+          <a:prstGeom prst="roundRect">
+            <a:avLst>
+              <a:gd name="adj" fmla="val 7117"/>
+            </a:avLst>
+          </a:prstGeom>
+          <a:noFill/>
+          <a:ln w="12700">
+            <a:solidFill>
+              <a:srgbClr val="5596E6">
+                <a:lumMod val="50000"/>
+              </a:srgbClr>
+            </a:solidFill>
+            <a:prstDash val="dash"/>
+            <a:round/>
+            <a:headEnd/>
+            <a:tailEnd/>
+          </a:ln>
+        </p:spPr>
+        <p:txBody>
+          <a:bodyPr lIns="0" tIns="0" rIns="0" bIns="0" anchor="b" anchorCtr="1"/>
+          <a:lstStyle/>
+          <a:p>
+            <a:pPr algn="ctr" defTabSz="1219170" eaLnBrk="1" fontAlgn="auto" hangingPunct="1">
+              <a:spcBef>
+                <a:spcPts val="0"/>
+              </a:spcBef>
+              <a:spcAft>
+                <a:spcPts val="0"/>
+              </a:spcAft>
+              <a:defRPr/>
+            </a:pPr>
+            <a:r>
+              <a:rPr lang="en-US" sz="1333" kern="0" dirty="0">
+                <a:solidFill>
+                  <a:srgbClr val="6D7777"/>
+                </a:solidFill>
+              </a:rPr>
+              <a:t>Data Storage</a:t>
+            </a:r>
+          </a:p>
+        </p:txBody>
+      </p:sp>
+      <p:pic>
+        <p:nvPicPr>
+          <p:cNvPr id="66" name="Picture 65">
+            <a:extLst>
+              <a:ext uri="{FF2B5EF4-FFF2-40B4-BE49-F238E27FC236}">
+                <a16:creationId xmlns:a16="http://schemas.microsoft.com/office/drawing/2014/main" id="{3CA07DBE-BDD3-C24A-A3F8-B1E3ABD1C591}"/>
+              </a:ext>
+            </a:extLst>
+          </p:cNvPr>
+          <p:cNvPicPr>
+            <a:picLocks noChangeAspect="1"/>
+          </p:cNvPicPr>
+          <p:nvPr/>
+        </p:nvPicPr>
+        <p:blipFill>
+          <a:blip r:embed="rId6"/>
+          <a:stretch>
+            <a:fillRect/>
+          </a:stretch>
+        </p:blipFill>
+        <p:spPr>
+          <a:xfrm>
+            <a:off x="3781001" y="4525789"/>
+            <a:ext cx="638156" cy="680700"/>
+          </a:xfrm>
+          <a:prstGeom prst="rect">
+            <a:avLst/>
+          </a:prstGeom>
+        </p:spPr>
+      </p:pic>
+      <p:pic>
+        <p:nvPicPr>
+          <p:cNvPr id="67" name="Picture 66">
+            <a:extLst>
+              <a:ext uri="{FF2B5EF4-FFF2-40B4-BE49-F238E27FC236}">
+                <a16:creationId xmlns:a16="http://schemas.microsoft.com/office/drawing/2014/main" id="{E0BF93D0-8240-DB49-9F4D-D53FD2C176DE}"/>
+              </a:ext>
+            </a:extLst>
+          </p:cNvPr>
+          <p:cNvPicPr>
+            <a:picLocks noChangeAspect="1"/>
+          </p:cNvPicPr>
+          <p:nvPr/>
+        </p:nvPicPr>
+        <p:blipFill>
+          <a:blip r:embed="rId7"/>
+          <a:stretch>
+            <a:fillRect/>
+          </a:stretch>
+        </p:blipFill>
+        <p:spPr>
+          <a:xfrm>
+            <a:off x="9785928" y="1851441"/>
+            <a:ext cx="280628" cy="256574"/>
+          </a:xfrm>
+          <a:prstGeom prst="rect">
+            <a:avLst/>
+          </a:prstGeom>
+        </p:spPr>
+      </p:pic>
+      <p:sp>
+        <p:nvSpPr>
+          <p:cNvPr id="115" name="AutoShape 4">
+            <a:extLst>
+              <a:ext uri="{FF2B5EF4-FFF2-40B4-BE49-F238E27FC236}">
+                <a16:creationId xmlns:a16="http://schemas.microsoft.com/office/drawing/2014/main" id="{A2E1EFDC-AD13-2C4F-9804-AC120BA00997}"/>
+              </a:ext>
+            </a:extLst>
+          </p:cNvPr>
+          <p:cNvSpPr>
+            <a:spLocks noChangeArrowheads="1"/>
+          </p:cNvSpPr>
+          <p:nvPr/>
+        </p:nvSpPr>
+        <p:spPr bwMode="auto">
+          <a:xfrm>
+            <a:off x="5903641" y="4122171"/>
+            <a:ext cx="3147083" cy="1054855"/>
+          </a:xfrm>
+          <a:prstGeom prst="roundRect">
+            <a:avLst>
+              <a:gd name="adj" fmla="val 7117"/>
+            </a:avLst>
+          </a:prstGeom>
+          <a:noFill/>
+          <a:ln w="12700">
+            <a:solidFill>
+              <a:srgbClr val="5596E6">
+                <a:lumMod val="50000"/>
+              </a:srgbClr>
+            </a:solidFill>
+            <a:prstDash val="dash"/>
+            <a:round/>
+            <a:headEnd/>
+            <a:tailEnd/>
+          </a:ln>
+        </p:spPr>
+        <p:txBody>
+          <a:bodyPr lIns="0" tIns="0" rIns="0" bIns="0" anchor="b" anchorCtr="1"/>
+          <a:lstStyle/>
+          <a:p>
+            <a:pPr algn="ctr" defTabSz="1219170" eaLnBrk="1" fontAlgn="auto" hangingPunct="1">
+              <a:spcBef>
+                <a:spcPts val="0"/>
+              </a:spcBef>
+              <a:spcAft>
+                <a:spcPts val="0"/>
+              </a:spcAft>
+              <a:defRPr/>
+            </a:pPr>
+            <a:r>
+              <a:rPr lang="en-US" sz="1333" kern="0" dirty="0">
+                <a:solidFill>
+                  <a:srgbClr val="6D7777"/>
+                </a:solidFill>
+              </a:rPr>
+              <a:t>Real Time Analytics</a:t>
+            </a:r>
+          </a:p>
+        </p:txBody>
+      </p:sp>
+      <p:pic>
+        <p:nvPicPr>
+          <p:cNvPr id="119" name="Picture 118">
+            <a:extLst>
+              <a:ext uri="{FF2B5EF4-FFF2-40B4-BE49-F238E27FC236}">
+                <a16:creationId xmlns:a16="http://schemas.microsoft.com/office/drawing/2014/main" id="{D342D164-F14E-4A43-AB48-F0C2C7C75DA3}"/>
+              </a:ext>
+            </a:extLst>
+          </p:cNvPr>
+          <p:cNvPicPr>
+            <a:picLocks noChangeAspect="1"/>
+          </p:cNvPicPr>
+          <p:nvPr/>
+        </p:nvPicPr>
+        <p:blipFill>
+          <a:blip r:embed="rId8"/>
+          <a:stretch>
+            <a:fillRect/>
+          </a:stretch>
+        </p:blipFill>
+        <p:spPr>
+          <a:xfrm>
+            <a:off x="7625738" y="3267985"/>
+            <a:ext cx="406593" cy="406593"/>
+          </a:xfrm>
+          <a:prstGeom prst="rect">
+            <a:avLst/>
+          </a:prstGeom>
+        </p:spPr>
+      </p:pic>
+      <p:pic>
+        <p:nvPicPr>
+          <p:cNvPr id="122" name="Picture 121">
+            <a:extLst>
+              <a:ext uri="{FF2B5EF4-FFF2-40B4-BE49-F238E27FC236}">
+                <a16:creationId xmlns:a16="http://schemas.microsoft.com/office/drawing/2014/main" id="{0560CD65-462B-9945-832B-18BD5B109A4A}"/>
+              </a:ext>
+            </a:extLst>
+          </p:cNvPr>
+          <p:cNvPicPr>
+            <a:picLocks noChangeAspect="1"/>
+          </p:cNvPicPr>
+          <p:nvPr/>
+        </p:nvPicPr>
+        <p:blipFill>
+          <a:blip r:embed="rId9"/>
+          <a:stretch>
+            <a:fillRect/>
+          </a:stretch>
+        </p:blipFill>
+        <p:spPr>
+          <a:xfrm>
+            <a:off x="5916439" y="5779886"/>
+            <a:ext cx="652831" cy="782437"/>
+          </a:xfrm>
+          <a:prstGeom prst="rect">
+            <a:avLst/>
+          </a:prstGeom>
+        </p:spPr>
+      </p:pic>
+      <p:sp>
+        <p:nvSpPr>
+          <p:cNvPr id="123" name="AutoShape 4">
+            <a:extLst>
+              <a:ext uri="{FF2B5EF4-FFF2-40B4-BE49-F238E27FC236}">
+                <a16:creationId xmlns:a16="http://schemas.microsoft.com/office/drawing/2014/main" id="{EB781215-3016-E14A-938D-6F3EBE1F2830}"/>
+              </a:ext>
+            </a:extLst>
+          </p:cNvPr>
+          <p:cNvSpPr>
+            <a:spLocks noChangeArrowheads="1"/>
+          </p:cNvSpPr>
+          <p:nvPr/>
+        </p:nvSpPr>
+        <p:spPr bwMode="auto">
+          <a:xfrm>
+            <a:off x="5589503" y="5604017"/>
+            <a:ext cx="3383303" cy="1029112"/>
+          </a:xfrm>
+          <a:prstGeom prst="roundRect">
+            <a:avLst>
+              <a:gd name="adj" fmla="val 7117"/>
+            </a:avLst>
+          </a:prstGeom>
+          <a:noFill/>
+          <a:ln w="12700">
+            <a:solidFill>
+              <a:srgbClr val="5596E6">
+                <a:lumMod val="50000"/>
+              </a:srgbClr>
+            </a:solidFill>
+            <a:prstDash val="dash"/>
+            <a:round/>
+            <a:headEnd/>
+            <a:tailEnd/>
+          </a:ln>
+        </p:spPr>
+        <p:txBody>
+          <a:bodyPr lIns="0" tIns="0" rIns="0" bIns="0" anchor="b" anchorCtr="1"/>
+          <a:lstStyle/>
+          <a:p>
+            <a:pPr algn="ctr" defTabSz="1219170" eaLnBrk="1" fontAlgn="auto" hangingPunct="1">
+              <a:spcBef>
+                <a:spcPts val="0"/>
+              </a:spcBef>
+              <a:spcAft>
+                <a:spcPts val="0"/>
+              </a:spcAft>
+              <a:defRPr/>
+            </a:pPr>
+            <a:r>
+              <a:rPr lang="en-US" sz="1333" kern="0" dirty="0">
+                <a:solidFill>
+                  <a:srgbClr val="6D7777"/>
+                </a:solidFill>
+              </a:rPr>
+              <a:t>Data Science </a:t>
+            </a:r>
+          </a:p>
+        </p:txBody>
+      </p:sp>
+      <p:pic>
+        <p:nvPicPr>
+          <p:cNvPr id="124" name="Picture 123">
+            <a:extLst>
+              <a:ext uri="{FF2B5EF4-FFF2-40B4-BE49-F238E27FC236}">
+                <a16:creationId xmlns:a16="http://schemas.microsoft.com/office/drawing/2014/main" id="{201A5859-5801-514B-AA6C-CF651B3B9577}"/>
+              </a:ext>
+            </a:extLst>
+          </p:cNvPr>
+          <p:cNvPicPr>
+            <a:picLocks noChangeAspect="1"/>
+          </p:cNvPicPr>
+          <p:nvPr/>
+        </p:nvPicPr>
+        <p:blipFill>
+          <a:blip r:embed="rId7"/>
+          <a:stretch>
+            <a:fillRect/>
+          </a:stretch>
+        </p:blipFill>
+        <p:spPr>
+          <a:xfrm>
+            <a:off x="5432394" y="6463966"/>
+            <a:ext cx="306393" cy="280131"/>
+          </a:xfrm>
+          <a:prstGeom prst="rect">
+            <a:avLst/>
+          </a:prstGeom>
+        </p:spPr>
+      </p:pic>
+      <p:cxnSp>
+        <p:nvCxnSpPr>
+          <p:cNvPr id="129" name="Elbow Connector 128">
+            <a:extLst>
+              <a:ext uri="{FF2B5EF4-FFF2-40B4-BE49-F238E27FC236}">
+                <a16:creationId xmlns:a16="http://schemas.microsoft.com/office/drawing/2014/main" id="{8E1E614F-9E78-BD47-8663-28C081F1F9BF}"/>
+              </a:ext>
+            </a:extLst>
+          </p:cNvPr>
+          <p:cNvCxnSpPr>
+            <a:cxnSpLocks/>
+            <a:stCxn id="73" idx="3"/>
+            <a:endCxn id="51" idx="1"/>
+          </p:cNvCxnSpPr>
+          <p:nvPr/>
+        </p:nvCxnSpPr>
+        <p:spPr>
+          <a:xfrm>
+            <a:off x="3428411" y="1790920"/>
+            <a:ext cx="1182295" cy="1061233"/>
+          </a:xfrm>
+          <a:prstGeom prst="bentConnector3">
+            <a:avLst>
+              <a:gd name="adj1" fmla="val 50000"/>
+            </a:avLst>
+          </a:prstGeom>
+          <a:ln w="12700">
+            <a:solidFill>
+              <a:srgbClr val="7030A0"/>
+            </a:solidFill>
+            <a:tailEnd type="triangle"/>
+          </a:ln>
+          <a:effectLst/>
+        </p:spPr>
+        <p:style>
+          <a:lnRef idx="2">
+            <a:schemeClr val="accent1"/>
+          </a:lnRef>
+          <a:fillRef idx="0">
+            <a:schemeClr val="accent1"/>
+          </a:fillRef>
+          <a:effectRef idx="1">
+            <a:schemeClr val="accent1"/>
+          </a:effectRef>
+          <a:fontRef idx="minor">
+            <a:schemeClr val="tx1"/>
+          </a:fontRef>
+        </p:style>
+      </p:cxnSp>
+      <p:cxnSp>
+        <p:nvCxnSpPr>
+          <p:cNvPr id="132" name="Elbow Connector 131">
+            <a:extLst>
+              <a:ext uri="{FF2B5EF4-FFF2-40B4-BE49-F238E27FC236}">
+                <a16:creationId xmlns:a16="http://schemas.microsoft.com/office/drawing/2014/main" id="{3EB43BA6-94C8-A34E-85BD-0C7FC7A2CCC5}"/>
+              </a:ext>
+            </a:extLst>
+          </p:cNvPr>
+          <p:cNvCxnSpPr>
+            <a:cxnSpLocks/>
+            <a:stCxn id="53" idx="2"/>
+            <a:endCxn id="65" idx="0"/>
+          </p:cNvCxnSpPr>
+          <p:nvPr/>
+        </p:nvCxnSpPr>
+        <p:spPr>
+          <a:xfrm rot="5400000">
+            <a:off x="3874269" y="2773554"/>
+            <a:ext cx="904262" cy="1792973"/>
+          </a:xfrm>
+          <a:prstGeom prst="bentConnector3">
+            <a:avLst>
+              <a:gd name="adj1" fmla="val 50000"/>
+            </a:avLst>
+          </a:prstGeom>
+          <a:ln w="12700">
+            <a:solidFill>
+              <a:srgbClr val="7030A0"/>
+            </a:solidFill>
+            <a:tailEnd type="triangle"/>
+          </a:ln>
+          <a:effectLst/>
+        </p:spPr>
+        <p:style>
+          <a:lnRef idx="2">
+            <a:schemeClr val="accent1"/>
+          </a:lnRef>
+          <a:fillRef idx="0">
+            <a:schemeClr val="accent1"/>
+          </a:fillRef>
+          <a:effectRef idx="1">
+            <a:schemeClr val="accent1"/>
+          </a:effectRef>
+          <a:fontRef idx="minor">
+            <a:schemeClr val="tx1"/>
+          </a:fontRef>
+        </p:style>
+      </p:cxnSp>
+      <p:cxnSp>
+        <p:nvCxnSpPr>
+          <p:cNvPr id="135" name="Elbow Connector 134">
+            <a:extLst>
+              <a:ext uri="{FF2B5EF4-FFF2-40B4-BE49-F238E27FC236}">
+                <a16:creationId xmlns:a16="http://schemas.microsoft.com/office/drawing/2014/main" id="{B5A95B80-FD67-2B46-8D80-483D21707B41}"/>
+              </a:ext>
+            </a:extLst>
+          </p:cNvPr>
+          <p:cNvCxnSpPr>
+            <a:cxnSpLocks/>
+            <a:stCxn id="54" idx="2"/>
+            <a:endCxn id="72" idx="0"/>
+          </p:cNvCxnSpPr>
+          <p:nvPr/>
+        </p:nvCxnSpPr>
+        <p:spPr>
+          <a:xfrm rot="16200000" flipH="1">
+            <a:off x="6386639" y="2297993"/>
+            <a:ext cx="1077299" cy="2917130"/>
+          </a:xfrm>
+          <a:prstGeom prst="bentConnector3">
+            <a:avLst>
+              <a:gd name="adj1" fmla="val 66504"/>
+            </a:avLst>
+          </a:prstGeom>
+          <a:ln w="12700">
+            <a:solidFill>
+              <a:srgbClr val="7030A0"/>
+            </a:solidFill>
+            <a:tailEnd type="triangle"/>
+          </a:ln>
+          <a:effectLst/>
+        </p:spPr>
+        <p:style>
+          <a:lnRef idx="2">
+            <a:schemeClr val="accent1"/>
+          </a:lnRef>
+          <a:fillRef idx="0">
+            <a:schemeClr val="accent1"/>
+          </a:fillRef>
+          <a:effectRef idx="1">
+            <a:schemeClr val="accent1"/>
+          </a:effectRef>
+          <a:fontRef idx="minor">
+            <a:schemeClr val="tx1"/>
+          </a:fontRef>
+        </p:style>
+      </p:cxnSp>
+      <p:cxnSp>
+        <p:nvCxnSpPr>
+          <p:cNvPr id="138" name="Elbow Connector 137">
+            <a:extLst>
+              <a:ext uri="{FF2B5EF4-FFF2-40B4-BE49-F238E27FC236}">
+                <a16:creationId xmlns:a16="http://schemas.microsoft.com/office/drawing/2014/main" id="{9246E1C9-9A03-2E4A-ACC3-E6881D96158B}"/>
+              </a:ext>
+            </a:extLst>
+          </p:cNvPr>
+          <p:cNvCxnSpPr>
+            <a:cxnSpLocks/>
+            <a:stCxn id="55" idx="0"/>
+            <a:endCxn id="71" idx="2"/>
+          </p:cNvCxnSpPr>
+          <p:nvPr/>
+        </p:nvCxnSpPr>
+        <p:spPr>
+          <a:xfrm rot="5400000" flipH="1" flipV="1">
+            <a:off x="5820578" y="1726522"/>
+            <a:ext cx="651583" cy="868169"/>
+          </a:xfrm>
+          <a:prstGeom prst="bentConnector3">
+            <a:avLst>
+              <a:gd name="adj1" fmla="val 50000"/>
+            </a:avLst>
+          </a:prstGeom>
+          <a:ln w="12700">
+            <a:solidFill>
+              <a:srgbClr val="7030A0"/>
+            </a:solidFill>
+            <a:tailEnd type="triangle"/>
+          </a:ln>
+          <a:effectLst/>
+        </p:spPr>
+        <p:style>
+          <a:lnRef idx="2">
+            <a:schemeClr val="accent1"/>
+          </a:lnRef>
+          <a:fillRef idx="0">
+            <a:schemeClr val="accent1"/>
+          </a:fillRef>
+          <a:effectRef idx="1">
+            <a:schemeClr val="accent1"/>
+          </a:effectRef>
+          <a:fontRef idx="minor">
+            <a:schemeClr val="tx1"/>
+          </a:fontRef>
+        </p:style>
+      </p:cxnSp>
+      <p:pic>
+        <p:nvPicPr>
+          <p:cNvPr id="139" name="Picture 138">
+            <a:extLst>
+              <a:ext uri="{FF2B5EF4-FFF2-40B4-BE49-F238E27FC236}">
+                <a16:creationId xmlns:a16="http://schemas.microsoft.com/office/drawing/2014/main" id="{9E3A7EBA-F002-8C4C-B272-C6C0F1669A16}"/>
+              </a:ext>
+            </a:extLst>
+          </p:cNvPr>
+          <p:cNvPicPr>
+            <a:picLocks noChangeAspect="1"/>
+          </p:cNvPicPr>
+          <p:nvPr/>
+        </p:nvPicPr>
+        <p:blipFill>
+          <a:blip r:embed="rId10"/>
+          <a:stretch>
+            <a:fillRect/>
+          </a:stretch>
+        </p:blipFill>
+        <p:spPr>
+          <a:xfrm>
+            <a:off x="9384302" y="4330437"/>
+            <a:ext cx="747725" cy="397229"/>
+          </a:xfrm>
+          <a:prstGeom prst="rect">
+            <a:avLst/>
+          </a:prstGeom>
+        </p:spPr>
+      </p:pic>
+      <p:pic>
+        <p:nvPicPr>
+          <p:cNvPr id="41" name="Picture 40">
+            <a:extLst>
+              <a:ext uri="{FF2B5EF4-FFF2-40B4-BE49-F238E27FC236}">
+                <a16:creationId xmlns:a16="http://schemas.microsoft.com/office/drawing/2014/main" id="{F2B7912A-BE94-7D4D-9BC3-0D9CBED29976}"/>
+              </a:ext>
+            </a:extLst>
+          </p:cNvPr>
+          <p:cNvPicPr>
+            <a:picLocks noChangeAspect="1"/>
+          </p:cNvPicPr>
+          <p:nvPr/>
+        </p:nvPicPr>
+        <p:blipFill>
+          <a:blip r:embed="rId7"/>
+          <a:stretch>
+            <a:fillRect/>
+          </a:stretch>
+        </p:blipFill>
+        <p:spPr>
+          <a:xfrm>
+            <a:off x="5747482" y="5051980"/>
+            <a:ext cx="244478" cy="223523"/>
+          </a:xfrm>
+          <a:prstGeom prst="rect">
+            <a:avLst/>
+          </a:prstGeom>
+        </p:spPr>
+      </p:pic>
+      <p:cxnSp>
+        <p:nvCxnSpPr>
+          <p:cNvPr id="43" name="Elbow Connector 42">
+            <a:extLst>
+              <a:ext uri="{FF2B5EF4-FFF2-40B4-BE49-F238E27FC236}">
+                <a16:creationId xmlns:a16="http://schemas.microsoft.com/office/drawing/2014/main" id="{D9195E4F-646A-A446-B310-3D0002AC4F1F}"/>
+              </a:ext>
+            </a:extLst>
+          </p:cNvPr>
+          <p:cNvCxnSpPr>
+            <a:cxnSpLocks/>
+            <a:stCxn id="54" idx="2"/>
+            <a:endCxn id="122" idx="0"/>
+          </p:cNvCxnSpPr>
+          <p:nvPr/>
+        </p:nvCxnSpPr>
+        <p:spPr>
+          <a:xfrm rot="16200000" flipH="1">
+            <a:off x="4573801" y="4110831"/>
+            <a:ext cx="2561977" cy="776132"/>
+          </a:xfrm>
+          <a:prstGeom prst="bentConnector3">
+            <a:avLst>
+              <a:gd name="adj1" fmla="val 90318"/>
+            </a:avLst>
+          </a:prstGeom>
+          <a:ln w="12700">
+            <a:solidFill>
+              <a:srgbClr val="7030A0"/>
+            </a:solidFill>
+            <a:prstDash val="sysDash"/>
+            <a:tailEnd type="triangle"/>
+          </a:ln>
+          <a:effectLst/>
+        </p:spPr>
+        <p:style>
+          <a:lnRef idx="2">
+            <a:schemeClr val="accent1"/>
+          </a:lnRef>
+          <a:fillRef idx="0">
+            <a:schemeClr val="accent1"/>
+          </a:fillRef>
+          <a:effectRef idx="1">
+            <a:schemeClr val="accent1"/>
+          </a:effectRef>
+          <a:fontRef idx="minor">
+            <a:schemeClr val="tx1"/>
+          </a:fontRef>
+        </p:style>
+      </p:cxnSp>
+      <p:cxnSp>
+        <p:nvCxnSpPr>
+          <p:cNvPr id="47" name="Elbow Connector 46">
+            <a:extLst>
+              <a:ext uri="{FF2B5EF4-FFF2-40B4-BE49-F238E27FC236}">
+                <a16:creationId xmlns:a16="http://schemas.microsoft.com/office/drawing/2014/main" id="{31F0B669-2FBD-EA4E-B732-8BC3258D4F17}"/>
+              </a:ext>
+            </a:extLst>
+          </p:cNvPr>
+          <p:cNvCxnSpPr>
+            <a:cxnSpLocks/>
+            <a:stCxn id="139" idx="2"/>
+            <a:endCxn id="122" idx="3"/>
+          </p:cNvCxnSpPr>
+          <p:nvPr/>
+        </p:nvCxnSpPr>
+        <p:spPr>
+          <a:xfrm rot="5400000">
+            <a:off x="7441999" y="3854938"/>
+            <a:ext cx="1443439" cy="3188895"/>
+          </a:xfrm>
+          <a:prstGeom prst="bentConnector2">
+            <a:avLst/>
+          </a:prstGeom>
+          <a:ln w="12700">
+            <a:solidFill>
+              <a:srgbClr val="7030A0"/>
+            </a:solidFill>
+            <a:prstDash val="sysDash"/>
+            <a:headEnd type="triangle"/>
+            <a:tailEnd type="triangle"/>
+          </a:ln>
+          <a:effectLst/>
+        </p:spPr>
+        <p:style>
+          <a:lnRef idx="2">
+            <a:schemeClr val="accent1"/>
+          </a:lnRef>
+          <a:fillRef idx="0">
+            <a:schemeClr val="accent1"/>
+          </a:fillRef>
+          <a:effectRef idx="1">
+            <a:schemeClr val="accent1"/>
+          </a:effectRef>
+          <a:fontRef idx="minor">
+            <a:schemeClr val="tx1"/>
+          </a:fontRef>
+        </p:style>
+      </p:cxnSp>
+      <p:pic>
+        <p:nvPicPr>
+          <p:cNvPr id="18" name="Picture 17">
+            <a:extLst>
+              <a:ext uri="{FF2B5EF4-FFF2-40B4-BE49-F238E27FC236}">
+                <a16:creationId xmlns:a16="http://schemas.microsoft.com/office/drawing/2014/main" id="{D0803C71-8E69-A04D-9D50-1C7F1DEDC78D}"/>
+              </a:ext>
+            </a:extLst>
+          </p:cNvPr>
+          <p:cNvPicPr>
+            <a:picLocks noChangeAspect="1"/>
+          </p:cNvPicPr>
+          <p:nvPr/>
+        </p:nvPicPr>
+        <p:blipFill>
+          <a:blip r:embed="rId11"/>
+          <a:stretch>
+            <a:fillRect/>
+          </a:stretch>
+        </p:blipFill>
+        <p:spPr>
+          <a:xfrm>
+            <a:off x="7057286" y="5844899"/>
+            <a:ext cx="546100" cy="508000"/>
+          </a:xfrm>
+          <a:prstGeom prst="rect">
+            <a:avLst/>
+          </a:prstGeom>
+        </p:spPr>
+      </p:pic>
+      <p:cxnSp>
+        <p:nvCxnSpPr>
+          <p:cNvPr id="58" name="Elbow Connector 57">
+            <a:extLst>
+              <a:ext uri="{FF2B5EF4-FFF2-40B4-BE49-F238E27FC236}">
+                <a16:creationId xmlns:a16="http://schemas.microsoft.com/office/drawing/2014/main" id="{E2F17501-2C71-6D4C-A9EF-805C71B474E2}"/>
+              </a:ext>
+            </a:extLst>
+          </p:cNvPr>
+          <p:cNvCxnSpPr>
+            <a:cxnSpLocks/>
+            <a:endCxn id="18" idx="3"/>
+          </p:cNvCxnSpPr>
+          <p:nvPr/>
+        </p:nvCxnSpPr>
+        <p:spPr>
+          <a:xfrm rot="5400000">
+            <a:off x="7333331" y="5066121"/>
+            <a:ext cx="1302834" cy="762723"/>
+          </a:xfrm>
+          <a:prstGeom prst="bentConnector2">
+            <a:avLst/>
+          </a:prstGeom>
+          <a:ln w="12700">
+            <a:solidFill>
+              <a:srgbClr val="7030A0"/>
+            </a:solidFill>
+            <a:headEnd type="triangle"/>
+            <a:tailEnd type="none"/>
+          </a:ln>
+          <a:effectLst/>
+        </p:spPr>
+        <p:style>
+          <a:lnRef idx="2">
+            <a:schemeClr val="accent1"/>
+          </a:lnRef>
+          <a:fillRef idx="0">
+            <a:schemeClr val="accent1"/>
+          </a:fillRef>
+          <a:effectRef idx="1">
+            <a:schemeClr val="accent1"/>
+          </a:effectRef>
+          <a:fontRef idx="minor">
+            <a:schemeClr val="tx1"/>
+          </a:fontRef>
+        </p:style>
+      </p:cxnSp>
+      <p:sp>
+        <p:nvSpPr>
+          <p:cNvPr id="74" name="AutoShape 4">
+            <a:extLst>
+              <a:ext uri="{FF2B5EF4-FFF2-40B4-BE49-F238E27FC236}">
+                <a16:creationId xmlns:a16="http://schemas.microsoft.com/office/drawing/2014/main" id="{E9F53470-66FA-A94D-950C-369F2AFFF3E8}"/>
+              </a:ext>
+            </a:extLst>
+          </p:cNvPr>
+          <p:cNvSpPr>
+            <a:spLocks noChangeArrowheads="1"/>
+          </p:cNvSpPr>
+          <p:nvPr/>
+        </p:nvSpPr>
+        <p:spPr bwMode="auto">
+          <a:xfrm>
+            <a:off x="9086209" y="4126507"/>
+            <a:ext cx="2082674" cy="1054855"/>
+          </a:xfrm>
+          <a:prstGeom prst="roundRect">
+            <a:avLst>
+              <a:gd name="adj" fmla="val 7117"/>
+            </a:avLst>
+          </a:prstGeom>
+          <a:noFill/>
+          <a:ln w="12700">
+            <a:solidFill>
+              <a:srgbClr val="5596E6">
+                <a:lumMod val="50000"/>
+              </a:srgbClr>
+            </a:solidFill>
+            <a:prstDash val="dash"/>
+            <a:round/>
+            <a:headEnd/>
+            <a:tailEnd/>
+          </a:ln>
+        </p:spPr>
+        <p:txBody>
+          <a:bodyPr lIns="0" tIns="0" rIns="0" bIns="0" anchor="b" anchorCtr="1"/>
+          <a:lstStyle/>
+          <a:p>
+            <a:pPr algn="ctr" defTabSz="1219170" eaLnBrk="1" fontAlgn="auto" hangingPunct="1">
+              <a:spcBef>
+                <a:spcPts val="0"/>
+              </a:spcBef>
+              <a:spcAft>
+                <a:spcPts val="0"/>
+              </a:spcAft>
+              <a:defRPr/>
+            </a:pPr>
+            <a:r>
+              <a:rPr lang="en-US" sz="1333" kern="0" dirty="0">
+                <a:solidFill>
+                  <a:srgbClr val="6D7777"/>
+                </a:solidFill>
+              </a:rPr>
+              <a:t>Big Data Cluster</a:t>
+            </a:r>
+          </a:p>
+        </p:txBody>
+      </p:sp>
+      <p:pic>
+        <p:nvPicPr>
+          <p:cNvPr id="75" name="Picture 74">
+            <a:extLst>
+              <a:ext uri="{FF2B5EF4-FFF2-40B4-BE49-F238E27FC236}">
+                <a16:creationId xmlns:a16="http://schemas.microsoft.com/office/drawing/2014/main" id="{4B643FF7-B957-8B47-A996-E31C144079EF}"/>
+              </a:ext>
+            </a:extLst>
+          </p:cNvPr>
+          <p:cNvPicPr>
+            <a:picLocks noChangeAspect="1"/>
+          </p:cNvPicPr>
+          <p:nvPr/>
+        </p:nvPicPr>
+        <p:blipFill>
+          <a:blip r:embed="rId7"/>
+          <a:stretch>
+            <a:fillRect/>
+          </a:stretch>
+        </p:blipFill>
+        <p:spPr>
+          <a:xfrm>
+            <a:off x="4161621" y="3607197"/>
+            <a:ext cx="280628" cy="256574"/>
+          </a:xfrm>
+          <a:prstGeom prst="rect">
+            <a:avLst/>
+          </a:prstGeom>
+        </p:spPr>
+      </p:pic>
+      <p:pic>
+        <p:nvPicPr>
+          <p:cNvPr id="76" name="Picture 75">
+            <a:extLst>
+              <a:ext uri="{FF2B5EF4-FFF2-40B4-BE49-F238E27FC236}">
+                <a16:creationId xmlns:a16="http://schemas.microsoft.com/office/drawing/2014/main" id="{73833B77-E00B-9946-8E53-54FCBFFE7CBF}"/>
+              </a:ext>
+            </a:extLst>
+          </p:cNvPr>
+          <p:cNvPicPr>
+            <a:picLocks noChangeAspect="1"/>
+          </p:cNvPicPr>
+          <p:nvPr/>
+        </p:nvPicPr>
+        <p:blipFill>
+          <a:blip r:embed="rId7"/>
+          <a:stretch>
+            <a:fillRect/>
+          </a:stretch>
+        </p:blipFill>
+        <p:spPr>
+          <a:xfrm>
+            <a:off x="1970534" y="5319195"/>
+            <a:ext cx="280628" cy="256574"/>
+          </a:xfrm>
+          <a:prstGeom prst="rect">
+            <a:avLst/>
+          </a:prstGeom>
+        </p:spPr>
+      </p:pic>
+      <p:pic>
+        <p:nvPicPr>
+          <p:cNvPr id="77" name="Picture 76">
+            <a:extLst>
+              <a:ext uri="{FF2B5EF4-FFF2-40B4-BE49-F238E27FC236}">
+                <a16:creationId xmlns:a16="http://schemas.microsoft.com/office/drawing/2014/main" id="{3BCDB0FE-C413-9144-8B46-ACA19356BB10}"/>
+              </a:ext>
+            </a:extLst>
+          </p:cNvPr>
+          <p:cNvPicPr>
+            <a:picLocks noChangeAspect="1"/>
+          </p:cNvPicPr>
+          <p:nvPr/>
+        </p:nvPicPr>
+        <p:blipFill>
+          <a:blip r:embed="rId7"/>
+          <a:stretch>
+            <a:fillRect/>
+          </a:stretch>
+        </p:blipFill>
+        <p:spPr>
+          <a:xfrm>
+            <a:off x="9050724" y="5035454"/>
+            <a:ext cx="280628" cy="256574"/>
+          </a:xfrm>
+          <a:prstGeom prst="rect">
+            <a:avLst/>
+          </a:prstGeom>
+        </p:spPr>
+      </p:pic>
+      <p:cxnSp>
+        <p:nvCxnSpPr>
+          <p:cNvPr id="61" name="Elbow Connector 60">
+            <a:extLst>
+              <a:ext uri="{FF2B5EF4-FFF2-40B4-BE49-F238E27FC236}">
+                <a16:creationId xmlns:a16="http://schemas.microsoft.com/office/drawing/2014/main" id="{F993024F-E9A8-7E43-B6A3-891E30A47B64}"/>
+              </a:ext>
+            </a:extLst>
+          </p:cNvPr>
+          <p:cNvCxnSpPr>
+            <a:cxnSpLocks/>
+            <a:stCxn id="65" idx="2"/>
+            <a:endCxn id="122" idx="1"/>
+          </p:cNvCxnSpPr>
+          <p:nvPr/>
+        </p:nvCxnSpPr>
+        <p:spPr>
+          <a:xfrm rot="16200000" flipH="1">
+            <a:off x="4412749" y="4667415"/>
+            <a:ext cx="520854" cy="2486526"/>
+          </a:xfrm>
+          <a:prstGeom prst="bentConnector2">
+            <a:avLst/>
+          </a:prstGeom>
+          <a:ln w="12700">
+            <a:solidFill>
+              <a:srgbClr val="7030A0"/>
+            </a:solidFill>
+            <a:prstDash val="sysDash"/>
+            <a:tailEnd type="triangle"/>
+          </a:ln>
+          <a:effectLst/>
+        </p:spPr>
+        <p:style>
+          <a:lnRef idx="2">
+            <a:schemeClr val="accent1"/>
+          </a:lnRef>
+          <a:fillRef idx="0">
+            <a:schemeClr val="accent1"/>
+          </a:fillRef>
+          <a:effectRef idx="1">
+            <a:schemeClr val="accent1"/>
+          </a:effectRef>
+          <a:fontRef idx="minor">
+            <a:schemeClr val="tx1"/>
+          </a:fontRef>
+        </p:style>
+      </p:cxnSp>
+      <p:sp>
+        <p:nvSpPr>
+          <p:cNvPr id="71" name="Rectangle 70">
+            <a:extLst>
+              <a:ext uri="{FF2B5EF4-FFF2-40B4-BE49-F238E27FC236}">
+                <a16:creationId xmlns:a16="http://schemas.microsoft.com/office/drawing/2014/main" id="{36F0F423-55A0-BA4F-B7BF-C1F5BC0F9EEA}"/>
               </a:ext>
             </a:extLst>
           </p:cNvPr>
@@ -10399,7 +13478,7 @@
         </p:nvSpPr>
         <p:spPr>
           <a:xfrm>
-            <a:off x="4803212" y="2189569"/>
+            <a:off x="5991960" y="1340898"/>
             <a:ext cx="1176988" cy="493916"/>
           </a:xfrm>
           <a:prstGeom prst="rect">
@@ -10456,117 +13535,26 @@
                 </a:solidFill>
                 <a:latin typeface="Arial"/>
               </a:rPr>
-              <a:t>BPM app</a:t>
+              <a:t>Container MS</a:t>
             </a:r>
           </a:p>
         </p:txBody>
       </p:sp>
       <p:sp>
         <p:nvSpPr>
-          <p:cNvPr id="15" name="AutoShape 4">
-            <a:extLst>
-              <a:ext uri="{FF2B5EF4-FFF2-40B4-BE49-F238E27FC236}">
-                <a16:creationId xmlns:a16="http://schemas.microsoft.com/office/drawing/2014/main" id="{A74B6BBF-B7A7-804F-AA37-AA6548F50D71}"/>
-              </a:ext>
-            </a:extLst>
-          </p:cNvPr>
-          <p:cNvSpPr>
-            <a:spLocks noChangeArrowheads="1"/>
-          </p:cNvSpPr>
+          <p:cNvPr id="72" name="Rectangle 71">
+            <a:extLst>
+              <a:ext uri="{FF2B5EF4-FFF2-40B4-BE49-F238E27FC236}">
+                <a16:creationId xmlns:a16="http://schemas.microsoft.com/office/drawing/2014/main" id="{C80D6378-AF03-0F4B-86A7-41F811125594}"/>
+              </a:ext>
+            </a:extLst>
+          </p:cNvPr>
+          <p:cNvSpPr/>
           <p:nvPr/>
         </p:nvSpPr>
-        <p:spPr bwMode="auto">
-          <a:xfrm>
-            <a:off x="2590800" y="1738123"/>
-            <a:ext cx="4825999" cy="1396809"/>
-          </a:xfrm>
-          <a:prstGeom prst="roundRect">
-            <a:avLst>
-              <a:gd name="adj" fmla="val 7117"/>
-            </a:avLst>
-          </a:prstGeom>
-          <a:noFill/>
-          <a:ln w="12700">
-            <a:solidFill>
-              <a:srgbClr val="5596E6">
-                <a:lumMod val="50000"/>
-              </a:srgbClr>
-            </a:solidFill>
-            <a:prstDash val="dash"/>
-            <a:round/>
-            <a:headEnd/>
-            <a:tailEnd/>
-          </a:ln>
-        </p:spPr>
-        <p:txBody>
-          <a:bodyPr lIns="0" tIns="0" rIns="0" bIns="0" anchor="b" anchorCtr="1"/>
-          <a:lstStyle/>
-          <a:p>
-            <a:pPr algn="ctr" defTabSz="1219170" eaLnBrk="1" fontAlgn="auto" hangingPunct="1">
-              <a:spcBef>
-                <a:spcPts val="0"/>
-              </a:spcBef>
-              <a:spcAft>
-                <a:spcPts val="0"/>
-              </a:spcAft>
-              <a:defRPr/>
-            </a:pPr>
-            <a:r>
-              <a:rPr lang="en-US" sz="1333" kern="0" dirty="0">
-                <a:solidFill>
-                  <a:srgbClr val="6D7777"/>
-                </a:solidFill>
-              </a:rPr>
-              <a:t>Application</a:t>
-            </a:r>
-          </a:p>
-        </p:txBody>
-      </p:sp>
-      <p:pic>
-        <p:nvPicPr>
-          <p:cNvPr id="17" name="Picture 16">
-            <a:extLst>
-              <a:ext uri="{FF2B5EF4-FFF2-40B4-BE49-F238E27FC236}">
-                <a16:creationId xmlns:a16="http://schemas.microsoft.com/office/drawing/2014/main" id="{9DDF994C-5DE9-2A45-B3A5-92F9C720F89A}"/>
-              </a:ext>
-            </a:extLst>
-          </p:cNvPr>
-          <p:cNvPicPr>
-            <a:picLocks noChangeAspect="1"/>
-          </p:cNvPicPr>
-          <p:nvPr/>
-        </p:nvPicPr>
-        <p:blipFill>
-          <a:blip r:embed="rId6"/>
-          <a:stretch>
-            <a:fillRect/>
-          </a:stretch>
-        </p:blipFill>
-        <p:spPr>
-          <a:xfrm>
-            <a:off x="4955677" y="3679244"/>
-            <a:ext cx="872059" cy="879207"/>
-          </a:xfrm>
-          <a:prstGeom prst="rect">
-            <a:avLst/>
-          </a:prstGeom>
-        </p:spPr>
-      </p:pic>
-      <p:sp>
-        <p:nvSpPr>
-          <p:cNvPr id="19" name="Rectangle 18">
-            <a:extLst>
-              <a:ext uri="{FF2B5EF4-FFF2-40B4-BE49-F238E27FC236}">
-                <a16:creationId xmlns:a16="http://schemas.microsoft.com/office/drawing/2014/main" id="{D4819155-2316-6B42-9EA8-E0B6095A1869}"/>
-              </a:ext>
-            </a:extLst>
-          </p:cNvPr>
-          <p:cNvSpPr/>
-          <p:nvPr/>
-        </p:nvSpPr>
-        <p:spPr>
-          <a:xfrm>
-            <a:off x="6096000" y="2179222"/>
+        <p:spPr>
+          <a:xfrm>
+            <a:off x="7795359" y="4295208"/>
             <a:ext cx="1176988" cy="493916"/>
           </a:xfrm>
           <a:prstGeom prst="rect">
@@ -10623,17 +13611,36 @@
                 </a:solidFill>
                 <a:latin typeface="Arial"/>
               </a:rPr>
-              <a:t>Container MS</a:t>
+              <a:t>Scoring Agent</a:t>
+            </a:r>
+          </a:p>
+          <a:p>
+            <a:pPr algn="ctr" defTabSz="914377" eaLnBrk="1" fontAlgn="auto" hangingPunct="1">
+              <a:spcBef>
+                <a:spcPts val="0"/>
+              </a:spcBef>
+              <a:spcAft>
+                <a:spcPts val="0"/>
+              </a:spcAft>
+            </a:pPr>
+            <a:r>
+              <a:rPr lang="en-US" sz="1100" dirty="0">
+                <a:solidFill>
+                  <a:schemeClr val="bg1"/>
+                </a:solidFill>
+                <a:latin typeface="Arial"/>
+              </a:rPr>
+              <a:t>Pickle model</a:t>
             </a:r>
           </a:p>
         </p:txBody>
       </p:sp>
       <p:sp>
         <p:nvSpPr>
-          <p:cNvPr id="20" name="Rectangle 19">
-            <a:extLst>
-              <a:ext uri="{FF2B5EF4-FFF2-40B4-BE49-F238E27FC236}">
-                <a16:creationId xmlns:a16="http://schemas.microsoft.com/office/drawing/2014/main" id="{0548C9A6-D4D7-3B41-A314-52FC7BECD26B}"/>
+          <p:cNvPr id="73" name="Rectangle 72">
+            <a:extLst>
+              <a:ext uri="{FF2B5EF4-FFF2-40B4-BE49-F238E27FC236}">
+                <a16:creationId xmlns:a16="http://schemas.microsoft.com/office/drawing/2014/main" id="{495F0629-E0B4-094C-A870-3F3DA7B980A2}"/>
               </a:ext>
             </a:extLst>
           </p:cNvPr>
@@ -10642,7 +13649,7 @@
         </p:nvSpPr>
         <p:spPr>
           <a:xfrm>
-            <a:off x="3483660" y="2179222"/>
+            <a:off x="2251423" y="1543962"/>
             <a:ext cx="1176988" cy="493916"/>
           </a:xfrm>
           <a:prstGeom prst="rect">
@@ -10699,93 +13706,17 @@
                 </a:solidFill>
                 <a:latin typeface="Arial"/>
               </a:rPr>
-              <a:t>Scoring MS</a:t>
-            </a:r>
-          </a:p>
-        </p:txBody>
-      </p:sp>
-      <p:sp>
-        <p:nvSpPr>
-          <p:cNvPr id="21" name="Rectangle 20">
-            <a:extLst>
-              <a:ext uri="{FF2B5EF4-FFF2-40B4-BE49-F238E27FC236}">
-                <a16:creationId xmlns:a16="http://schemas.microsoft.com/office/drawing/2014/main" id="{B6B125CD-26F1-0C46-A1C6-964C84F02100}"/>
-              </a:ext>
-            </a:extLst>
-          </p:cNvPr>
-          <p:cNvSpPr/>
-          <p:nvPr/>
-        </p:nvSpPr>
-        <p:spPr>
-          <a:xfrm>
-            <a:off x="2645950" y="1818852"/>
-            <a:ext cx="789271" cy="1214657"/>
-          </a:xfrm>
-          <a:prstGeom prst="rect">
-            <a:avLst/>
-          </a:prstGeom>
-          <a:solidFill>
-            <a:schemeClr val="bg1">
-              <a:lumMod val="65000"/>
-            </a:schemeClr>
-          </a:solidFill>
-          <a:ln>
-            <a:noFill/>
-          </a:ln>
-          <a:effectLst>
-            <a:outerShdw blurRad="50800" dist="38100" dir="5400000" algn="t" rotWithShape="0">
-              <a:prstClr val="black">
-                <a:alpha val="40000"/>
-              </a:prstClr>
-            </a:outerShdw>
-          </a:effectLst>
-        </p:spPr>
-        <p:style>
-          <a:lnRef idx="2">
-            <a:schemeClr val="accent1">
-              <a:shade val="50000"/>
-            </a:schemeClr>
-          </a:lnRef>
-          <a:fillRef idx="1">
-            <a:schemeClr val="accent1"/>
-          </a:fillRef>
-          <a:effectRef idx="0">
-            <a:schemeClr val="accent1"/>
-          </a:effectRef>
-          <a:fontRef idx="minor">
-            <a:schemeClr val="lt1"/>
-          </a:fontRef>
-        </p:style>
-        <p:txBody>
-          <a:bodyPr rtlCol="0" anchor="ctr"/>
-          <a:lstStyle/>
-          <a:p>
-            <a:pPr algn="ctr" defTabSz="914377" eaLnBrk="1" fontAlgn="auto" hangingPunct="1">
-              <a:spcBef>
-                <a:spcPts val="0"/>
-              </a:spcBef>
-              <a:spcAft>
-                <a:spcPts val="0"/>
-              </a:spcAft>
-            </a:pPr>
-            <a:r>
-              <a:rPr lang="en-US" sz="1100" dirty="0">
-                <a:solidFill>
-                  <a:schemeClr val="bg1"/>
-                </a:solidFill>
-                <a:latin typeface="Arial"/>
-              </a:rPr>
-              <a:t>Reefer Simulator</a:t>
+              <a:t>Simulator MS</a:t>
             </a:r>
           </a:p>
         </p:txBody>
       </p:sp>
       <p:pic>
         <p:nvPicPr>
-          <p:cNvPr id="22" name="Picture 21">
-            <a:extLst>
-              <a:ext uri="{FF2B5EF4-FFF2-40B4-BE49-F238E27FC236}">
-                <a16:creationId xmlns:a16="http://schemas.microsoft.com/office/drawing/2014/main" id="{6180B364-6A99-BB4D-AF7A-6B99AED8C89F}"/>
+          <p:cNvPr id="78" name="Picture 77">
+            <a:extLst>
+              <a:ext uri="{FF2B5EF4-FFF2-40B4-BE49-F238E27FC236}">
+                <a16:creationId xmlns:a16="http://schemas.microsoft.com/office/drawing/2014/main" id="{06BE7269-907B-0A4F-86C3-A9867C99E7F0}"/>
               </a:ext>
             </a:extLst>
           </p:cNvPr>
@@ -10802,159 +13733,8 @@
         </p:blipFill>
         <p:spPr>
           <a:xfrm>
-            <a:off x="5973911" y="3679244"/>
-            <a:ext cx="940075" cy="879207"/>
-          </a:xfrm>
-          <a:prstGeom prst="rect">
-            <a:avLst/>
-          </a:prstGeom>
-        </p:spPr>
-      </p:pic>
-      <p:sp>
-        <p:nvSpPr>
-          <p:cNvPr id="18" name="AutoShape 4">
-            <a:extLst>
-              <a:ext uri="{FF2B5EF4-FFF2-40B4-BE49-F238E27FC236}">
-                <a16:creationId xmlns:a16="http://schemas.microsoft.com/office/drawing/2014/main" id="{8D43774D-113F-284E-9714-AD2B4738C279}"/>
-              </a:ext>
-            </a:extLst>
-          </p:cNvPr>
-          <p:cNvSpPr>
-            <a:spLocks noChangeArrowheads="1"/>
-          </p:cNvSpPr>
-          <p:nvPr/>
-        </p:nvSpPr>
-        <p:spPr bwMode="auto">
-          <a:xfrm>
-            <a:off x="205376" y="3390287"/>
-            <a:ext cx="2294400" cy="2440766"/>
-          </a:xfrm>
-          <a:prstGeom prst="roundRect">
-            <a:avLst>
-              <a:gd name="adj" fmla="val 7117"/>
-            </a:avLst>
-          </a:prstGeom>
-          <a:noFill/>
-          <a:ln w="12700">
-            <a:solidFill>
-              <a:srgbClr val="5596E6">
-                <a:lumMod val="50000"/>
-              </a:srgbClr>
-            </a:solidFill>
-            <a:prstDash val="dash"/>
-            <a:round/>
-            <a:headEnd/>
-            <a:tailEnd/>
-          </a:ln>
-        </p:spPr>
-        <p:txBody>
-          <a:bodyPr lIns="0" tIns="0" rIns="0" bIns="0" anchor="b" anchorCtr="1"/>
-          <a:lstStyle/>
-          <a:p>
-            <a:pPr algn="ctr" defTabSz="1219170" eaLnBrk="1" fontAlgn="auto" hangingPunct="1">
-              <a:spcBef>
-                <a:spcPts val="0"/>
-              </a:spcBef>
-              <a:spcAft>
-                <a:spcPts val="0"/>
-              </a:spcAft>
-              <a:defRPr/>
-            </a:pPr>
-            <a:r>
-              <a:rPr lang="en-US" sz="1333" kern="0" dirty="0">
-                <a:solidFill>
-                  <a:srgbClr val="6D7777"/>
-                </a:solidFill>
-              </a:rPr>
-              <a:t>IBM Cloud Services</a:t>
-            </a:r>
-          </a:p>
-        </p:txBody>
-      </p:sp>
-      <p:pic>
-        <p:nvPicPr>
-          <p:cNvPr id="23" name="Picture 22">
-            <a:extLst>
-              <a:ext uri="{FF2B5EF4-FFF2-40B4-BE49-F238E27FC236}">
-                <a16:creationId xmlns:a16="http://schemas.microsoft.com/office/drawing/2014/main" id="{D977B549-C017-CC48-AFAA-4364DABE7912}"/>
-              </a:ext>
-            </a:extLst>
-          </p:cNvPr>
-          <p:cNvPicPr>
-            <a:picLocks noChangeAspect="1"/>
-          </p:cNvPicPr>
-          <p:nvPr/>
-        </p:nvPicPr>
-        <p:blipFill>
-          <a:blip r:embed="rId8"/>
-          <a:stretch>
-            <a:fillRect/>
-          </a:stretch>
-        </p:blipFill>
-        <p:spPr>
-          <a:xfrm>
-            <a:off x="317217" y="4469667"/>
-            <a:ext cx="638156" cy="680700"/>
-          </a:xfrm>
-          <a:prstGeom prst="rect">
-            <a:avLst/>
-          </a:prstGeom>
-        </p:spPr>
-      </p:pic>
-      <p:pic>
-        <p:nvPicPr>
-          <p:cNvPr id="3" name="Picture 2">
-            <a:extLst>
-              <a:ext uri="{FF2B5EF4-FFF2-40B4-BE49-F238E27FC236}">
-                <a16:creationId xmlns:a16="http://schemas.microsoft.com/office/drawing/2014/main" id="{ABA28C0D-1764-8849-84FC-B3C189A10D93}"/>
-              </a:ext>
-            </a:extLst>
-          </p:cNvPr>
-          <p:cNvPicPr>
-            <a:picLocks noChangeAspect="1"/>
-          </p:cNvPicPr>
-          <p:nvPr/>
-        </p:nvPicPr>
-        <p:blipFill>
-          <a:blip r:embed="rId9"/>
-          <a:stretch>
-            <a:fillRect/>
-          </a:stretch>
-        </p:blipFill>
-        <p:spPr>
-          <a:xfrm>
-            <a:off x="1123940" y="4575227"/>
-            <a:ext cx="1195924" cy="361792"/>
-          </a:xfrm>
-          <a:prstGeom prst="rect">
-            <a:avLst/>
-          </a:prstGeom>
-        </p:spPr>
-      </p:pic>
-      <p:pic>
-        <p:nvPicPr>
-          <p:cNvPr id="24" name="Picture 23">
-            <a:extLst>
-              <a:ext uri="{FF2B5EF4-FFF2-40B4-BE49-F238E27FC236}">
-                <a16:creationId xmlns:a16="http://schemas.microsoft.com/office/drawing/2014/main" id="{D23490B7-7739-3A4D-8CCE-331B3ECBCFB8}"/>
-              </a:ext>
-            </a:extLst>
-          </p:cNvPr>
-          <p:cNvPicPr>
-            <a:picLocks noChangeAspect="1"/>
-          </p:cNvPicPr>
-          <p:nvPr/>
-        </p:nvPicPr>
-        <p:blipFill>
-          <a:blip r:embed="rId10"/>
-          <a:stretch>
-            <a:fillRect/>
-          </a:stretch>
-        </p:blipFill>
-        <p:spPr>
-          <a:xfrm flipV="1">
-            <a:off x="147562" y="1954047"/>
-            <a:ext cx="1344689" cy="880532"/>
+            <a:off x="1869254" y="2981251"/>
+            <a:ext cx="280628" cy="256574"/>
           </a:xfrm>
           <a:prstGeom prst="rect">
             <a:avLst/>
@@ -10964,7 +13744,7 @@
     </p:spTree>
     <p:extLst>
       <p:ext uri="{BB962C8B-B14F-4D97-AF65-F5344CB8AC3E}">
-        <p14:creationId xmlns:p14="http://schemas.microsoft.com/office/powerpoint/2010/main" val="2821260101"/>
+        <p14:creationId xmlns:p14="http://schemas.microsoft.com/office/powerpoint/2010/main" val="1803533532"/>
       </p:ext>
     </p:extLst>
   </p:cSld>
@@ -11015,7 +13795,7 @@
           <a:p>
             <a:r>
               <a:rPr lang="en-US" dirty="0"/>
-              <a:t>Cloud Pak Approach Solution</a:t>
+              <a:t>Cloud Pak Solution</a:t>
             </a:r>
           </a:p>
         </p:txBody>
@@ -11052,10 +13832,10 @@
       </p:sp>
       <p:sp>
         <p:nvSpPr>
-          <p:cNvPr id="11" name="AutoShape 4">
-            <a:extLst>
-              <a:ext uri="{FF2B5EF4-FFF2-40B4-BE49-F238E27FC236}">
-                <a16:creationId xmlns:a16="http://schemas.microsoft.com/office/drawing/2014/main" id="{C64ABD7E-5043-7340-8CC0-841277EF50A1}"/>
+          <p:cNvPr id="5" name="AutoShape 4">
+            <a:extLst>
+              <a:ext uri="{FF2B5EF4-FFF2-40B4-BE49-F238E27FC236}">
+                <a16:creationId xmlns:a16="http://schemas.microsoft.com/office/drawing/2014/main" id="{684E09B8-BBC1-064E-8FF3-CD8302D16690}"/>
               </a:ext>
             </a:extLst>
           </p:cNvPr>
@@ -11066,8 +13846,8 @@
         </p:nvSpPr>
         <p:spPr bwMode="auto">
           <a:xfrm>
-            <a:off x="1751286" y="4608309"/>
-            <a:ext cx="5776643" cy="1396809"/>
+            <a:off x="2645950" y="5150367"/>
+            <a:ext cx="4770849" cy="680686"/>
           </a:xfrm>
           <a:prstGeom prst="roundRect">
             <a:avLst>
@@ -11106,17 +13886,17 @@
                   <a:srgbClr val="6D7777"/>
                 </a:solidFill>
               </a:rPr>
-              <a:t>Collect / Organize/ Analyze </a:t>
+              <a:t>Infrastructure</a:t>
             </a:r>
           </a:p>
         </p:txBody>
       </p:sp>
       <p:pic>
         <p:nvPicPr>
-          <p:cNvPr id="12" name="Picture 11">
-            <a:extLst>
-              <a:ext uri="{FF2B5EF4-FFF2-40B4-BE49-F238E27FC236}">
-                <a16:creationId xmlns:a16="http://schemas.microsoft.com/office/drawing/2014/main" id="{284F2826-9DD2-6844-A9BB-E8BD4E975704}"/>
+          <p:cNvPr id="6" name="Picture 5">
+            <a:extLst>
+              <a:ext uri="{FF2B5EF4-FFF2-40B4-BE49-F238E27FC236}">
+                <a16:creationId xmlns:a16="http://schemas.microsoft.com/office/drawing/2014/main" id="{07AC0BFF-594E-D943-9423-6F5BB0B092D4}"/>
               </a:ext>
             </a:extLst>
           </p:cNvPr>
@@ -11133,8 +13913,8 @@
         </p:blipFill>
         <p:spPr>
           <a:xfrm>
-            <a:off x="1791410" y="4648275"/>
-            <a:ext cx="673143" cy="879207"/>
+            <a:off x="4030042" y="5259975"/>
+            <a:ext cx="388273" cy="354992"/>
           </a:xfrm>
           <a:prstGeom prst="rect">
             <a:avLst/>
@@ -11143,10 +13923,10 @@
       </p:pic>
       <p:pic>
         <p:nvPicPr>
-          <p:cNvPr id="13" name="Picture 12">
-            <a:extLst>
-              <a:ext uri="{FF2B5EF4-FFF2-40B4-BE49-F238E27FC236}">
-                <a16:creationId xmlns:a16="http://schemas.microsoft.com/office/drawing/2014/main" id="{2A7B4D3D-90CA-AA4F-8F1C-0D90C3E86276}"/>
+          <p:cNvPr id="7" name="Picture 6">
+            <a:extLst>
+              <a:ext uri="{FF2B5EF4-FFF2-40B4-BE49-F238E27FC236}">
+                <a16:creationId xmlns:a16="http://schemas.microsoft.com/office/drawing/2014/main" id="{34E902ED-15BC-414A-8ABD-63DB888CC4B7}"/>
               </a:ext>
             </a:extLst>
           </p:cNvPr>
@@ -11163,7 +13943,128 @@
         </p:blipFill>
         <p:spPr>
           <a:xfrm>
-            <a:off x="261155" y="2989396"/>
+            <a:off x="5688009" y="5259975"/>
+            <a:ext cx="459096" cy="393976"/>
+          </a:xfrm>
+          <a:prstGeom prst="rect">
+            <a:avLst/>
+          </a:prstGeom>
+        </p:spPr>
+      </p:pic>
+      <p:sp>
+        <p:nvSpPr>
+          <p:cNvPr id="11" name="AutoShape 4">
+            <a:extLst>
+              <a:ext uri="{FF2B5EF4-FFF2-40B4-BE49-F238E27FC236}">
+                <a16:creationId xmlns:a16="http://schemas.microsoft.com/office/drawing/2014/main" id="{C64ABD7E-5043-7340-8CC0-841277EF50A1}"/>
+              </a:ext>
+            </a:extLst>
+          </p:cNvPr>
+          <p:cNvSpPr>
+            <a:spLocks noChangeArrowheads="1"/>
+          </p:cNvSpPr>
+          <p:nvPr/>
+        </p:nvSpPr>
+        <p:spPr bwMode="auto">
+          <a:xfrm>
+            <a:off x="2645950" y="3448935"/>
+            <a:ext cx="4770849" cy="1396809"/>
+          </a:xfrm>
+          <a:prstGeom prst="roundRect">
+            <a:avLst>
+              <a:gd name="adj" fmla="val 7117"/>
+            </a:avLst>
+          </a:prstGeom>
+          <a:noFill/>
+          <a:ln w="12700">
+            <a:solidFill>
+              <a:srgbClr val="5596E6">
+                <a:lumMod val="50000"/>
+              </a:srgbClr>
+            </a:solidFill>
+            <a:prstDash val="dash"/>
+            <a:round/>
+            <a:headEnd/>
+            <a:tailEnd/>
+          </a:ln>
+        </p:spPr>
+        <p:txBody>
+          <a:bodyPr lIns="0" tIns="0" rIns="0" bIns="0" anchor="b" anchorCtr="1"/>
+          <a:lstStyle/>
+          <a:p>
+            <a:pPr algn="ctr" defTabSz="1219170" eaLnBrk="1" fontAlgn="auto" hangingPunct="1">
+              <a:spcBef>
+                <a:spcPts val="0"/>
+              </a:spcBef>
+              <a:spcAft>
+                <a:spcPts val="0"/>
+              </a:spcAft>
+              <a:defRPr/>
+            </a:pPr>
+            <a:r>
+              <a:rPr lang="en-US" sz="1333" kern="0" dirty="0">
+                <a:solidFill>
+                  <a:srgbClr val="6D7777"/>
+                </a:solidFill>
+              </a:rPr>
+              <a:t>Cloud Pak</a:t>
+            </a:r>
+          </a:p>
+        </p:txBody>
+      </p:sp>
+      <p:pic>
+        <p:nvPicPr>
+          <p:cNvPr id="12" name="Picture 11">
+            <a:extLst>
+              <a:ext uri="{FF2B5EF4-FFF2-40B4-BE49-F238E27FC236}">
+                <a16:creationId xmlns:a16="http://schemas.microsoft.com/office/drawing/2014/main" id="{284F2826-9DD2-6844-A9BB-E8BD4E975704}"/>
+              </a:ext>
+            </a:extLst>
+          </p:cNvPr>
+          <p:cNvPicPr>
+            <a:picLocks noChangeAspect="1"/>
+          </p:cNvPicPr>
+          <p:nvPr/>
+        </p:nvPicPr>
+        <p:blipFill>
+          <a:blip r:embed="rId4"/>
+          <a:stretch>
+            <a:fillRect/>
+          </a:stretch>
+        </p:blipFill>
+        <p:spPr>
+          <a:xfrm>
+            <a:off x="4081744" y="3679244"/>
+            <a:ext cx="673143" cy="879207"/>
+          </a:xfrm>
+          <a:prstGeom prst="rect">
+            <a:avLst/>
+          </a:prstGeom>
+        </p:spPr>
+      </p:pic>
+      <p:pic>
+        <p:nvPicPr>
+          <p:cNvPr id="13" name="Picture 12">
+            <a:extLst>
+              <a:ext uri="{FF2B5EF4-FFF2-40B4-BE49-F238E27FC236}">
+                <a16:creationId xmlns:a16="http://schemas.microsoft.com/office/drawing/2014/main" id="{2A7B4D3D-90CA-AA4F-8F1C-0D90C3E86276}"/>
+              </a:ext>
+            </a:extLst>
+          </p:cNvPr>
+          <p:cNvPicPr>
+            <a:picLocks noChangeAspect="1"/>
+          </p:cNvPicPr>
+          <p:nvPr/>
+        </p:nvPicPr>
+        <p:blipFill>
+          <a:blip r:embed="rId5"/>
+          <a:stretch>
+            <a:fillRect/>
+          </a:stretch>
+        </p:blipFill>
+        <p:spPr>
+          <a:xfrm>
+            <a:off x="3088358" y="3679245"/>
             <a:ext cx="790605" cy="879207"/>
           </a:xfrm>
           <a:prstGeom prst="rect">
@@ -11185,7 +14086,7 @@
         </p:nvSpPr>
         <p:spPr>
           <a:xfrm>
-            <a:off x="9768115" y="3889050"/>
+            <a:off x="4803212" y="2189569"/>
             <a:ext cx="1176988" cy="493916"/>
           </a:xfrm>
           <a:prstGeom prst="rect">
@@ -11247,6 +14148,67 @@
           </a:p>
         </p:txBody>
       </p:sp>
+      <p:sp>
+        <p:nvSpPr>
+          <p:cNvPr id="15" name="AutoShape 4">
+            <a:extLst>
+              <a:ext uri="{FF2B5EF4-FFF2-40B4-BE49-F238E27FC236}">
+                <a16:creationId xmlns:a16="http://schemas.microsoft.com/office/drawing/2014/main" id="{A74B6BBF-B7A7-804F-AA37-AA6548F50D71}"/>
+              </a:ext>
+            </a:extLst>
+          </p:cNvPr>
+          <p:cNvSpPr>
+            <a:spLocks noChangeArrowheads="1"/>
+          </p:cNvSpPr>
+          <p:nvPr/>
+        </p:nvSpPr>
+        <p:spPr bwMode="auto">
+          <a:xfrm>
+            <a:off x="2590800" y="1738123"/>
+            <a:ext cx="4825999" cy="1396809"/>
+          </a:xfrm>
+          <a:prstGeom prst="roundRect">
+            <a:avLst>
+              <a:gd name="adj" fmla="val 7117"/>
+            </a:avLst>
+          </a:prstGeom>
+          <a:noFill/>
+          <a:ln w="12700">
+            <a:solidFill>
+              <a:srgbClr val="5596E6">
+                <a:lumMod val="50000"/>
+              </a:srgbClr>
+            </a:solidFill>
+            <a:prstDash val="dash"/>
+            <a:round/>
+            <a:headEnd/>
+            <a:tailEnd/>
+          </a:ln>
+        </p:spPr>
+        <p:txBody>
+          <a:bodyPr lIns="0" tIns="0" rIns="0" bIns="0" anchor="b" anchorCtr="1"/>
+          <a:lstStyle/>
+          <a:p>
+            <a:pPr algn="ctr" defTabSz="1219170" eaLnBrk="1" fontAlgn="auto" hangingPunct="1">
+              <a:spcBef>
+                <a:spcPts val="0"/>
+              </a:spcBef>
+              <a:spcAft>
+                <a:spcPts val="0"/>
+              </a:spcAft>
+              <a:defRPr/>
+            </a:pPr>
+            <a:r>
+              <a:rPr lang="en-US" sz="1333" kern="0" dirty="0">
+                <a:solidFill>
+                  <a:srgbClr val="6D7777"/>
+                </a:solidFill>
+              </a:rPr>
+              <a:t>Application</a:t>
+            </a:r>
+          </a:p>
+        </p:txBody>
+      </p:sp>
       <p:pic>
         <p:nvPicPr>
           <p:cNvPr id="17" name="Picture 16">
@@ -11262,14 +14224,14 @@
           <p:nvPr/>
         </p:nvPicPr>
         <p:blipFill>
-          <a:blip r:embed="rId4"/>
+          <a:blip r:embed="rId6"/>
           <a:stretch>
             <a:fillRect/>
           </a:stretch>
         </p:blipFill>
         <p:spPr>
           <a:xfrm>
-            <a:off x="8397305" y="3783991"/>
+            <a:off x="4955677" y="3679244"/>
             <a:ext cx="872059" cy="879207"/>
           </a:xfrm>
           <a:prstGeom prst="rect">
@@ -11291,7 +14253,7 @@
         </p:nvSpPr>
         <p:spPr>
           <a:xfrm>
-            <a:off x="3635684" y="1296384"/>
+            <a:off x="6096000" y="2179222"/>
             <a:ext cx="1176988" cy="493916"/>
           </a:xfrm>
           <a:prstGeom prst="rect">
@@ -11367,7 +14329,7 @@
         </p:nvSpPr>
         <p:spPr>
           <a:xfrm>
-            <a:off x="3635684" y="1934856"/>
+            <a:off x="3483660" y="2179222"/>
             <a:ext cx="1176988" cy="493916"/>
           </a:xfrm>
           <a:prstGeom prst="rect">
@@ -11443,8 +14405,8 @@
         </p:nvSpPr>
         <p:spPr>
           <a:xfrm>
-            <a:off x="5044923" y="1337793"/>
-            <a:ext cx="789271" cy="847653"/>
+            <a:off x="2645950" y="1818852"/>
+            <a:ext cx="789271" cy="1214657"/>
           </a:xfrm>
           <a:prstGeom prst="rect">
             <a:avLst/>
@@ -11520,15 +14482,15 @@
           <p:nvPr/>
         </p:nvPicPr>
         <p:blipFill>
-          <a:blip r:embed="rId5"/>
+          <a:blip r:embed="rId7"/>
           <a:stretch>
             <a:fillRect/>
           </a:stretch>
         </p:blipFill>
         <p:spPr>
           <a:xfrm>
-            <a:off x="214126" y="1310363"/>
-            <a:ext cx="757383" cy="708344"/>
+            <a:off x="5973911" y="3679244"/>
+            <a:ext cx="940075" cy="879207"/>
           </a:xfrm>
           <a:prstGeom prst="rect">
             <a:avLst/>
@@ -11551,8 +14513,8 @@
         </p:nvSpPr>
         <p:spPr bwMode="auto">
           <a:xfrm>
-            <a:off x="8379534" y="1236452"/>
-            <a:ext cx="2751341" cy="2068591"/>
+            <a:off x="205376" y="3390287"/>
+            <a:ext cx="2294400" cy="2440766"/>
           </a:xfrm>
           <a:prstGeom prst="roundRect">
             <a:avLst>
@@ -11611,14 +14573,14 @@
           <p:nvPr/>
         </p:nvPicPr>
         <p:blipFill>
-          <a:blip r:embed="rId6"/>
+          <a:blip r:embed="rId8"/>
           <a:stretch>
             <a:fillRect/>
           </a:stretch>
         </p:blipFill>
         <p:spPr>
           <a:xfrm>
-            <a:off x="8514257" y="2290236"/>
+            <a:off x="317217" y="4469667"/>
             <a:ext cx="638156" cy="680700"/>
           </a:xfrm>
           <a:prstGeom prst="rect">
@@ -11641,14 +14603,14 @@
           <p:nvPr/>
         </p:nvPicPr>
         <p:blipFill>
-          <a:blip r:embed="rId7"/>
+          <a:blip r:embed="rId9"/>
           <a:stretch>
             <a:fillRect/>
           </a:stretch>
         </p:blipFill>
         <p:spPr>
           <a:xfrm>
-            <a:off x="9478011" y="2381855"/>
+            <a:off x="1123940" y="4575227"/>
             <a:ext cx="1195924" cy="361792"/>
           </a:xfrm>
           <a:prstGeom prst="rect">
@@ -11656,12 +14618,131 @@
           </a:prstGeom>
         </p:spPr>
       </p:pic>
+      <p:pic>
+        <p:nvPicPr>
+          <p:cNvPr id="24" name="Picture 23">
+            <a:extLst>
+              <a:ext uri="{FF2B5EF4-FFF2-40B4-BE49-F238E27FC236}">
+                <a16:creationId xmlns:a16="http://schemas.microsoft.com/office/drawing/2014/main" id="{D23490B7-7739-3A4D-8CCE-331B3ECBCFB8}"/>
+              </a:ext>
+            </a:extLst>
+          </p:cNvPr>
+          <p:cNvPicPr>
+            <a:picLocks noChangeAspect="1"/>
+          </p:cNvPicPr>
+          <p:nvPr/>
+        </p:nvPicPr>
+        <p:blipFill>
+          <a:blip r:embed="rId10"/>
+          <a:stretch>
+            <a:fillRect/>
+          </a:stretch>
+        </p:blipFill>
+        <p:spPr>
+          <a:xfrm flipV="1">
+            <a:off x="147562" y="1954047"/>
+            <a:ext cx="1344689" cy="880532"/>
+          </a:xfrm>
+          <a:prstGeom prst="rect">
+            <a:avLst/>
+          </a:prstGeom>
+        </p:spPr>
+      </p:pic>
+    </p:spTree>
+    <p:extLst>
+      <p:ext uri="{BB962C8B-B14F-4D97-AF65-F5344CB8AC3E}">
+        <p14:creationId xmlns:p14="http://schemas.microsoft.com/office/powerpoint/2010/main" val="2821260101"/>
+      </p:ext>
+    </p:extLst>
+  </p:cSld>
+  <p:clrMapOvr>
+    <a:masterClrMapping/>
+  </p:clrMapOvr>
+  <p:transition spd="med"/>
+</p:sld>
+</file>
+
+<file path=ppt/slides/slide4.xml><?xml version="1.0" encoding="utf-8"?>
+<p:sld xmlns:a="http://schemas.openxmlformats.org/drawingml/2006/main" xmlns:r="http://schemas.openxmlformats.org/officeDocument/2006/relationships" xmlns:p="http://schemas.openxmlformats.org/presentationml/2006/main">
+  <p:cSld>
+    <p:spTree>
+      <p:nvGrpSpPr>
+        <p:cNvPr id="1" name=""/>
+        <p:cNvGrpSpPr/>
+        <p:nvPr/>
+      </p:nvGrpSpPr>
+      <p:grpSpPr>
+        <a:xfrm>
+          <a:off x="0" y="0"/>
+          <a:ext cx="0" cy="0"/>
+          <a:chOff x="0" y="0"/>
+          <a:chExt cx="0" cy="0"/>
+        </a:xfrm>
+      </p:grpSpPr>
       <p:sp>
         <p:nvSpPr>
-          <p:cNvPr id="24" name="AutoShape 4">
-            <a:extLst>
-              <a:ext uri="{FF2B5EF4-FFF2-40B4-BE49-F238E27FC236}">
-                <a16:creationId xmlns:a16="http://schemas.microsoft.com/office/drawing/2014/main" id="{AD504402-C6A2-924C-8A78-EAFFEBD045B6}"/>
+          <p:cNvPr id="2" name="Title 1">
+            <a:extLst>
+              <a:ext uri="{FF2B5EF4-FFF2-40B4-BE49-F238E27FC236}">
+                <a16:creationId xmlns:a16="http://schemas.microsoft.com/office/drawing/2014/main" id="{D315EF5C-228B-5845-84E6-0CFA2693B2CE}"/>
+              </a:ext>
+            </a:extLst>
+          </p:cNvPr>
+          <p:cNvSpPr>
+            <a:spLocks noGrp="1"/>
+          </p:cNvSpPr>
+          <p:nvPr>
+            <p:ph type="title"/>
+          </p:nvPr>
+        </p:nvSpPr>
+        <p:spPr/>
+        <p:txBody>
+          <a:bodyPr/>
+          <a:lstStyle/>
+          <a:p>
+            <a:r>
+              <a:rPr lang="en-US" dirty="0"/>
+              <a:t>Cloud Pak Approach Solution</a:t>
+            </a:r>
+          </a:p>
+        </p:txBody>
+      </p:sp>
+      <p:sp>
+        <p:nvSpPr>
+          <p:cNvPr id="4" name="Slide Number Placeholder 3">
+            <a:extLst>
+              <a:ext uri="{FF2B5EF4-FFF2-40B4-BE49-F238E27FC236}">
+                <a16:creationId xmlns:a16="http://schemas.microsoft.com/office/drawing/2014/main" id="{FB3FF1DE-439B-5D41-A9C1-2BC36D573C38}"/>
+              </a:ext>
+            </a:extLst>
+          </p:cNvPr>
+          <p:cNvSpPr>
+            <a:spLocks noGrp="1"/>
+          </p:cNvSpPr>
+          <p:nvPr>
+            <p:ph type="sldNum" sz="quarter" idx="2"/>
+          </p:nvPr>
+        </p:nvSpPr>
+        <p:spPr/>
+        <p:txBody>
+          <a:bodyPr/>
+          <a:lstStyle/>
+          <a:p>
+            <a:fld id="{86CB4B4D-7CA3-9044-876B-883B54F8677D}" type="slidenum">
+              <a:rPr lang="en-US" smtClean="0"/>
+              <a:pPr/>
+              <a:t>4</a:t>
+            </a:fld>
+            <a:endParaRPr lang="en-US"/>
+          </a:p>
+        </p:txBody>
+      </p:sp>
+      <p:sp>
+        <p:nvSpPr>
+          <p:cNvPr id="11" name="AutoShape 4">
+            <a:extLst>
+              <a:ext uri="{FF2B5EF4-FFF2-40B4-BE49-F238E27FC236}">
+                <a16:creationId xmlns:a16="http://schemas.microsoft.com/office/drawing/2014/main" id="{C64ABD7E-5043-7340-8CC0-841277EF50A1}"/>
               </a:ext>
             </a:extLst>
           </p:cNvPr>
@@ -11672,8 +14753,8 @@
         </p:nvSpPr>
         <p:spPr bwMode="auto">
           <a:xfrm>
-            <a:off x="173537" y="1236452"/>
-            <a:ext cx="5808221" cy="1396809"/>
+            <a:off x="1751286" y="4608309"/>
+            <a:ext cx="5776643" cy="1396809"/>
           </a:xfrm>
           <a:prstGeom prst="roundRect">
             <a:avLst>
@@ -11712,17 +14793,17 @@
                   <a:srgbClr val="6D7777"/>
                 </a:solidFill>
               </a:rPr>
-              <a:t>Application</a:t>
+              <a:t>Collect / Organize/ Analyze </a:t>
             </a:r>
           </a:p>
         </p:txBody>
       </p:sp>
       <p:pic>
         <p:nvPicPr>
-          <p:cNvPr id="8" name="Picture 7">
-            <a:extLst>
-              <a:ext uri="{FF2B5EF4-FFF2-40B4-BE49-F238E27FC236}">
-                <a16:creationId xmlns:a16="http://schemas.microsoft.com/office/drawing/2014/main" id="{00C25598-E1AE-D042-A098-AD7282AD84D3}"/>
+          <p:cNvPr id="12" name="Picture 11">
+            <a:extLst>
+              <a:ext uri="{FF2B5EF4-FFF2-40B4-BE49-F238E27FC236}">
+                <a16:creationId xmlns:a16="http://schemas.microsoft.com/office/drawing/2014/main" id="{284F2826-9DD2-6844-A9BB-E8BD4E975704}"/>
               </a:ext>
             </a:extLst>
           </p:cNvPr>
@@ -11732,15 +14813,15 @@
           <p:nvPr/>
         </p:nvPicPr>
         <p:blipFill>
-          <a:blip r:embed="rId8"/>
+          <a:blip r:embed="rId2"/>
           <a:stretch>
             <a:fillRect/>
           </a:stretch>
         </p:blipFill>
         <p:spPr>
           <a:xfrm>
-            <a:off x="1098626" y="1413844"/>
-            <a:ext cx="1017805" cy="250691"/>
+            <a:off x="1791410" y="4648275"/>
+            <a:ext cx="673143" cy="879207"/>
           </a:xfrm>
           <a:prstGeom prst="rect">
             <a:avLst/>
@@ -11749,10 +14830,10 @@
       </p:pic>
       <p:pic>
         <p:nvPicPr>
-          <p:cNvPr id="9" name="Picture 8">
-            <a:extLst>
-              <a:ext uri="{FF2B5EF4-FFF2-40B4-BE49-F238E27FC236}">
-                <a16:creationId xmlns:a16="http://schemas.microsoft.com/office/drawing/2014/main" id="{2AFB0734-EBE0-9A4F-9158-C224FC4C668A}"/>
+          <p:cNvPr id="13" name="Picture 12">
+            <a:extLst>
+              <a:ext uri="{FF2B5EF4-FFF2-40B4-BE49-F238E27FC236}">
+                <a16:creationId xmlns:a16="http://schemas.microsoft.com/office/drawing/2014/main" id="{2A7B4D3D-90CA-AA4F-8F1C-0D90C3E86276}"/>
               </a:ext>
             </a:extLst>
           </p:cNvPr>
@@ -11762,45 +14843,15 @@
           <p:nvPr/>
         </p:nvPicPr>
         <p:blipFill>
-          <a:blip r:embed="rId9"/>
+          <a:blip r:embed="rId3"/>
           <a:stretch>
             <a:fillRect/>
           </a:stretch>
         </p:blipFill>
         <p:spPr>
           <a:xfrm>
-            <a:off x="1061125" y="1752171"/>
-            <a:ext cx="1028700" cy="406400"/>
-          </a:xfrm>
-          <a:prstGeom prst="rect">
-            <a:avLst/>
-          </a:prstGeom>
-        </p:spPr>
-      </p:pic>
-      <p:pic>
-        <p:nvPicPr>
-          <p:cNvPr id="10" name="Picture 9">
-            <a:extLst>
-              <a:ext uri="{FF2B5EF4-FFF2-40B4-BE49-F238E27FC236}">
-                <a16:creationId xmlns:a16="http://schemas.microsoft.com/office/drawing/2014/main" id="{4FF7CDD6-DEE4-4A47-A599-1E0576D6D906}"/>
-              </a:ext>
-            </a:extLst>
-          </p:cNvPr>
-          <p:cNvPicPr>
-            <a:picLocks noChangeAspect="1"/>
-          </p:cNvPicPr>
-          <p:nvPr/>
-        </p:nvPicPr>
-        <p:blipFill>
-          <a:blip r:embed="rId10"/>
-          <a:stretch>
-            <a:fillRect/>
-          </a:stretch>
-        </p:blipFill>
-        <p:spPr>
-          <a:xfrm>
-            <a:off x="1061125" y="2190079"/>
-            <a:ext cx="1176988" cy="238442"/>
+            <a:off x="261155" y="2989396"/>
+            <a:ext cx="790605" cy="879207"/>
           </a:xfrm>
           <a:prstGeom prst="rect">
             <a:avLst/>
@@ -11809,10 +14860,10 @@
       </p:pic>
       <p:sp>
         <p:nvSpPr>
-          <p:cNvPr id="16" name="Can 15">
-            <a:extLst>
-              <a:ext uri="{FF2B5EF4-FFF2-40B4-BE49-F238E27FC236}">
-                <a16:creationId xmlns:a16="http://schemas.microsoft.com/office/drawing/2014/main" id="{EA17D912-4411-3743-9FFD-8CFBE1DBC488}"/>
+          <p:cNvPr id="14" name="Rectangle 13">
+            <a:extLst>
+              <a:ext uri="{FF2B5EF4-FFF2-40B4-BE49-F238E27FC236}">
+                <a16:creationId xmlns:a16="http://schemas.microsoft.com/office/drawing/2014/main" id="{283526CE-4AF1-0D4C-AFB2-25875AF70D6E}"/>
               </a:ext>
             </a:extLst>
           </p:cNvPr>
@@ -11821,10 +14872,10 @@
         </p:nvSpPr>
         <p:spPr>
           <a:xfrm>
-            <a:off x="8490168" y="1498926"/>
-            <a:ext cx="914400" cy="624236"/>
-          </a:xfrm>
-          <a:prstGeom prst="can">
+            <a:off x="9768115" y="3889050"/>
+            <a:ext cx="1176988" cy="493916"/>
+          </a:xfrm>
+          <a:prstGeom prst="rect">
             <a:avLst/>
           </a:prstGeom>
           <a:solidFill>
@@ -11835,6 +14886,13 @@
           <a:ln>
             <a:noFill/>
           </a:ln>
+          <a:effectLst>
+            <a:outerShdw blurRad="50800" dist="38100" dir="5400000" algn="t" rotWithShape="0">
+              <a:prstClr val="black">
+                <a:alpha val="40000"/>
+              </a:prstClr>
+            </a:outerShdw>
+          </a:effectLst>
         </p:spPr>
         <p:style>
           <a:lnRef idx="2">
@@ -11856,20 +14914,62 @@
           <a:bodyPr rtlCol="0" anchor="ctr"/>
           <a:lstStyle/>
           <a:p>
-            <a:pPr algn="ctr"/>
-            <a:r>
-              <a:rPr lang="en-US" sz="1050" dirty="0"/>
-              <a:t>Products</a:t>
+            <a:pPr algn="ctr" defTabSz="914377" eaLnBrk="1" fontAlgn="auto" hangingPunct="1">
+              <a:spcBef>
+                <a:spcPts val="0"/>
+              </a:spcBef>
+              <a:spcAft>
+                <a:spcPts val="0"/>
+              </a:spcAft>
+            </a:pPr>
+            <a:r>
+              <a:rPr lang="en-US" sz="1100" dirty="0">
+                <a:solidFill>
+                  <a:schemeClr val="bg1"/>
+                </a:solidFill>
+                <a:latin typeface="Arial"/>
+              </a:rPr>
+              <a:t>BPM app</a:t>
             </a:r>
           </a:p>
         </p:txBody>
       </p:sp>
+      <p:pic>
+        <p:nvPicPr>
+          <p:cNvPr id="17" name="Picture 16">
+            <a:extLst>
+              <a:ext uri="{FF2B5EF4-FFF2-40B4-BE49-F238E27FC236}">
+                <a16:creationId xmlns:a16="http://schemas.microsoft.com/office/drawing/2014/main" id="{9DDF994C-5DE9-2A45-B3A5-92F9C720F89A}"/>
+              </a:ext>
+            </a:extLst>
+          </p:cNvPr>
+          <p:cNvPicPr>
+            <a:picLocks noChangeAspect="1"/>
+          </p:cNvPicPr>
+          <p:nvPr/>
+        </p:nvPicPr>
+        <p:blipFill>
+          <a:blip r:embed="rId4"/>
+          <a:stretch>
+            <a:fillRect/>
+          </a:stretch>
+        </p:blipFill>
+        <p:spPr>
+          <a:xfrm>
+            <a:off x="8397305" y="3783991"/>
+            <a:ext cx="872059" cy="879207"/>
+          </a:xfrm>
+          <a:prstGeom prst="rect">
+            <a:avLst/>
+          </a:prstGeom>
+        </p:spPr>
+      </p:pic>
       <p:sp>
         <p:nvSpPr>
-          <p:cNvPr id="26" name="Can 25">
-            <a:extLst>
-              <a:ext uri="{FF2B5EF4-FFF2-40B4-BE49-F238E27FC236}">
-                <a16:creationId xmlns:a16="http://schemas.microsoft.com/office/drawing/2014/main" id="{C76FA96E-8886-844E-B7DF-72302822FA58}"/>
+          <p:cNvPr id="19" name="Rectangle 18">
+            <a:extLst>
+              <a:ext uri="{FF2B5EF4-FFF2-40B4-BE49-F238E27FC236}">
+                <a16:creationId xmlns:a16="http://schemas.microsoft.com/office/drawing/2014/main" id="{D4819155-2316-6B42-9EA8-E0B6095A1869}"/>
               </a:ext>
             </a:extLst>
           </p:cNvPr>
@@ -11878,10 +14978,10 @@
         </p:nvSpPr>
         <p:spPr>
           <a:xfrm>
-            <a:off x="9647978" y="1498926"/>
-            <a:ext cx="914400" cy="624236"/>
-          </a:xfrm>
-          <a:prstGeom prst="can">
+            <a:off x="3635684" y="1296384"/>
+            <a:ext cx="1176988" cy="493916"/>
+          </a:xfrm>
+          <a:prstGeom prst="rect">
             <a:avLst/>
           </a:prstGeom>
           <a:solidFill>
@@ -11892,6 +14992,13 @@
           <a:ln>
             <a:noFill/>
           </a:ln>
+          <a:effectLst>
+            <a:outerShdw blurRad="50800" dist="38100" dir="5400000" algn="t" rotWithShape="0">
+              <a:prstClr val="black">
+                <a:alpha val="40000"/>
+              </a:prstClr>
+            </a:outerShdw>
+          </a:effectLst>
         </p:spPr>
         <p:style>
           <a:lnRef idx="2">
@@ -11913,6 +15020,586 @@
           <a:bodyPr rtlCol="0" anchor="ctr"/>
           <a:lstStyle/>
           <a:p>
+            <a:pPr algn="ctr" defTabSz="914377" eaLnBrk="1" fontAlgn="auto" hangingPunct="1">
+              <a:spcBef>
+                <a:spcPts val="0"/>
+              </a:spcBef>
+              <a:spcAft>
+                <a:spcPts val="0"/>
+              </a:spcAft>
+            </a:pPr>
+            <a:r>
+              <a:rPr lang="en-US" sz="1100" dirty="0">
+                <a:solidFill>
+                  <a:schemeClr val="bg1"/>
+                </a:solidFill>
+                <a:latin typeface="Arial"/>
+              </a:rPr>
+              <a:t>Container MS</a:t>
+            </a:r>
+          </a:p>
+        </p:txBody>
+      </p:sp>
+      <p:sp>
+        <p:nvSpPr>
+          <p:cNvPr id="20" name="Rectangle 19">
+            <a:extLst>
+              <a:ext uri="{FF2B5EF4-FFF2-40B4-BE49-F238E27FC236}">
+                <a16:creationId xmlns:a16="http://schemas.microsoft.com/office/drawing/2014/main" id="{0548C9A6-D4D7-3B41-A314-52FC7BECD26B}"/>
+              </a:ext>
+            </a:extLst>
+          </p:cNvPr>
+          <p:cNvSpPr/>
+          <p:nvPr/>
+        </p:nvSpPr>
+        <p:spPr>
+          <a:xfrm>
+            <a:off x="3635684" y="1934856"/>
+            <a:ext cx="1176988" cy="493916"/>
+          </a:xfrm>
+          <a:prstGeom prst="rect">
+            <a:avLst/>
+          </a:prstGeom>
+          <a:solidFill>
+            <a:schemeClr val="bg1">
+              <a:lumMod val="65000"/>
+            </a:schemeClr>
+          </a:solidFill>
+          <a:ln>
+            <a:noFill/>
+          </a:ln>
+          <a:effectLst>
+            <a:outerShdw blurRad="50800" dist="38100" dir="5400000" algn="t" rotWithShape="0">
+              <a:prstClr val="black">
+                <a:alpha val="40000"/>
+              </a:prstClr>
+            </a:outerShdw>
+          </a:effectLst>
+        </p:spPr>
+        <p:style>
+          <a:lnRef idx="2">
+            <a:schemeClr val="accent1">
+              <a:shade val="50000"/>
+            </a:schemeClr>
+          </a:lnRef>
+          <a:fillRef idx="1">
+            <a:schemeClr val="accent1"/>
+          </a:fillRef>
+          <a:effectRef idx="0">
+            <a:schemeClr val="accent1"/>
+          </a:effectRef>
+          <a:fontRef idx="minor">
+            <a:schemeClr val="lt1"/>
+          </a:fontRef>
+        </p:style>
+        <p:txBody>
+          <a:bodyPr rtlCol="0" anchor="ctr"/>
+          <a:lstStyle/>
+          <a:p>
+            <a:pPr algn="ctr" defTabSz="914377" eaLnBrk="1" fontAlgn="auto" hangingPunct="1">
+              <a:spcBef>
+                <a:spcPts val="0"/>
+              </a:spcBef>
+              <a:spcAft>
+                <a:spcPts val="0"/>
+              </a:spcAft>
+            </a:pPr>
+            <a:r>
+              <a:rPr lang="en-US" sz="1100" dirty="0">
+                <a:solidFill>
+                  <a:schemeClr val="bg1"/>
+                </a:solidFill>
+                <a:latin typeface="Arial"/>
+              </a:rPr>
+              <a:t>Scoring MS</a:t>
+            </a:r>
+          </a:p>
+        </p:txBody>
+      </p:sp>
+      <p:sp>
+        <p:nvSpPr>
+          <p:cNvPr id="21" name="Rectangle 20">
+            <a:extLst>
+              <a:ext uri="{FF2B5EF4-FFF2-40B4-BE49-F238E27FC236}">
+                <a16:creationId xmlns:a16="http://schemas.microsoft.com/office/drawing/2014/main" id="{B6B125CD-26F1-0C46-A1C6-964C84F02100}"/>
+              </a:ext>
+            </a:extLst>
+          </p:cNvPr>
+          <p:cNvSpPr/>
+          <p:nvPr/>
+        </p:nvSpPr>
+        <p:spPr>
+          <a:xfrm>
+            <a:off x="5044923" y="1337793"/>
+            <a:ext cx="789271" cy="847653"/>
+          </a:xfrm>
+          <a:prstGeom prst="rect">
+            <a:avLst/>
+          </a:prstGeom>
+          <a:solidFill>
+            <a:schemeClr val="bg1">
+              <a:lumMod val="65000"/>
+            </a:schemeClr>
+          </a:solidFill>
+          <a:ln>
+            <a:noFill/>
+          </a:ln>
+          <a:effectLst>
+            <a:outerShdw blurRad="50800" dist="38100" dir="5400000" algn="t" rotWithShape="0">
+              <a:prstClr val="black">
+                <a:alpha val="40000"/>
+              </a:prstClr>
+            </a:outerShdw>
+          </a:effectLst>
+        </p:spPr>
+        <p:style>
+          <a:lnRef idx="2">
+            <a:schemeClr val="accent1">
+              <a:shade val="50000"/>
+            </a:schemeClr>
+          </a:lnRef>
+          <a:fillRef idx="1">
+            <a:schemeClr val="accent1"/>
+          </a:fillRef>
+          <a:effectRef idx="0">
+            <a:schemeClr val="accent1"/>
+          </a:effectRef>
+          <a:fontRef idx="minor">
+            <a:schemeClr val="lt1"/>
+          </a:fontRef>
+        </p:style>
+        <p:txBody>
+          <a:bodyPr rtlCol="0" anchor="ctr"/>
+          <a:lstStyle/>
+          <a:p>
+            <a:pPr algn="ctr" defTabSz="914377" eaLnBrk="1" fontAlgn="auto" hangingPunct="1">
+              <a:spcBef>
+                <a:spcPts val="0"/>
+              </a:spcBef>
+              <a:spcAft>
+                <a:spcPts val="0"/>
+              </a:spcAft>
+            </a:pPr>
+            <a:r>
+              <a:rPr lang="en-US" sz="1100" dirty="0">
+                <a:solidFill>
+                  <a:schemeClr val="bg1"/>
+                </a:solidFill>
+                <a:latin typeface="Arial"/>
+              </a:rPr>
+              <a:t>Reefer Simulator</a:t>
+            </a:r>
+          </a:p>
+        </p:txBody>
+      </p:sp>
+      <p:pic>
+        <p:nvPicPr>
+          <p:cNvPr id="22" name="Picture 21">
+            <a:extLst>
+              <a:ext uri="{FF2B5EF4-FFF2-40B4-BE49-F238E27FC236}">
+                <a16:creationId xmlns:a16="http://schemas.microsoft.com/office/drawing/2014/main" id="{6180B364-6A99-BB4D-AF7A-6B99AED8C89F}"/>
+              </a:ext>
+            </a:extLst>
+          </p:cNvPr>
+          <p:cNvPicPr>
+            <a:picLocks noChangeAspect="1"/>
+          </p:cNvPicPr>
+          <p:nvPr/>
+        </p:nvPicPr>
+        <p:blipFill>
+          <a:blip r:embed="rId5"/>
+          <a:stretch>
+            <a:fillRect/>
+          </a:stretch>
+        </p:blipFill>
+        <p:spPr>
+          <a:xfrm>
+            <a:off x="214126" y="1310363"/>
+            <a:ext cx="757383" cy="708344"/>
+          </a:xfrm>
+          <a:prstGeom prst="rect">
+            <a:avLst/>
+          </a:prstGeom>
+        </p:spPr>
+      </p:pic>
+      <p:sp>
+        <p:nvSpPr>
+          <p:cNvPr id="18" name="AutoShape 4">
+            <a:extLst>
+              <a:ext uri="{FF2B5EF4-FFF2-40B4-BE49-F238E27FC236}">
+                <a16:creationId xmlns:a16="http://schemas.microsoft.com/office/drawing/2014/main" id="{8D43774D-113F-284E-9714-AD2B4738C279}"/>
+              </a:ext>
+            </a:extLst>
+          </p:cNvPr>
+          <p:cNvSpPr>
+            <a:spLocks noChangeArrowheads="1"/>
+          </p:cNvSpPr>
+          <p:nvPr/>
+        </p:nvSpPr>
+        <p:spPr bwMode="auto">
+          <a:xfrm>
+            <a:off x="8379534" y="1236452"/>
+            <a:ext cx="2751341" cy="2068591"/>
+          </a:xfrm>
+          <a:prstGeom prst="roundRect">
+            <a:avLst>
+              <a:gd name="adj" fmla="val 7117"/>
+            </a:avLst>
+          </a:prstGeom>
+          <a:noFill/>
+          <a:ln w="12700">
+            <a:solidFill>
+              <a:srgbClr val="5596E6">
+                <a:lumMod val="50000"/>
+              </a:srgbClr>
+            </a:solidFill>
+            <a:prstDash val="dash"/>
+            <a:round/>
+            <a:headEnd/>
+            <a:tailEnd/>
+          </a:ln>
+        </p:spPr>
+        <p:txBody>
+          <a:bodyPr lIns="0" tIns="0" rIns="0" bIns="0" anchor="b" anchorCtr="1"/>
+          <a:lstStyle/>
+          <a:p>
+            <a:pPr algn="ctr" defTabSz="1219170" eaLnBrk="1" fontAlgn="auto" hangingPunct="1">
+              <a:spcBef>
+                <a:spcPts val="0"/>
+              </a:spcBef>
+              <a:spcAft>
+                <a:spcPts val="0"/>
+              </a:spcAft>
+              <a:defRPr/>
+            </a:pPr>
+            <a:r>
+              <a:rPr lang="en-US" sz="1333" kern="0" dirty="0">
+                <a:solidFill>
+                  <a:srgbClr val="6D7777"/>
+                </a:solidFill>
+              </a:rPr>
+              <a:t>IBM Cloud Services</a:t>
+            </a:r>
+          </a:p>
+        </p:txBody>
+      </p:sp>
+      <p:pic>
+        <p:nvPicPr>
+          <p:cNvPr id="23" name="Picture 22">
+            <a:extLst>
+              <a:ext uri="{FF2B5EF4-FFF2-40B4-BE49-F238E27FC236}">
+                <a16:creationId xmlns:a16="http://schemas.microsoft.com/office/drawing/2014/main" id="{D977B549-C017-CC48-AFAA-4364DABE7912}"/>
+              </a:ext>
+            </a:extLst>
+          </p:cNvPr>
+          <p:cNvPicPr>
+            <a:picLocks noChangeAspect="1"/>
+          </p:cNvPicPr>
+          <p:nvPr/>
+        </p:nvPicPr>
+        <p:blipFill>
+          <a:blip r:embed="rId6"/>
+          <a:stretch>
+            <a:fillRect/>
+          </a:stretch>
+        </p:blipFill>
+        <p:spPr>
+          <a:xfrm>
+            <a:off x="8514257" y="2290236"/>
+            <a:ext cx="638156" cy="680700"/>
+          </a:xfrm>
+          <a:prstGeom prst="rect">
+            <a:avLst/>
+          </a:prstGeom>
+        </p:spPr>
+      </p:pic>
+      <p:pic>
+        <p:nvPicPr>
+          <p:cNvPr id="3" name="Picture 2">
+            <a:extLst>
+              <a:ext uri="{FF2B5EF4-FFF2-40B4-BE49-F238E27FC236}">
+                <a16:creationId xmlns:a16="http://schemas.microsoft.com/office/drawing/2014/main" id="{ABA28C0D-1764-8849-84FC-B3C189A10D93}"/>
+              </a:ext>
+            </a:extLst>
+          </p:cNvPr>
+          <p:cNvPicPr>
+            <a:picLocks noChangeAspect="1"/>
+          </p:cNvPicPr>
+          <p:nvPr/>
+        </p:nvPicPr>
+        <p:blipFill>
+          <a:blip r:embed="rId7"/>
+          <a:stretch>
+            <a:fillRect/>
+          </a:stretch>
+        </p:blipFill>
+        <p:spPr>
+          <a:xfrm>
+            <a:off x="9478011" y="2381855"/>
+            <a:ext cx="1195924" cy="361792"/>
+          </a:xfrm>
+          <a:prstGeom prst="rect">
+            <a:avLst/>
+          </a:prstGeom>
+        </p:spPr>
+      </p:pic>
+      <p:sp>
+        <p:nvSpPr>
+          <p:cNvPr id="24" name="AutoShape 4">
+            <a:extLst>
+              <a:ext uri="{FF2B5EF4-FFF2-40B4-BE49-F238E27FC236}">
+                <a16:creationId xmlns:a16="http://schemas.microsoft.com/office/drawing/2014/main" id="{AD504402-C6A2-924C-8A78-EAFFEBD045B6}"/>
+              </a:ext>
+            </a:extLst>
+          </p:cNvPr>
+          <p:cNvSpPr>
+            <a:spLocks noChangeArrowheads="1"/>
+          </p:cNvSpPr>
+          <p:nvPr/>
+        </p:nvSpPr>
+        <p:spPr bwMode="auto">
+          <a:xfrm>
+            <a:off x="173537" y="1236452"/>
+            <a:ext cx="5808221" cy="1396809"/>
+          </a:xfrm>
+          <a:prstGeom prst="roundRect">
+            <a:avLst>
+              <a:gd name="adj" fmla="val 7117"/>
+            </a:avLst>
+          </a:prstGeom>
+          <a:noFill/>
+          <a:ln w="12700">
+            <a:solidFill>
+              <a:srgbClr val="5596E6">
+                <a:lumMod val="50000"/>
+              </a:srgbClr>
+            </a:solidFill>
+            <a:prstDash val="dash"/>
+            <a:round/>
+            <a:headEnd/>
+            <a:tailEnd/>
+          </a:ln>
+        </p:spPr>
+        <p:txBody>
+          <a:bodyPr lIns="0" tIns="0" rIns="0" bIns="0" anchor="b" anchorCtr="1"/>
+          <a:lstStyle/>
+          <a:p>
+            <a:pPr algn="ctr" defTabSz="1219170" eaLnBrk="1" fontAlgn="auto" hangingPunct="1">
+              <a:spcBef>
+                <a:spcPts val="0"/>
+              </a:spcBef>
+              <a:spcAft>
+                <a:spcPts val="0"/>
+              </a:spcAft>
+              <a:defRPr/>
+            </a:pPr>
+            <a:r>
+              <a:rPr lang="en-US" sz="1333" kern="0" dirty="0">
+                <a:solidFill>
+                  <a:srgbClr val="6D7777"/>
+                </a:solidFill>
+              </a:rPr>
+              <a:t>Application</a:t>
+            </a:r>
+          </a:p>
+        </p:txBody>
+      </p:sp>
+      <p:pic>
+        <p:nvPicPr>
+          <p:cNvPr id="8" name="Picture 7">
+            <a:extLst>
+              <a:ext uri="{FF2B5EF4-FFF2-40B4-BE49-F238E27FC236}">
+                <a16:creationId xmlns:a16="http://schemas.microsoft.com/office/drawing/2014/main" id="{00C25598-E1AE-D042-A098-AD7282AD84D3}"/>
+              </a:ext>
+            </a:extLst>
+          </p:cNvPr>
+          <p:cNvPicPr>
+            <a:picLocks noChangeAspect="1"/>
+          </p:cNvPicPr>
+          <p:nvPr/>
+        </p:nvPicPr>
+        <p:blipFill>
+          <a:blip r:embed="rId8"/>
+          <a:stretch>
+            <a:fillRect/>
+          </a:stretch>
+        </p:blipFill>
+        <p:spPr>
+          <a:xfrm>
+            <a:off x="1098626" y="1413844"/>
+            <a:ext cx="1017805" cy="250691"/>
+          </a:xfrm>
+          <a:prstGeom prst="rect">
+            <a:avLst/>
+          </a:prstGeom>
+        </p:spPr>
+      </p:pic>
+      <p:pic>
+        <p:nvPicPr>
+          <p:cNvPr id="9" name="Picture 8">
+            <a:extLst>
+              <a:ext uri="{FF2B5EF4-FFF2-40B4-BE49-F238E27FC236}">
+                <a16:creationId xmlns:a16="http://schemas.microsoft.com/office/drawing/2014/main" id="{2AFB0734-EBE0-9A4F-9158-C224FC4C668A}"/>
+              </a:ext>
+            </a:extLst>
+          </p:cNvPr>
+          <p:cNvPicPr>
+            <a:picLocks noChangeAspect="1"/>
+          </p:cNvPicPr>
+          <p:nvPr/>
+        </p:nvPicPr>
+        <p:blipFill>
+          <a:blip r:embed="rId9"/>
+          <a:stretch>
+            <a:fillRect/>
+          </a:stretch>
+        </p:blipFill>
+        <p:spPr>
+          <a:xfrm>
+            <a:off x="1061125" y="1752171"/>
+            <a:ext cx="1028700" cy="406400"/>
+          </a:xfrm>
+          <a:prstGeom prst="rect">
+            <a:avLst/>
+          </a:prstGeom>
+        </p:spPr>
+      </p:pic>
+      <p:pic>
+        <p:nvPicPr>
+          <p:cNvPr id="10" name="Picture 9">
+            <a:extLst>
+              <a:ext uri="{FF2B5EF4-FFF2-40B4-BE49-F238E27FC236}">
+                <a16:creationId xmlns:a16="http://schemas.microsoft.com/office/drawing/2014/main" id="{4FF7CDD6-DEE4-4A47-A599-1E0576D6D906}"/>
+              </a:ext>
+            </a:extLst>
+          </p:cNvPr>
+          <p:cNvPicPr>
+            <a:picLocks noChangeAspect="1"/>
+          </p:cNvPicPr>
+          <p:nvPr/>
+        </p:nvPicPr>
+        <p:blipFill>
+          <a:blip r:embed="rId10"/>
+          <a:stretch>
+            <a:fillRect/>
+          </a:stretch>
+        </p:blipFill>
+        <p:spPr>
+          <a:xfrm>
+            <a:off x="1061125" y="2190079"/>
+            <a:ext cx="1176988" cy="238442"/>
+          </a:xfrm>
+          <a:prstGeom prst="rect">
+            <a:avLst/>
+          </a:prstGeom>
+        </p:spPr>
+      </p:pic>
+      <p:sp>
+        <p:nvSpPr>
+          <p:cNvPr id="16" name="Can 15">
+            <a:extLst>
+              <a:ext uri="{FF2B5EF4-FFF2-40B4-BE49-F238E27FC236}">
+                <a16:creationId xmlns:a16="http://schemas.microsoft.com/office/drawing/2014/main" id="{EA17D912-4411-3743-9FFD-8CFBE1DBC488}"/>
+              </a:ext>
+            </a:extLst>
+          </p:cNvPr>
+          <p:cNvSpPr/>
+          <p:nvPr/>
+        </p:nvSpPr>
+        <p:spPr>
+          <a:xfrm>
+            <a:off x="8490168" y="1498926"/>
+            <a:ext cx="914400" cy="624236"/>
+          </a:xfrm>
+          <a:prstGeom prst="can">
+            <a:avLst/>
+          </a:prstGeom>
+          <a:solidFill>
+            <a:schemeClr val="bg1">
+              <a:lumMod val="65000"/>
+            </a:schemeClr>
+          </a:solidFill>
+          <a:ln>
+            <a:noFill/>
+          </a:ln>
+        </p:spPr>
+        <p:style>
+          <a:lnRef idx="2">
+            <a:schemeClr val="accent1">
+              <a:shade val="50000"/>
+            </a:schemeClr>
+          </a:lnRef>
+          <a:fillRef idx="1">
+            <a:schemeClr val="accent1"/>
+          </a:fillRef>
+          <a:effectRef idx="0">
+            <a:schemeClr val="accent1"/>
+          </a:effectRef>
+          <a:fontRef idx="minor">
+            <a:schemeClr val="lt1"/>
+          </a:fontRef>
+        </p:style>
+        <p:txBody>
+          <a:bodyPr rtlCol="0" anchor="ctr"/>
+          <a:lstStyle/>
+          <a:p>
+            <a:pPr algn="ctr"/>
+            <a:r>
+              <a:rPr lang="en-US" sz="1050" dirty="0"/>
+              <a:t>Products</a:t>
+            </a:r>
+          </a:p>
+        </p:txBody>
+      </p:sp>
+      <p:sp>
+        <p:nvSpPr>
+          <p:cNvPr id="26" name="Can 25">
+            <a:extLst>
+              <a:ext uri="{FF2B5EF4-FFF2-40B4-BE49-F238E27FC236}">
+                <a16:creationId xmlns:a16="http://schemas.microsoft.com/office/drawing/2014/main" id="{C76FA96E-8886-844E-B7DF-72302822FA58}"/>
+              </a:ext>
+            </a:extLst>
+          </p:cNvPr>
+          <p:cNvSpPr/>
+          <p:nvPr/>
+        </p:nvSpPr>
+        <p:spPr>
+          <a:xfrm>
+            <a:off x="9647978" y="1498926"/>
+            <a:ext cx="914400" cy="624236"/>
+          </a:xfrm>
+          <a:prstGeom prst="can">
+            <a:avLst/>
+          </a:prstGeom>
+          <a:solidFill>
+            <a:schemeClr val="bg1">
+              <a:lumMod val="65000"/>
+            </a:schemeClr>
+          </a:solidFill>
+          <a:ln>
+            <a:noFill/>
+          </a:ln>
+        </p:spPr>
+        <p:style>
+          <a:lnRef idx="2">
+            <a:schemeClr val="accent1">
+              <a:shade val="50000"/>
+            </a:schemeClr>
+          </a:lnRef>
+          <a:fillRef idx="1">
+            <a:schemeClr val="accent1"/>
+          </a:fillRef>
+          <a:effectRef idx="0">
+            <a:schemeClr val="accent1"/>
+          </a:effectRef>
+          <a:fontRef idx="minor">
+            <a:schemeClr val="lt1"/>
+          </a:fontRef>
+        </p:style>
+        <p:txBody>
+          <a:bodyPr rtlCol="0" anchor="ctr"/>
+          <a:lstStyle/>
+          <a:p>
             <a:pPr algn="ctr"/>
             <a:r>
               <a:rPr lang="en-US" sz="1100" dirty="0"/>
@@ -11938,7 +15625,7 @@
         <p:spPr bwMode="auto">
           <a:xfrm>
             <a:off x="205115" y="2937885"/>
-            <a:ext cx="5776643" cy="1118386"/>
+            <a:ext cx="5776643" cy="1043913"/>
           </a:xfrm>
           <a:prstGeom prst="roundRect">
             <a:avLst>
@@ -12495,7 +16182,7 @@
           <a:bodyPr lIns="0" tIns="0" rIns="0" bIns="0" anchor="b" anchorCtr="1"/>
           <a:lstStyle/>
           <a:p>
-            <a:pPr algn="ctr" defTabSz="1219170" eaLnBrk="1" fontAlgn="auto" hangingPunct="1">
+            <a:pPr defTabSz="1219170" eaLnBrk="1" fontAlgn="auto" hangingPunct="1">
               <a:spcBef>
                 <a:spcPts val="0"/>
               </a:spcBef>
@@ -12559,7 +16246,7 @@
 </p:sld>
 </file>
 
-<file path=ppt/slides/slide4.xml><?xml version="1.0" encoding="utf-8"?>
+<file path=ppt/slides/slide5.xml><?xml version="1.0" encoding="utf-8"?>
 <p:sld xmlns:a="http://schemas.openxmlformats.org/drawingml/2006/main" xmlns:r="http://schemas.openxmlformats.org/officeDocument/2006/relationships" xmlns:p="http://schemas.openxmlformats.org/presentationml/2006/main">
   <p:cSld>
     <p:spTree>
@@ -12628,7 +16315,7 @@
             <a:fld id="{86CB4B4D-7CA3-9044-876B-883B54F8677D}" type="slidenum">
               <a:rPr lang="en-US" smtClean="0"/>
               <a:pPr/>
-              <a:t>4</a:t>
+              <a:t>5</a:t>
             </a:fld>
             <a:endParaRPr lang="en-US"/>
           </a:p>
@@ -14795,7 +18482,7 @@
 </p:sld>
 </file>
 
-<file path=ppt/slides/slide5.xml><?xml version="1.0" encoding="utf-8"?>
+<file path=ppt/slides/slide6.xml><?xml version="1.0" encoding="utf-8"?>
 <p:sld xmlns:a="http://schemas.openxmlformats.org/drawingml/2006/main" xmlns:r="http://schemas.openxmlformats.org/officeDocument/2006/relationships" xmlns:p="http://schemas.openxmlformats.org/presentationml/2006/main">
   <p:cSld>
     <p:spTree>
@@ -14865,7 +18552,7 @@
             <a:fld id="{86CB4B4D-7CA3-9044-876B-883B54F8677D}" type="slidenum">
               <a:rPr lang="en-US" smtClean="0"/>
               <a:pPr/>
-              <a:t>5</a:t>
+              <a:t>6</a:t>
             </a:fld>
             <a:endParaRPr lang="en-US"/>
           </a:p>
@@ -16339,7 +20026,7 @@
 </p:sld>
 </file>
 
-<file path=ppt/slides/slide6.xml><?xml version="1.0" encoding="utf-8"?>
+<file path=ppt/slides/slide7.xml><?xml version="1.0" encoding="utf-8"?>
 <p:sld xmlns:a="http://schemas.openxmlformats.org/drawingml/2006/main" xmlns:r="http://schemas.openxmlformats.org/officeDocument/2006/relationships" xmlns:p="http://schemas.openxmlformats.org/presentationml/2006/main">
   <p:cSld>
     <p:spTree>
@@ -17515,7 +21202,7 @@
             <a:effectLst/>
             <a:extLst>
               <a:ext uri="{C572A759-6A51-4108-AA02-DFA0A04FC94B}">
-                <ma14:wrappingTextBoxFlag xmlns="" xmlns:ma14="http://schemas.microsoft.com/office/mac/drawingml/2011/main" val="1"/>
+                <ma14:wrappingTextBoxFlag xmlns:ma14="http://schemas.microsoft.com/office/mac/drawingml/2011/main" xmlns="" val="1"/>
               </a:ext>
             </a:extLst>
           </p:spPr>
@@ -19645,7 +23332,7 @@
             <a:effectLst/>
             <a:extLst>
               <a:ext uri="{C572A759-6A51-4108-AA02-DFA0A04FC94B}">
-                <ma14:wrappingTextBoxFlag xmlns="" xmlns:ma14="http://schemas.microsoft.com/office/mac/drawingml/2011/main" val="1"/>
+                <ma14:wrappingTextBoxFlag xmlns:ma14="http://schemas.microsoft.com/office/mac/drawingml/2011/main" xmlns="" val="1"/>
               </a:ext>
             </a:extLst>
           </p:spPr>
@@ -21264,7 +24951,7 @@
 </p:sld>
 </file>
 
-<file path=ppt/slides/slide7.xml><?xml version="1.0" encoding="utf-8"?>
+<file path=ppt/slides/slide8.xml><?xml version="1.0" encoding="utf-8"?>
 <p:sld xmlns:a="http://schemas.openxmlformats.org/drawingml/2006/main" xmlns:r="http://schemas.openxmlformats.org/officeDocument/2006/relationships" xmlns:p="http://schemas.openxmlformats.org/presentationml/2006/main">
   <p:cSld>
     <p:spTree>
@@ -21494,7 +25181,7 @@
                 </a:solidFill>
               </a:rPr>
               <a:pPr/>
-              <a:t>7</a:t>
+              <a:t>8</a:t>
             </a:fld>
             <a:endParaRPr lang="en-US">
               <a:solidFill>
@@ -23789,7 +27476,7 @@
             <a:pPr algn="ctr"/>
             <a:r>
               <a:rPr lang="en-US" sz="1600" dirty="0"/>
-              <a:t>Anomaly Detection Scoring</a:t>
+              <a:t>Reefer Telemetry Agent</a:t>
             </a:r>
           </a:p>
         </p:txBody>
@@ -23999,7 +27686,7 @@
             <a:pPr algn="ctr"/>
             <a:r>
               <a:rPr lang="en-US" sz="1400" dirty="0"/>
-              <a:t>5</a:t>
+              <a:t>6</a:t>
             </a:r>
           </a:p>
         </p:txBody>
@@ -24056,7 +27743,7 @@
             <a:pPr algn="ctr"/>
             <a:r>
               <a:rPr lang="en-US" sz="1400" dirty="0"/>
-              <a:t>6</a:t>
+              <a:t>7</a:t>
             </a:r>
           </a:p>
         </p:txBody>
@@ -24308,6 +27995,7 @@
               <a:srgbClr val="7030A0"/>
             </a:solidFill>
             <a:prstDash val="solid"/>
+            <a:headEnd type="none"/>
             <a:tailEnd type="triangle"/>
           </a:ln>
         </p:spPr>
@@ -24378,7 +28066,7 @@
             <a:pPr algn="ctr"/>
             <a:r>
               <a:rPr lang="en-US" sz="1400" dirty="0"/>
-              <a:t>7</a:t>
+              <a:t>8</a:t>
             </a:r>
           </a:p>
         </p:txBody>
@@ -24563,6 +28251,170 @@
           </a:prstGeom>
         </p:spPr>
       </p:pic>
+      <p:sp>
+        <p:nvSpPr>
+          <p:cNvPr id="75" name="Rectangle 74">
+            <a:extLst>
+              <a:ext uri="{FF2B5EF4-FFF2-40B4-BE49-F238E27FC236}">
+                <a16:creationId xmlns:a16="http://schemas.microsoft.com/office/drawing/2014/main" id="{EC678708-DBE2-FB4A-8402-72AA3AF99F1A}"/>
+              </a:ext>
+            </a:extLst>
+          </p:cNvPr>
+          <p:cNvSpPr/>
+          <p:nvPr/>
+        </p:nvSpPr>
+        <p:spPr>
+          <a:xfrm>
+            <a:off x="9802366" y="2089213"/>
+            <a:ext cx="2037645" cy="1044724"/>
+          </a:xfrm>
+          <a:prstGeom prst="rect">
+            <a:avLst/>
+          </a:prstGeom>
+          <a:solidFill>
+            <a:schemeClr val="accent5">
+              <a:lumMod val="75000"/>
+            </a:schemeClr>
+          </a:solidFill>
+          <a:ln>
+            <a:noFill/>
+          </a:ln>
+        </p:spPr>
+        <p:style>
+          <a:lnRef idx="2">
+            <a:schemeClr val="accent1">
+              <a:shade val="50000"/>
+            </a:schemeClr>
+          </a:lnRef>
+          <a:fillRef idx="1">
+            <a:schemeClr val="accent1"/>
+          </a:fillRef>
+          <a:effectRef idx="0">
+            <a:schemeClr val="accent1"/>
+          </a:effectRef>
+          <a:fontRef idx="minor">
+            <a:schemeClr val="lt1"/>
+          </a:fontRef>
+        </p:style>
+        <p:txBody>
+          <a:bodyPr rtlCol="0" anchor="ctr"/>
+          <a:lstStyle/>
+          <a:p>
+            <a:pPr algn="ctr"/>
+            <a:r>
+              <a:rPr lang="en-US" sz="1600" dirty="0"/>
+              <a:t>Anomaly Detection Scoring WML</a:t>
+            </a:r>
+          </a:p>
+        </p:txBody>
+      </p:sp>
+      <p:sp>
+        <p:nvSpPr>
+          <p:cNvPr id="76" name="Oval 75">
+            <a:extLst>
+              <a:ext uri="{FF2B5EF4-FFF2-40B4-BE49-F238E27FC236}">
+                <a16:creationId xmlns:a16="http://schemas.microsoft.com/office/drawing/2014/main" id="{9AD8634B-18BC-FE45-AD6C-0C83126CCE81}"/>
+              </a:ext>
+            </a:extLst>
+          </p:cNvPr>
+          <p:cNvSpPr/>
+          <p:nvPr/>
+        </p:nvSpPr>
+        <p:spPr>
+          <a:xfrm>
+            <a:off x="11237668" y="3070051"/>
+            <a:ext cx="493464" cy="493464"/>
+          </a:xfrm>
+          <a:prstGeom prst="ellipse">
+            <a:avLst/>
+          </a:prstGeom>
+          <a:solidFill>
+            <a:schemeClr val="tx2">
+              <a:lumMod val="75000"/>
+            </a:schemeClr>
+          </a:solidFill>
+          <a:ln>
+            <a:noFill/>
+          </a:ln>
+        </p:spPr>
+        <p:style>
+          <a:lnRef idx="2">
+            <a:schemeClr val="accent1">
+              <a:shade val="50000"/>
+            </a:schemeClr>
+          </a:lnRef>
+          <a:fillRef idx="1">
+            <a:schemeClr val="accent1"/>
+          </a:fillRef>
+          <a:effectRef idx="0">
+            <a:schemeClr val="accent1"/>
+          </a:effectRef>
+          <a:fontRef idx="minor">
+            <a:schemeClr val="lt1"/>
+          </a:fontRef>
+        </p:style>
+        <p:txBody>
+          <a:bodyPr rtlCol="0" anchor="ctr"/>
+          <a:lstStyle/>
+          <a:p>
+            <a:pPr algn="ctr"/>
+            <a:r>
+              <a:rPr lang="en-US" sz="1400" dirty="0"/>
+              <a:t>5</a:t>
+            </a:r>
+          </a:p>
+        </p:txBody>
+      </p:sp>
+      <p:cxnSp>
+        <p:nvCxnSpPr>
+          <p:cNvPr id="77" name="Elbow Connector 76">
+            <a:extLst>
+              <a:ext uri="{FF2B5EF4-FFF2-40B4-BE49-F238E27FC236}">
+                <a16:creationId xmlns:a16="http://schemas.microsoft.com/office/drawing/2014/main" id="{1052642A-8F1E-CB43-8172-E55AB139C95F}"/>
+              </a:ext>
+            </a:extLst>
+          </p:cNvPr>
+          <p:cNvCxnSpPr>
+            <a:cxnSpLocks/>
+            <a:stCxn id="59" idx="3"/>
+            <a:endCxn id="75" idx="1"/>
+          </p:cNvCxnSpPr>
+          <p:nvPr/>
+        </p:nvCxnSpPr>
+        <p:spPr>
+          <a:xfrm>
+            <a:off x="8901837" y="2128258"/>
+            <a:ext cx="900529" cy="483317"/>
+          </a:xfrm>
+          <a:prstGeom prst="bentConnector3">
+            <a:avLst>
+              <a:gd name="adj1" fmla="val 50000"/>
+            </a:avLst>
+          </a:prstGeom>
+          <a:ln w="25400">
+            <a:solidFill>
+              <a:srgbClr val="7030A0"/>
+            </a:solidFill>
+            <a:prstDash val="solid"/>
+            <a:headEnd type="triangle"/>
+            <a:tailEnd type="triangle"/>
+          </a:ln>
+        </p:spPr>
+        <p:style>
+          <a:lnRef idx="1">
+            <a:schemeClr val="accent1"/>
+          </a:lnRef>
+          <a:fillRef idx="0">
+            <a:schemeClr val="accent1"/>
+          </a:fillRef>
+          <a:effectRef idx="0">
+            <a:schemeClr val="accent1"/>
+          </a:effectRef>
+          <a:fontRef idx="minor">
+            <a:schemeClr val="tx1"/>
+          </a:fontRef>
+        </p:style>
+      </p:cxnSp>
     </p:spTree>
     <p:extLst>
       <p:ext uri="{BB962C8B-B14F-4D97-AF65-F5344CB8AC3E}">
@@ -24576,7 +28428,7 @@
 </p:sld>
 </file>
 
-<file path=ppt/slides/slide8.xml><?xml version="1.0" encoding="utf-8"?>
+<file path=ppt/slides/slide9.xml><?xml version="1.0" encoding="utf-8"?>
 <p:sld xmlns:a="http://schemas.openxmlformats.org/drawingml/2006/main" xmlns:r="http://schemas.openxmlformats.org/officeDocument/2006/relationships" xmlns:p="http://schemas.openxmlformats.org/presentationml/2006/main">
   <p:cSld>
     <p:spTree>
@@ -24806,7 +28658,7 @@
                 </a:solidFill>
               </a:rPr>
               <a:pPr/>
-              <a:t>8</a:t>
+              <a:t>9</a:t>
             </a:fld>
             <a:endParaRPr lang="en-US">
               <a:solidFill>
@@ -27879,1804 +31731,6 @@
     <p:extLst>
       <p:ext uri="{BB962C8B-B14F-4D97-AF65-F5344CB8AC3E}">
         <p14:creationId xmlns:p14="http://schemas.microsoft.com/office/powerpoint/2010/main" val="3148561853"/>
-      </p:ext>
-    </p:extLst>
-  </p:cSld>
-  <p:clrMapOvr>
-    <a:masterClrMapping/>
-  </p:clrMapOvr>
-</p:sld>
-</file>
-
-<file path=ppt/slides/slide9.xml><?xml version="1.0" encoding="utf-8"?>
-<p:sld xmlns:a="http://schemas.openxmlformats.org/drawingml/2006/main" xmlns:r="http://schemas.openxmlformats.org/officeDocument/2006/relationships" xmlns:p="http://schemas.openxmlformats.org/presentationml/2006/main">
-  <p:cSld>
-    <p:spTree>
-      <p:nvGrpSpPr>
-        <p:cNvPr id="1" name=""/>
-        <p:cNvGrpSpPr/>
-        <p:nvPr/>
-      </p:nvGrpSpPr>
-      <p:grpSpPr>
-        <a:xfrm>
-          <a:off x="0" y="0"/>
-          <a:ext cx="0" cy="0"/>
-          <a:chOff x="0" y="0"/>
-          <a:chExt cx="0" cy="0"/>
-        </a:xfrm>
-      </p:grpSpPr>
-      <p:sp>
-        <p:nvSpPr>
-          <p:cNvPr id="2" name="Title 1">
-            <a:extLst>
-              <a:ext uri="{FF2B5EF4-FFF2-40B4-BE49-F238E27FC236}">
-                <a16:creationId xmlns:a16="http://schemas.microsoft.com/office/drawing/2014/main" id="{83D72B5A-D2BF-0F41-AB02-0E3504265F76}"/>
-              </a:ext>
-            </a:extLst>
-          </p:cNvPr>
-          <p:cNvSpPr>
-            <a:spLocks noGrp="1"/>
-          </p:cNvSpPr>
-          <p:nvPr>
-            <p:ph type="title"/>
-          </p:nvPr>
-        </p:nvSpPr>
-        <p:spPr>
-          <a:xfrm>
-            <a:off x="288633" y="208582"/>
-            <a:ext cx="10515600" cy="521140"/>
-          </a:xfrm>
-        </p:spPr>
-        <p:txBody>
-          <a:bodyPr>
-            <a:normAutofit/>
-          </a:bodyPr>
-          <a:lstStyle/>
-          <a:p>
-            <a:r>
-              <a:rPr lang="en-US" sz="2400" dirty="0"/>
-              <a:t>Event Stream to long term Event Store for ML</a:t>
-            </a:r>
-          </a:p>
-        </p:txBody>
-      </p:sp>
-      <p:sp>
-        <p:nvSpPr>
-          <p:cNvPr id="4" name="Slide Number Placeholder 3">
-            <a:extLst>
-              <a:ext uri="{FF2B5EF4-FFF2-40B4-BE49-F238E27FC236}">
-                <a16:creationId xmlns:a16="http://schemas.microsoft.com/office/drawing/2014/main" id="{B1D66A27-027F-EA4A-B9BD-D02849496229}"/>
-              </a:ext>
-            </a:extLst>
-          </p:cNvPr>
-          <p:cNvSpPr>
-            <a:spLocks noGrp="1"/>
-          </p:cNvSpPr>
-          <p:nvPr>
-            <p:ph type="sldNum" sz="quarter" idx="12"/>
-          </p:nvPr>
-        </p:nvSpPr>
-        <p:spPr/>
-        <p:txBody>
-          <a:bodyPr/>
-          <a:lstStyle/>
-          <a:p>
-            <a:fld id="{C565C23E-6D76-459C-BC14-A9049E4EE889}" type="slidenum">
-              <a:rPr lang="en-US" smtClean="0"/>
-              <a:t>9</a:t>
-            </a:fld>
-            <a:endParaRPr lang="en-US"/>
-          </a:p>
-        </p:txBody>
-      </p:sp>
-      <p:sp>
-        <p:nvSpPr>
-          <p:cNvPr id="6" name="Rectangle 5">
-            <a:extLst>
-              <a:ext uri="{FF2B5EF4-FFF2-40B4-BE49-F238E27FC236}">
-                <a16:creationId xmlns:a16="http://schemas.microsoft.com/office/drawing/2014/main" id="{B53C0033-8D9E-604C-9B28-5FDD36C6C800}"/>
-              </a:ext>
-            </a:extLst>
-          </p:cNvPr>
-          <p:cNvSpPr/>
-          <p:nvPr/>
-        </p:nvSpPr>
-        <p:spPr>
-          <a:xfrm>
-            <a:off x="6118016" y="1616526"/>
-            <a:ext cx="3066325" cy="1525409"/>
-          </a:xfrm>
-          <a:prstGeom prst="rect">
-            <a:avLst/>
-          </a:prstGeom>
-          <a:noFill/>
-          <a:ln>
-            <a:prstDash val="dash"/>
-          </a:ln>
-        </p:spPr>
-        <p:style>
-          <a:lnRef idx="2">
-            <a:schemeClr val="accent1">
-              <a:shade val="50000"/>
-            </a:schemeClr>
-          </a:lnRef>
-          <a:fillRef idx="1">
-            <a:schemeClr val="accent1"/>
-          </a:fillRef>
-          <a:effectRef idx="0">
-            <a:schemeClr val="accent1"/>
-          </a:effectRef>
-          <a:fontRef idx="minor">
-            <a:schemeClr val="lt1"/>
-          </a:fontRef>
-        </p:style>
-        <p:txBody>
-          <a:bodyPr rtlCol="0" anchor="b"/>
-          <a:lstStyle/>
-          <a:p>
-            <a:pPr algn="ctr"/>
-            <a:r>
-              <a:rPr lang="en-US" sz="1200" dirty="0">
-                <a:solidFill>
-                  <a:schemeClr val="tx1"/>
-                </a:solidFill>
-              </a:rPr>
-              <a:t>Machine Learning Environment</a:t>
-            </a:r>
-          </a:p>
-        </p:txBody>
-      </p:sp>
-      <p:sp>
-        <p:nvSpPr>
-          <p:cNvPr id="8" name="Rectangle 7">
-            <a:extLst>
-              <a:ext uri="{FF2B5EF4-FFF2-40B4-BE49-F238E27FC236}">
-                <a16:creationId xmlns:a16="http://schemas.microsoft.com/office/drawing/2014/main" id="{FB63688E-FF28-D746-AC3D-3D2EFBDE0655}"/>
-              </a:ext>
-            </a:extLst>
-          </p:cNvPr>
-          <p:cNvSpPr/>
-          <p:nvPr/>
-        </p:nvSpPr>
-        <p:spPr>
-          <a:xfrm>
-            <a:off x="642258" y="1282632"/>
-            <a:ext cx="2008413" cy="1655634"/>
-          </a:xfrm>
-          <a:prstGeom prst="rect">
-            <a:avLst/>
-          </a:prstGeom>
-          <a:noFill/>
-          <a:ln>
-            <a:solidFill>
-              <a:schemeClr val="accent3"/>
-            </a:solidFill>
-            <a:prstDash val="dash"/>
-          </a:ln>
-        </p:spPr>
-        <p:style>
-          <a:lnRef idx="2">
-            <a:schemeClr val="accent1">
-              <a:shade val="50000"/>
-            </a:schemeClr>
-          </a:lnRef>
-          <a:fillRef idx="1">
-            <a:schemeClr val="accent1"/>
-          </a:fillRef>
-          <a:effectRef idx="0">
-            <a:schemeClr val="accent1"/>
-          </a:effectRef>
-          <a:fontRef idx="minor">
-            <a:schemeClr val="lt1"/>
-          </a:fontRef>
-        </p:style>
-        <p:txBody>
-          <a:bodyPr rtlCol="0" anchor="b"/>
-          <a:lstStyle/>
-          <a:p>
-            <a:pPr algn="ctr"/>
-            <a:r>
-              <a:rPr lang="en-US" sz="1200" dirty="0">
-                <a:solidFill>
-                  <a:schemeClr val="tx1"/>
-                </a:solidFill>
-              </a:rPr>
-              <a:t>Python</a:t>
-            </a:r>
-          </a:p>
-        </p:txBody>
-      </p:sp>
-      <p:sp>
-        <p:nvSpPr>
-          <p:cNvPr id="9" name="Rectangle 8">
-            <a:extLst>
-              <a:ext uri="{FF2B5EF4-FFF2-40B4-BE49-F238E27FC236}">
-                <a16:creationId xmlns:a16="http://schemas.microsoft.com/office/drawing/2014/main" id="{F1EEF6CD-0322-394A-87BF-5379FE8EE999}"/>
-              </a:ext>
-            </a:extLst>
-          </p:cNvPr>
-          <p:cNvSpPr/>
-          <p:nvPr/>
-        </p:nvSpPr>
-        <p:spPr>
-          <a:xfrm>
-            <a:off x="762000" y="1616527"/>
-            <a:ext cx="1703614" cy="914400"/>
-          </a:xfrm>
-          <a:prstGeom prst="rect">
-            <a:avLst/>
-          </a:prstGeom>
-          <a:solidFill>
-            <a:schemeClr val="accent5">
-              <a:lumMod val="75000"/>
-            </a:schemeClr>
-          </a:solidFill>
-          <a:ln>
-            <a:noFill/>
-          </a:ln>
-          <a:effectLst>
-            <a:outerShdw blurRad="50800" dist="38100" dir="5400000" algn="t" rotWithShape="0">
-              <a:prstClr val="black">
-                <a:alpha val="40000"/>
-              </a:prstClr>
-            </a:outerShdw>
-          </a:effectLst>
-        </p:spPr>
-        <p:style>
-          <a:lnRef idx="2">
-            <a:schemeClr val="accent1">
-              <a:shade val="50000"/>
-            </a:schemeClr>
-          </a:lnRef>
-          <a:fillRef idx="1">
-            <a:schemeClr val="accent1"/>
-          </a:fillRef>
-          <a:effectRef idx="0">
-            <a:schemeClr val="accent1"/>
-          </a:effectRef>
-          <a:fontRef idx="minor">
-            <a:schemeClr val="lt1"/>
-          </a:fontRef>
-        </p:style>
-        <p:txBody>
-          <a:bodyPr rtlCol="0" anchor="ctr"/>
-          <a:lstStyle/>
-          <a:p>
-            <a:pPr algn="ctr"/>
-            <a:r>
-              <a:rPr lang="en-US" sz="1400" dirty="0"/>
-              <a:t>SimulatorTool</a:t>
-            </a:r>
-          </a:p>
-        </p:txBody>
-      </p:sp>
-      <p:cxnSp>
-        <p:nvCxnSpPr>
-          <p:cNvPr id="46" name="Elbow Connector 45">
-            <a:extLst>
-              <a:ext uri="{FF2B5EF4-FFF2-40B4-BE49-F238E27FC236}">
-                <a16:creationId xmlns:a16="http://schemas.microsoft.com/office/drawing/2014/main" id="{B815F1F6-8EC9-A547-951A-6A6BA26A1B3E}"/>
-              </a:ext>
-            </a:extLst>
-          </p:cNvPr>
-          <p:cNvCxnSpPr>
-            <a:cxnSpLocks/>
-            <a:stCxn id="9" idx="3"/>
-            <a:endCxn id="59" idx="1"/>
-          </p:cNvCxnSpPr>
-          <p:nvPr/>
-        </p:nvCxnSpPr>
-        <p:spPr>
-          <a:xfrm>
-            <a:off x="2465614" y="2073727"/>
-            <a:ext cx="2093194" cy="516747"/>
-          </a:xfrm>
-          <a:prstGeom prst="bentConnector2">
-            <a:avLst/>
-          </a:prstGeom>
-          <a:ln w="12700">
-            <a:solidFill>
-              <a:schemeClr val="accent6"/>
-            </a:solidFill>
-            <a:tailEnd type="triangle"/>
-          </a:ln>
-          <a:effectLst/>
-        </p:spPr>
-        <p:style>
-          <a:lnRef idx="2">
-            <a:schemeClr val="accent1"/>
-          </a:lnRef>
-          <a:fillRef idx="0">
-            <a:schemeClr val="accent1"/>
-          </a:fillRef>
-          <a:effectRef idx="1">
-            <a:schemeClr val="accent1"/>
-          </a:effectRef>
-          <a:fontRef idx="minor">
-            <a:schemeClr val="tx1"/>
-          </a:fontRef>
-        </p:style>
-      </p:cxnSp>
-      <p:cxnSp>
-        <p:nvCxnSpPr>
-          <p:cNvPr id="71" name="Elbow Connector 70">
-            <a:extLst>
-              <a:ext uri="{FF2B5EF4-FFF2-40B4-BE49-F238E27FC236}">
-                <a16:creationId xmlns:a16="http://schemas.microsoft.com/office/drawing/2014/main" id="{9B3950A4-1025-DB48-B886-5945ADD35206}"/>
-              </a:ext>
-            </a:extLst>
-          </p:cNvPr>
-          <p:cNvCxnSpPr>
-            <a:cxnSpLocks/>
-            <a:stCxn id="45" idx="1"/>
-            <a:endCxn id="59" idx="4"/>
-          </p:cNvCxnSpPr>
-          <p:nvPr/>
-        </p:nvCxnSpPr>
-        <p:spPr>
-          <a:xfrm rot="10800000" flipV="1">
-            <a:off x="5157329" y="2100404"/>
-            <a:ext cx="1320870" cy="837862"/>
-          </a:xfrm>
-          <a:prstGeom prst="bentConnector3">
-            <a:avLst>
-              <a:gd name="adj1" fmla="val 50000"/>
-            </a:avLst>
-          </a:prstGeom>
-          <a:ln w="12700">
-            <a:solidFill>
-              <a:srgbClr val="7030A0"/>
-            </a:solidFill>
-            <a:headEnd type="triangle"/>
-            <a:tailEnd type="none"/>
-          </a:ln>
-          <a:effectLst/>
-        </p:spPr>
-        <p:style>
-          <a:lnRef idx="2">
-            <a:schemeClr val="accent1"/>
-          </a:lnRef>
-          <a:fillRef idx="0">
-            <a:schemeClr val="accent1"/>
-          </a:fillRef>
-          <a:effectRef idx="1">
-            <a:schemeClr val="accent1"/>
-          </a:effectRef>
-          <a:fontRef idx="minor">
-            <a:schemeClr val="tx1"/>
-          </a:fontRef>
-        </p:style>
-      </p:cxnSp>
-      <p:sp>
-        <p:nvSpPr>
-          <p:cNvPr id="45" name="Rounded Rectangle 44">
-            <a:extLst>
-              <a:ext uri="{FF2B5EF4-FFF2-40B4-BE49-F238E27FC236}">
-                <a16:creationId xmlns:a16="http://schemas.microsoft.com/office/drawing/2014/main" id="{F495E1A9-5EC6-5446-ACF5-3911A287BB83}"/>
-              </a:ext>
-            </a:extLst>
-          </p:cNvPr>
-          <p:cNvSpPr/>
-          <p:nvPr/>
-        </p:nvSpPr>
-        <p:spPr>
-          <a:xfrm>
-            <a:off x="6478199" y="1913633"/>
-            <a:ext cx="1749097" cy="373542"/>
-          </a:xfrm>
-          <a:prstGeom prst="roundRect">
-            <a:avLst>
-              <a:gd name="adj" fmla="val 9717"/>
-            </a:avLst>
-          </a:prstGeom>
-          <a:noFill/>
-          <a:ln w="12700">
-            <a:solidFill>
-              <a:schemeClr val="tx2">
-                <a:lumMod val="50000"/>
-              </a:schemeClr>
-            </a:solidFill>
-          </a:ln>
-          <a:effectLst/>
-        </p:spPr>
-        <p:style>
-          <a:lnRef idx="1">
-            <a:schemeClr val="dk1"/>
-          </a:lnRef>
-          <a:fillRef idx="2">
-            <a:schemeClr val="dk1"/>
-          </a:fillRef>
-          <a:effectRef idx="1">
-            <a:schemeClr val="dk1"/>
-          </a:effectRef>
-          <a:fontRef idx="minor">
-            <a:schemeClr val="dk1"/>
-          </a:fontRef>
-        </p:style>
-        <p:txBody>
-          <a:bodyPr rot="0" spcFirstLastPara="0" vertOverflow="overflow" horzOverflow="overflow" vert="horz" wrap="square" lIns="0" tIns="0" rIns="0" bIns="0" numCol="1" spcCol="0" rtlCol="0" fromWordArt="0" anchor="t" anchorCtr="0" forceAA="0" compatLnSpc="1">
-            <a:prstTxWarp prst="textNoShape">
-              <a:avLst/>
-            </a:prstTxWarp>
-            <a:noAutofit/>
-          </a:bodyPr>
-          <a:lstStyle/>
-          <a:p>
-            <a:r>
-              <a:rPr lang="en-US" sz="1200" baseline="0" dirty="0">
-                <a:solidFill>
-                  <a:schemeClr val="tx1"/>
-                </a:solidFill>
-                <a:latin typeface="IBM Plex Sans" panose="020B0503050203000203" pitchFamily="34" charset="77"/>
-                <a:cs typeface="Arial"/>
-              </a:rPr>
-              <a:t>Pandas DF</a:t>
-            </a:r>
-          </a:p>
-        </p:txBody>
-      </p:sp>
-      <p:sp>
-        <p:nvSpPr>
-          <p:cNvPr id="59" name="Can 58">
-            <a:extLst>
-              <a:ext uri="{FF2B5EF4-FFF2-40B4-BE49-F238E27FC236}">
-                <a16:creationId xmlns:a16="http://schemas.microsoft.com/office/drawing/2014/main" id="{BF8D5F17-7886-6A49-A326-AB3283F367DA}"/>
-              </a:ext>
-            </a:extLst>
-          </p:cNvPr>
-          <p:cNvSpPr/>
-          <p:nvPr/>
-        </p:nvSpPr>
-        <p:spPr>
-          <a:xfrm>
-            <a:off x="3960287" y="2590474"/>
-            <a:ext cx="1197042" cy="695584"/>
-          </a:xfrm>
-          <a:prstGeom prst="can">
-            <a:avLst/>
-          </a:prstGeom>
-          <a:solidFill>
-            <a:srgbClr val="009643"/>
-          </a:solidFill>
-          <a:ln>
-            <a:noFill/>
-          </a:ln>
-        </p:spPr>
-        <p:style>
-          <a:lnRef idx="2">
-            <a:schemeClr val="accent1">
-              <a:shade val="50000"/>
-            </a:schemeClr>
-          </a:lnRef>
-          <a:fillRef idx="1">
-            <a:schemeClr val="accent1"/>
-          </a:fillRef>
-          <a:effectRef idx="0">
-            <a:schemeClr val="accent1"/>
-          </a:effectRef>
-          <a:fontRef idx="minor">
-            <a:schemeClr val="lt1"/>
-          </a:fontRef>
-        </p:style>
-        <p:txBody>
-          <a:bodyPr rtlCol="0" anchor="ctr"/>
-          <a:lstStyle/>
-          <a:p>
-            <a:pPr algn="ctr"/>
-            <a:r>
-              <a:rPr lang="en-US" sz="1000" dirty="0"/>
-              <a:t>Reefer telemetries</a:t>
-            </a:r>
-          </a:p>
-        </p:txBody>
-      </p:sp>
-      <p:pic>
-        <p:nvPicPr>
-          <p:cNvPr id="3" name="Picture 2">
-            <a:extLst>
-              <a:ext uri="{FF2B5EF4-FFF2-40B4-BE49-F238E27FC236}">
-                <a16:creationId xmlns:a16="http://schemas.microsoft.com/office/drawing/2014/main" id="{528193D1-A620-354F-B6D2-B217C3C404BA}"/>
-              </a:ext>
-            </a:extLst>
-          </p:cNvPr>
-          <p:cNvPicPr>
-            <a:picLocks noChangeAspect="1"/>
-          </p:cNvPicPr>
-          <p:nvPr/>
-        </p:nvPicPr>
-        <p:blipFill>
-          <a:blip r:embed="rId2"/>
-          <a:stretch>
-            <a:fillRect/>
-          </a:stretch>
-        </p:blipFill>
-        <p:spPr>
-          <a:xfrm>
-            <a:off x="3707408" y="2785869"/>
-            <a:ext cx="296333" cy="643355"/>
-          </a:xfrm>
-          <a:prstGeom prst="rect">
-            <a:avLst/>
-          </a:prstGeom>
-        </p:spPr>
-      </p:pic>
-      <p:sp>
-        <p:nvSpPr>
-          <p:cNvPr id="14" name="Rectangle 13">
-            <a:extLst>
-              <a:ext uri="{FF2B5EF4-FFF2-40B4-BE49-F238E27FC236}">
-                <a16:creationId xmlns:a16="http://schemas.microsoft.com/office/drawing/2014/main" id="{FF73E72E-4933-814D-B024-C5BBC14F304D}"/>
-              </a:ext>
-            </a:extLst>
-          </p:cNvPr>
-          <p:cNvSpPr/>
-          <p:nvPr/>
-        </p:nvSpPr>
-        <p:spPr>
-          <a:xfrm>
-            <a:off x="523723" y="3653298"/>
-            <a:ext cx="2008413" cy="1655634"/>
-          </a:xfrm>
-          <a:prstGeom prst="rect">
-            <a:avLst/>
-          </a:prstGeom>
-          <a:noFill/>
-          <a:ln>
-            <a:solidFill>
-              <a:schemeClr val="accent3"/>
-            </a:solidFill>
-            <a:prstDash val="dash"/>
-          </a:ln>
-        </p:spPr>
-        <p:style>
-          <a:lnRef idx="2">
-            <a:schemeClr val="accent1">
-              <a:shade val="50000"/>
-            </a:schemeClr>
-          </a:lnRef>
-          <a:fillRef idx="1">
-            <a:schemeClr val="accent1"/>
-          </a:fillRef>
-          <a:effectRef idx="0">
-            <a:schemeClr val="accent1"/>
-          </a:effectRef>
-          <a:fontRef idx="minor">
-            <a:schemeClr val="lt1"/>
-          </a:fontRef>
-        </p:style>
-        <p:txBody>
-          <a:bodyPr rtlCol="0" anchor="b"/>
-          <a:lstStyle/>
-          <a:p>
-            <a:pPr algn="ctr"/>
-            <a:r>
-              <a:rPr lang="en-US" sz="1200" dirty="0">
-                <a:solidFill>
-                  <a:schemeClr val="tx1"/>
-                </a:solidFill>
-              </a:rPr>
-              <a:t>Python</a:t>
-            </a:r>
-          </a:p>
-        </p:txBody>
-      </p:sp>
-      <p:sp>
-        <p:nvSpPr>
-          <p:cNvPr id="15" name="Rectangle 14">
-            <a:extLst>
-              <a:ext uri="{FF2B5EF4-FFF2-40B4-BE49-F238E27FC236}">
-                <a16:creationId xmlns:a16="http://schemas.microsoft.com/office/drawing/2014/main" id="{8990AB5A-91EB-9947-B9EF-04353E549FFC}"/>
-              </a:ext>
-            </a:extLst>
-          </p:cNvPr>
-          <p:cNvSpPr/>
-          <p:nvPr/>
-        </p:nvSpPr>
-        <p:spPr>
-          <a:xfrm>
-            <a:off x="643465" y="3987193"/>
-            <a:ext cx="1703614" cy="914400"/>
-          </a:xfrm>
-          <a:prstGeom prst="rect">
-            <a:avLst/>
-          </a:prstGeom>
-          <a:solidFill>
-            <a:schemeClr val="accent5">
-              <a:lumMod val="75000"/>
-            </a:schemeClr>
-          </a:solidFill>
-          <a:ln>
-            <a:noFill/>
-          </a:ln>
-          <a:effectLst>
-            <a:outerShdw blurRad="50800" dist="38100" dir="5400000" algn="t" rotWithShape="0">
-              <a:prstClr val="black">
-                <a:alpha val="40000"/>
-              </a:prstClr>
-            </a:outerShdw>
-          </a:effectLst>
-        </p:spPr>
-        <p:style>
-          <a:lnRef idx="2">
-            <a:schemeClr val="accent1">
-              <a:shade val="50000"/>
-            </a:schemeClr>
-          </a:lnRef>
-          <a:fillRef idx="1">
-            <a:schemeClr val="accent1"/>
-          </a:fillRef>
-          <a:effectRef idx="0">
-            <a:schemeClr val="accent1"/>
-          </a:effectRef>
-          <a:fontRef idx="minor">
-            <a:schemeClr val="lt1"/>
-          </a:fontRef>
-        </p:style>
-        <p:txBody>
-          <a:bodyPr rtlCol="0" anchor="ctr"/>
-          <a:lstStyle/>
-          <a:p>
-            <a:pPr algn="ctr"/>
-            <a:r>
-              <a:rPr lang="en-US" sz="1400" dirty="0"/>
-              <a:t>SimulatorApp</a:t>
-            </a:r>
-          </a:p>
-        </p:txBody>
-      </p:sp>
-      <p:sp>
-        <p:nvSpPr>
-          <p:cNvPr id="16" name="Rounded Rectangle 15">
-            <a:extLst>
-              <a:ext uri="{FF2B5EF4-FFF2-40B4-BE49-F238E27FC236}">
-                <a16:creationId xmlns:a16="http://schemas.microsoft.com/office/drawing/2014/main" id="{604B1EAE-7B06-B644-84B2-A465850BFF11}"/>
-              </a:ext>
-            </a:extLst>
-          </p:cNvPr>
-          <p:cNvSpPr/>
-          <p:nvPr/>
-        </p:nvSpPr>
-        <p:spPr bwMode="auto">
-          <a:xfrm>
-            <a:off x="3749127" y="4437992"/>
-            <a:ext cx="245561" cy="731512"/>
-          </a:xfrm>
-          <a:prstGeom prst="roundRect">
-            <a:avLst/>
-          </a:prstGeom>
-          <a:solidFill>
-            <a:schemeClr val="bg2"/>
-          </a:solidFill>
-          <a:ln>
-            <a:solidFill>
-              <a:schemeClr val="bg1"/>
-            </a:solidFill>
-            <a:prstDash val="solid"/>
-            <a:headEnd type="none" w="med" len="med"/>
-            <a:tailEnd type="none" w="med" len="med"/>
-          </a:ln>
-          <a:effectLst/>
-        </p:spPr>
-        <p:style>
-          <a:lnRef idx="1">
-            <a:schemeClr val="accent5"/>
-          </a:lnRef>
-          <a:fillRef idx="3">
-            <a:schemeClr val="accent5"/>
-          </a:fillRef>
-          <a:effectRef idx="2">
-            <a:schemeClr val="accent5"/>
-          </a:effectRef>
-          <a:fontRef idx="minor">
-            <a:schemeClr val="lt1"/>
-          </a:fontRef>
-        </p:style>
-        <p:txBody>
-          <a:bodyPr vert="horz" wrap="square" lIns="0" tIns="0" rIns="0" bIns="0" numCol="1" rtlCol="0" anchor="ctr" anchorCtr="0" compatLnSpc="1">
-            <a:prstTxWarp prst="textNoShape">
-              <a:avLst/>
-            </a:prstTxWarp>
-            <a:noAutofit/>
-          </a:bodyPr>
-          <a:lstStyle/>
-          <a:p>
-            <a:pPr algn="ctr" defTabSz="1219170" fontAlgn="base">
-              <a:lnSpc>
-                <a:spcPct val="90000"/>
-              </a:lnSpc>
-              <a:spcBef>
-                <a:spcPct val="0"/>
-              </a:spcBef>
-              <a:spcAft>
-                <a:spcPct val="0"/>
-              </a:spcAft>
-            </a:pPr>
-            <a:r>
-              <a:rPr lang="en-US" sz="1200" dirty="0">
-                <a:solidFill>
-                  <a:schemeClr val="bg1"/>
-                </a:solidFill>
-              </a:rPr>
-              <a:t>0</a:t>
-            </a:r>
-            <a:endParaRPr lang="en-US" sz="667" dirty="0">
-              <a:solidFill>
-                <a:schemeClr val="bg1"/>
-              </a:solidFill>
-            </a:endParaRPr>
-          </a:p>
-        </p:txBody>
-      </p:sp>
-      <p:sp>
-        <p:nvSpPr>
-          <p:cNvPr id="17" name="Rounded Rectangle 16">
-            <a:extLst>
-              <a:ext uri="{FF2B5EF4-FFF2-40B4-BE49-F238E27FC236}">
-                <a16:creationId xmlns:a16="http://schemas.microsoft.com/office/drawing/2014/main" id="{BF94AF6A-6ED9-F648-AF73-AD2F2BF0087D}"/>
-              </a:ext>
-            </a:extLst>
-          </p:cNvPr>
-          <p:cNvSpPr/>
-          <p:nvPr/>
-        </p:nvSpPr>
-        <p:spPr bwMode="auto">
-          <a:xfrm>
-            <a:off x="3992964" y="4437992"/>
-            <a:ext cx="245561" cy="731512"/>
-          </a:xfrm>
-          <a:prstGeom prst="roundRect">
-            <a:avLst/>
-          </a:prstGeom>
-          <a:solidFill>
-            <a:schemeClr val="bg2"/>
-          </a:solidFill>
-          <a:ln>
-            <a:solidFill>
-              <a:schemeClr val="bg1"/>
-            </a:solidFill>
-            <a:prstDash val="solid"/>
-            <a:headEnd type="none" w="med" len="med"/>
-            <a:tailEnd type="none" w="med" len="med"/>
-          </a:ln>
-          <a:effectLst/>
-        </p:spPr>
-        <p:style>
-          <a:lnRef idx="1">
-            <a:schemeClr val="accent5"/>
-          </a:lnRef>
-          <a:fillRef idx="3">
-            <a:schemeClr val="accent5"/>
-          </a:fillRef>
-          <a:effectRef idx="2">
-            <a:schemeClr val="accent5"/>
-          </a:effectRef>
-          <a:fontRef idx="minor">
-            <a:schemeClr val="lt1"/>
-          </a:fontRef>
-        </p:style>
-        <p:txBody>
-          <a:bodyPr vert="horz" wrap="square" lIns="0" tIns="0" rIns="0" bIns="0" numCol="1" rtlCol="0" anchor="ctr" anchorCtr="0" compatLnSpc="1">
-            <a:prstTxWarp prst="textNoShape">
-              <a:avLst/>
-            </a:prstTxWarp>
-            <a:noAutofit/>
-          </a:bodyPr>
-          <a:lstStyle/>
-          <a:p>
-            <a:pPr algn="ctr" defTabSz="1219170" fontAlgn="base">
-              <a:lnSpc>
-                <a:spcPct val="90000"/>
-              </a:lnSpc>
-              <a:spcBef>
-                <a:spcPct val="0"/>
-              </a:spcBef>
-              <a:spcAft>
-                <a:spcPct val="0"/>
-              </a:spcAft>
-            </a:pPr>
-            <a:r>
-              <a:rPr lang="en-US" sz="1200" dirty="0">
-                <a:solidFill>
-                  <a:schemeClr val="bg1"/>
-                </a:solidFill>
-              </a:rPr>
-              <a:t>1</a:t>
-            </a:r>
-            <a:endParaRPr lang="en-US" sz="667" dirty="0">
-              <a:solidFill>
-                <a:schemeClr val="bg1"/>
-              </a:solidFill>
-            </a:endParaRPr>
-          </a:p>
-        </p:txBody>
-      </p:sp>
-      <p:sp>
-        <p:nvSpPr>
-          <p:cNvPr id="18" name="Rounded Rectangle 17">
-            <a:extLst>
-              <a:ext uri="{FF2B5EF4-FFF2-40B4-BE49-F238E27FC236}">
-                <a16:creationId xmlns:a16="http://schemas.microsoft.com/office/drawing/2014/main" id="{574D615E-85EA-C844-A2A9-FE6056949B8A}"/>
-              </a:ext>
-            </a:extLst>
-          </p:cNvPr>
-          <p:cNvSpPr/>
-          <p:nvPr/>
-        </p:nvSpPr>
-        <p:spPr bwMode="auto">
-          <a:xfrm>
-            <a:off x="4238526" y="4437992"/>
-            <a:ext cx="245561" cy="731512"/>
-          </a:xfrm>
-          <a:prstGeom prst="roundRect">
-            <a:avLst/>
-          </a:prstGeom>
-          <a:solidFill>
-            <a:schemeClr val="bg2"/>
-          </a:solidFill>
-          <a:ln>
-            <a:solidFill>
-              <a:schemeClr val="bg1"/>
-            </a:solidFill>
-            <a:prstDash val="solid"/>
-            <a:headEnd type="none" w="med" len="med"/>
-            <a:tailEnd type="none" w="med" len="med"/>
-          </a:ln>
-          <a:effectLst/>
-        </p:spPr>
-        <p:style>
-          <a:lnRef idx="1">
-            <a:schemeClr val="accent5"/>
-          </a:lnRef>
-          <a:fillRef idx="3">
-            <a:schemeClr val="accent5"/>
-          </a:fillRef>
-          <a:effectRef idx="2">
-            <a:schemeClr val="accent5"/>
-          </a:effectRef>
-          <a:fontRef idx="minor">
-            <a:schemeClr val="lt1"/>
-          </a:fontRef>
-        </p:style>
-        <p:txBody>
-          <a:bodyPr vert="horz" wrap="square" lIns="0" tIns="0" rIns="0" bIns="0" numCol="1" rtlCol="0" anchor="ctr" anchorCtr="0" compatLnSpc="1">
-            <a:prstTxWarp prst="textNoShape">
-              <a:avLst/>
-            </a:prstTxWarp>
-            <a:noAutofit/>
-          </a:bodyPr>
-          <a:lstStyle/>
-          <a:p>
-            <a:pPr algn="ctr" defTabSz="1219170" fontAlgn="base">
-              <a:lnSpc>
-                <a:spcPct val="90000"/>
-              </a:lnSpc>
-              <a:spcBef>
-                <a:spcPct val="0"/>
-              </a:spcBef>
-              <a:spcAft>
-                <a:spcPct val="0"/>
-              </a:spcAft>
-            </a:pPr>
-            <a:r>
-              <a:rPr lang="en-US" sz="1200" dirty="0">
-                <a:solidFill>
-                  <a:schemeClr val="bg1"/>
-                </a:solidFill>
-              </a:rPr>
-              <a:t>2</a:t>
-            </a:r>
-            <a:endParaRPr lang="en-US" sz="667" dirty="0">
-              <a:solidFill>
-                <a:schemeClr val="bg1"/>
-              </a:solidFill>
-            </a:endParaRPr>
-          </a:p>
-        </p:txBody>
-      </p:sp>
-      <p:sp>
-        <p:nvSpPr>
-          <p:cNvPr id="19" name="Rounded Rectangle 18">
-            <a:extLst>
-              <a:ext uri="{FF2B5EF4-FFF2-40B4-BE49-F238E27FC236}">
-                <a16:creationId xmlns:a16="http://schemas.microsoft.com/office/drawing/2014/main" id="{C7A32DE1-AA62-0542-95A5-93C4C6EFD0D3}"/>
-              </a:ext>
-            </a:extLst>
-          </p:cNvPr>
-          <p:cNvSpPr/>
-          <p:nvPr/>
-        </p:nvSpPr>
-        <p:spPr bwMode="auto">
-          <a:xfrm>
-            <a:off x="4482363" y="4437992"/>
-            <a:ext cx="245561" cy="731512"/>
-          </a:xfrm>
-          <a:prstGeom prst="roundRect">
-            <a:avLst/>
-          </a:prstGeom>
-          <a:solidFill>
-            <a:schemeClr val="bg2"/>
-          </a:solidFill>
-          <a:ln>
-            <a:solidFill>
-              <a:schemeClr val="bg1"/>
-            </a:solidFill>
-            <a:prstDash val="solid"/>
-            <a:headEnd type="none" w="med" len="med"/>
-            <a:tailEnd type="none" w="med" len="med"/>
-          </a:ln>
-          <a:effectLst/>
-        </p:spPr>
-        <p:style>
-          <a:lnRef idx="1">
-            <a:schemeClr val="accent5"/>
-          </a:lnRef>
-          <a:fillRef idx="3">
-            <a:schemeClr val="accent5"/>
-          </a:fillRef>
-          <a:effectRef idx="2">
-            <a:schemeClr val="accent5"/>
-          </a:effectRef>
-          <a:fontRef idx="minor">
-            <a:schemeClr val="lt1"/>
-          </a:fontRef>
-        </p:style>
-        <p:txBody>
-          <a:bodyPr vert="horz" wrap="square" lIns="0" tIns="0" rIns="0" bIns="0" numCol="1" rtlCol="0" anchor="ctr" anchorCtr="0" compatLnSpc="1">
-            <a:prstTxWarp prst="textNoShape">
-              <a:avLst/>
-            </a:prstTxWarp>
-            <a:noAutofit/>
-          </a:bodyPr>
-          <a:lstStyle/>
-          <a:p>
-            <a:pPr algn="ctr" defTabSz="1219170" fontAlgn="base">
-              <a:lnSpc>
-                <a:spcPct val="90000"/>
-              </a:lnSpc>
-              <a:spcBef>
-                <a:spcPct val="0"/>
-              </a:spcBef>
-              <a:spcAft>
-                <a:spcPct val="0"/>
-              </a:spcAft>
-            </a:pPr>
-            <a:r>
-              <a:rPr lang="en-US" sz="1200" dirty="0">
-                <a:solidFill>
-                  <a:schemeClr val="bg1"/>
-                </a:solidFill>
-              </a:rPr>
-              <a:t>3</a:t>
-            </a:r>
-            <a:endParaRPr lang="en-US" sz="667" dirty="0">
-              <a:solidFill>
-                <a:schemeClr val="bg1"/>
-              </a:solidFill>
-            </a:endParaRPr>
-          </a:p>
-        </p:txBody>
-      </p:sp>
-      <p:sp>
-        <p:nvSpPr>
-          <p:cNvPr id="20" name="Rounded Rectangle 19">
-            <a:extLst>
-              <a:ext uri="{FF2B5EF4-FFF2-40B4-BE49-F238E27FC236}">
-                <a16:creationId xmlns:a16="http://schemas.microsoft.com/office/drawing/2014/main" id="{65250C98-3EF7-D84C-9241-0ACC98F9DB15}"/>
-              </a:ext>
-            </a:extLst>
-          </p:cNvPr>
-          <p:cNvSpPr/>
-          <p:nvPr/>
-        </p:nvSpPr>
-        <p:spPr bwMode="auto">
-          <a:xfrm>
-            <a:off x="4727924" y="4437992"/>
-            <a:ext cx="245561" cy="731512"/>
-          </a:xfrm>
-          <a:prstGeom prst="roundRect">
-            <a:avLst/>
-          </a:prstGeom>
-          <a:solidFill>
-            <a:schemeClr val="bg2"/>
-          </a:solidFill>
-          <a:ln>
-            <a:solidFill>
-              <a:schemeClr val="bg1"/>
-            </a:solidFill>
-            <a:prstDash val="solid"/>
-            <a:headEnd type="none" w="med" len="med"/>
-            <a:tailEnd type="none" w="med" len="med"/>
-          </a:ln>
-          <a:effectLst/>
-        </p:spPr>
-        <p:style>
-          <a:lnRef idx="1">
-            <a:schemeClr val="accent5"/>
-          </a:lnRef>
-          <a:fillRef idx="3">
-            <a:schemeClr val="accent5"/>
-          </a:fillRef>
-          <a:effectRef idx="2">
-            <a:schemeClr val="accent5"/>
-          </a:effectRef>
-          <a:fontRef idx="minor">
-            <a:schemeClr val="lt1"/>
-          </a:fontRef>
-        </p:style>
-        <p:txBody>
-          <a:bodyPr vert="horz" wrap="square" lIns="0" tIns="0" rIns="0" bIns="0" numCol="1" rtlCol="0" anchor="ctr" anchorCtr="0" compatLnSpc="1">
-            <a:prstTxWarp prst="textNoShape">
-              <a:avLst/>
-            </a:prstTxWarp>
-            <a:noAutofit/>
-          </a:bodyPr>
-          <a:lstStyle/>
-          <a:p>
-            <a:pPr algn="ctr" defTabSz="1219170" fontAlgn="base">
-              <a:lnSpc>
-                <a:spcPct val="90000"/>
-              </a:lnSpc>
-              <a:spcBef>
-                <a:spcPct val="0"/>
-              </a:spcBef>
-              <a:spcAft>
-                <a:spcPct val="0"/>
-              </a:spcAft>
-            </a:pPr>
-            <a:r>
-              <a:rPr lang="en-US" sz="1200" dirty="0">
-                <a:solidFill>
-                  <a:schemeClr val="bg1"/>
-                </a:solidFill>
-              </a:rPr>
-              <a:t>4</a:t>
-            </a:r>
-            <a:endParaRPr lang="en-US" sz="667" dirty="0">
-              <a:solidFill>
-                <a:schemeClr val="bg1"/>
-              </a:solidFill>
-            </a:endParaRPr>
-          </a:p>
-        </p:txBody>
-      </p:sp>
-      <p:sp>
-        <p:nvSpPr>
-          <p:cNvPr id="21" name="Rounded Rectangle 20">
-            <a:extLst>
-              <a:ext uri="{FF2B5EF4-FFF2-40B4-BE49-F238E27FC236}">
-                <a16:creationId xmlns:a16="http://schemas.microsoft.com/office/drawing/2014/main" id="{349815D9-A544-C740-A98E-A4307CE7F984}"/>
-              </a:ext>
-            </a:extLst>
-          </p:cNvPr>
-          <p:cNvSpPr/>
-          <p:nvPr/>
-        </p:nvSpPr>
-        <p:spPr bwMode="auto">
-          <a:xfrm>
-            <a:off x="4958720" y="4437992"/>
-            <a:ext cx="245561" cy="731512"/>
-          </a:xfrm>
-          <a:prstGeom prst="roundRect">
-            <a:avLst/>
-          </a:prstGeom>
-          <a:solidFill>
-            <a:schemeClr val="bg2"/>
-          </a:solidFill>
-          <a:ln>
-            <a:solidFill>
-              <a:schemeClr val="bg1"/>
-            </a:solidFill>
-            <a:prstDash val="solid"/>
-            <a:headEnd type="none" w="med" len="med"/>
-            <a:tailEnd type="none" w="med" len="med"/>
-          </a:ln>
-          <a:effectLst/>
-        </p:spPr>
-        <p:style>
-          <a:lnRef idx="1">
-            <a:schemeClr val="accent5"/>
-          </a:lnRef>
-          <a:fillRef idx="3">
-            <a:schemeClr val="accent5"/>
-          </a:fillRef>
-          <a:effectRef idx="2">
-            <a:schemeClr val="accent5"/>
-          </a:effectRef>
-          <a:fontRef idx="minor">
-            <a:schemeClr val="lt1"/>
-          </a:fontRef>
-        </p:style>
-        <p:txBody>
-          <a:bodyPr vert="horz" wrap="square" lIns="0" tIns="0" rIns="0" bIns="0" numCol="1" rtlCol="0" anchor="ctr" anchorCtr="0" compatLnSpc="1">
-            <a:prstTxWarp prst="textNoShape">
-              <a:avLst/>
-            </a:prstTxWarp>
-            <a:noAutofit/>
-          </a:bodyPr>
-          <a:lstStyle/>
-          <a:p>
-            <a:pPr algn="ctr" defTabSz="1219170" fontAlgn="base">
-              <a:lnSpc>
-                <a:spcPct val="90000"/>
-              </a:lnSpc>
-              <a:spcBef>
-                <a:spcPct val="0"/>
-              </a:spcBef>
-              <a:spcAft>
-                <a:spcPct val="0"/>
-              </a:spcAft>
-            </a:pPr>
-            <a:r>
-              <a:rPr lang="en-US" sz="1200" dirty="0">
-                <a:solidFill>
-                  <a:schemeClr val="bg1"/>
-                </a:solidFill>
-              </a:rPr>
-              <a:t>5</a:t>
-            </a:r>
-            <a:endParaRPr lang="en-US" sz="667" dirty="0">
-              <a:solidFill>
-                <a:schemeClr val="bg1"/>
-              </a:solidFill>
-            </a:endParaRPr>
-          </a:p>
-        </p:txBody>
-      </p:sp>
-      <p:sp>
-        <p:nvSpPr>
-          <p:cNvPr id="22" name="AutoShape 4">
-            <a:extLst>
-              <a:ext uri="{FF2B5EF4-FFF2-40B4-BE49-F238E27FC236}">
-                <a16:creationId xmlns:a16="http://schemas.microsoft.com/office/drawing/2014/main" id="{D20B6BF8-2A57-924F-AB42-129B1DC6DBE6}"/>
-              </a:ext>
-            </a:extLst>
-          </p:cNvPr>
-          <p:cNvSpPr>
-            <a:spLocks noChangeArrowheads="1"/>
-          </p:cNvSpPr>
-          <p:nvPr/>
-        </p:nvSpPr>
-        <p:spPr bwMode="auto">
-          <a:xfrm>
-            <a:off x="2881464" y="4145695"/>
-            <a:ext cx="3513917" cy="1348479"/>
-          </a:xfrm>
-          <a:prstGeom prst="roundRect">
-            <a:avLst>
-              <a:gd name="adj" fmla="val 7117"/>
-            </a:avLst>
-          </a:prstGeom>
-          <a:noFill/>
-          <a:ln w="12700">
-            <a:solidFill>
-              <a:schemeClr val="accent3"/>
-            </a:solidFill>
-            <a:prstDash val="dash"/>
-            <a:round/>
-            <a:headEnd/>
-            <a:tailEnd/>
-          </a:ln>
-        </p:spPr>
-        <p:txBody>
-          <a:bodyPr lIns="0" tIns="0" rIns="0" bIns="0" anchor="b" anchorCtr="1"/>
-          <a:lstStyle/>
-          <a:p>
-            <a:pPr algn="ctr"/>
-            <a:endParaRPr lang="en-US" sz="1333" dirty="0"/>
-          </a:p>
-        </p:txBody>
-      </p:sp>
-      <p:sp>
-        <p:nvSpPr>
-          <p:cNvPr id="23" name="TextBox 22">
-            <a:extLst>
-              <a:ext uri="{FF2B5EF4-FFF2-40B4-BE49-F238E27FC236}">
-                <a16:creationId xmlns:a16="http://schemas.microsoft.com/office/drawing/2014/main" id="{87606592-A07A-924B-B639-76FB8A14520F}"/>
-              </a:ext>
-            </a:extLst>
-          </p:cNvPr>
-          <p:cNvSpPr txBox="1"/>
-          <p:nvPr/>
-        </p:nvSpPr>
-        <p:spPr>
-          <a:xfrm>
-            <a:off x="3682530" y="5209508"/>
-            <a:ext cx="1369862" cy="276999"/>
-          </a:xfrm>
-          <a:prstGeom prst="rect">
-            <a:avLst/>
-          </a:prstGeom>
-          <a:noFill/>
-        </p:spPr>
-        <p:txBody>
-          <a:bodyPr wrap="none" rtlCol="0">
-            <a:spAutoFit/>
-          </a:bodyPr>
-          <a:lstStyle/>
-          <a:p>
-            <a:r>
-              <a:rPr lang="en-US" sz="1200" dirty="0">
-                <a:solidFill>
-                  <a:schemeClr val="accent1">
-                    <a:lumMod val="25000"/>
-                  </a:schemeClr>
-                </a:solidFill>
-              </a:rPr>
-              <a:t>reeferTelemetries</a:t>
-            </a:r>
-          </a:p>
-        </p:txBody>
-      </p:sp>
-      <p:pic>
-        <p:nvPicPr>
-          <p:cNvPr id="24" name="Picture 23">
-            <a:extLst>
-              <a:ext uri="{FF2B5EF4-FFF2-40B4-BE49-F238E27FC236}">
-                <a16:creationId xmlns:a16="http://schemas.microsoft.com/office/drawing/2014/main" id="{B400E287-8B40-BE4C-B680-D40ED448B4E5}"/>
-              </a:ext>
-            </a:extLst>
-          </p:cNvPr>
-          <p:cNvPicPr>
-            <a:picLocks noChangeAspect="1"/>
-          </p:cNvPicPr>
-          <p:nvPr/>
-        </p:nvPicPr>
-        <p:blipFill>
-          <a:blip r:embed="rId3">
-            <a:extLst>
-              <a:ext uri="{28A0092B-C50C-407E-A947-70E740481C1C}">
-                <a14:useLocalDpi xmlns:a14="http://schemas.microsoft.com/office/drawing/2010/main" val="0"/>
-              </a:ext>
-            </a:extLst>
-          </a:blip>
-          <a:stretch>
-            <a:fillRect/>
-          </a:stretch>
-        </p:blipFill>
-        <p:spPr>
-          <a:xfrm>
-            <a:off x="2713993" y="5032053"/>
-            <a:ext cx="523018" cy="690721"/>
-          </a:xfrm>
-          <a:prstGeom prst="rect">
-            <a:avLst/>
-          </a:prstGeom>
-        </p:spPr>
-      </p:pic>
-      <p:pic>
-        <p:nvPicPr>
-          <p:cNvPr id="27" name="Picture 40">
-            <a:extLst>
-              <a:ext uri="{FF2B5EF4-FFF2-40B4-BE49-F238E27FC236}">
-                <a16:creationId xmlns:a16="http://schemas.microsoft.com/office/drawing/2014/main" id="{82D37B93-A674-6248-A0F6-C3053BF17E01}"/>
-              </a:ext>
-            </a:extLst>
-          </p:cNvPr>
-          <p:cNvPicPr>
-            <a:picLocks noChangeAspect="1"/>
-          </p:cNvPicPr>
-          <p:nvPr/>
-        </p:nvPicPr>
-        <p:blipFill>
-          <a:blip r:embed="rId4">
-            <a:extLst>
-              <a:ext uri="{28A0092B-C50C-407E-A947-70E740481C1C}">
-                <a14:useLocalDpi xmlns:a14="http://schemas.microsoft.com/office/drawing/2010/main" val="0"/>
-              </a:ext>
-            </a:extLst>
-          </a:blip>
-          <a:srcRect/>
-          <a:stretch>
-            <a:fillRect/>
-          </a:stretch>
-        </p:blipFill>
-        <p:spPr bwMode="auto">
-          <a:xfrm>
-            <a:off x="-13004" y="5016111"/>
-            <a:ext cx="1099134" cy="407338"/>
-          </a:xfrm>
-          <a:prstGeom prst="rect">
-            <a:avLst/>
-          </a:prstGeom>
-          <a:noFill/>
-          <a:ln>
-            <a:noFill/>
-          </a:ln>
-          <a:extLst>
-            <a:ext uri="{909E8E84-426E-40DD-AFC4-6F175D3DCCD1}">
-              <a14:hiddenFill xmlns:a14="http://schemas.microsoft.com/office/drawing/2010/main">
-                <a:solidFill>
-                  <a:srgbClr val="FFFFFF"/>
-                </a:solidFill>
-              </a14:hiddenFill>
-            </a:ext>
-            <a:ext uri="{91240B29-F687-4F45-9708-019B960494DF}">
-              <a14:hiddenLine xmlns:a14="http://schemas.microsoft.com/office/drawing/2010/main" w="9525">
-                <a:solidFill>
-                  <a:srgbClr val="000000"/>
-                </a:solidFill>
-                <a:miter lim="800000"/>
-                <a:headEnd/>
-                <a:tailEnd/>
-              </a14:hiddenLine>
-            </a:ext>
-          </a:extLst>
-        </p:spPr>
-      </p:pic>
-      <p:cxnSp>
-        <p:nvCxnSpPr>
-          <p:cNvPr id="28" name="Elbow Connector 27">
-            <a:extLst>
-              <a:ext uri="{FF2B5EF4-FFF2-40B4-BE49-F238E27FC236}">
-                <a16:creationId xmlns:a16="http://schemas.microsoft.com/office/drawing/2014/main" id="{C8FBC103-4DDC-FD42-8D32-2C65F09E2B19}"/>
-              </a:ext>
-            </a:extLst>
-          </p:cNvPr>
-          <p:cNvCxnSpPr>
-            <a:cxnSpLocks/>
-            <a:stCxn id="15" idx="3"/>
-            <a:endCxn id="21" idx="2"/>
-          </p:cNvCxnSpPr>
-          <p:nvPr/>
-        </p:nvCxnSpPr>
-        <p:spPr>
-          <a:xfrm>
-            <a:off x="2347079" y="4444393"/>
-            <a:ext cx="2734422" cy="725111"/>
-          </a:xfrm>
-          <a:prstGeom prst="bentConnector4">
-            <a:avLst>
-              <a:gd name="adj1" fmla="val 37228"/>
-              <a:gd name="adj2" fmla="val 243619"/>
-            </a:avLst>
-          </a:prstGeom>
-          <a:ln w="12700">
-            <a:solidFill>
-              <a:schemeClr val="accent6"/>
-            </a:solidFill>
-            <a:tailEnd type="triangle"/>
-          </a:ln>
-          <a:effectLst/>
-        </p:spPr>
-        <p:style>
-          <a:lnRef idx="2">
-            <a:schemeClr val="accent1"/>
-          </a:lnRef>
-          <a:fillRef idx="0">
-            <a:schemeClr val="accent1"/>
-          </a:fillRef>
-          <a:effectRef idx="1">
-            <a:schemeClr val="accent1"/>
-          </a:effectRef>
-          <a:fontRef idx="minor">
-            <a:schemeClr val="tx1"/>
-          </a:fontRef>
-        </p:style>
-      </p:cxnSp>
-      <p:cxnSp>
-        <p:nvCxnSpPr>
-          <p:cNvPr id="33" name="Elbow Connector 32">
-            <a:extLst>
-              <a:ext uri="{FF2B5EF4-FFF2-40B4-BE49-F238E27FC236}">
-                <a16:creationId xmlns:a16="http://schemas.microsoft.com/office/drawing/2014/main" id="{A018039D-49E7-3C49-94D4-1BE530DE331F}"/>
-              </a:ext>
-            </a:extLst>
-          </p:cNvPr>
-          <p:cNvCxnSpPr>
-            <a:cxnSpLocks/>
-            <a:stCxn id="20" idx="0"/>
-            <a:endCxn id="59" idx="3"/>
-          </p:cNvCxnSpPr>
-          <p:nvPr/>
-        </p:nvCxnSpPr>
-        <p:spPr>
-          <a:xfrm rot="16200000" flipV="1">
-            <a:off x="4128790" y="3716076"/>
-            <a:ext cx="1151934" cy="291897"/>
-          </a:xfrm>
-          <a:prstGeom prst="bentConnector3">
-            <a:avLst>
-              <a:gd name="adj1" fmla="val 50000"/>
-            </a:avLst>
-          </a:prstGeom>
-          <a:ln w="12700">
-            <a:solidFill>
-              <a:srgbClr val="009643"/>
-            </a:solidFill>
-            <a:tailEnd type="triangle"/>
-          </a:ln>
-          <a:effectLst/>
-        </p:spPr>
-        <p:style>
-          <a:lnRef idx="2">
-            <a:schemeClr val="accent1"/>
-          </a:lnRef>
-          <a:fillRef idx="0">
-            <a:schemeClr val="accent1"/>
-          </a:fillRef>
-          <a:effectRef idx="1">
-            <a:schemeClr val="accent1"/>
-          </a:effectRef>
-          <a:fontRef idx="minor">
-            <a:schemeClr val="tx1"/>
-          </a:fontRef>
-        </p:style>
-      </p:cxnSp>
-      <p:sp>
-        <p:nvSpPr>
-          <p:cNvPr id="32" name="Rectangle 31">
-            <a:extLst>
-              <a:ext uri="{FF2B5EF4-FFF2-40B4-BE49-F238E27FC236}">
-                <a16:creationId xmlns:a16="http://schemas.microsoft.com/office/drawing/2014/main" id="{80B1BE04-8E41-6B41-9861-E9BB4FE73060}"/>
-              </a:ext>
-            </a:extLst>
-          </p:cNvPr>
-          <p:cNvSpPr/>
-          <p:nvPr/>
-        </p:nvSpPr>
-        <p:spPr>
-          <a:xfrm>
-            <a:off x="3779270" y="3571943"/>
-            <a:ext cx="1651745" cy="415825"/>
-          </a:xfrm>
-          <a:prstGeom prst="rect">
-            <a:avLst/>
-          </a:prstGeom>
-          <a:solidFill>
-            <a:schemeClr val="accent5">
-              <a:lumMod val="75000"/>
-            </a:schemeClr>
-          </a:solidFill>
-          <a:ln>
-            <a:noFill/>
-          </a:ln>
-          <a:effectLst>
-            <a:outerShdw blurRad="50800" dist="38100" dir="5400000" algn="t" rotWithShape="0">
-              <a:prstClr val="black">
-                <a:alpha val="40000"/>
-              </a:prstClr>
-            </a:outerShdw>
-          </a:effectLst>
-        </p:spPr>
-        <p:style>
-          <a:lnRef idx="2">
-            <a:schemeClr val="accent1">
-              <a:shade val="50000"/>
-            </a:schemeClr>
-          </a:lnRef>
-          <a:fillRef idx="1">
-            <a:schemeClr val="accent1"/>
-          </a:fillRef>
-          <a:effectRef idx="0">
-            <a:schemeClr val="accent1"/>
-          </a:effectRef>
-          <a:fontRef idx="minor">
-            <a:schemeClr val="lt1"/>
-          </a:fontRef>
-        </p:style>
-        <p:txBody>
-          <a:bodyPr rtlCol="0" anchor="ctr"/>
-          <a:lstStyle/>
-          <a:p>
-            <a:pPr algn="ctr"/>
-            <a:r>
-              <a:rPr lang="en-US" sz="1200" dirty="0"/>
-              <a:t>Long term persist stream</a:t>
-            </a:r>
-          </a:p>
-        </p:txBody>
-      </p:sp>
-      <p:sp>
-        <p:nvSpPr>
-          <p:cNvPr id="36" name="Can 35">
-            <a:extLst>
-              <a:ext uri="{FF2B5EF4-FFF2-40B4-BE49-F238E27FC236}">
-                <a16:creationId xmlns:a16="http://schemas.microsoft.com/office/drawing/2014/main" id="{838848AC-1D94-3D4E-9D79-D790EC064067}"/>
-              </a:ext>
-            </a:extLst>
-          </p:cNvPr>
-          <p:cNvSpPr/>
-          <p:nvPr/>
-        </p:nvSpPr>
-        <p:spPr>
-          <a:xfrm>
-            <a:off x="7108359" y="3489256"/>
-            <a:ext cx="895875" cy="695584"/>
-          </a:xfrm>
-          <a:prstGeom prst="can">
-            <a:avLst/>
-          </a:prstGeom>
-          <a:solidFill>
-            <a:schemeClr val="accent5">
-              <a:lumMod val="75000"/>
-            </a:schemeClr>
-          </a:solidFill>
-          <a:ln>
-            <a:noFill/>
-          </a:ln>
-        </p:spPr>
-        <p:style>
-          <a:lnRef idx="2">
-            <a:schemeClr val="accent1">
-              <a:shade val="50000"/>
-            </a:schemeClr>
-          </a:lnRef>
-          <a:fillRef idx="1">
-            <a:schemeClr val="accent1"/>
-          </a:fillRef>
-          <a:effectRef idx="0">
-            <a:schemeClr val="accent1"/>
-          </a:effectRef>
-          <a:fontRef idx="minor">
-            <a:schemeClr val="lt1"/>
-          </a:fontRef>
-        </p:style>
-        <p:txBody>
-          <a:bodyPr rtlCol="0" anchor="ctr"/>
-          <a:lstStyle/>
-          <a:p>
-            <a:pPr algn="ctr"/>
-            <a:r>
-              <a:rPr lang="en-US" sz="1000" dirty="0"/>
-              <a:t>Reefers Inventory</a:t>
-            </a:r>
-          </a:p>
-        </p:txBody>
-      </p:sp>
-      <p:sp>
-        <p:nvSpPr>
-          <p:cNvPr id="37" name="Can 36">
-            <a:extLst>
-              <a:ext uri="{FF2B5EF4-FFF2-40B4-BE49-F238E27FC236}">
-                <a16:creationId xmlns:a16="http://schemas.microsoft.com/office/drawing/2014/main" id="{8940F223-93A3-4947-A9E2-589C2FC0914F}"/>
-              </a:ext>
-            </a:extLst>
-          </p:cNvPr>
-          <p:cNvSpPr/>
-          <p:nvPr/>
-        </p:nvSpPr>
-        <p:spPr>
-          <a:xfrm>
-            <a:off x="8116630" y="3489256"/>
-            <a:ext cx="895875" cy="695584"/>
-          </a:xfrm>
-          <a:prstGeom prst="can">
-            <a:avLst/>
-          </a:prstGeom>
-          <a:solidFill>
-            <a:schemeClr val="accent5">
-              <a:lumMod val="75000"/>
-            </a:schemeClr>
-          </a:solidFill>
-          <a:ln>
-            <a:noFill/>
-          </a:ln>
-        </p:spPr>
-        <p:style>
-          <a:lnRef idx="2">
-            <a:schemeClr val="accent1">
-              <a:shade val="50000"/>
-            </a:schemeClr>
-          </a:lnRef>
-          <a:fillRef idx="1">
-            <a:schemeClr val="accent1"/>
-          </a:fillRef>
-          <a:effectRef idx="0">
-            <a:schemeClr val="accent1"/>
-          </a:effectRef>
-          <a:fontRef idx="minor">
-            <a:schemeClr val="lt1"/>
-          </a:fontRef>
-        </p:style>
-        <p:txBody>
-          <a:bodyPr rtlCol="0" anchor="ctr"/>
-          <a:lstStyle/>
-          <a:p>
-            <a:pPr algn="ctr"/>
-            <a:r>
-              <a:rPr lang="en-US" sz="1000" dirty="0"/>
-              <a:t>Products</a:t>
-            </a:r>
-          </a:p>
-        </p:txBody>
-      </p:sp>
-      <p:pic>
-        <p:nvPicPr>
-          <p:cNvPr id="38" name="Picture 37">
-            <a:extLst>
-              <a:ext uri="{FF2B5EF4-FFF2-40B4-BE49-F238E27FC236}">
-                <a16:creationId xmlns:a16="http://schemas.microsoft.com/office/drawing/2014/main" id="{3E12A240-C94D-F342-A515-AC9667796B7B}"/>
-              </a:ext>
-            </a:extLst>
-          </p:cNvPr>
-          <p:cNvPicPr>
-            <a:picLocks noChangeAspect="1"/>
-          </p:cNvPicPr>
-          <p:nvPr/>
-        </p:nvPicPr>
-        <p:blipFill>
-          <a:blip r:embed="rId5"/>
-          <a:stretch>
-            <a:fillRect/>
-          </a:stretch>
-        </p:blipFill>
-        <p:spPr>
-          <a:xfrm>
-            <a:off x="8941639" y="3913511"/>
-            <a:ext cx="638156" cy="680700"/>
-          </a:xfrm>
-          <a:prstGeom prst="rect">
-            <a:avLst/>
-          </a:prstGeom>
-        </p:spPr>
-      </p:pic>
-      <p:cxnSp>
-        <p:nvCxnSpPr>
-          <p:cNvPr id="39" name="Elbow Connector 38">
-            <a:extLst>
-              <a:ext uri="{FF2B5EF4-FFF2-40B4-BE49-F238E27FC236}">
-                <a16:creationId xmlns:a16="http://schemas.microsoft.com/office/drawing/2014/main" id="{2ADAE8E9-E8A0-C04F-AD33-82E1C5F42DB8}"/>
-              </a:ext>
-            </a:extLst>
-          </p:cNvPr>
-          <p:cNvCxnSpPr>
-            <a:cxnSpLocks/>
-            <a:stCxn id="45" idx="2"/>
-          </p:cNvCxnSpPr>
-          <p:nvPr/>
-        </p:nvCxnSpPr>
-        <p:spPr>
-          <a:xfrm rot="16200000" flipH="1">
-            <a:off x="7119144" y="2520778"/>
-            <a:ext cx="1151867" cy="684659"/>
-          </a:xfrm>
-          <a:prstGeom prst="bentConnector3">
-            <a:avLst>
-              <a:gd name="adj1" fmla="val 50000"/>
-            </a:avLst>
-          </a:prstGeom>
-          <a:ln w="12700">
-            <a:solidFill>
-              <a:srgbClr val="7030A0"/>
-            </a:solidFill>
-            <a:headEnd type="triangle"/>
-            <a:tailEnd type="none"/>
-          </a:ln>
-          <a:effectLst/>
-        </p:spPr>
-        <p:style>
-          <a:lnRef idx="2">
-            <a:schemeClr val="accent1"/>
-          </a:lnRef>
-          <a:fillRef idx="0">
-            <a:schemeClr val="accent1"/>
-          </a:fillRef>
-          <a:effectRef idx="1">
-            <a:schemeClr val="accent1"/>
-          </a:effectRef>
-          <a:fontRef idx="minor">
-            <a:schemeClr val="tx1"/>
-          </a:fontRef>
-        </p:style>
-      </p:cxnSp>
-      <p:sp>
-        <p:nvSpPr>
-          <p:cNvPr id="42" name="Oval 41">
-            <a:extLst>
-              <a:ext uri="{FF2B5EF4-FFF2-40B4-BE49-F238E27FC236}">
-                <a16:creationId xmlns:a16="http://schemas.microsoft.com/office/drawing/2014/main" id="{EF41234A-880A-8244-AA87-8EE3CA4327BE}"/>
-              </a:ext>
-            </a:extLst>
-          </p:cNvPr>
-          <p:cNvSpPr/>
-          <p:nvPr/>
-        </p:nvSpPr>
-        <p:spPr>
-          <a:xfrm>
-            <a:off x="246098" y="1544377"/>
-            <a:ext cx="290465" cy="369256"/>
-          </a:xfrm>
-          <a:prstGeom prst="ellipse">
-            <a:avLst/>
-          </a:prstGeom>
-          <a:solidFill>
-            <a:schemeClr val="tx2">
-              <a:lumMod val="75000"/>
-            </a:schemeClr>
-          </a:solidFill>
-          <a:ln>
-            <a:noFill/>
-          </a:ln>
-        </p:spPr>
-        <p:style>
-          <a:lnRef idx="2">
-            <a:schemeClr val="accent1">
-              <a:shade val="50000"/>
-            </a:schemeClr>
-          </a:lnRef>
-          <a:fillRef idx="1">
-            <a:schemeClr val="accent1"/>
-          </a:fillRef>
-          <a:effectRef idx="0">
-            <a:schemeClr val="accent1"/>
-          </a:effectRef>
-          <a:fontRef idx="minor">
-            <a:schemeClr val="lt1"/>
-          </a:fontRef>
-        </p:style>
-        <p:txBody>
-          <a:bodyPr rtlCol="0" anchor="ctr"/>
-          <a:lstStyle/>
-          <a:p>
-            <a:pPr algn="ctr"/>
-            <a:r>
-              <a:rPr lang="en-US" sz="1400" dirty="0"/>
-              <a:t>1</a:t>
-            </a:r>
-          </a:p>
-        </p:txBody>
-      </p:sp>
-      <p:sp>
-        <p:nvSpPr>
-          <p:cNvPr id="43" name="Oval 42">
-            <a:extLst>
-              <a:ext uri="{FF2B5EF4-FFF2-40B4-BE49-F238E27FC236}">
-                <a16:creationId xmlns:a16="http://schemas.microsoft.com/office/drawing/2014/main" id="{18795C1C-9E4F-AA4C-9D51-61F797DA92E3}"/>
-              </a:ext>
-            </a:extLst>
-          </p:cNvPr>
-          <p:cNvSpPr/>
-          <p:nvPr/>
-        </p:nvSpPr>
-        <p:spPr>
-          <a:xfrm>
-            <a:off x="795665" y="5454503"/>
-            <a:ext cx="290465" cy="369256"/>
-          </a:xfrm>
-          <a:prstGeom prst="ellipse">
-            <a:avLst/>
-          </a:prstGeom>
-          <a:solidFill>
-            <a:schemeClr val="tx2">
-              <a:lumMod val="75000"/>
-            </a:schemeClr>
-          </a:solidFill>
-          <a:ln>
-            <a:noFill/>
-          </a:ln>
-        </p:spPr>
-        <p:style>
-          <a:lnRef idx="2">
-            <a:schemeClr val="accent1">
-              <a:shade val="50000"/>
-            </a:schemeClr>
-          </a:lnRef>
-          <a:fillRef idx="1">
-            <a:schemeClr val="accent1"/>
-          </a:fillRef>
-          <a:effectRef idx="0">
-            <a:schemeClr val="accent1"/>
-          </a:effectRef>
-          <a:fontRef idx="minor">
-            <a:schemeClr val="lt1"/>
-          </a:fontRef>
-        </p:style>
-        <p:txBody>
-          <a:bodyPr rtlCol="0" anchor="ctr"/>
-          <a:lstStyle/>
-          <a:p>
-            <a:pPr algn="ctr"/>
-            <a:r>
-              <a:rPr lang="en-US" sz="1400" dirty="0"/>
-              <a:t>2</a:t>
-            </a:r>
-          </a:p>
-        </p:txBody>
-      </p:sp>
-    </p:spTree>
-    <p:extLst>
-      <p:ext uri="{BB962C8B-B14F-4D97-AF65-F5344CB8AC3E}">
-        <p14:creationId xmlns:p14="http://schemas.microsoft.com/office/powerpoint/2010/main" val="3696044975"/>
       </p:ext>
     </p:extLst>
   </p:cSld>

--- a/docs/diagrams.pptx
+++ b/docs/diagrams.pptx
@@ -282,7 +282,7 @@
               <a:pPr>
                 <a:defRPr/>
               </a:pPr>
-              <a:t>1/6/20</a:t>
+              <a:t>1/7/20</a:t>
             </a:fld>
             <a:endParaRPr lang="en-US" dirty="0"/>
           </a:p>
@@ -13830,12 +13830,72 @@
           </a:p>
         </p:txBody>
       </p:sp>
+      <p:pic>
+        <p:nvPicPr>
+          <p:cNvPr id="6" name="Picture 5">
+            <a:extLst>
+              <a:ext uri="{FF2B5EF4-FFF2-40B4-BE49-F238E27FC236}">
+                <a16:creationId xmlns:a16="http://schemas.microsoft.com/office/drawing/2014/main" id="{07AC0BFF-594E-D943-9423-6F5BB0B092D4}"/>
+              </a:ext>
+            </a:extLst>
+          </p:cNvPr>
+          <p:cNvPicPr>
+            <a:picLocks noChangeAspect="1"/>
+          </p:cNvPicPr>
+          <p:nvPr/>
+        </p:nvPicPr>
+        <p:blipFill>
+          <a:blip r:embed="rId2"/>
+          <a:stretch>
+            <a:fillRect/>
+          </a:stretch>
+        </p:blipFill>
+        <p:spPr>
+          <a:xfrm>
+            <a:off x="2590800" y="5476455"/>
+            <a:ext cx="388273" cy="354992"/>
+          </a:xfrm>
+          <a:prstGeom prst="rect">
+            <a:avLst/>
+          </a:prstGeom>
+        </p:spPr>
+      </p:pic>
+      <p:pic>
+        <p:nvPicPr>
+          <p:cNvPr id="7" name="Picture 6">
+            <a:extLst>
+              <a:ext uri="{FF2B5EF4-FFF2-40B4-BE49-F238E27FC236}">
+                <a16:creationId xmlns:a16="http://schemas.microsoft.com/office/drawing/2014/main" id="{34E902ED-15BC-414A-8ABD-63DB888CC4B7}"/>
+              </a:ext>
+            </a:extLst>
+          </p:cNvPr>
+          <p:cNvPicPr>
+            <a:picLocks noChangeAspect="1"/>
+          </p:cNvPicPr>
+          <p:nvPr/>
+        </p:nvPicPr>
+        <p:blipFill>
+          <a:blip r:embed="rId3"/>
+          <a:stretch>
+            <a:fillRect/>
+          </a:stretch>
+        </p:blipFill>
+        <p:spPr>
+          <a:xfrm>
+            <a:off x="6225398" y="5425002"/>
+            <a:ext cx="459096" cy="393976"/>
+          </a:xfrm>
+          <a:prstGeom prst="rect">
+            <a:avLst/>
+          </a:prstGeom>
+        </p:spPr>
+      </p:pic>
       <p:sp>
         <p:nvSpPr>
-          <p:cNvPr id="5" name="AutoShape 4">
-            <a:extLst>
-              <a:ext uri="{FF2B5EF4-FFF2-40B4-BE49-F238E27FC236}">
-                <a16:creationId xmlns:a16="http://schemas.microsoft.com/office/drawing/2014/main" id="{684E09B8-BBC1-064E-8FF3-CD8302D16690}"/>
+          <p:cNvPr id="11" name="AutoShape 4">
+            <a:extLst>
+              <a:ext uri="{FF2B5EF4-FFF2-40B4-BE49-F238E27FC236}">
+                <a16:creationId xmlns:a16="http://schemas.microsoft.com/office/drawing/2014/main" id="{C64ABD7E-5043-7340-8CC0-841277EF50A1}"/>
               </a:ext>
             </a:extLst>
           </p:cNvPr>
@@ -13846,8 +13906,8 @@
         </p:nvSpPr>
         <p:spPr bwMode="auto">
           <a:xfrm>
-            <a:off x="2645950" y="5150367"/>
-            <a:ext cx="4770849" cy="680686"/>
+            <a:off x="2668344" y="3448935"/>
+            <a:ext cx="4097228" cy="2382118"/>
           </a:xfrm>
           <a:prstGeom prst="roundRect">
             <a:avLst>
@@ -13886,127 +13946,6 @@
                   <a:srgbClr val="6D7777"/>
                 </a:solidFill>
               </a:rPr>
-              <a:t>Infrastructure</a:t>
-            </a:r>
-          </a:p>
-        </p:txBody>
-      </p:sp>
-      <p:pic>
-        <p:nvPicPr>
-          <p:cNvPr id="6" name="Picture 5">
-            <a:extLst>
-              <a:ext uri="{FF2B5EF4-FFF2-40B4-BE49-F238E27FC236}">
-                <a16:creationId xmlns:a16="http://schemas.microsoft.com/office/drawing/2014/main" id="{07AC0BFF-594E-D943-9423-6F5BB0B092D4}"/>
-              </a:ext>
-            </a:extLst>
-          </p:cNvPr>
-          <p:cNvPicPr>
-            <a:picLocks noChangeAspect="1"/>
-          </p:cNvPicPr>
-          <p:nvPr/>
-        </p:nvPicPr>
-        <p:blipFill>
-          <a:blip r:embed="rId2"/>
-          <a:stretch>
-            <a:fillRect/>
-          </a:stretch>
-        </p:blipFill>
-        <p:spPr>
-          <a:xfrm>
-            <a:off x="4030042" y="5259975"/>
-            <a:ext cx="388273" cy="354992"/>
-          </a:xfrm>
-          <a:prstGeom prst="rect">
-            <a:avLst/>
-          </a:prstGeom>
-        </p:spPr>
-      </p:pic>
-      <p:pic>
-        <p:nvPicPr>
-          <p:cNvPr id="7" name="Picture 6">
-            <a:extLst>
-              <a:ext uri="{FF2B5EF4-FFF2-40B4-BE49-F238E27FC236}">
-                <a16:creationId xmlns:a16="http://schemas.microsoft.com/office/drawing/2014/main" id="{34E902ED-15BC-414A-8ABD-63DB888CC4B7}"/>
-              </a:ext>
-            </a:extLst>
-          </p:cNvPr>
-          <p:cNvPicPr>
-            <a:picLocks noChangeAspect="1"/>
-          </p:cNvPicPr>
-          <p:nvPr/>
-        </p:nvPicPr>
-        <p:blipFill>
-          <a:blip r:embed="rId3"/>
-          <a:stretch>
-            <a:fillRect/>
-          </a:stretch>
-        </p:blipFill>
-        <p:spPr>
-          <a:xfrm>
-            <a:off x="5688009" y="5259975"/>
-            <a:ext cx="459096" cy="393976"/>
-          </a:xfrm>
-          <a:prstGeom prst="rect">
-            <a:avLst/>
-          </a:prstGeom>
-        </p:spPr>
-      </p:pic>
-      <p:sp>
-        <p:nvSpPr>
-          <p:cNvPr id="11" name="AutoShape 4">
-            <a:extLst>
-              <a:ext uri="{FF2B5EF4-FFF2-40B4-BE49-F238E27FC236}">
-                <a16:creationId xmlns:a16="http://schemas.microsoft.com/office/drawing/2014/main" id="{C64ABD7E-5043-7340-8CC0-841277EF50A1}"/>
-              </a:ext>
-            </a:extLst>
-          </p:cNvPr>
-          <p:cNvSpPr>
-            <a:spLocks noChangeArrowheads="1"/>
-          </p:cNvSpPr>
-          <p:nvPr/>
-        </p:nvSpPr>
-        <p:spPr bwMode="auto">
-          <a:xfrm>
-            <a:off x="2645950" y="3448935"/>
-            <a:ext cx="4770849" cy="1396809"/>
-          </a:xfrm>
-          <a:prstGeom prst="roundRect">
-            <a:avLst>
-              <a:gd name="adj" fmla="val 7117"/>
-            </a:avLst>
-          </a:prstGeom>
-          <a:noFill/>
-          <a:ln w="12700">
-            <a:solidFill>
-              <a:srgbClr val="5596E6">
-                <a:lumMod val="50000"/>
-              </a:srgbClr>
-            </a:solidFill>
-            <a:prstDash val="dash"/>
-            <a:round/>
-            <a:headEnd/>
-            <a:tailEnd/>
-          </a:ln>
-        </p:spPr>
-        <p:txBody>
-          <a:bodyPr lIns="0" tIns="0" rIns="0" bIns="0" anchor="b" anchorCtr="1"/>
-          <a:lstStyle/>
-          <a:p>
-            <a:pPr algn="ctr" defTabSz="1219170" eaLnBrk="1" fontAlgn="auto" hangingPunct="1">
-              <a:spcBef>
-                <a:spcPts val="0"/>
-              </a:spcBef>
-              <a:spcAft>
-                <a:spcPts val="0"/>
-              </a:spcAft>
-              <a:defRPr/>
-            </a:pPr>
-            <a:r>
-              <a:rPr lang="en-US" sz="1333" kern="0" dirty="0">
-                <a:solidFill>
-                  <a:srgbClr val="6D7777"/>
-                </a:solidFill>
-              </a:rPr>
               <a:t>Cloud Pak</a:t>
             </a:r>
           </a:p>
@@ -14034,8 +13973,8 @@
         </p:blipFill>
         <p:spPr>
           <a:xfrm>
-            <a:off x="4081744" y="3679244"/>
-            <a:ext cx="673143" cy="879207"/>
+            <a:off x="7197388" y="3716209"/>
+            <a:ext cx="667636" cy="872014"/>
           </a:xfrm>
           <a:prstGeom prst="rect">
             <a:avLst/>
@@ -14064,7 +14003,7 @@
         </p:blipFill>
         <p:spPr>
           <a:xfrm>
-            <a:off x="3088358" y="3679245"/>
+            <a:off x="2944665" y="3679245"/>
             <a:ext cx="790605" cy="879207"/>
           </a:xfrm>
           <a:prstGeom prst="rect">
@@ -14086,7 +14025,7 @@
         </p:nvSpPr>
         <p:spPr>
           <a:xfrm>
-            <a:off x="4803212" y="2189569"/>
+            <a:off x="4444513" y="2178376"/>
             <a:ext cx="1176988" cy="493916"/>
           </a:xfrm>
           <a:prstGeom prst="rect">
@@ -14164,8 +14103,8 @@
         </p:nvSpPr>
         <p:spPr bwMode="auto">
           <a:xfrm>
-            <a:off x="2590800" y="1738123"/>
-            <a:ext cx="4825999" cy="1396809"/>
+            <a:off x="2232101" y="1726930"/>
+            <a:ext cx="5873931" cy="1396809"/>
           </a:xfrm>
           <a:prstGeom prst="roundRect">
             <a:avLst>
@@ -14231,7 +14170,7 @@
         </p:blipFill>
         <p:spPr>
           <a:xfrm>
-            <a:off x="4955677" y="3679244"/>
+            <a:off x="4811984" y="3679244"/>
             <a:ext cx="872059" cy="879207"/>
           </a:xfrm>
           <a:prstGeom prst="rect">
@@ -14253,7 +14192,7 @@
         </p:nvSpPr>
         <p:spPr>
           <a:xfrm>
-            <a:off x="6096000" y="2179222"/>
+            <a:off x="5737301" y="2168029"/>
             <a:ext cx="1176988" cy="493916"/>
           </a:xfrm>
           <a:prstGeom prst="rect">
@@ -14329,7 +14268,7 @@
         </p:nvSpPr>
         <p:spPr>
           <a:xfrm>
-            <a:off x="3483660" y="2179222"/>
+            <a:off x="3124961" y="2168029"/>
             <a:ext cx="1176988" cy="493916"/>
           </a:xfrm>
           <a:prstGeom prst="rect">
@@ -14386,7 +14325,7 @@
                 </a:solidFill>
                 <a:latin typeface="Arial"/>
               </a:rPr>
-              <a:t>Scoring MS</a:t>
+              <a:t>Scoring Agent</a:t>
             </a:r>
           </a:p>
         </p:txBody>
@@ -14405,7 +14344,7 @@
         </p:nvSpPr>
         <p:spPr>
           <a:xfrm>
-            <a:off x="2645950" y="1818852"/>
+            <a:off x="2287251" y="1807659"/>
             <a:ext cx="789271" cy="1214657"/>
           </a:xfrm>
           <a:prstGeom prst="rect">
@@ -14489,12 +14428,15 @@
         </p:blipFill>
         <p:spPr>
           <a:xfrm>
-            <a:off x="5973911" y="3679244"/>
+            <a:off x="3813687" y="3679244"/>
             <a:ext cx="940075" cy="879207"/>
           </a:xfrm>
           <a:prstGeom prst="rect">
             <a:avLst/>
           </a:prstGeom>
+          <a:solidFill>
+            <a:srgbClr val="0076FF"/>
+          </a:solidFill>
         </p:spPr>
       </p:pic>
       <p:sp>
@@ -14648,6 +14590,284 @@
           </a:prstGeom>
         </p:spPr>
       </p:pic>
+      <p:sp>
+        <p:nvSpPr>
+          <p:cNvPr id="8" name="Rectangle 7">
+            <a:extLst>
+              <a:ext uri="{FF2B5EF4-FFF2-40B4-BE49-F238E27FC236}">
+                <a16:creationId xmlns:a16="http://schemas.microsoft.com/office/drawing/2014/main" id="{78618C6E-B5CD-6C48-8919-34C3FC3874F5}"/>
+              </a:ext>
+            </a:extLst>
+          </p:cNvPr>
+          <p:cNvSpPr/>
+          <p:nvPr/>
+        </p:nvSpPr>
+        <p:spPr>
+          <a:xfrm>
+            <a:off x="5739193" y="3692240"/>
+            <a:ext cx="872060" cy="895983"/>
+          </a:xfrm>
+          <a:prstGeom prst="rect">
+            <a:avLst/>
+          </a:prstGeom>
+          <a:solidFill>
+            <a:srgbClr val="0076FF"/>
+          </a:solidFill>
+          <a:ln>
+            <a:noFill/>
+          </a:ln>
+        </p:spPr>
+        <p:style>
+          <a:lnRef idx="2">
+            <a:schemeClr val="accent1">
+              <a:shade val="50000"/>
+            </a:schemeClr>
+          </a:lnRef>
+          <a:fillRef idx="1">
+            <a:schemeClr val="accent1"/>
+          </a:fillRef>
+          <a:effectRef idx="0">
+            <a:schemeClr val="accent1"/>
+          </a:effectRef>
+          <a:fontRef idx="minor">
+            <a:schemeClr val="lt1"/>
+          </a:fontRef>
+        </p:style>
+        <p:txBody>
+          <a:bodyPr rtlCol="0" anchor="b"/>
+          <a:lstStyle/>
+          <a:p>
+            <a:pPr algn="ctr"/>
+            <a:r>
+              <a:rPr lang="en-US" sz="900" dirty="0">
+                <a:solidFill>
+                  <a:schemeClr val="bg1"/>
+                </a:solidFill>
+              </a:rPr>
+              <a:t>MCM</a:t>
+            </a:r>
+          </a:p>
+        </p:txBody>
+      </p:sp>
+      <p:sp>
+        <p:nvSpPr>
+          <p:cNvPr id="9" name="Hexagon 8">
+            <a:extLst>
+              <a:ext uri="{FF2B5EF4-FFF2-40B4-BE49-F238E27FC236}">
+                <a16:creationId xmlns:a16="http://schemas.microsoft.com/office/drawing/2014/main" id="{935AE278-206C-CC47-BD89-EF0717D01791}"/>
+              </a:ext>
+            </a:extLst>
+          </p:cNvPr>
+          <p:cNvSpPr/>
+          <p:nvPr/>
+        </p:nvSpPr>
+        <p:spPr>
+          <a:xfrm>
+            <a:off x="5907010" y="3759261"/>
+            <a:ext cx="471385" cy="522463"/>
+          </a:xfrm>
+          <a:prstGeom prst="hexagon">
+            <a:avLst/>
+          </a:prstGeom>
+          <a:noFill/>
+          <a:ln w="9525">
+            <a:solidFill>
+              <a:schemeClr val="bg1"/>
+            </a:solidFill>
+          </a:ln>
+        </p:spPr>
+        <p:style>
+          <a:lnRef idx="2">
+            <a:schemeClr val="accent1">
+              <a:shade val="50000"/>
+            </a:schemeClr>
+          </a:lnRef>
+          <a:fillRef idx="1">
+            <a:schemeClr val="accent1"/>
+          </a:fillRef>
+          <a:effectRef idx="0">
+            <a:schemeClr val="accent1"/>
+          </a:effectRef>
+          <a:fontRef idx="minor">
+            <a:schemeClr val="lt1"/>
+          </a:fontRef>
+        </p:style>
+        <p:txBody>
+          <a:bodyPr rtlCol="0" anchor="ctr"/>
+          <a:lstStyle/>
+          <a:p>
+            <a:pPr algn="ctr"/>
+            <a:endParaRPr lang="en-US"/>
+          </a:p>
+        </p:txBody>
+      </p:sp>
+      <p:sp>
+        <p:nvSpPr>
+          <p:cNvPr id="25" name="AutoShape 4">
+            <a:extLst>
+              <a:ext uri="{FF2B5EF4-FFF2-40B4-BE49-F238E27FC236}">
+                <a16:creationId xmlns:a16="http://schemas.microsoft.com/office/drawing/2014/main" id="{25A1A6CF-BEC6-5743-B48E-1442104E1CA2}"/>
+              </a:ext>
+            </a:extLst>
+          </p:cNvPr>
+          <p:cNvSpPr>
+            <a:spLocks noChangeArrowheads="1"/>
+          </p:cNvSpPr>
+          <p:nvPr/>
+        </p:nvSpPr>
+        <p:spPr bwMode="auto">
+          <a:xfrm>
+            <a:off x="6861199" y="3448935"/>
+            <a:ext cx="1244833" cy="2382118"/>
+          </a:xfrm>
+          <a:prstGeom prst="roundRect">
+            <a:avLst>
+              <a:gd name="adj" fmla="val 7117"/>
+            </a:avLst>
+          </a:prstGeom>
+          <a:noFill/>
+          <a:ln w="12700">
+            <a:solidFill>
+              <a:srgbClr val="5596E6">
+                <a:lumMod val="50000"/>
+              </a:srgbClr>
+            </a:solidFill>
+            <a:prstDash val="dash"/>
+            <a:round/>
+            <a:headEnd/>
+            <a:tailEnd/>
+          </a:ln>
+        </p:spPr>
+        <p:txBody>
+          <a:bodyPr lIns="0" tIns="0" rIns="0" bIns="0" anchor="b" anchorCtr="1"/>
+          <a:lstStyle/>
+          <a:p>
+            <a:pPr algn="ctr" defTabSz="1219170" eaLnBrk="1" fontAlgn="auto" hangingPunct="1">
+              <a:spcBef>
+                <a:spcPts val="0"/>
+              </a:spcBef>
+              <a:spcAft>
+                <a:spcPts val="0"/>
+              </a:spcAft>
+              <a:defRPr/>
+            </a:pPr>
+            <a:r>
+              <a:rPr lang="en-US" sz="1333" kern="0" dirty="0">
+                <a:solidFill>
+                  <a:srgbClr val="6D7777"/>
+                </a:solidFill>
+              </a:rPr>
+              <a:t>Cloud Pak</a:t>
+            </a:r>
+          </a:p>
+        </p:txBody>
+      </p:sp>
+      <p:pic>
+        <p:nvPicPr>
+          <p:cNvPr id="26" name="Picture 25">
+            <a:extLst>
+              <a:ext uri="{FF2B5EF4-FFF2-40B4-BE49-F238E27FC236}">
+                <a16:creationId xmlns:a16="http://schemas.microsoft.com/office/drawing/2014/main" id="{CCA4C1A5-3EDC-0A42-8A1E-6AAAF8D1AB7B}"/>
+              </a:ext>
+            </a:extLst>
+          </p:cNvPr>
+          <p:cNvPicPr>
+            <a:picLocks noChangeAspect="1"/>
+          </p:cNvPicPr>
+          <p:nvPr/>
+        </p:nvPicPr>
+        <p:blipFill>
+          <a:blip r:embed="rId2"/>
+          <a:stretch>
+            <a:fillRect/>
+          </a:stretch>
+        </p:blipFill>
+        <p:spPr>
+          <a:xfrm>
+            <a:off x="6769758" y="5583377"/>
+            <a:ext cx="292646" cy="267562"/>
+          </a:xfrm>
+          <a:prstGeom prst="rect">
+            <a:avLst/>
+          </a:prstGeom>
+        </p:spPr>
+      </p:pic>
+      <p:sp>
+        <p:nvSpPr>
+          <p:cNvPr id="27" name="Rectangle 26">
+            <a:extLst>
+              <a:ext uri="{FF2B5EF4-FFF2-40B4-BE49-F238E27FC236}">
+                <a16:creationId xmlns:a16="http://schemas.microsoft.com/office/drawing/2014/main" id="{F9DCE707-5773-2140-B55A-25773FA76FC6}"/>
+              </a:ext>
+            </a:extLst>
+          </p:cNvPr>
+          <p:cNvSpPr/>
+          <p:nvPr/>
+        </p:nvSpPr>
+        <p:spPr>
+          <a:xfrm>
+            <a:off x="7030089" y="2178376"/>
+            <a:ext cx="982749" cy="493916"/>
+          </a:xfrm>
+          <a:prstGeom prst="rect">
+            <a:avLst/>
+          </a:prstGeom>
+          <a:solidFill>
+            <a:schemeClr val="bg1">
+              <a:lumMod val="65000"/>
+            </a:schemeClr>
+          </a:solidFill>
+          <a:ln>
+            <a:noFill/>
+          </a:ln>
+          <a:effectLst>
+            <a:outerShdw blurRad="50800" dist="38100" dir="5400000" algn="t" rotWithShape="0">
+              <a:prstClr val="black">
+                <a:alpha val="40000"/>
+              </a:prstClr>
+            </a:outerShdw>
+          </a:effectLst>
+        </p:spPr>
+        <p:style>
+          <a:lnRef idx="2">
+            <a:schemeClr val="accent1">
+              <a:shade val="50000"/>
+            </a:schemeClr>
+          </a:lnRef>
+          <a:fillRef idx="1">
+            <a:schemeClr val="accent1"/>
+          </a:fillRef>
+          <a:effectRef idx="0">
+            <a:schemeClr val="accent1"/>
+          </a:effectRef>
+          <a:fontRef idx="minor">
+            <a:schemeClr val="lt1"/>
+          </a:fontRef>
+        </p:style>
+        <p:txBody>
+          <a:bodyPr rtlCol="0" anchor="ctr"/>
+          <a:lstStyle/>
+          <a:p>
+            <a:pPr algn="ctr" defTabSz="914377" eaLnBrk="1" fontAlgn="auto" hangingPunct="1">
+              <a:spcBef>
+                <a:spcPts val="0"/>
+              </a:spcBef>
+              <a:spcAft>
+                <a:spcPts val="0"/>
+              </a:spcAft>
+            </a:pPr>
+            <a:r>
+              <a:rPr lang="en-US" sz="1100" dirty="0">
+                <a:solidFill>
+                  <a:schemeClr val="bg1"/>
+                </a:solidFill>
+                <a:latin typeface="Arial"/>
+              </a:rPr>
+              <a:t>Predictive service</a:t>
+            </a:r>
+          </a:p>
+        </p:txBody>
+      </p:sp>
     </p:spTree>
     <p:extLst>
       <p:ext uri="{BB962C8B-B14F-4D97-AF65-F5344CB8AC3E}">
@@ -21202,7 +21422,7 @@
             <a:effectLst/>
             <a:extLst>
               <a:ext uri="{C572A759-6A51-4108-AA02-DFA0A04FC94B}">
-                <ma14:wrappingTextBoxFlag xmlns:ma14="http://schemas.microsoft.com/office/mac/drawingml/2011/main" xmlns="" val="1"/>
+                <ma14:wrappingTextBoxFlag xmlns="" xmlns:ma14="http://schemas.microsoft.com/office/mac/drawingml/2011/main" val="1"/>
               </a:ext>
             </a:extLst>
           </p:spPr>
@@ -23332,7 +23552,7 @@
             <a:effectLst/>
             <a:extLst>
               <a:ext uri="{C572A759-6A51-4108-AA02-DFA0A04FC94B}">
-                <ma14:wrappingTextBoxFlag xmlns:ma14="http://schemas.microsoft.com/office/mac/drawingml/2011/main" xmlns="" val="1"/>
+                <ma14:wrappingTextBoxFlag xmlns="" xmlns:ma14="http://schemas.microsoft.com/office/mac/drawingml/2011/main" val="1"/>
               </a:ext>
             </a:extLst>
           </p:spPr>

--- a/docs/diagrams.pptx
+++ b/docs/diagrams.pptx
@@ -285,7 +285,7 @@
               <a:pPr>
                 <a:defRPr/>
               </a:pPr>
-              <a:t>1/20/20</a:t>
+              <a:t>2/18/20</a:t>
             </a:fld>
             <a:endParaRPr lang="en-US" dirty="0"/>
           </a:p>
@@ -10153,7 +10153,7 @@
             <a:effectLst/>
             <a:extLst>
               <a:ext uri="{C572A759-6A51-4108-AA02-DFA0A04FC94B}">
-                <ma14:wrappingTextBoxFlag xmlns="" xmlns:ma14="http://schemas.microsoft.com/office/mac/drawingml/2011/main" val="1"/>
+                <ma14:wrappingTextBoxFlag xmlns:ma14="http://schemas.microsoft.com/office/mac/drawingml/2011/main" xmlns="" val="1"/>
               </a:ext>
             </a:extLst>
           </p:spPr>
@@ -12283,7 +12283,7 @@
             <a:effectLst/>
             <a:extLst>
               <a:ext uri="{C572A759-6A51-4108-AA02-DFA0A04FC94B}">
-                <ma14:wrappingTextBoxFlag xmlns="" xmlns:ma14="http://schemas.microsoft.com/office/mac/drawingml/2011/main" val="1"/>
+                <ma14:wrappingTextBoxFlag xmlns:ma14="http://schemas.microsoft.com/office/mac/drawingml/2011/main" xmlns="" val="1"/>
               </a:ext>
             </a:extLst>
           </p:spPr>
@@ -15749,7 +15749,7 @@
             <a:pPr algn="ctr"/>
             <a:r>
               <a:rPr lang="en-US" sz="1600" dirty="0"/>
-              <a:t>Container Consumer</a:t>
+              <a:t>Reefer Container Manager</a:t>
             </a:r>
           </a:p>
         </p:txBody>
@@ -16389,7 +16389,7 @@
         </p:nvSpPr>
         <p:spPr>
           <a:xfrm>
-            <a:off x="6864192" y="1605896"/>
+            <a:off x="6864192" y="1559402"/>
             <a:ext cx="2037645" cy="1044724"/>
           </a:xfrm>
           <a:prstGeom prst="rect">
@@ -16450,8 +16450,8 @@
         </p:nvCxnSpPr>
         <p:spPr>
           <a:xfrm rot="5400000" flipH="1" flipV="1">
-            <a:off x="5191216" y="1902924"/>
-            <a:ext cx="1447641" cy="1898311"/>
+            <a:off x="5167969" y="1879677"/>
+            <a:ext cx="1494135" cy="1898311"/>
           </a:xfrm>
           <a:prstGeom prst="bentConnector2">
             <a:avLst/>
@@ -16497,12 +16497,12 @@
         </p:nvCxnSpPr>
         <p:spPr>
           <a:xfrm rot="5400000">
-            <a:off x="5344471" y="2017638"/>
-            <a:ext cx="1905563" cy="3171526"/>
+            <a:off x="5321224" y="1994391"/>
+            <a:ext cx="1952057" cy="3171526"/>
           </a:xfrm>
           <a:prstGeom prst="bentConnector3">
             <a:avLst>
-              <a:gd name="adj1" fmla="val 89988"/>
+              <a:gd name="adj1" fmla="val 50000"/>
             </a:avLst>
           </a:prstGeom>
           <a:ln w="25400">
@@ -16798,66 +16798,6 @@
           </a:fontRef>
         </p:style>
       </p:cxnSp>
-      <p:pic>
-        <p:nvPicPr>
-          <p:cNvPr id="56" name="Picture 40">
-            <a:extLst>
-              <a:ext uri="{FF2B5EF4-FFF2-40B4-BE49-F238E27FC236}">
-                <a16:creationId xmlns:a16="http://schemas.microsoft.com/office/drawing/2014/main" id="{1A1BFCF5-E8F6-6A42-B2B8-BFD66819149B}"/>
-              </a:ext>
-            </a:extLst>
-          </p:cNvPr>
-          <p:cNvPicPr>
-            <a:picLocks noChangeAspect="1"/>
-          </p:cNvPicPr>
-          <p:nvPr/>
-        </p:nvPicPr>
-        <p:blipFill>
-          <a:blip r:embed="rId5">
-            <a:extLst>
-              <a:ext uri="{28A0092B-C50C-407E-A947-70E740481C1C}">
-                <a14:useLocalDpi xmlns:a14="http://schemas.microsoft.com/office/drawing/2010/main" val="0"/>
-              </a:ext>
-            </a:extLst>
-          </a:blip>
-          <a:srcRect/>
-          <a:stretch>
-            <a:fillRect/>
-          </a:stretch>
-        </p:blipFill>
-        <p:spPr bwMode="auto">
-          <a:xfrm>
-            <a:off x="6453135" y="2436124"/>
-            <a:ext cx="904093" cy="335056"/>
-          </a:xfrm>
-          <a:prstGeom prst="rect">
-            <a:avLst/>
-          </a:prstGeom>
-          <a:noFill/>
-          <a:ln>
-            <a:noFill/>
-          </a:ln>
-          <a:extLst>
-            <a:ext uri="{909E8E84-426E-40DD-AFC4-6F175D3DCCD1}">
-              <a14:hiddenFill xmlns:a14="http://schemas.microsoft.com/office/drawing/2010/main">
-                <a:solidFill>
-                  <a:srgbClr val="FFFFFF"/>
-                </a:solidFill>
-              </a14:hiddenFill>
-            </a:ext>
-            <a:ext uri="{91240B29-F687-4F45-9708-019B960494DF}">
-              <a14:hiddenLine xmlns:a14="http://schemas.microsoft.com/office/drawing/2010/main" w="9525">
-                <a:solidFill>
-                  <a:srgbClr val="000000"/>
-                </a:solidFill>
-                <a:miter lim="800000"/>
-                <a:headEnd/>
-                <a:tailEnd/>
-              </a14:hiddenLine>
-            </a:ext>
-          </a:extLst>
-        </p:spPr>
-      </p:pic>
       <p:sp>
         <p:nvSpPr>
           <p:cNvPr id="61" name="Rectangle 60">
@@ -17172,36 +17112,6 @@
           </a:prstGeom>
         </p:spPr>
       </p:pic>
-      <p:pic>
-        <p:nvPicPr>
-          <p:cNvPr id="74" name="Picture 73">
-            <a:extLst>
-              <a:ext uri="{FF2B5EF4-FFF2-40B4-BE49-F238E27FC236}">
-                <a16:creationId xmlns:a16="http://schemas.microsoft.com/office/drawing/2014/main" id="{858EDC7C-8111-2E41-8EF6-139882BC04DE}"/>
-              </a:ext>
-            </a:extLst>
-          </p:cNvPr>
-          <p:cNvPicPr>
-            <a:picLocks noChangeAspect="1"/>
-          </p:cNvPicPr>
-          <p:nvPr/>
-        </p:nvPicPr>
-        <p:blipFill>
-          <a:blip r:embed="rId6"/>
-          <a:stretch>
-            <a:fillRect/>
-          </a:stretch>
-        </p:blipFill>
-        <p:spPr>
-          <a:xfrm>
-            <a:off x="7899573" y="2450782"/>
-            <a:ext cx="806955" cy="323116"/>
-          </a:xfrm>
-          <a:prstGeom prst="rect">
-            <a:avLst/>
-          </a:prstGeom>
-        </p:spPr>
-      </p:pic>
       <p:sp>
         <p:nvSpPr>
           <p:cNvPr id="75" name="Rectangle 74">
@@ -17334,8 +17244,8 @@
         </p:nvCxnSpPr>
         <p:spPr>
           <a:xfrm>
-            <a:off x="8901837" y="2128258"/>
-            <a:ext cx="900529" cy="483317"/>
+            <a:off x="8901837" y="2081764"/>
+            <a:ext cx="900529" cy="529811"/>
           </a:xfrm>
           <a:prstGeom prst="bentConnector3">
             <a:avLst>
@@ -17366,6 +17276,66 @@
           </a:fontRef>
         </p:style>
       </p:cxnSp>
+      <p:pic>
+        <p:nvPicPr>
+          <p:cNvPr id="3" name="Picture 2">
+            <a:extLst>
+              <a:ext uri="{FF2B5EF4-FFF2-40B4-BE49-F238E27FC236}">
+                <a16:creationId xmlns:a16="http://schemas.microsoft.com/office/drawing/2014/main" id="{270EB118-3E44-C24D-8887-9CBCFFE687C4}"/>
+              </a:ext>
+            </a:extLst>
+          </p:cNvPr>
+          <p:cNvPicPr>
+            <a:picLocks noChangeAspect="1"/>
+          </p:cNvPicPr>
+          <p:nvPr/>
+        </p:nvPicPr>
+        <p:blipFill>
+          <a:blip r:embed="rId11"/>
+          <a:stretch>
+            <a:fillRect/>
+          </a:stretch>
+        </p:blipFill>
+        <p:spPr>
+          <a:xfrm>
+            <a:off x="6864406" y="2242374"/>
+            <a:ext cx="367980" cy="367980"/>
+          </a:xfrm>
+          <a:prstGeom prst="rect">
+            <a:avLst/>
+          </a:prstGeom>
+        </p:spPr>
+      </p:pic>
+      <p:pic>
+        <p:nvPicPr>
+          <p:cNvPr id="33" name="Picture 32">
+            <a:extLst>
+              <a:ext uri="{FF2B5EF4-FFF2-40B4-BE49-F238E27FC236}">
+                <a16:creationId xmlns:a16="http://schemas.microsoft.com/office/drawing/2014/main" id="{803C5815-4B56-154E-BCB1-3A85D1559983}"/>
+              </a:ext>
+            </a:extLst>
+          </p:cNvPr>
+          <p:cNvPicPr>
+            <a:picLocks noChangeAspect="1"/>
+          </p:cNvPicPr>
+          <p:nvPr/>
+        </p:nvPicPr>
+        <p:blipFill>
+          <a:blip r:embed="rId12"/>
+          <a:stretch>
+            <a:fillRect/>
+          </a:stretch>
+        </p:blipFill>
+        <p:spPr>
+          <a:xfrm>
+            <a:off x="9708854" y="2898063"/>
+            <a:ext cx="719033" cy="772295"/>
+          </a:xfrm>
+          <a:prstGeom prst="rect">
+            <a:avLst/>
+          </a:prstGeom>
+        </p:spPr>
+      </p:pic>
     </p:spTree>
     <p:extLst>
       <p:ext uri="{BB962C8B-B14F-4D97-AF65-F5344CB8AC3E}">
